--- a/study/courses/iis/IIS_lec_1.pptx
+++ b/study/courses/iis/IIS_lec_1.pptx
@@ -17,12 +17,12 @@
     <p:sldId id="261" r:id="rId8"/>
     <p:sldId id="262" r:id="rId9"/>
     <p:sldId id="263" r:id="rId10"/>
-    <p:sldId id="265" r:id="rId11"/>
-    <p:sldId id="266" r:id="rId12"/>
-    <p:sldId id="269" r:id="rId13"/>
-    <p:sldId id="267" r:id="rId14"/>
-    <p:sldId id="270" r:id="rId15"/>
-    <p:sldId id="271" r:id="rId16"/>
+    <p:sldId id="271" r:id="rId11"/>
+    <p:sldId id="265" r:id="rId12"/>
+    <p:sldId id="266" r:id="rId13"/>
+    <p:sldId id="269" r:id="rId14"/>
+    <p:sldId id="267" r:id="rId15"/>
+    <p:sldId id="270" r:id="rId16"/>
     <p:sldId id="272" r:id="rId17"/>
   </p:sldIdLst>
   <p:sldSz cx="12192000" cy="6858000"/>
@@ -124,7 +124,7 @@
   </p:defaultTextStyle>
   <p:extLst>
     <p:ext uri="{EFAFB233-063F-42B5-8137-9DF3F51BA10A}">
-      <p15:sldGuideLst xmlns:p15="http://schemas.microsoft.com/office/powerpoint/2012/main"/>
+      <p15:sldGuideLst xmlns:p15="http://schemas.microsoft.com/office/powerpoint/2012/main" xmlns=""/>
     </p:ext>
   </p:extLst>
 </p:presentation>
@@ -234,11 +234,11 @@
         </c:dLbls>
         <c:marker val="1"/>
         <c:smooth val="0"/>
-        <c:axId val="510988176"/>
-        <c:axId val="284672960"/>
+        <c:axId val="79424896"/>
+        <c:axId val="127444480"/>
       </c:lineChart>
       <c:catAx>
-        <c:axId val="510988176"/>
+        <c:axId val="79424896"/>
         <c:scaling>
           <c:orientation val="minMax"/>
         </c:scaling>
@@ -280,7 +280,7 @@
             <a:endParaRPr lang="ru-RU"/>
           </a:p>
         </c:txPr>
-        <c:crossAx val="284672960"/>
+        <c:crossAx val="127444480"/>
         <c:crosses val="autoZero"/>
         <c:auto val="1"/>
         <c:lblAlgn val="ctr"/>
@@ -288,7 +288,7 @@
         <c:noMultiLvlLbl val="0"/>
       </c:catAx>
       <c:valAx>
-        <c:axId val="284672960"/>
+        <c:axId val="127444480"/>
         <c:scaling>
           <c:orientation val="minMax"/>
         </c:scaling>
@@ -339,7 +339,7 @@
             <a:endParaRPr lang="ru-RU"/>
           </a:p>
         </c:txPr>
-        <c:crossAx val="510988176"/>
+        <c:crossAx val="79424896"/>
         <c:crosses val="autoZero"/>
         <c:crossBetween val="between"/>
       </c:valAx>
@@ -404,7 +404,7 @@
       <a:endParaRPr lang="ru-RU"/>
     </a:p>
   </c:txPr>
-  <c:externalData r:id="rId3">
+  <c:externalData r:id="rId1">
     <c:autoUpdate val="0"/>
   </c:externalData>
 </c:chartSpace>
@@ -1035,7 +1035,7 @@
           <a:p>
             <a:fld id="{F94B3442-E582-4D46-BD21-C13732E08924}" type="datetimeFigureOut">
               <a:rPr lang="ru-RU" smtClean="0"/>
-              <a:t>07.09.2017</a:t>
+              <a:t>07.09.2018</a:t>
             </a:fld>
             <a:endParaRPr lang="ru-RU"/>
           </a:p>
@@ -1518,7 +1518,7 @@
           <a:p>
             <a:fld id="{FC41F417-80F0-41BF-BAB7-69B53669C5F3}" type="datetime1">
               <a:rPr lang="ru-RU" smtClean="0"/>
-              <a:t>07.09.2017</a:t>
+              <a:t>07.09.2018</a:t>
             </a:fld>
             <a:endParaRPr lang="ru-RU"/>
           </a:p>
@@ -1688,7 +1688,7 @@
           <a:p>
             <a:fld id="{961DBD98-7F37-42A1-AC8D-16C5A60A2437}" type="datetime1">
               <a:rPr lang="ru-RU" smtClean="0"/>
-              <a:t>07.09.2017</a:t>
+              <a:t>07.09.2018</a:t>
             </a:fld>
             <a:endParaRPr lang="ru-RU"/>
           </a:p>
@@ -1868,7 +1868,7 @@
           <a:p>
             <a:fld id="{99E0AD0A-BF05-43EC-BDF3-4977141F41FE}" type="datetime1">
               <a:rPr lang="ru-RU" smtClean="0"/>
-              <a:t>07.09.2017</a:t>
+              <a:t>07.09.2018</a:t>
             </a:fld>
             <a:endParaRPr lang="ru-RU"/>
           </a:p>
@@ -2038,7 +2038,7 @@
           <a:p>
             <a:fld id="{F4C26B10-EDB0-425A-8E07-E5BB2977BF67}" type="datetime1">
               <a:rPr lang="ru-RU" smtClean="0"/>
-              <a:t>07.09.2017</a:t>
+              <a:t>07.09.2018</a:t>
             </a:fld>
             <a:endParaRPr lang="ru-RU"/>
           </a:p>
@@ -2284,7 +2284,7 @@
           <a:p>
             <a:fld id="{8EF59541-5874-4C60-BF7E-666B7CD0546B}" type="datetime1">
               <a:rPr lang="ru-RU" smtClean="0"/>
-              <a:t>07.09.2017</a:t>
+              <a:t>07.09.2018</a:t>
             </a:fld>
             <a:endParaRPr lang="ru-RU"/>
           </a:p>
@@ -2516,7 +2516,7 @@
           <a:p>
             <a:fld id="{2050EC97-51F4-46DA-AE0C-3688FE4462C0}" type="datetime1">
               <a:rPr lang="ru-RU" smtClean="0"/>
-              <a:t>07.09.2017</a:t>
+              <a:t>07.09.2018</a:t>
             </a:fld>
             <a:endParaRPr lang="ru-RU"/>
           </a:p>
@@ -2883,7 +2883,7 @@
           <a:p>
             <a:fld id="{8BB772D7-49DA-4973-AE7D-7DFF77A014F1}" type="datetime1">
               <a:rPr lang="ru-RU" smtClean="0"/>
-              <a:t>07.09.2017</a:t>
+              <a:t>07.09.2018</a:t>
             </a:fld>
             <a:endParaRPr lang="ru-RU"/>
           </a:p>
@@ -3001,7 +3001,7 @@
           <a:p>
             <a:fld id="{73932FCF-81A1-48DC-A3AE-AE6A8367E411}" type="datetime1">
               <a:rPr lang="ru-RU" smtClean="0"/>
-              <a:t>07.09.2017</a:t>
+              <a:t>07.09.2018</a:t>
             </a:fld>
             <a:endParaRPr lang="ru-RU"/>
           </a:p>
@@ -3096,7 +3096,7 @@
           <a:p>
             <a:fld id="{D0D2D234-3B22-49AA-95BB-215CE7AD71D9}" type="datetime1">
               <a:rPr lang="ru-RU" smtClean="0"/>
-              <a:t>07.09.2017</a:t>
+              <a:t>07.09.2018</a:t>
             </a:fld>
             <a:endParaRPr lang="ru-RU"/>
           </a:p>
@@ -3373,7 +3373,7 @@
           <a:p>
             <a:fld id="{5C37D29B-9467-4433-A153-AD7D251DB942}" type="datetime1">
               <a:rPr lang="ru-RU" smtClean="0"/>
-              <a:t>07.09.2017</a:t>
+              <a:t>07.09.2018</a:t>
             </a:fld>
             <a:endParaRPr lang="ru-RU"/>
           </a:p>
@@ -3626,7 +3626,7 @@
           <a:p>
             <a:fld id="{46677A4B-A6C9-4D8B-8270-A0F1744536B8}" type="datetime1">
               <a:rPr lang="ru-RU" smtClean="0"/>
-              <a:t>07.09.2017</a:t>
+              <a:t>07.09.2018</a:t>
             </a:fld>
             <a:endParaRPr lang="ru-RU"/>
           </a:p>
@@ -3839,7 +3839,7 @@
           <a:p>
             <a:fld id="{1AEBB627-A2A5-43C0-910E-A251F832AF4E}" type="datetime1">
               <a:rPr lang="ru-RU" smtClean="0"/>
-              <a:t>07.09.2017</a:t>
+              <a:t>07.09.2018</a:t>
             </a:fld>
             <a:endParaRPr lang="ru-RU"/>
           </a:p>
@@ -4904,45 +4904,19 @@
         </p:nvSpPr>
         <p:spPr>
           <a:xfrm>
-            <a:off x="838200" y="365125"/>
-            <a:ext cx="10515600" cy="701675"/>
+            <a:off x="838200" y="192383"/>
+            <a:ext cx="10515600" cy="588431"/>
           </a:xfrm>
-          <a:noFill/>
-          <a:ln>
-            <a:noFill/>
-          </a:ln>
-          <a:extLst>
-            <a:ext uri="{909E8E84-426E-40DD-AFC4-6F175D3DCCD1}">
-              <a14:hiddenFill xmlns:a14="http://schemas.microsoft.com/office/drawing/2010/main">
-                <a:solidFill>
-                  <a:srgbClr val="FFFFFF"/>
-                </a:solidFill>
-              </a14:hiddenFill>
-            </a:ext>
-            <a:ext uri="{91240B29-F687-4F45-9708-019B960494DF}">
-              <a14:hiddenLine xmlns:a14="http://schemas.microsoft.com/office/drawing/2010/main" w="9525">
-                <a:solidFill>
-                  <a:srgbClr val="000000"/>
-                </a:solidFill>
-                <a:miter lim="800000"/>
-                <a:headEnd/>
-                <a:tailEnd/>
-              </a14:hiddenLine>
-            </a:ext>
-          </a:extLst>
         </p:spPr>
         <p:txBody>
-          <a:bodyPr vert="horz" wrap="square" lIns="91440" tIns="45720" rIns="91440" bIns="45720" numCol="1" rtlCol="0" anchor="ctr" anchorCtr="0" compatLnSpc="1">
-            <a:prstTxWarp prst="textNoShape">
-              <a:avLst/>
-            </a:prstTxWarp>
-            <a:noAutofit/>
+          <a:bodyPr>
+            <a:normAutofit/>
           </a:bodyPr>
           <a:lstStyle/>
           <a:p>
             <a:pPr algn="ctr"/>
             <a:r>
-              <a:rPr lang="ru-RU" i="1" dirty="0">
+              <a:rPr lang="ru-RU" sz="3600" i="1" dirty="0">
                 <a:ln w="0"/>
                 <a:solidFill>
                   <a:schemeClr val="accent1"/>
@@ -4955,10 +4929,10 @@
                   </a:outerShdw>
                 </a:effectLst>
               </a:rPr>
-              <a:t>Кредитный </a:t>
-            </a:r>
-            <a:r>
-              <a:rPr lang="ru-RU" i="1" dirty="0" err="1">
+              <a:t>Типы задач. </a:t>
+            </a:r>
+            <a:r>
+              <a:rPr lang="ru-RU" sz="3600" i="1" dirty="0" smtClean="0">
                 <a:ln w="0"/>
                 <a:solidFill>
                   <a:schemeClr val="accent1"/>
@@ -4971,9 +4945,9 @@
                   </a:outerShdw>
                 </a:effectLst>
               </a:rPr>
-              <a:t>скоринг</a:t>
-            </a:r>
-            <a:endParaRPr lang="ru-RU" i="1" dirty="0">
+              <a:t>Регрессия и ранжирование</a:t>
+            </a:r>
+            <a:endParaRPr lang="ru-RU" sz="4100" i="1" dirty="0">
               <a:ln w="0"/>
               <a:solidFill>
                 <a:schemeClr val="accent1"/>
@@ -4991,145 +4965,7 @@
       </p:sp>
       <p:sp>
         <p:nvSpPr>
-          <p:cNvPr id="3" name="Объект 2"/>
-          <p:cNvSpPr>
-            <a:spLocks noGrp="1"/>
-          </p:cNvSpPr>
-          <p:nvPr>
-            <p:ph idx="1"/>
-          </p:nvPr>
-        </p:nvSpPr>
-        <p:spPr>
-          <a:xfrm>
-            <a:off x="928816" y="1299777"/>
-            <a:ext cx="10515600" cy="4910138"/>
-          </a:xfrm>
-        </p:spPr>
-        <p:txBody>
-          <a:bodyPr/>
-          <a:lstStyle/>
-          <a:p>
-            <a:r>
-              <a:rPr lang="ru-RU" b="1" dirty="0" smtClean="0"/>
-              <a:t>Объект</a:t>
-            </a:r>
-            <a:r>
-              <a:rPr lang="ru-RU" dirty="0" smtClean="0"/>
-              <a:t> – заявка на получение кредита</a:t>
-            </a:r>
-          </a:p>
-          <a:p>
-            <a:r>
-              <a:rPr lang="ru-RU" b="1" dirty="0" smtClean="0"/>
-              <a:t>Классы</a:t>
-            </a:r>
-            <a:r>
-              <a:rPr lang="ru-RU" dirty="0" smtClean="0"/>
-              <a:t>: </a:t>
-            </a:r>
-            <a:r>
-              <a:rPr lang="en-US" dirty="0" smtClean="0"/>
-              <a:t>good, bad</a:t>
-            </a:r>
-            <a:endParaRPr lang="ru-RU" dirty="0" smtClean="0"/>
-          </a:p>
-          <a:p>
-            <a:r>
-              <a:rPr lang="ru-RU" b="1" dirty="0" smtClean="0"/>
-              <a:t>Примеры признаков</a:t>
-            </a:r>
-            <a:r>
-              <a:rPr lang="ru-RU" dirty="0" smtClean="0"/>
-              <a:t>: </a:t>
-            </a:r>
-          </a:p>
-          <a:p>
-            <a:pPr lvl="1"/>
-            <a:r>
-              <a:rPr lang="ru-RU" dirty="0" smtClean="0"/>
-              <a:t>Бинарные: пол, наличие телефона,…</a:t>
-            </a:r>
-          </a:p>
-          <a:p>
-            <a:pPr lvl="1"/>
-            <a:r>
-              <a:rPr lang="ru-RU" dirty="0" smtClean="0"/>
-              <a:t>Номинальные: место работы, профессия, место жительства,…</a:t>
-            </a:r>
-          </a:p>
-          <a:p>
-            <a:pPr lvl="1"/>
-            <a:r>
-              <a:rPr lang="ru-RU" dirty="0" smtClean="0"/>
-              <a:t>Порядковые:  должность, образование,…</a:t>
-            </a:r>
-          </a:p>
-          <a:p>
-            <a:pPr lvl="1"/>
-            <a:r>
-              <a:rPr lang="ru-RU" dirty="0" smtClean="0"/>
-              <a:t>Количественные: возраст, зарплата, стаж работы, сумма кредита,…</a:t>
-            </a:r>
-          </a:p>
-          <a:p>
-            <a:pPr marL="0" lvl="1"/>
-            <a:r>
-              <a:rPr lang="ru-RU" sz="2800" b="1" dirty="0"/>
-              <a:t>Особенности задачи</a:t>
-            </a:r>
-            <a:r>
-              <a:rPr lang="ru-RU" dirty="0" smtClean="0"/>
-              <a:t>: </a:t>
-            </a:r>
-            <a:endParaRPr lang="en-US" sz="2400" dirty="0" smtClean="0"/>
-          </a:p>
-          <a:p>
-            <a:pPr marL="684000" lvl="2"/>
-            <a:r>
-              <a:rPr lang="ru-RU" sz="2400" dirty="0" smtClean="0"/>
-              <a:t>Вероятны пропуски данных</a:t>
-            </a:r>
-          </a:p>
-          <a:p>
-            <a:pPr marL="684000" lvl="2"/>
-            <a:r>
-              <a:rPr lang="ru-RU" sz="2400" dirty="0" smtClean="0"/>
-              <a:t>Возможна недостоверность данных</a:t>
-            </a:r>
-            <a:endParaRPr lang="en-US" sz="2400" dirty="0" smtClean="0"/>
-          </a:p>
-          <a:p>
-            <a:pPr marL="684000" lvl="2"/>
-            <a:r>
-              <a:rPr lang="ru-RU" sz="2400" dirty="0" smtClean="0"/>
-              <a:t>Нужно </a:t>
-            </a:r>
-            <a:r>
-              <a:rPr lang="ru-RU" sz="2400" dirty="0"/>
-              <a:t>оценить вероятность </a:t>
-            </a:r>
-            <a:r>
-              <a:rPr lang="ru-RU" sz="2400" dirty="0" smtClean="0"/>
-              <a:t>дефолта </a:t>
-            </a:r>
-            <a:r>
-              <a:rPr lang="en-US" sz="2400" i="1" dirty="0" smtClean="0"/>
-              <a:t>P(bad)</a:t>
-            </a:r>
-          </a:p>
-          <a:p>
-            <a:pPr marL="684000" lvl="2"/>
-            <a:endParaRPr lang="ru-RU" sz="2400" dirty="0"/>
-          </a:p>
-          <a:p>
-            <a:pPr lvl="1"/>
-            <a:endParaRPr lang="ru-RU" dirty="0"/>
-          </a:p>
-        </p:txBody>
-      </p:sp>
-      <p:sp>
-        <p:nvSpPr>
-          <p:cNvPr id="4" name="Номер слайда 3"/>
+          <p:cNvPr id="3" name="Номер слайда 2"/>
           <p:cNvSpPr>
             <a:spLocks noGrp="1"/>
           </p:cNvSpPr>
@@ -5150,10 +4986,281 @@
           </a:p>
         </p:txBody>
       </p:sp>
+      <p:sp>
+        <p:nvSpPr>
+          <p:cNvPr id="15" name="Объект 2"/>
+          <p:cNvSpPr txBox="1">
+            <a:spLocks/>
+          </p:cNvSpPr>
+          <p:nvPr/>
+        </p:nvSpPr>
+        <p:spPr>
+          <a:xfrm>
+            <a:off x="761415" y="1281363"/>
+            <a:ext cx="10515600" cy="4691063"/>
+          </a:xfrm>
+          <a:prstGeom prst="rect">
+            <a:avLst/>
+          </a:prstGeom>
+        </p:spPr>
+        <p:txBody>
+          <a:bodyPr vert="horz" lIns="91440" tIns="45720" rIns="91440" bIns="45720" rtlCol="0">
+            <a:normAutofit/>
+          </a:bodyPr>
+          <a:lstStyle>
+            <a:lvl1pPr marL="228600" indent="-228600" algn="l" defTabSz="914400" rtl="0" eaLnBrk="1" latinLnBrk="0" hangingPunct="1">
+              <a:lnSpc>
+                <a:spcPct val="90000"/>
+              </a:lnSpc>
+              <a:spcBef>
+                <a:spcPts val="1000"/>
+              </a:spcBef>
+              <a:buFont typeface="Arial" panose="020B0604020202020204" pitchFamily="34" charset="0"/>
+              <a:buChar char="•"/>
+              <a:defRPr sz="2800" kern="1200">
+                <a:solidFill>
+                  <a:schemeClr val="tx1"/>
+                </a:solidFill>
+                <a:latin typeface="+mn-lt"/>
+                <a:ea typeface="+mn-ea"/>
+                <a:cs typeface="+mn-cs"/>
+              </a:defRPr>
+            </a:lvl1pPr>
+            <a:lvl2pPr marL="685800" indent="-228600" algn="l" defTabSz="914400" rtl="0" eaLnBrk="1" latinLnBrk="0" hangingPunct="1">
+              <a:lnSpc>
+                <a:spcPct val="90000"/>
+              </a:lnSpc>
+              <a:spcBef>
+                <a:spcPts val="500"/>
+              </a:spcBef>
+              <a:buFont typeface="Arial" panose="020B0604020202020204" pitchFamily="34" charset="0"/>
+              <a:buChar char="•"/>
+              <a:defRPr sz="2400" kern="1200">
+                <a:solidFill>
+                  <a:schemeClr val="tx1"/>
+                </a:solidFill>
+                <a:latin typeface="+mn-lt"/>
+                <a:ea typeface="+mn-ea"/>
+                <a:cs typeface="+mn-cs"/>
+              </a:defRPr>
+            </a:lvl2pPr>
+            <a:lvl3pPr marL="1143000" indent="-228600" algn="l" defTabSz="914400" rtl="0" eaLnBrk="1" latinLnBrk="0" hangingPunct="1">
+              <a:lnSpc>
+                <a:spcPct val="90000"/>
+              </a:lnSpc>
+              <a:spcBef>
+                <a:spcPts val="500"/>
+              </a:spcBef>
+              <a:buFont typeface="Arial" panose="020B0604020202020204" pitchFamily="34" charset="0"/>
+              <a:buChar char="•"/>
+              <a:defRPr sz="2000" kern="1200">
+                <a:solidFill>
+                  <a:schemeClr val="tx1"/>
+                </a:solidFill>
+                <a:latin typeface="+mn-lt"/>
+                <a:ea typeface="+mn-ea"/>
+                <a:cs typeface="+mn-cs"/>
+              </a:defRPr>
+            </a:lvl3pPr>
+            <a:lvl4pPr marL="1600200" indent="-228600" algn="l" defTabSz="914400" rtl="0" eaLnBrk="1" latinLnBrk="0" hangingPunct="1">
+              <a:lnSpc>
+                <a:spcPct val="90000"/>
+              </a:lnSpc>
+              <a:spcBef>
+                <a:spcPts val="500"/>
+              </a:spcBef>
+              <a:buFont typeface="Arial" panose="020B0604020202020204" pitchFamily="34" charset="0"/>
+              <a:buChar char="•"/>
+              <a:defRPr sz="1800" kern="1200">
+                <a:solidFill>
+                  <a:schemeClr val="tx1"/>
+                </a:solidFill>
+                <a:latin typeface="+mn-lt"/>
+                <a:ea typeface="+mn-ea"/>
+                <a:cs typeface="+mn-cs"/>
+              </a:defRPr>
+            </a:lvl4pPr>
+            <a:lvl5pPr marL="2057400" indent="-228600" algn="l" defTabSz="914400" rtl="0" eaLnBrk="1" latinLnBrk="0" hangingPunct="1">
+              <a:lnSpc>
+                <a:spcPct val="90000"/>
+              </a:lnSpc>
+              <a:spcBef>
+                <a:spcPts val="500"/>
+              </a:spcBef>
+              <a:buFont typeface="Arial" panose="020B0604020202020204" pitchFamily="34" charset="0"/>
+              <a:buChar char="•"/>
+              <a:defRPr sz="1800" kern="1200">
+                <a:solidFill>
+                  <a:schemeClr val="tx1"/>
+                </a:solidFill>
+                <a:latin typeface="+mn-lt"/>
+                <a:ea typeface="+mn-ea"/>
+                <a:cs typeface="+mn-cs"/>
+              </a:defRPr>
+            </a:lvl5pPr>
+            <a:lvl6pPr marL="2514600" indent="-228600" algn="l" defTabSz="914400" rtl="0" eaLnBrk="1" latinLnBrk="0" hangingPunct="1">
+              <a:lnSpc>
+                <a:spcPct val="90000"/>
+              </a:lnSpc>
+              <a:spcBef>
+                <a:spcPts val="500"/>
+              </a:spcBef>
+              <a:buFont typeface="Arial" panose="020B0604020202020204" pitchFamily="34" charset="0"/>
+              <a:buChar char="•"/>
+              <a:defRPr sz="1800" kern="1200">
+                <a:solidFill>
+                  <a:schemeClr val="tx1"/>
+                </a:solidFill>
+                <a:latin typeface="+mn-lt"/>
+                <a:ea typeface="+mn-ea"/>
+                <a:cs typeface="+mn-cs"/>
+              </a:defRPr>
+            </a:lvl6pPr>
+            <a:lvl7pPr marL="2971800" indent="-228600" algn="l" defTabSz="914400" rtl="0" eaLnBrk="1" latinLnBrk="0" hangingPunct="1">
+              <a:lnSpc>
+                <a:spcPct val="90000"/>
+              </a:lnSpc>
+              <a:spcBef>
+                <a:spcPts val="500"/>
+              </a:spcBef>
+              <a:buFont typeface="Arial" panose="020B0604020202020204" pitchFamily="34" charset="0"/>
+              <a:buChar char="•"/>
+              <a:defRPr sz="1800" kern="1200">
+                <a:solidFill>
+                  <a:schemeClr val="tx1"/>
+                </a:solidFill>
+                <a:latin typeface="+mn-lt"/>
+                <a:ea typeface="+mn-ea"/>
+                <a:cs typeface="+mn-cs"/>
+              </a:defRPr>
+            </a:lvl7pPr>
+            <a:lvl8pPr marL="3429000" indent="-228600" algn="l" defTabSz="914400" rtl="0" eaLnBrk="1" latinLnBrk="0" hangingPunct="1">
+              <a:lnSpc>
+                <a:spcPct val="90000"/>
+              </a:lnSpc>
+              <a:spcBef>
+                <a:spcPts val="500"/>
+              </a:spcBef>
+              <a:buFont typeface="Arial" panose="020B0604020202020204" pitchFamily="34" charset="0"/>
+              <a:buChar char="•"/>
+              <a:defRPr sz="1800" kern="1200">
+                <a:solidFill>
+                  <a:schemeClr val="tx1"/>
+                </a:solidFill>
+                <a:latin typeface="+mn-lt"/>
+                <a:ea typeface="+mn-ea"/>
+                <a:cs typeface="+mn-cs"/>
+              </a:defRPr>
+            </a:lvl8pPr>
+            <a:lvl9pPr marL="3886200" indent="-228600" algn="l" defTabSz="914400" rtl="0" eaLnBrk="1" latinLnBrk="0" hangingPunct="1">
+              <a:lnSpc>
+                <a:spcPct val="90000"/>
+              </a:lnSpc>
+              <a:spcBef>
+                <a:spcPts val="500"/>
+              </a:spcBef>
+              <a:buFont typeface="Arial" panose="020B0604020202020204" pitchFamily="34" charset="0"/>
+              <a:buChar char="•"/>
+              <a:defRPr sz="1800" kern="1200">
+                <a:solidFill>
+                  <a:schemeClr val="tx1"/>
+                </a:solidFill>
+                <a:latin typeface="+mn-lt"/>
+                <a:ea typeface="+mn-ea"/>
+                <a:cs typeface="+mn-cs"/>
+              </a:defRPr>
+            </a:lvl9pPr>
+          </a:lstStyle>
+          <a:p>
+            <a:endParaRPr lang="en-US" baseline="30000" dirty="0" smtClean="0"/>
+          </a:p>
+          <a:p>
+            <a:pPr marL="0" indent="0">
+              <a:buFont typeface="Arial" panose="020B0604020202020204" pitchFamily="34" charset="0"/>
+              <a:buNone/>
+            </a:pPr>
+            <a:r>
+              <a:rPr lang="en-US" b="1" dirty="0" smtClean="0"/>
+              <a:t>2. </a:t>
+            </a:r>
+            <a:r>
+              <a:rPr lang="ru-RU" b="1" dirty="0" smtClean="0"/>
+              <a:t>Задачи восстановления регрессии </a:t>
+            </a:r>
+            <a:r>
+              <a:rPr lang="ru-RU" dirty="0" smtClean="0"/>
+              <a:t>(</a:t>
+            </a:r>
+            <a:r>
+              <a:rPr lang="en-US" dirty="0" smtClean="0"/>
+              <a:t>Regression</a:t>
+            </a:r>
+            <a:r>
+              <a:rPr lang="ru-RU" dirty="0" smtClean="0"/>
+              <a:t>)</a:t>
+            </a:r>
+            <a:endParaRPr lang="en-US" dirty="0" smtClean="0"/>
+          </a:p>
+          <a:p>
+            <a:r>
+              <a:rPr lang="en-US" dirty="0" smtClean="0"/>
+              <a:t>Y = </a:t>
+            </a:r>
+            <a:r>
+              <a:rPr lang="en-US" b="1" dirty="0" smtClean="0"/>
+              <a:t>R</a:t>
+            </a:r>
+          </a:p>
+          <a:p>
+            <a:endParaRPr lang="en-US" dirty="0" smtClean="0"/>
+          </a:p>
+          <a:p>
+            <a:pPr marL="0" indent="0">
+              <a:buFont typeface="Arial" panose="020B0604020202020204" pitchFamily="34" charset="0"/>
+              <a:buNone/>
+            </a:pPr>
+            <a:r>
+              <a:rPr lang="en-US" b="1" dirty="0" smtClean="0"/>
+              <a:t>3. </a:t>
+            </a:r>
+            <a:r>
+              <a:rPr lang="ru-RU" b="1" dirty="0" smtClean="0"/>
+              <a:t>Задачи ранжирования </a:t>
+            </a:r>
+            <a:r>
+              <a:rPr lang="ru-RU" dirty="0" smtClean="0"/>
+              <a:t>(</a:t>
+            </a:r>
+            <a:r>
+              <a:rPr lang="en-US" dirty="0" smtClean="0"/>
+              <a:t>ranking</a:t>
+            </a:r>
+            <a:r>
+              <a:rPr lang="ru-RU" dirty="0" smtClean="0"/>
+              <a:t>)</a:t>
+            </a:r>
+            <a:r>
+              <a:rPr lang="en-US" dirty="0" smtClean="0"/>
+              <a:t>:</a:t>
+            </a:r>
+          </a:p>
+          <a:p>
+            <a:r>
+              <a:rPr lang="en-US" dirty="0" smtClean="0"/>
+              <a:t>Y-</a:t>
+            </a:r>
+            <a:r>
+              <a:rPr lang="ru-RU" dirty="0" smtClean="0"/>
+              <a:t> конечное упорядоченное множество</a:t>
+            </a:r>
+            <a:endParaRPr lang="ru-RU" dirty="0"/>
+          </a:p>
+        </p:txBody>
+      </p:sp>
     </p:spTree>
     <p:extLst>
       <p:ext uri="{BB962C8B-B14F-4D97-AF65-F5344CB8AC3E}">
-        <p14:creationId xmlns:p14="http://schemas.microsoft.com/office/powerpoint/2010/main" val="66166899"/>
+        <p14:creationId xmlns:p14="http://schemas.microsoft.com/office/powerpoint/2010/main" val="1931980588"/>
       </p:ext>
     </p:extLst>
   </p:cSld>
@@ -5250,7 +5357,23 @@
                   </a:outerShdw>
                 </a:effectLst>
               </a:rPr>
-              <a:t>Предсказание оттока клиентов</a:t>
+              <a:t>Кредитный </a:t>
+            </a:r>
+            <a:r>
+              <a:rPr lang="ru-RU" i="1" dirty="0" err="1">
+                <a:ln w="0"/>
+                <a:solidFill>
+                  <a:schemeClr val="accent1"/>
+                </a:solidFill>
+                <a:effectLst>
+                  <a:outerShdw blurRad="38100" dist="25400" dir="5400000" algn="ctr" rotWithShape="0">
+                    <a:srgbClr val="6E747A">
+                      <a:alpha val="43000"/>
+                    </a:srgbClr>
+                  </a:outerShdw>
+                </a:effectLst>
+              </a:rPr>
+              <a:t>скоринг</a:t>
             </a:r>
             <a:endParaRPr lang="ru-RU" i="1" dirty="0">
               <a:ln w="0"/>
@@ -5294,7 +5417,7 @@
             </a:r>
             <a:r>
               <a:rPr lang="ru-RU" dirty="0" smtClean="0"/>
-              <a:t> – абонент в определенный момент времени</a:t>
+              <a:t> – заявка на получение кредита</a:t>
             </a:r>
           </a:p>
           <a:p>
@@ -5304,8 +5427,13 @@
             </a:r>
             <a:r>
               <a:rPr lang="ru-RU" dirty="0" smtClean="0"/>
-              <a:t>: уйдет или не уйдет в следующем месяце</a:t>
-            </a:r>
+              <a:t>: </a:t>
+            </a:r>
+            <a:r>
+              <a:rPr lang="en-US" dirty="0" smtClean="0"/>
+              <a:t>good, bad</a:t>
+            </a:r>
+            <a:endParaRPr lang="ru-RU" dirty="0" smtClean="0"/>
           </a:p>
           <a:p>
             <a:r>
@@ -5321,21 +5449,28 @@
             <a:pPr lvl="1"/>
             <a:r>
               <a:rPr lang="ru-RU" dirty="0" smtClean="0"/>
-              <a:t>Бинарные: включенные услуги, корпоративный клиент…</a:t>
+              <a:t>Бинарные: пол, наличие телефона,…</a:t>
             </a:r>
           </a:p>
           <a:p>
             <a:pPr lvl="1"/>
             <a:r>
               <a:rPr lang="ru-RU" dirty="0" smtClean="0"/>
-              <a:t>Номинальные: тарифный план, регион проживания,…</a:t>
+              <a:t>Номинальные: место работы, профессия, место жительства,…</a:t>
             </a:r>
           </a:p>
           <a:p>
             <a:pPr lvl="1"/>
             <a:r>
               <a:rPr lang="ru-RU" dirty="0" smtClean="0"/>
-              <a:t>Количественные: длительность разговоров (входящих, исходящих, СМС, трафик), сумма оплаты, частота оплаты,…</a:t>
+              <a:t>Порядковые:  должность, образование,…</a:t>
+            </a:r>
+          </a:p>
+          <a:p>
+            <a:pPr lvl="1"/>
+            <a:r>
+              <a:rPr lang="ru-RU" dirty="0" smtClean="0"/>
+              <a:t>Количественные: возраст, зарплата, стаж работы, сумма кредита,…</a:t>
             </a:r>
           </a:p>
           <a:p>
@@ -5354,14 +5489,14 @@
             <a:pPr marL="684000" lvl="2"/>
             <a:r>
               <a:rPr lang="ru-RU" sz="2400" dirty="0" smtClean="0"/>
-              <a:t>Сверхбольшие выборки</a:t>
+              <a:t>Вероятны пропуски данных</a:t>
             </a:r>
           </a:p>
           <a:p>
             <a:pPr marL="684000" lvl="2"/>
             <a:r>
               <a:rPr lang="ru-RU" sz="2400" dirty="0" smtClean="0"/>
-              <a:t>Непонятно, какие признаки вычислять по «сырым данным»</a:t>
+              <a:t>Возможна недостоверность данных</a:t>
             </a:r>
             <a:endParaRPr lang="en-US" sz="2400" dirty="0" smtClean="0"/>
           </a:p>
@@ -5377,9 +5512,12 @@
             </a:r>
             <a:r>
               <a:rPr lang="ru-RU" sz="2400" dirty="0" smtClean="0"/>
-              <a:t>ухода </a:t>
-            </a:r>
-            <a:endParaRPr lang="en-US" sz="2400" i="1" dirty="0" smtClean="0"/>
+              <a:t>дефолта </a:t>
+            </a:r>
+            <a:r>
+              <a:rPr lang="en-US" sz="2400" i="1" dirty="0" smtClean="0"/>
+              <a:t>P(bad)</a:t>
+            </a:r>
           </a:p>
           <a:p>
             <a:pPr marL="684000" lvl="2"/>
@@ -5417,7 +5555,7 @@
     </p:spTree>
     <p:extLst>
       <p:ext uri="{BB962C8B-B14F-4D97-AF65-F5344CB8AC3E}">
-        <p14:creationId xmlns:p14="http://schemas.microsoft.com/office/powerpoint/2010/main" val="2118291369"/>
+        <p14:creationId xmlns:p14="http://schemas.microsoft.com/office/powerpoint/2010/main" val="66166899"/>
       </p:ext>
     </p:extLst>
   </p:cSld>
@@ -5514,21 +5652,8 @@
                   </a:outerShdw>
                 </a:effectLst>
               </a:rPr>
-              <a:t>Задача ранжирования поисковой выдачи</a:t>
-            </a:r>
-            <a:endParaRPr lang="ru-RU" i="1" dirty="0">
-              <a:ln w="0"/>
-              <a:solidFill>
-                <a:schemeClr val="accent1"/>
-              </a:solidFill>
-              <a:effectLst>
-                <a:outerShdw blurRad="38100" dist="25400" dir="5400000" algn="ctr" rotWithShape="0">
-                  <a:srgbClr val="6E747A">
-                    <a:alpha val="43000"/>
-                  </a:srgbClr>
-                </a:outerShdw>
-              </a:effectLst>
-            </a:endParaRPr>
+              <a:t>Предсказание оттока клиентов</a:t>
+            </a:r>
           </a:p>
         </p:txBody>
       </p:sp>
@@ -5558,21 +5683,8 @@
             </a:r>
             <a:r>
               <a:rPr lang="ru-RU" dirty="0" smtClean="0"/>
-              <a:t> – пара </a:t>
-            </a:r>
-            <a:r>
-              <a:rPr lang="en-US" dirty="0" smtClean="0"/>
-              <a:t>&lt;</a:t>
-            </a:r>
-            <a:r>
-              <a:rPr lang="ru-RU" dirty="0" smtClean="0"/>
-              <a:t>запрос, документ</a:t>
-            </a:r>
-            <a:r>
-              <a:rPr lang="en-US" dirty="0" smtClean="0"/>
-              <a:t>&gt;</a:t>
-            </a:r>
-            <a:endParaRPr lang="ru-RU" dirty="0" smtClean="0"/>
+              <a:t> – абонент в определенный момент времени</a:t>
+            </a:r>
           </a:p>
           <a:p>
             <a:r>
@@ -5581,21 +5693,8 @@
             </a:r>
             <a:r>
               <a:rPr lang="ru-RU" dirty="0" smtClean="0"/>
-              <a:t>: </a:t>
-            </a:r>
-            <a:r>
-              <a:rPr lang="ru-RU" dirty="0" err="1" smtClean="0"/>
-              <a:t>релевантен</a:t>
-            </a:r>
-            <a:r>
-              <a:rPr lang="ru-RU" dirty="0" smtClean="0"/>
-              <a:t> или не </a:t>
-            </a:r>
-            <a:r>
-              <a:rPr lang="ru-RU" dirty="0" err="1" smtClean="0"/>
-              <a:t>релевантен</a:t>
-            </a:r>
-            <a:endParaRPr lang="ru-RU" dirty="0" smtClean="0"/>
+              <a:t>: уйдет или не уйдет в следующем месяце</a:t>
+            </a:r>
           </a:p>
           <a:p>
             <a:r>
@@ -5611,7 +5710,21 @@
             <a:pPr lvl="1"/>
             <a:r>
               <a:rPr lang="ru-RU" dirty="0" smtClean="0"/>
-              <a:t>Количественные: частота слов запроса в документе, число ссылок на документ, число кликов на документ,…</a:t>
+              <a:t>Бинарные: включенные услуги, корпоративный клиент…</a:t>
+            </a:r>
+          </a:p>
+          <a:p>
+            <a:pPr lvl="1"/>
+            <a:r>
+              <a:rPr lang="ru-RU" dirty="0" smtClean="0"/>
+              <a:t>Номинальные: тарифный план, регион проживания,…</a:t>
+            </a:r>
+          </a:p>
+          <a:p>
+            <a:pPr lvl="1"/>
+            <a:r>
+              <a:rPr lang="ru-RU" dirty="0" smtClean="0"/>
+              <a:t>Количественные: длительность разговоров (входящих, исходящих, СМС, трафик), сумма оплаты, частота оплаты,…</a:t>
             </a:r>
           </a:p>
           <a:p>
@@ -5630,18 +5743,31 @@
             <a:pPr marL="684000" lvl="2"/>
             <a:r>
               <a:rPr lang="ru-RU" sz="2400" dirty="0" smtClean="0"/>
-              <a:t>Оптимизируется не число ошибок, а качество ранжирования</a:t>
+              <a:t>Сверхбольшие выборки</a:t>
             </a:r>
           </a:p>
           <a:p>
             <a:pPr marL="684000" lvl="2"/>
             <a:r>
               <a:rPr lang="ru-RU" sz="2400" dirty="0" smtClean="0"/>
-              <a:t>Сверхбольшие выборки </a:t>
-            </a:r>
+              <a:t>Непонятно, какие признаки вычислять по «сырым данным»</a:t>
+            </a:r>
+            <a:endParaRPr lang="en-US" sz="2400" dirty="0" smtClean="0"/>
           </a:p>
           <a:p>
             <a:pPr marL="684000" lvl="2"/>
+            <a:r>
+              <a:rPr lang="ru-RU" sz="2400" dirty="0" smtClean="0"/>
+              <a:t>Нужно </a:t>
+            </a:r>
+            <a:r>
+              <a:rPr lang="ru-RU" sz="2400" dirty="0"/>
+              <a:t>оценить вероятность </a:t>
+            </a:r>
+            <a:r>
+              <a:rPr lang="ru-RU" sz="2400" dirty="0" smtClean="0"/>
+              <a:t>ухода </a:t>
+            </a:r>
             <a:endParaRPr lang="en-US" sz="2400" i="1" dirty="0" smtClean="0"/>
           </a:p>
           <a:p>
@@ -5680,7 +5806,7 @@
     </p:spTree>
     <p:extLst>
       <p:ext uri="{BB962C8B-B14F-4D97-AF65-F5344CB8AC3E}">
-        <p14:creationId xmlns:p14="http://schemas.microsoft.com/office/powerpoint/2010/main" val="3631175613"/>
+        <p14:creationId xmlns:p14="http://schemas.microsoft.com/office/powerpoint/2010/main" val="2118291369"/>
       </p:ext>
     </p:extLst>
   </p:cSld>
@@ -5777,21 +5903,8 @@
                   </a:outerShdw>
                 </a:effectLst>
               </a:rPr>
-              <a:t>Категоризация текстовых документов</a:t>
-            </a:r>
-            <a:endParaRPr lang="ru-RU" i="1" dirty="0">
-              <a:ln w="0"/>
-              <a:solidFill>
-                <a:schemeClr val="accent1"/>
-              </a:solidFill>
-              <a:effectLst>
-                <a:outerShdw blurRad="38100" dist="25400" dir="5400000" algn="ctr" rotWithShape="0">
-                  <a:srgbClr val="6E747A">
-                    <a:alpha val="43000"/>
-                  </a:srgbClr>
-                </a:outerShdw>
-              </a:effectLst>
-            </a:endParaRPr>
+              <a:t>Задача ранжирования поисковой выдачи</a:t>
+            </a:r>
           </a:p>
         </p:txBody>
       </p:sp>
@@ -5821,8 +5934,21 @@
             </a:r>
             <a:r>
               <a:rPr lang="ru-RU" dirty="0" smtClean="0"/>
-              <a:t> – текстовый документ</a:t>
-            </a:r>
+              <a:t> – пара </a:t>
+            </a:r>
+            <a:r>
+              <a:rPr lang="en-US" dirty="0" smtClean="0"/>
+              <a:t>&lt;</a:t>
+            </a:r>
+            <a:r>
+              <a:rPr lang="ru-RU" dirty="0" smtClean="0"/>
+              <a:t>запрос, документ</a:t>
+            </a:r>
+            <a:r>
+              <a:rPr lang="en-US" dirty="0" smtClean="0"/>
+              <a:t>&gt;</a:t>
+            </a:r>
+            <a:endParaRPr lang="ru-RU" dirty="0" smtClean="0"/>
           </a:p>
           <a:p>
             <a:r>
@@ -5831,8 +5957,21 @@
             </a:r>
             <a:r>
               <a:rPr lang="ru-RU" dirty="0" smtClean="0"/>
-              <a:t>: Рубрики тематического каталога</a:t>
-            </a:r>
+              <a:t>: </a:t>
+            </a:r>
+            <a:r>
+              <a:rPr lang="ru-RU" dirty="0" err="1" smtClean="0"/>
+              <a:t>релевантен</a:t>
+            </a:r>
+            <a:r>
+              <a:rPr lang="ru-RU" dirty="0" smtClean="0"/>
+              <a:t> или не </a:t>
+            </a:r>
+            <a:r>
+              <a:rPr lang="ru-RU" dirty="0" err="1" smtClean="0"/>
+              <a:t>релевантен</a:t>
+            </a:r>
+            <a:endParaRPr lang="ru-RU" dirty="0" smtClean="0"/>
           </a:p>
           <a:p>
             <a:r>
@@ -5848,22 +5987,7 @@
             <a:pPr lvl="1"/>
             <a:r>
               <a:rPr lang="ru-RU" dirty="0" smtClean="0"/>
-              <a:t>Номинальные: автор, год, издание,…</a:t>
-            </a:r>
-          </a:p>
-          <a:p>
-            <a:pPr lvl="1"/>
-            <a:r>
-              <a:rPr lang="ru-RU" dirty="0" smtClean="0"/>
-              <a:t>Количественные: Частота появления терминов в документе, в названии, в </a:t>
-            </a:r>
-            <a:r>
-              <a:rPr lang="ru-RU" dirty="0" err="1" smtClean="0"/>
-              <a:t>в</a:t>
-            </a:r>
-            <a:r>
-              <a:rPr lang="ru-RU" dirty="0" smtClean="0"/>
-              <a:t> ключевых словах,…</a:t>
+              <a:t>Количественные: частота слов запроса в документе, число ссылок на документ, число кликов на документ,…</a:t>
             </a:r>
           </a:p>
           <a:p>
@@ -5882,23 +6006,18 @@
             <a:pPr marL="684000" lvl="2"/>
             <a:r>
               <a:rPr lang="ru-RU" sz="2400" dirty="0" smtClean="0"/>
-              <a:t>Очень большое количество признаков (слов, словоформ)</a:t>
+              <a:t>Оптимизируется не число ошибок, а качество ранжирования</a:t>
             </a:r>
           </a:p>
           <a:p>
             <a:pPr marL="684000" lvl="2"/>
             <a:r>
               <a:rPr lang="ru-RU" sz="2400" dirty="0" smtClean="0"/>
-              <a:t>Документ написан на естественном языке (ЕЯ)</a:t>
-            </a:r>
-            <a:endParaRPr lang="en-US" sz="2400" dirty="0" smtClean="0"/>
+              <a:t>Сверхбольшие выборки </a:t>
+            </a:r>
           </a:p>
           <a:p>
             <a:pPr marL="684000" lvl="2"/>
-            <a:r>
-              <a:rPr lang="ru-RU" sz="2400" dirty="0" smtClean="0"/>
-              <a:t>Документ может относиться к нескольким рубрикам</a:t>
-            </a:r>
             <a:endParaRPr lang="en-US" sz="2400" i="1" dirty="0" smtClean="0"/>
           </a:p>
           <a:p>
@@ -5937,7 +6056,7 @@
     </p:spTree>
     <p:extLst>
       <p:ext uri="{BB962C8B-B14F-4D97-AF65-F5344CB8AC3E}">
-        <p14:creationId xmlns:p14="http://schemas.microsoft.com/office/powerpoint/2010/main" val="1952396712"/>
+        <p14:creationId xmlns:p14="http://schemas.microsoft.com/office/powerpoint/2010/main" val="3631175613"/>
       </p:ext>
     </p:extLst>
   </p:cSld>
@@ -5983,8 +6102,8 @@
         </p:nvSpPr>
         <p:spPr>
           <a:xfrm>
-            <a:off x="838200" y="365126"/>
-            <a:ext cx="10515600" cy="623416"/>
+            <a:off x="838200" y="365125"/>
+            <a:ext cx="10515600" cy="701675"/>
           </a:xfrm>
           <a:noFill/>
           <a:ln>
@@ -6021,7 +6140,7 @@
           <a:p>
             <a:pPr algn="ctr"/>
             <a:r>
-              <a:rPr lang="en-US" sz="3600" i="1" dirty="0">
+              <a:rPr lang="ru-RU" i="1" dirty="0">
                 <a:ln w="0"/>
                 <a:solidFill>
                   <a:schemeClr val="accent1"/>
@@ -6034,37 +6153,8 @@
                   </a:outerShdw>
                 </a:effectLst>
               </a:rPr>
-              <a:t>Text Mining</a:t>
-            </a:r>
-            <a:r>
-              <a:rPr lang="ru-RU" sz="3600" i="1" dirty="0">
-                <a:ln w="0"/>
-                <a:solidFill>
-                  <a:schemeClr val="accent1"/>
-                </a:solidFill>
-                <a:effectLst>
-                  <a:outerShdw blurRad="38100" dist="25400" dir="5400000" algn="ctr" rotWithShape="0">
-                    <a:srgbClr val="6E747A">
-                      <a:alpha val="43000"/>
-                    </a:srgbClr>
-                  </a:outerShdw>
-                </a:effectLst>
-              </a:rPr>
-              <a:t> – интеллектуальный анализ текстов</a:t>
-            </a:r>
-            <a:endParaRPr lang="ru-RU" sz="3600" i="1" dirty="0">
-              <a:ln w="0"/>
-              <a:solidFill>
-                <a:schemeClr val="accent1"/>
-              </a:solidFill>
-              <a:effectLst>
-                <a:outerShdw blurRad="38100" dist="25400" dir="5400000" algn="ctr" rotWithShape="0">
-                  <a:srgbClr val="6E747A">
-                    <a:alpha val="43000"/>
-                  </a:srgbClr>
-                </a:outerShdw>
-              </a:effectLst>
-            </a:endParaRPr>
+              <a:t>Категоризация текстовых документов</a:t>
+            </a:r>
           </a:p>
         </p:txBody>
       </p:sp>
@@ -6080,171 +6170,106 @@
         </p:nvSpPr>
         <p:spPr>
           <a:xfrm>
-            <a:off x="838200" y="1145059"/>
-            <a:ext cx="10515600" cy="5031904"/>
+            <a:off x="928816" y="1299777"/>
+            <a:ext cx="10515600" cy="4910138"/>
           </a:xfrm>
         </p:spPr>
         <p:txBody>
-          <a:bodyPr>
-            <a:normAutofit/>
-          </a:bodyPr>
+          <a:bodyPr/>
           <a:lstStyle/>
           <a:p>
             <a:r>
               <a:rPr lang="ru-RU" b="1" dirty="0" smtClean="0"/>
-              <a:t>Категоризация текстов</a:t>
+              <a:t>Объект</a:t>
             </a:r>
             <a:r>
               <a:rPr lang="ru-RU" dirty="0" smtClean="0"/>
-              <a:t> (</a:t>
-            </a:r>
-            <a:r>
-              <a:rPr lang="en-US" i="1" dirty="0" smtClean="0"/>
-              <a:t>classification</a:t>
+              <a:t> – текстовый документ</a:t>
+            </a:r>
+          </a:p>
+          <a:p>
+            <a:r>
+              <a:rPr lang="ru-RU" b="1" dirty="0" smtClean="0"/>
+              <a:t>Классы</a:t>
             </a:r>
             <a:r>
               <a:rPr lang="ru-RU" dirty="0" smtClean="0"/>
-              <a:t>) – </a:t>
+              <a:t>: Рубрики тематического каталога</a:t>
+            </a:r>
+          </a:p>
+          <a:p>
+            <a:r>
+              <a:rPr lang="ru-RU" b="1" dirty="0" smtClean="0"/>
+              <a:t>Примеры признаков</a:t>
+            </a:r>
+            <a:r>
+              <a:rPr lang="ru-RU" dirty="0" smtClean="0"/>
+              <a:t>: </a:t>
             </a:r>
           </a:p>
           <a:p>
             <a:pPr lvl="1"/>
             <a:r>
-              <a:rPr lang="ru-RU" dirty="0"/>
-              <a:t>отнесении документов из коллекции к одной или нескольким группам (классам, кластерам) схожих между собой текстов</a:t>
-            </a:r>
-            <a:endParaRPr lang="en-US" dirty="0" smtClean="0"/>
-          </a:p>
-          <a:p>
-            <a:r>
-              <a:rPr lang="ru-RU" b="1" dirty="0" smtClean="0"/>
-              <a:t>Извлечение информации</a:t>
-            </a:r>
-            <a:r>
-              <a:rPr lang="en-US" dirty="0" smtClean="0"/>
-              <a:t> (</a:t>
-            </a:r>
-            <a:r>
-              <a:rPr lang="en-US" i="1" dirty="0" smtClean="0"/>
-              <a:t>information extraction</a:t>
-            </a:r>
-            <a:r>
-              <a:rPr lang="en-US" dirty="0" smtClean="0"/>
-              <a:t>) –</a:t>
+              <a:rPr lang="ru-RU" dirty="0" smtClean="0"/>
+              <a:t>Номинальные: автор, год, издание,…</a:t>
             </a:r>
           </a:p>
           <a:p>
             <a:pPr lvl="1"/>
             <a:r>
               <a:rPr lang="ru-RU" dirty="0" smtClean="0"/>
-              <a:t>это </a:t>
-            </a:r>
-            <a:r>
-              <a:rPr lang="ru-RU" dirty="0"/>
-              <a:t>задача автоматического извлечения (построения) структурированных </a:t>
+              <a:t>Количественные: Частота появления терминов в документе, в названии, в </a:t>
+            </a:r>
+            <a:r>
+              <a:rPr lang="ru-RU" dirty="0" err="1" smtClean="0"/>
+              <a:t>в</a:t>
             </a:r>
             <a:r>
               <a:rPr lang="ru-RU" dirty="0" smtClean="0"/>
-              <a:t>данных</a:t>
-            </a:r>
-            <a:r>
-              <a:rPr lang="en-US" dirty="0" smtClean="0"/>
-              <a:t> </a:t>
+              <a:t> ключевых словах,…</a:t>
+            </a:r>
+          </a:p>
+          <a:p>
+            <a:pPr marL="0" lvl="1"/>
+            <a:r>
+              <a:rPr lang="ru-RU" sz="2800" b="1" dirty="0"/>
+              <a:t>Особенности задачи</a:t>
             </a:r>
             <a:r>
               <a:rPr lang="ru-RU" dirty="0" smtClean="0"/>
-              <a:t> из</a:t>
-            </a:r>
-            <a:r>
-              <a:rPr lang="ru-RU" dirty="0"/>
-              <a:t> </a:t>
-            </a:r>
-            <a:r>
-              <a:rPr lang="ru-RU" dirty="0" smtClean="0"/>
-              <a:t>неструктурированных или</a:t>
-            </a:r>
-            <a:r>
-              <a:rPr lang="ru-RU" dirty="0"/>
-              <a:t> </a:t>
-            </a:r>
-            <a:r>
-              <a:rPr lang="ru-RU" dirty="0" smtClean="0"/>
-              <a:t>слабоструктурированных</a:t>
-            </a:r>
-            <a:r>
-              <a:rPr lang="ru-RU" dirty="0"/>
-              <a:t> </a:t>
-            </a:r>
-            <a:r>
-              <a:rPr lang="ru-RU" dirty="0" smtClean="0"/>
-              <a:t>машиночитаемых документов (распознавание имен людей, названий организаций, поиск ключевых слов для текста, </a:t>
-            </a:r>
-            <a:r>
-              <a:rPr lang="ru-RU" dirty="0" err="1" smtClean="0"/>
-              <a:t>автореферирование</a:t>
-            </a:r>
-            <a:r>
-              <a:rPr lang="ru-RU" dirty="0" smtClean="0"/>
-              <a:t>)</a:t>
-            </a:r>
-            <a:endParaRPr lang="en-US" dirty="0" smtClean="0"/>
-          </a:p>
-          <a:p>
-            <a:r>
-              <a:rPr lang="ru-RU" b="1" dirty="0" smtClean="0"/>
-              <a:t>Информационный поиск </a:t>
-            </a:r>
-            <a:r>
-              <a:rPr lang="ru-RU" dirty="0" smtClean="0"/>
-              <a:t>(</a:t>
-            </a:r>
-            <a:r>
-              <a:rPr lang="en-US" i="1" dirty="0"/>
-              <a:t>information retrieval</a:t>
-            </a:r>
-            <a:r>
-              <a:rPr lang="ru-RU" dirty="0" smtClean="0"/>
-              <a:t>) –</a:t>
-            </a:r>
+              <a:t>: </a:t>
+            </a:r>
+            <a:endParaRPr lang="en-US" sz="2400" dirty="0" smtClean="0"/>
+          </a:p>
+          <a:p>
+            <a:pPr marL="684000" lvl="2"/>
+            <a:r>
+              <a:rPr lang="ru-RU" sz="2400" dirty="0" smtClean="0"/>
+              <a:t>Очень большое количество признаков (слов, словоформ)</a:t>
+            </a:r>
+          </a:p>
+          <a:p>
+            <a:pPr marL="684000" lvl="2"/>
+            <a:r>
+              <a:rPr lang="ru-RU" sz="2400" dirty="0" smtClean="0"/>
+              <a:t>Документ написан на естественном языке (ЕЯ)</a:t>
+            </a:r>
+            <a:endParaRPr lang="en-US" sz="2400" dirty="0" smtClean="0"/>
+          </a:p>
+          <a:p>
+            <a:pPr marL="684000" lvl="2"/>
+            <a:r>
+              <a:rPr lang="ru-RU" sz="2400" dirty="0" smtClean="0"/>
+              <a:t>Документ может относиться к нескольким рубрикам</a:t>
+            </a:r>
+            <a:endParaRPr lang="en-US" sz="2400" i="1" dirty="0" smtClean="0"/>
+          </a:p>
+          <a:p>
+            <a:pPr marL="684000" lvl="2"/>
+            <a:endParaRPr lang="ru-RU" sz="2400" dirty="0"/>
           </a:p>
           <a:p>
             <a:pPr lvl="1"/>
-            <a:r>
-              <a:rPr lang="ru-RU" dirty="0" smtClean="0"/>
-              <a:t>процесс</a:t>
-            </a:r>
-            <a:r>
-              <a:rPr lang="ru-RU" dirty="0"/>
-              <a:t> поиска </a:t>
-            </a:r>
-            <a:r>
-              <a:rPr lang="ru-RU" i="1" dirty="0"/>
-              <a:t>неструктурированной</a:t>
-            </a:r>
-            <a:r>
-              <a:rPr lang="ru-RU" dirty="0"/>
-              <a:t> документальной информации, удовлетворяющей информационные </a:t>
-            </a:r>
-            <a:r>
-              <a:rPr lang="ru-RU" dirty="0" smtClean="0"/>
-              <a:t>потребности (</a:t>
-            </a:r>
-            <a:r>
-              <a:rPr lang="ru-RU" dirty="0"/>
-              <a:t>процесс выявления в некотором множестве документов </a:t>
-            </a:r>
-            <a:r>
-              <a:rPr lang="ru-RU" dirty="0" smtClean="0"/>
-              <a:t>всех </a:t>
-            </a:r>
-            <a:r>
-              <a:rPr lang="ru-RU" dirty="0"/>
-              <a:t>тех, которые посвящены указанной </a:t>
-            </a:r>
-            <a:r>
-              <a:rPr lang="ru-RU" dirty="0" smtClean="0"/>
-              <a:t>теме)</a:t>
-            </a:r>
             <a:endParaRPr lang="ru-RU" dirty="0"/>
           </a:p>
         </p:txBody>
@@ -6275,7 +6300,7 @@
     </p:spTree>
     <p:extLst>
       <p:ext uri="{BB962C8B-B14F-4D97-AF65-F5344CB8AC3E}">
-        <p14:creationId xmlns:p14="http://schemas.microsoft.com/office/powerpoint/2010/main" val="3620217803"/>
+        <p14:creationId xmlns:p14="http://schemas.microsoft.com/office/powerpoint/2010/main" val="1952396712"/>
       </p:ext>
     </p:extLst>
   </p:cSld>
@@ -6321,19 +6346,45 @@
         </p:nvSpPr>
         <p:spPr>
           <a:xfrm>
-            <a:off x="838200" y="192383"/>
-            <a:ext cx="10515600" cy="588431"/>
+            <a:off x="838200" y="365126"/>
+            <a:ext cx="10515600" cy="623416"/>
           </a:xfrm>
+          <a:noFill/>
+          <a:ln>
+            <a:noFill/>
+          </a:ln>
+          <a:extLst>
+            <a:ext uri="{909E8E84-426E-40DD-AFC4-6F175D3DCCD1}">
+              <a14:hiddenFill xmlns:a14="http://schemas.microsoft.com/office/drawing/2010/main">
+                <a:solidFill>
+                  <a:srgbClr val="FFFFFF"/>
+                </a:solidFill>
+              </a14:hiddenFill>
+            </a:ext>
+            <a:ext uri="{91240B29-F687-4F45-9708-019B960494DF}">
+              <a14:hiddenLine xmlns:a14="http://schemas.microsoft.com/office/drawing/2010/main" w="9525">
+                <a:solidFill>
+                  <a:srgbClr val="000000"/>
+                </a:solidFill>
+                <a:miter lim="800000"/>
+                <a:headEnd/>
+                <a:tailEnd/>
+              </a14:hiddenLine>
+            </a:ext>
+          </a:extLst>
         </p:spPr>
         <p:txBody>
-          <a:bodyPr>
-            <a:normAutofit fontScale="90000"/>
+          <a:bodyPr vert="horz" wrap="square" lIns="91440" tIns="45720" rIns="91440" bIns="45720" numCol="1" rtlCol="0" anchor="ctr" anchorCtr="0" compatLnSpc="1">
+            <a:prstTxWarp prst="textNoShape">
+              <a:avLst/>
+            </a:prstTxWarp>
+            <a:noAutofit/>
           </a:bodyPr>
           <a:lstStyle/>
           <a:p>
             <a:pPr algn="ctr"/>
             <a:r>
-              <a:rPr lang="ru-RU" sz="4100" i="1" dirty="0">
+              <a:rPr lang="en-US" sz="3600" i="1" dirty="0">
                 <a:ln w="0"/>
                 <a:solidFill>
                   <a:schemeClr val="accent1"/>
@@ -6346,10 +6397,10 @@
                   </a:outerShdw>
                 </a:effectLst>
               </a:rPr>
-              <a:t>Классификация</a:t>
-            </a:r>
-            <a:r>
-              <a:rPr lang="ru-RU" sz="4100" i="1" dirty="0" smtClean="0">
+              <a:t>Text Mining</a:t>
+            </a:r>
+            <a:r>
+              <a:rPr lang="ru-RU" sz="3600" i="1" dirty="0">
                 <a:ln w="0"/>
                 <a:solidFill>
                   <a:schemeClr val="accent1"/>
@@ -6362,443 +6413,14 @@
                   </a:outerShdw>
                 </a:effectLst>
               </a:rPr>
-              <a:t> объектов:</a:t>
-            </a:r>
-            <a:endParaRPr lang="ru-RU" sz="4100" i="1" dirty="0">
-              <a:ln w="0"/>
-              <a:solidFill>
-                <a:schemeClr val="accent1"/>
-              </a:solidFill>
-              <a:effectLst>
-                <a:outerShdw blurRad="38100" dist="25400" dir="5400000" algn="ctr" rotWithShape="0">
-                  <a:srgbClr val="6E747A">
-                    <a:alpha val="43000"/>
-                  </a:srgbClr>
-                </a:outerShdw>
-              </a:effectLst>
-            </a:endParaRPr>
-          </a:p>
-        </p:txBody>
-      </p:sp>
-      <p:sp>
-        <p:nvSpPr>
-          <p:cNvPr id="4" name="Прямоугольник 3"/>
-          <p:cNvSpPr/>
-          <p:nvPr/>
-        </p:nvSpPr>
-        <p:spPr>
-          <a:xfrm>
-            <a:off x="5090987" y="1540476"/>
-            <a:ext cx="1820562" cy="897924"/>
-          </a:xfrm>
-          <a:prstGeom prst="rect">
-            <a:avLst/>
-          </a:prstGeom>
-        </p:spPr>
-        <p:style>
-          <a:lnRef idx="2">
-            <a:schemeClr val="accent1">
-              <a:shade val="50000"/>
-            </a:schemeClr>
-          </a:lnRef>
-          <a:fillRef idx="1">
-            <a:schemeClr val="accent1"/>
-          </a:fillRef>
-          <a:effectRef idx="0">
-            <a:schemeClr val="accent1"/>
-          </a:effectRef>
-          <a:fontRef idx="minor">
-            <a:schemeClr val="lt1"/>
-          </a:fontRef>
-        </p:style>
-        <p:txBody>
-          <a:bodyPr rtlCol="0" anchor="ctr"/>
-          <a:lstStyle/>
-          <a:p>
-            <a:pPr algn="ctr"/>
-            <a:r>
-              <a:rPr lang="ru-RU" dirty="0" smtClean="0"/>
-              <a:t>Классификатор</a:t>
-            </a:r>
-            <a:endParaRPr lang="ru-RU" dirty="0"/>
-          </a:p>
-        </p:txBody>
-      </p:sp>
-      <p:cxnSp>
-        <p:nvCxnSpPr>
-          <p:cNvPr id="6" name="Прямая со стрелкой 5"/>
-          <p:cNvCxnSpPr/>
-          <p:nvPr/>
-        </p:nvCxnSpPr>
-        <p:spPr>
-          <a:xfrm>
-            <a:off x="3320327" y="2269365"/>
-            <a:ext cx="1573427" cy="0"/>
-          </a:xfrm>
-          <a:prstGeom prst="straightConnector1">
-            <a:avLst/>
-          </a:prstGeom>
-          <a:ln w="47625">
-            <a:solidFill>
-              <a:schemeClr val="tx1"/>
-            </a:solidFill>
-            <a:tailEnd type="triangle"/>
-          </a:ln>
-        </p:spPr>
-        <p:style>
-          <a:lnRef idx="1">
-            <a:schemeClr val="dk1"/>
-          </a:lnRef>
-          <a:fillRef idx="0">
-            <a:schemeClr val="dk1"/>
-          </a:fillRef>
-          <a:effectRef idx="0">
-            <a:schemeClr val="dk1"/>
-          </a:effectRef>
-          <a:fontRef idx="minor">
-            <a:schemeClr val="tx1"/>
-          </a:fontRef>
-        </p:style>
-      </p:cxnSp>
-      <p:cxnSp>
-        <p:nvCxnSpPr>
-          <p:cNvPr id="8" name="Прямая со стрелкой 7"/>
-          <p:cNvCxnSpPr/>
-          <p:nvPr/>
-        </p:nvCxnSpPr>
-        <p:spPr>
-          <a:xfrm>
-            <a:off x="3320327" y="1723132"/>
-            <a:ext cx="1573427" cy="0"/>
-          </a:xfrm>
-          <a:prstGeom prst="straightConnector1">
-            <a:avLst/>
-          </a:prstGeom>
-          <a:ln w="47625">
-            <a:solidFill>
-              <a:schemeClr val="tx1"/>
-            </a:solidFill>
-            <a:tailEnd type="triangle"/>
-          </a:ln>
-        </p:spPr>
-        <p:style>
-          <a:lnRef idx="1">
-            <a:schemeClr val="dk1"/>
-          </a:lnRef>
-          <a:fillRef idx="0">
-            <a:schemeClr val="dk1"/>
-          </a:fillRef>
-          <a:effectRef idx="0">
-            <a:schemeClr val="dk1"/>
-          </a:effectRef>
-          <a:fontRef idx="minor">
-            <a:schemeClr val="tx1"/>
-          </a:fontRef>
-        </p:style>
-      </p:cxnSp>
-      <p:sp>
-        <p:nvSpPr>
-          <p:cNvPr id="9" name="TextBox 8"/>
-          <p:cNvSpPr txBox="1"/>
-          <p:nvPr/>
-        </p:nvSpPr>
-        <p:spPr>
-          <a:xfrm>
-            <a:off x="2945549" y="1565139"/>
-            <a:ext cx="428322" cy="923330"/>
-          </a:xfrm>
-          <a:prstGeom prst="rect">
-            <a:avLst/>
-          </a:prstGeom>
-          <a:noFill/>
-        </p:spPr>
-        <p:txBody>
-          <a:bodyPr wrap="none" rtlCol="0">
-            <a:spAutoFit/>
-          </a:bodyPr>
-          <a:lstStyle/>
-          <a:p>
-            <a:r>
-              <a:rPr lang="ru-RU" dirty="0" smtClean="0"/>
-              <a:t>Х</a:t>
-            </a:r>
-            <a:r>
-              <a:rPr lang="ru-RU" sz="1200" dirty="0" smtClean="0"/>
-              <a:t>1</a:t>
-            </a:r>
-            <a:endParaRPr lang="ru-RU" dirty="0" smtClean="0"/>
-          </a:p>
-          <a:p>
-            <a:endParaRPr lang="ru-RU" dirty="0"/>
-          </a:p>
-          <a:p>
-            <a:r>
-              <a:rPr lang="ru-RU" dirty="0" smtClean="0"/>
-              <a:t>Х</a:t>
-            </a:r>
-            <a:r>
-              <a:rPr lang="en-US" sz="1200" dirty="0" smtClean="0"/>
-              <a:t>m</a:t>
-            </a:r>
-            <a:endParaRPr lang="ru-RU" dirty="0"/>
-          </a:p>
-        </p:txBody>
-      </p:sp>
-      <p:cxnSp>
-        <p:nvCxnSpPr>
-          <p:cNvPr id="10" name="Прямая со стрелкой 9"/>
-          <p:cNvCxnSpPr/>
-          <p:nvPr/>
-        </p:nvCxnSpPr>
-        <p:spPr>
-          <a:xfrm>
-            <a:off x="7106786" y="1956421"/>
-            <a:ext cx="1573427" cy="0"/>
-          </a:xfrm>
-          <a:prstGeom prst="straightConnector1">
-            <a:avLst/>
-          </a:prstGeom>
-          <a:ln w="47625">
-            <a:solidFill>
-              <a:schemeClr val="tx1"/>
-            </a:solidFill>
-            <a:tailEnd type="triangle"/>
-          </a:ln>
-        </p:spPr>
-        <p:style>
-          <a:lnRef idx="1">
-            <a:schemeClr val="dk1"/>
-          </a:lnRef>
-          <a:fillRef idx="0">
-            <a:schemeClr val="dk1"/>
-          </a:fillRef>
-          <a:effectRef idx="0">
-            <a:schemeClr val="dk1"/>
-          </a:effectRef>
-          <a:fontRef idx="minor">
-            <a:schemeClr val="tx1"/>
-          </a:fontRef>
-        </p:style>
-      </p:cxnSp>
-      <p:cxnSp>
-        <p:nvCxnSpPr>
-          <p:cNvPr id="11" name="Прямая со стрелкой 10"/>
-          <p:cNvCxnSpPr/>
-          <p:nvPr/>
-        </p:nvCxnSpPr>
-        <p:spPr>
-          <a:xfrm flipV="1">
-            <a:off x="7106786" y="1414914"/>
-            <a:ext cx="1573427" cy="237835"/>
-          </a:xfrm>
-          <a:prstGeom prst="straightConnector1">
-            <a:avLst/>
-          </a:prstGeom>
-          <a:ln w="47625">
-            <a:solidFill>
-              <a:schemeClr val="tx1"/>
-            </a:solidFill>
-            <a:tailEnd type="triangle"/>
-          </a:ln>
-        </p:spPr>
-        <p:style>
-          <a:lnRef idx="1">
-            <a:schemeClr val="dk1"/>
-          </a:lnRef>
-          <a:fillRef idx="0">
-            <a:schemeClr val="dk1"/>
-          </a:fillRef>
-          <a:effectRef idx="0">
-            <a:schemeClr val="dk1"/>
-          </a:effectRef>
-          <a:fontRef idx="minor">
-            <a:schemeClr val="tx1"/>
-          </a:fontRef>
-        </p:style>
-      </p:cxnSp>
-      <p:cxnSp>
-        <p:nvCxnSpPr>
-          <p:cNvPr id="13" name="Прямая со стрелкой 12"/>
-          <p:cNvCxnSpPr/>
-          <p:nvPr/>
-        </p:nvCxnSpPr>
-        <p:spPr>
-          <a:xfrm>
-            <a:off x="7106786" y="2286412"/>
-            <a:ext cx="1573427" cy="235407"/>
-          </a:xfrm>
-          <a:prstGeom prst="straightConnector1">
-            <a:avLst/>
-          </a:prstGeom>
-          <a:ln w="47625">
-            <a:solidFill>
-              <a:schemeClr val="tx1"/>
-            </a:solidFill>
-            <a:tailEnd type="triangle"/>
-          </a:ln>
-        </p:spPr>
-        <p:style>
-          <a:lnRef idx="1">
-            <a:schemeClr val="dk1"/>
-          </a:lnRef>
-          <a:fillRef idx="0">
-            <a:schemeClr val="dk1"/>
-          </a:fillRef>
-          <a:effectRef idx="0">
-            <a:schemeClr val="dk1"/>
-          </a:effectRef>
-          <a:fontRef idx="minor">
-            <a:schemeClr val="tx1"/>
-          </a:fontRef>
-        </p:style>
-      </p:cxnSp>
-      <p:sp>
-        <p:nvSpPr>
-          <p:cNvPr id="16" name="Овал 15"/>
-          <p:cNvSpPr/>
-          <p:nvPr/>
-        </p:nvSpPr>
-        <p:spPr>
-          <a:xfrm>
-            <a:off x="8877446" y="953556"/>
-            <a:ext cx="779647" cy="582111"/>
-          </a:xfrm>
-          <a:prstGeom prst="ellipse">
-            <a:avLst/>
-          </a:prstGeom>
-        </p:spPr>
-        <p:style>
-          <a:lnRef idx="2">
-            <a:schemeClr val="accent1">
-              <a:shade val="50000"/>
-            </a:schemeClr>
-          </a:lnRef>
-          <a:fillRef idx="1">
-            <a:schemeClr val="accent1"/>
-          </a:fillRef>
-          <a:effectRef idx="0">
-            <a:schemeClr val="accent1"/>
-          </a:effectRef>
-          <a:fontRef idx="minor">
-            <a:schemeClr val="lt1"/>
-          </a:fontRef>
-        </p:style>
-        <p:txBody>
-          <a:bodyPr rtlCol="0" anchor="ctr"/>
-          <a:lstStyle/>
-          <a:p>
-            <a:pPr algn="ctr"/>
-            <a:r>
-              <a:rPr lang="en-US" dirty="0" smtClean="0"/>
-              <a:t>Q</a:t>
-            </a:r>
-            <a:r>
-              <a:rPr lang="en-US" sz="1400" dirty="0" smtClean="0"/>
-              <a:t>1</a:t>
-            </a:r>
-            <a:endParaRPr lang="ru-RU" dirty="0"/>
-          </a:p>
-        </p:txBody>
-      </p:sp>
-      <p:sp>
-        <p:nvSpPr>
-          <p:cNvPr id="17" name="Овал 16"/>
-          <p:cNvSpPr/>
-          <p:nvPr/>
-        </p:nvSpPr>
-        <p:spPr>
-          <a:xfrm>
-            <a:off x="8877445" y="1599358"/>
-            <a:ext cx="779647" cy="582111"/>
-          </a:xfrm>
-          <a:prstGeom prst="ellipse">
-            <a:avLst/>
-          </a:prstGeom>
-        </p:spPr>
-        <p:style>
-          <a:lnRef idx="2">
-            <a:schemeClr val="accent1">
-              <a:shade val="50000"/>
-            </a:schemeClr>
-          </a:lnRef>
-          <a:fillRef idx="1">
-            <a:schemeClr val="accent1"/>
-          </a:fillRef>
-          <a:effectRef idx="0">
-            <a:schemeClr val="accent1"/>
-          </a:effectRef>
-          <a:fontRef idx="minor">
-            <a:schemeClr val="lt1"/>
-          </a:fontRef>
-        </p:style>
-        <p:txBody>
-          <a:bodyPr rtlCol="0" anchor="ctr"/>
-          <a:lstStyle/>
-          <a:p>
-            <a:pPr algn="ctr"/>
-            <a:r>
-              <a:rPr lang="en-US" dirty="0" smtClean="0"/>
-              <a:t>Q</a:t>
-            </a:r>
-            <a:r>
-              <a:rPr lang="en-US" sz="1400" dirty="0"/>
-              <a:t>2</a:t>
-            </a:r>
-            <a:endParaRPr lang="ru-RU" dirty="0"/>
-          </a:p>
-        </p:txBody>
-      </p:sp>
-      <p:sp>
-        <p:nvSpPr>
-          <p:cNvPr id="18" name="Овал 17"/>
-          <p:cNvSpPr/>
-          <p:nvPr/>
-        </p:nvSpPr>
-        <p:spPr>
-          <a:xfrm>
-            <a:off x="8877445" y="2269365"/>
-            <a:ext cx="779647" cy="582111"/>
-          </a:xfrm>
-          <a:prstGeom prst="ellipse">
-            <a:avLst/>
-          </a:prstGeom>
-        </p:spPr>
-        <p:style>
-          <a:lnRef idx="2">
-            <a:schemeClr val="accent1">
-              <a:shade val="50000"/>
-            </a:schemeClr>
-          </a:lnRef>
-          <a:fillRef idx="1">
-            <a:schemeClr val="accent1"/>
-          </a:fillRef>
-          <a:effectRef idx="0">
-            <a:schemeClr val="accent1"/>
-          </a:effectRef>
-          <a:fontRef idx="minor">
-            <a:schemeClr val="lt1"/>
-          </a:fontRef>
-        </p:style>
-        <p:txBody>
-          <a:bodyPr rtlCol="0" anchor="ctr"/>
-          <a:lstStyle/>
-          <a:p>
-            <a:pPr algn="ctr"/>
-            <a:r>
-              <a:rPr lang="en-US" dirty="0" err="1" smtClean="0"/>
-              <a:t>Q</a:t>
-            </a:r>
-            <a:r>
-              <a:rPr lang="en-US" sz="1400" dirty="0" err="1" smtClean="0"/>
-              <a:t>k</a:t>
-            </a:r>
-            <a:endParaRPr lang="ru-RU" dirty="0"/>
-          </a:p>
-        </p:txBody>
-      </p:sp>
-      <p:sp>
-        <p:nvSpPr>
-          <p:cNvPr id="19" name="Объект 18"/>
+              <a:t> – интеллектуальный анализ текстов</a:t>
+            </a:r>
+          </a:p>
+        </p:txBody>
+      </p:sp>
+      <p:sp>
+        <p:nvSpPr>
+          <p:cNvPr id="3" name="Объект 2"/>
           <p:cNvSpPr>
             <a:spLocks noGrp="1"/>
           </p:cNvSpPr>
@@ -6808,51 +6430,170 @@
         </p:nvSpPr>
         <p:spPr>
           <a:xfrm>
-            <a:off x="838200" y="2851475"/>
-            <a:ext cx="10515600" cy="3325487"/>
+            <a:off x="838200" y="1145059"/>
+            <a:ext cx="10515600" cy="5031904"/>
           </a:xfrm>
         </p:spPr>
         <p:txBody>
-          <a:bodyPr/>
+          <a:bodyPr>
+            <a:normAutofit/>
+          </a:bodyPr>
           <a:lstStyle/>
           <a:p>
-            <a:pPr marL="0" indent="0">
-              <a:buNone/>
-            </a:pPr>
             <a:r>
               <a:rPr lang="ru-RU" b="1" dirty="0" smtClean="0"/>
-              <a:t>Класс</a:t>
+              <a:t>Категоризация текстов</a:t>
             </a:r>
             <a:r>
               <a:rPr lang="ru-RU" dirty="0" smtClean="0"/>
-              <a:t> – густонаселенная область признакового пространства, отделенная от других таких же областей разреженными участками с низкой плотностью точек.</a:t>
-            </a:r>
-          </a:p>
-          <a:p>
-            <a:pPr marL="0" indent="0">
-              <a:buNone/>
-            </a:pPr>
+              <a:t> (</a:t>
+            </a:r>
+            <a:r>
+              <a:rPr lang="en-US" i="1" dirty="0" smtClean="0"/>
+              <a:t>classification</a:t>
+            </a:r>
             <a:r>
               <a:rPr lang="ru-RU" dirty="0" smtClean="0"/>
-              <a:t>К основным характеристикам класса относят:</a:t>
-            </a:r>
-          </a:p>
-          <a:p>
+              <a:t>) – </a:t>
+            </a:r>
+          </a:p>
+          <a:p>
+            <a:pPr lvl="1"/>
+            <a:r>
+              <a:rPr lang="ru-RU" dirty="0"/>
+              <a:t>отнесении документов из коллекции к одной или нескольким группам (классам, кластерам) схожих между собой текстов</a:t>
+            </a:r>
+            <a:endParaRPr lang="en-US" dirty="0" smtClean="0"/>
+          </a:p>
+          <a:p>
+            <a:r>
+              <a:rPr lang="ru-RU" b="1" dirty="0" smtClean="0"/>
+              <a:t>Извлечение информации</a:t>
+            </a:r>
+            <a:r>
+              <a:rPr lang="en-US" dirty="0" smtClean="0"/>
+              <a:t> (</a:t>
+            </a:r>
+            <a:r>
+              <a:rPr lang="en-US" i="1" dirty="0" smtClean="0"/>
+              <a:t>information extraction</a:t>
+            </a:r>
+            <a:r>
+              <a:rPr lang="en-US" dirty="0" smtClean="0"/>
+              <a:t>) –</a:t>
+            </a:r>
+          </a:p>
+          <a:p>
+            <a:pPr lvl="1"/>
             <a:r>
               <a:rPr lang="ru-RU" dirty="0" smtClean="0"/>
-              <a:t>Плотность</a:t>
-            </a:r>
-          </a:p>
-          <a:p>
+              <a:t>это </a:t>
+            </a:r>
+            <a:r>
+              <a:rPr lang="ru-RU" dirty="0"/>
+              <a:t>задача автоматического извлечения (построения) структурированных </a:t>
+            </a:r>
             <a:r>
               <a:rPr lang="ru-RU" dirty="0" smtClean="0"/>
-              <a:t>Дисперсию</a:t>
-            </a:r>
-          </a:p>
-          <a:p>
+              <a:t>данных</a:t>
+            </a:r>
+            <a:r>
+              <a:rPr lang="en-US" dirty="0" smtClean="0"/>
+              <a:t> </a:t>
+            </a:r>
             <a:r>
               <a:rPr lang="ru-RU" dirty="0" smtClean="0"/>
-              <a:t>Структуру расположения в пространстве</a:t>
+              <a:t> из</a:t>
+            </a:r>
+            <a:r>
+              <a:rPr lang="ru-RU" dirty="0"/>
+              <a:t> </a:t>
+            </a:r>
+            <a:r>
+              <a:rPr lang="ru-RU" dirty="0" smtClean="0"/>
+              <a:t>неструктурированных или</a:t>
+            </a:r>
+            <a:r>
+              <a:rPr lang="ru-RU" dirty="0"/>
+              <a:t> </a:t>
+            </a:r>
+            <a:r>
+              <a:rPr lang="ru-RU" dirty="0" smtClean="0"/>
+              <a:t>слабоструктурированных</a:t>
+            </a:r>
+            <a:r>
+              <a:rPr lang="ru-RU" dirty="0"/>
+              <a:t> </a:t>
+            </a:r>
+            <a:r>
+              <a:rPr lang="ru-RU" dirty="0" smtClean="0"/>
+              <a:t>машиночитаемых документов (распознавание имен людей, названий организаций, поиск ключевых слов для текста, </a:t>
+            </a:r>
+            <a:r>
+              <a:rPr lang="ru-RU" dirty="0" err="1" smtClean="0"/>
+              <a:t>автореферирование</a:t>
+            </a:r>
+            <a:r>
+              <a:rPr lang="ru-RU" dirty="0" smtClean="0"/>
+              <a:t>)</a:t>
+            </a:r>
+            <a:endParaRPr lang="en-US" dirty="0" smtClean="0"/>
+          </a:p>
+          <a:p>
+            <a:r>
+              <a:rPr lang="ru-RU" b="1" dirty="0" smtClean="0"/>
+              <a:t>Информационный поиск </a:t>
+            </a:r>
+            <a:r>
+              <a:rPr lang="ru-RU" dirty="0" smtClean="0"/>
+              <a:t>(</a:t>
+            </a:r>
+            <a:r>
+              <a:rPr lang="en-US" i="1" dirty="0"/>
+              <a:t>information retrieval</a:t>
+            </a:r>
+            <a:r>
+              <a:rPr lang="ru-RU" dirty="0" smtClean="0"/>
+              <a:t>) –</a:t>
+            </a:r>
+          </a:p>
+          <a:p>
+            <a:pPr lvl="1"/>
+            <a:r>
+              <a:rPr lang="ru-RU" dirty="0" smtClean="0"/>
+              <a:t>процесс</a:t>
+            </a:r>
+            <a:r>
+              <a:rPr lang="ru-RU" dirty="0"/>
+              <a:t> поиска </a:t>
+            </a:r>
+            <a:r>
+              <a:rPr lang="ru-RU" i="1" dirty="0"/>
+              <a:t>неструктурированной</a:t>
+            </a:r>
+            <a:r>
+              <a:rPr lang="ru-RU" dirty="0"/>
+              <a:t> документальной информации, удовлетворяющей информационные </a:t>
+            </a:r>
+            <a:r>
+              <a:rPr lang="ru-RU" dirty="0" smtClean="0"/>
+              <a:t>потребности (</a:t>
+            </a:r>
+            <a:r>
+              <a:rPr lang="ru-RU" dirty="0"/>
+              <a:t>процесс выявления в некотором множестве документов </a:t>
+            </a:r>
+            <a:r>
+              <a:rPr lang="ru-RU" dirty="0" smtClean="0"/>
+              <a:t>всех </a:t>
+            </a:r>
+            <a:r>
+              <a:rPr lang="ru-RU" dirty="0"/>
+              <a:t>тех, которые посвящены указанной </a:t>
+            </a:r>
+            <a:r>
+              <a:rPr lang="ru-RU" dirty="0" smtClean="0"/>
+              <a:t>теме)</a:t>
             </a:r>
             <a:endParaRPr lang="ru-RU" dirty="0"/>
           </a:p>
@@ -6860,7 +6601,7 @@
       </p:sp>
       <p:sp>
         <p:nvSpPr>
-          <p:cNvPr id="3" name="Номер слайда 2"/>
+          <p:cNvPr id="4" name="Номер слайда 3"/>
           <p:cNvSpPr>
             <a:spLocks noGrp="1"/>
           </p:cNvSpPr>
@@ -6884,7 +6625,7 @@
     </p:spTree>
     <p:extLst>
       <p:ext uri="{BB962C8B-B14F-4D97-AF65-F5344CB8AC3E}">
-        <p14:creationId xmlns:p14="http://schemas.microsoft.com/office/powerpoint/2010/main" val="1931980588"/>
+        <p14:creationId xmlns:p14="http://schemas.microsoft.com/office/powerpoint/2010/main" val="3620217803"/>
       </p:ext>
     </p:extLst>
   </p:cSld>
@@ -9928,7 +9669,7 @@
           <a:graphicData uri="http://schemas.openxmlformats.org/presentationml/2006/ole">
             <mc:AlternateContent xmlns:mc="http://schemas.openxmlformats.org/markup-compatibility/2006">
               <mc:Choice xmlns:v="urn:schemas-microsoft-com:vml" Requires="v">
-                <p:oleObj spid="_x0000_s2113" name="Уравнение" r:id="rId3" imgW="660240" imgH="203040" progId="Equation.3">
+                <p:oleObj spid="_x0000_s2116" name="Уравнение" r:id="rId3" imgW="660240" imgH="203040" progId="Equation.3">
                   <p:embed/>
                 </p:oleObj>
               </mc:Choice>
@@ -10592,7 +10333,7 @@
           <a:graphicData uri="http://schemas.openxmlformats.org/presentationml/2006/ole">
             <mc:AlternateContent xmlns:mc="http://schemas.openxmlformats.org/markup-compatibility/2006">
               <mc:Choice xmlns:v="urn:schemas-microsoft-com:vml" Requires="v">
-                <p:oleObj spid="_x0000_s2114" name="Уравнение" r:id="rId5" imgW="660240" imgH="177480" progId="Equation.3">
+                <p:oleObj spid="_x0000_s2117" name="Уравнение" r:id="rId5" imgW="660240" imgH="177480" progId="Equation.3">
                   <p:embed/>
                 </p:oleObj>
               </mc:Choice>
@@ -10724,7 +10465,7 @@
           <a:graphicData uri="http://schemas.openxmlformats.org/presentationml/2006/ole">
             <mc:AlternateContent xmlns:mc="http://schemas.openxmlformats.org/markup-compatibility/2006">
               <mc:Choice xmlns:v="urn:schemas-microsoft-com:vml" Requires="v">
-                <p:oleObj spid="_x0000_s2115" name="Уравнение" r:id="rId7" imgW="1307880" imgH="533160" progId="Equation.3">
+                <p:oleObj spid="_x0000_s2118" name="Уравнение" r:id="rId7" imgW="1307880" imgH="533160" progId="Equation.3">
                   <p:embed/>
                 </p:oleObj>
               </mc:Choice>
@@ -11173,19 +10914,6 @@
               </a:rPr>
               <a:t>Способы построения алгоритма а:</a:t>
             </a:r>
-            <a:endParaRPr lang="ru-RU" i="1" dirty="0">
-              <a:ln w="0"/>
-              <a:solidFill>
-                <a:schemeClr val="accent1"/>
-              </a:solidFill>
-              <a:effectLst>
-                <a:outerShdw blurRad="38100" dist="25400" dir="5400000" algn="ctr" rotWithShape="0">
-                  <a:srgbClr val="6E747A">
-                    <a:alpha val="43000"/>
-                  </a:srgbClr>
-                </a:outerShdw>
-              </a:effectLst>
-            </a:endParaRPr>
           </a:p>
         </p:txBody>
       </p:sp>
@@ -11474,7 +11202,7 @@
           <a:graphicData uri="http://schemas.openxmlformats.org/presentationml/2006/ole">
             <mc:AlternateContent xmlns:mc="http://schemas.openxmlformats.org/markup-compatibility/2006">
               <mc:Choice xmlns:v="urn:schemas-microsoft-com:vml" Requires="v">
-                <p:oleObj spid="_x0000_s3149" name="Уравнение" r:id="rId3" imgW="1358640" imgH="266400" progId="Equation.3">
+                <p:oleObj spid="_x0000_s3153" name="Уравнение" r:id="rId3" imgW="1358640" imgH="266400" progId="Equation.3">
                   <p:embed/>
                 </p:oleObj>
               </mc:Choice>
@@ -11538,7 +11266,7 @@
           <a:graphicData uri="http://schemas.openxmlformats.org/presentationml/2006/ole">
             <mc:AlternateContent xmlns:mc="http://schemas.openxmlformats.org/markup-compatibility/2006">
               <mc:Choice xmlns:v="urn:schemas-microsoft-com:vml" Requires="v">
-                <p:oleObj spid="_x0000_s3150" name="Уравнение" r:id="rId5" imgW="228600" imgH="253800" progId="Equation.3">
+                <p:oleObj spid="_x0000_s3154" name="Уравнение" r:id="rId5" imgW="228600" imgH="253800" progId="Equation.3">
                   <p:embed/>
                 </p:oleObj>
               </mc:Choice>
@@ -11881,19 +11609,6 @@
               </a:rPr>
               <a:t>Объекты и признаки:</a:t>
             </a:r>
-            <a:endParaRPr lang="ru-RU" i="1" dirty="0">
-              <a:ln w="0"/>
-              <a:solidFill>
-                <a:schemeClr val="accent1"/>
-              </a:solidFill>
-              <a:effectLst>
-                <a:outerShdw blurRad="38100" dist="25400" dir="5400000" algn="ctr" rotWithShape="0">
-                  <a:srgbClr val="6E747A">
-                    <a:alpha val="43000"/>
-                  </a:srgbClr>
-                </a:outerShdw>
-              </a:effectLst>
-            </a:endParaRPr>
           </a:p>
         </p:txBody>
       </p:sp>
@@ -12019,7 +11734,7 @@
           <a:graphicData uri="http://schemas.openxmlformats.org/presentationml/2006/ole">
             <mc:AlternateContent xmlns:mc="http://schemas.openxmlformats.org/markup-compatibility/2006">
               <mc:Choice xmlns:v="urn:schemas-microsoft-com:vml" Requires="v">
-                <p:oleObj spid="_x0000_s3151" name="Уравнение" r:id="rId7" imgW="774360" imgH="1168200" progId="Equation.3">
+                <p:oleObj spid="_x0000_s3155" name="Уравнение" r:id="rId7" imgW="774360" imgH="1168200" progId="Equation.3">
                   <p:embed/>
                 </p:oleObj>
               </mc:Choice>
@@ -12089,7 +11804,7 @@
           <a:graphicData uri="http://schemas.openxmlformats.org/presentationml/2006/ole">
             <mc:AlternateContent xmlns:mc="http://schemas.openxmlformats.org/markup-compatibility/2006">
               <mc:Choice xmlns:v="urn:schemas-microsoft-com:vml" Requires="v">
-                <p:oleObj spid="_x0000_s3152" name="Уравнение" r:id="rId9" imgW="1346040" imgH="838080" progId="Equation.3">
+                <p:oleObj spid="_x0000_s3156" name="Уравнение" r:id="rId9" imgW="1346040" imgH="838080" progId="Equation.3">
                   <p:embed/>
                 </p:oleObj>
               </mc:Choice>
@@ -12296,7 +12011,7 @@
           <a:p>
             <a:pPr algn="ctr"/>
             <a:r>
-              <a:rPr lang="ru-RU" i="1" dirty="0">
+              <a:rPr lang="ru-RU" sz="4000" i="1" dirty="0">
                 <a:ln w="0"/>
                 <a:solidFill>
                   <a:schemeClr val="accent1"/>
@@ -12309,7 +12024,23 @@
                   </a:outerShdw>
                 </a:effectLst>
               </a:rPr>
-              <a:t>Типы задач</a:t>
+              <a:t>Типы </a:t>
+            </a:r>
+            <a:r>
+              <a:rPr lang="ru-RU" sz="4000" i="1" dirty="0" smtClean="0">
+                <a:ln w="0"/>
+                <a:solidFill>
+                  <a:schemeClr val="accent1"/>
+                </a:solidFill>
+                <a:effectLst>
+                  <a:outerShdw blurRad="38100" dist="25400" dir="5400000" algn="ctr" rotWithShape="0">
+                    <a:srgbClr val="6E747A">
+                      <a:alpha val="43000"/>
+                    </a:srgbClr>
+                  </a:outerShdw>
+                </a:effectLst>
+              </a:rPr>
+              <a:t>задач. Классификация</a:t>
             </a:r>
             <a:endParaRPr lang="ru-RU" i="1" dirty="0">
               <a:ln w="0"/>
@@ -12339,13 +12070,13 @@
         </p:nvSpPr>
         <p:spPr>
           <a:xfrm>
-            <a:off x="838200" y="1485900"/>
-            <a:ext cx="10515600" cy="4691063"/>
+            <a:off x="814137" y="884321"/>
+            <a:ext cx="10639926" cy="1678405"/>
           </a:xfrm>
         </p:spPr>
         <p:txBody>
           <a:bodyPr>
-            <a:normAutofit lnSpcReduction="10000"/>
+            <a:noAutofit/>
           </a:bodyPr>
           <a:lstStyle/>
           <a:p>
@@ -12354,150 +12085,70 @@
               <a:buAutoNum type="arabicPeriod"/>
             </a:pPr>
             <a:r>
-              <a:rPr lang="ru-RU" b="1" dirty="0" smtClean="0"/>
+              <a:rPr lang="ru-RU" sz="2000" b="1" dirty="0" smtClean="0"/>
               <a:t>Задачи классификации </a:t>
             </a:r>
             <a:r>
-              <a:rPr lang="ru-RU" dirty="0" smtClean="0"/>
+              <a:rPr lang="ru-RU" sz="2000" dirty="0" smtClean="0"/>
               <a:t>(</a:t>
             </a:r>
             <a:r>
-              <a:rPr lang="en-US" dirty="0" smtClean="0"/>
+              <a:rPr lang="en-US" sz="2000" dirty="0" smtClean="0"/>
               <a:t>Classification</a:t>
             </a:r>
             <a:r>
-              <a:rPr lang="ru-RU" dirty="0" smtClean="0"/>
+              <a:rPr lang="ru-RU" sz="2000" dirty="0" smtClean="0"/>
               <a:t>)</a:t>
             </a:r>
             <a:r>
-              <a:rPr lang="en-US" dirty="0" smtClean="0"/>
+              <a:rPr lang="en-US" sz="2000" dirty="0" smtClean="0"/>
               <a:t>:</a:t>
             </a:r>
           </a:p>
           <a:p>
             <a:r>
-              <a:rPr lang="en-US" dirty="0" smtClean="0"/>
+              <a:rPr lang="en-US" sz="2000" dirty="0" smtClean="0"/>
               <a:t>Y= {-1;1} – </a:t>
             </a:r>
             <a:r>
-              <a:rPr lang="ru-RU" dirty="0" smtClean="0"/>
+              <a:rPr lang="ru-RU" sz="2000" dirty="0" smtClean="0"/>
               <a:t>бинарная классификация (классификация на 2 класса)</a:t>
             </a:r>
           </a:p>
           <a:p>
             <a:r>
-              <a:rPr lang="en-US" dirty="0" smtClean="0"/>
+              <a:rPr lang="en-US" sz="2000" dirty="0" smtClean="0"/>
               <a:t>Y= {1,…K} – </a:t>
             </a:r>
             <a:r>
-              <a:rPr lang="ru-RU" dirty="0" smtClean="0"/>
+              <a:rPr lang="ru-RU" sz="2000" dirty="0" smtClean="0"/>
               <a:t>На К непересекающихся классов</a:t>
             </a:r>
           </a:p>
           <a:p>
             <a:r>
-              <a:rPr lang="en-US" dirty="0" smtClean="0"/>
+              <a:rPr lang="en-US" sz="2000" dirty="0" smtClean="0"/>
               <a:t>Y={0;1}</a:t>
             </a:r>
             <a:r>
-              <a:rPr lang="en-US" baseline="30000" dirty="0" smtClean="0"/>
+              <a:rPr lang="en-US" sz="2000" baseline="30000" dirty="0" smtClean="0"/>
               <a:t>K </a:t>
             </a:r>
             <a:r>
-              <a:rPr lang="en-US" dirty="0" smtClean="0"/>
+              <a:rPr lang="en-US" sz="2000" dirty="0" smtClean="0"/>
               <a:t> - </a:t>
             </a:r>
             <a:r>
-              <a:rPr lang="ru-RU" dirty="0" smtClean="0"/>
+              <a:rPr lang="ru-RU" sz="2000" dirty="0" smtClean="0"/>
               <a:t>На К классов, которые могут пересекаться</a:t>
             </a:r>
-            <a:endParaRPr lang="en-US" dirty="0" smtClean="0"/>
-          </a:p>
-          <a:p>
-            <a:endParaRPr lang="en-US" baseline="30000" dirty="0" smtClean="0"/>
+            <a:endParaRPr lang="en-US" sz="2000" dirty="0" smtClean="0"/>
           </a:p>
           <a:p>
             <a:pPr marL="0" indent="0">
               <a:buNone/>
             </a:pPr>
-            <a:r>
-              <a:rPr lang="en-US" b="1" dirty="0"/>
-              <a:t>2</a:t>
-            </a:r>
-            <a:r>
-              <a:rPr lang="en-US" b="1" dirty="0" smtClean="0"/>
-              <a:t>. </a:t>
-            </a:r>
-            <a:r>
-              <a:rPr lang="ru-RU" b="1" dirty="0" smtClean="0"/>
-              <a:t>Задачи восстановления регрессии </a:t>
-            </a:r>
-            <a:r>
-              <a:rPr lang="ru-RU" dirty="0" smtClean="0"/>
-              <a:t>(</a:t>
-            </a:r>
-            <a:r>
-              <a:rPr lang="en-US" dirty="0" smtClean="0"/>
-              <a:t>Regression</a:t>
-            </a:r>
-            <a:r>
-              <a:rPr lang="ru-RU" dirty="0" smtClean="0"/>
-              <a:t>)</a:t>
-            </a:r>
-            <a:endParaRPr lang="en-US" dirty="0" smtClean="0"/>
-          </a:p>
-          <a:p>
-            <a:r>
-              <a:rPr lang="en-US" dirty="0" smtClean="0"/>
-              <a:t>Y = </a:t>
-            </a:r>
-            <a:r>
-              <a:rPr lang="en-US" b="1" dirty="0" smtClean="0"/>
-              <a:t>R</a:t>
-            </a:r>
-          </a:p>
-          <a:p>
-            <a:endParaRPr lang="en-US" dirty="0"/>
-          </a:p>
-          <a:p>
-            <a:pPr marL="0" indent="0">
-              <a:buNone/>
-            </a:pPr>
-            <a:r>
-              <a:rPr lang="en-US" b="1" dirty="0" smtClean="0"/>
-              <a:t>3. </a:t>
-            </a:r>
-            <a:r>
-              <a:rPr lang="ru-RU" b="1" dirty="0" smtClean="0"/>
-              <a:t>Задачи ранжирования </a:t>
-            </a:r>
-            <a:r>
-              <a:rPr lang="ru-RU" dirty="0" smtClean="0"/>
-              <a:t>(</a:t>
-            </a:r>
-            <a:r>
-              <a:rPr lang="en-US" dirty="0" smtClean="0"/>
-              <a:t>ranking</a:t>
-            </a:r>
-            <a:r>
-              <a:rPr lang="ru-RU" dirty="0" smtClean="0"/>
-              <a:t>)</a:t>
-            </a:r>
-            <a:r>
-              <a:rPr lang="en-US" dirty="0" smtClean="0"/>
-              <a:t>:</a:t>
-            </a:r>
-          </a:p>
-          <a:p>
-            <a:r>
-              <a:rPr lang="en-US" dirty="0" smtClean="0"/>
-              <a:t>Y-</a:t>
-            </a:r>
-            <a:r>
-              <a:rPr lang="ru-RU" dirty="0" smtClean="0"/>
-              <a:t> конечное упорядоченное множество</a:t>
-            </a:r>
-            <a:endParaRPr lang="ru-RU" dirty="0"/>
+            <a:endParaRPr lang="en-US" sz="2000" baseline="30000" dirty="0" smtClean="0"/>
           </a:p>
         </p:txBody>
       </p:sp>
@@ -12521,6 +12172,652 @@
               <a:t>7</a:t>
             </a:fld>
             <a:endParaRPr lang="ru-RU"/>
+          </a:p>
+        </p:txBody>
+      </p:sp>
+      <p:sp>
+        <p:nvSpPr>
+          <p:cNvPr id="27" name="Прямоугольник 26"/>
+          <p:cNvSpPr/>
+          <p:nvPr/>
+        </p:nvSpPr>
+        <p:spPr>
+          <a:xfrm>
+            <a:off x="4701163" y="2875138"/>
+            <a:ext cx="1820562" cy="897924"/>
+          </a:xfrm>
+          <a:prstGeom prst="rect">
+            <a:avLst/>
+          </a:prstGeom>
+        </p:spPr>
+        <p:style>
+          <a:lnRef idx="2">
+            <a:schemeClr val="accent1">
+              <a:shade val="50000"/>
+            </a:schemeClr>
+          </a:lnRef>
+          <a:fillRef idx="1">
+            <a:schemeClr val="accent1"/>
+          </a:fillRef>
+          <a:effectRef idx="0">
+            <a:schemeClr val="accent1"/>
+          </a:effectRef>
+          <a:fontRef idx="minor">
+            <a:schemeClr val="lt1"/>
+          </a:fontRef>
+        </p:style>
+        <p:txBody>
+          <a:bodyPr rtlCol="0" anchor="ctr"/>
+          <a:lstStyle/>
+          <a:p>
+            <a:pPr algn="ctr"/>
+            <a:r>
+              <a:rPr lang="ru-RU" dirty="0" smtClean="0"/>
+              <a:t>Классификатор</a:t>
+            </a:r>
+            <a:endParaRPr lang="ru-RU" dirty="0"/>
+          </a:p>
+        </p:txBody>
+      </p:sp>
+      <p:cxnSp>
+        <p:nvCxnSpPr>
+          <p:cNvPr id="28" name="Прямая со стрелкой 27"/>
+          <p:cNvCxnSpPr/>
+          <p:nvPr/>
+        </p:nvCxnSpPr>
+        <p:spPr>
+          <a:xfrm>
+            <a:off x="2930503" y="3604027"/>
+            <a:ext cx="1573427" cy="0"/>
+          </a:xfrm>
+          <a:prstGeom prst="straightConnector1">
+            <a:avLst/>
+          </a:prstGeom>
+          <a:ln w="47625">
+            <a:solidFill>
+              <a:schemeClr val="tx1"/>
+            </a:solidFill>
+            <a:tailEnd type="triangle"/>
+          </a:ln>
+        </p:spPr>
+        <p:style>
+          <a:lnRef idx="1">
+            <a:schemeClr val="dk1"/>
+          </a:lnRef>
+          <a:fillRef idx="0">
+            <a:schemeClr val="dk1"/>
+          </a:fillRef>
+          <a:effectRef idx="0">
+            <a:schemeClr val="dk1"/>
+          </a:effectRef>
+          <a:fontRef idx="minor">
+            <a:schemeClr val="tx1"/>
+          </a:fontRef>
+        </p:style>
+      </p:cxnSp>
+      <p:cxnSp>
+        <p:nvCxnSpPr>
+          <p:cNvPr id="29" name="Прямая со стрелкой 28"/>
+          <p:cNvCxnSpPr/>
+          <p:nvPr/>
+        </p:nvCxnSpPr>
+        <p:spPr>
+          <a:xfrm>
+            <a:off x="2930503" y="3057794"/>
+            <a:ext cx="1573427" cy="0"/>
+          </a:xfrm>
+          <a:prstGeom prst="straightConnector1">
+            <a:avLst/>
+          </a:prstGeom>
+          <a:ln w="47625">
+            <a:solidFill>
+              <a:schemeClr val="tx1"/>
+            </a:solidFill>
+            <a:tailEnd type="triangle"/>
+          </a:ln>
+        </p:spPr>
+        <p:style>
+          <a:lnRef idx="1">
+            <a:schemeClr val="dk1"/>
+          </a:lnRef>
+          <a:fillRef idx="0">
+            <a:schemeClr val="dk1"/>
+          </a:fillRef>
+          <a:effectRef idx="0">
+            <a:schemeClr val="dk1"/>
+          </a:effectRef>
+          <a:fontRef idx="minor">
+            <a:schemeClr val="tx1"/>
+          </a:fontRef>
+        </p:style>
+      </p:cxnSp>
+      <p:sp>
+        <p:nvSpPr>
+          <p:cNvPr id="30" name="TextBox 29"/>
+          <p:cNvSpPr txBox="1"/>
+          <p:nvPr/>
+        </p:nvSpPr>
+        <p:spPr>
+          <a:xfrm>
+            <a:off x="2555725" y="2899801"/>
+            <a:ext cx="428322" cy="923330"/>
+          </a:xfrm>
+          <a:prstGeom prst="rect">
+            <a:avLst/>
+          </a:prstGeom>
+          <a:noFill/>
+        </p:spPr>
+        <p:txBody>
+          <a:bodyPr wrap="none" rtlCol="0">
+            <a:spAutoFit/>
+          </a:bodyPr>
+          <a:lstStyle/>
+          <a:p>
+            <a:r>
+              <a:rPr lang="ru-RU" dirty="0" smtClean="0"/>
+              <a:t>Х</a:t>
+            </a:r>
+            <a:r>
+              <a:rPr lang="ru-RU" sz="1200" dirty="0" smtClean="0"/>
+              <a:t>1</a:t>
+            </a:r>
+            <a:endParaRPr lang="ru-RU" dirty="0" smtClean="0"/>
+          </a:p>
+          <a:p>
+            <a:endParaRPr lang="ru-RU" dirty="0"/>
+          </a:p>
+          <a:p>
+            <a:r>
+              <a:rPr lang="ru-RU" dirty="0" smtClean="0"/>
+              <a:t>Х</a:t>
+            </a:r>
+            <a:r>
+              <a:rPr lang="en-US" sz="1200" dirty="0" smtClean="0"/>
+              <a:t>m</a:t>
+            </a:r>
+            <a:endParaRPr lang="ru-RU" dirty="0"/>
+          </a:p>
+        </p:txBody>
+      </p:sp>
+      <p:cxnSp>
+        <p:nvCxnSpPr>
+          <p:cNvPr id="31" name="Прямая со стрелкой 30"/>
+          <p:cNvCxnSpPr/>
+          <p:nvPr/>
+        </p:nvCxnSpPr>
+        <p:spPr>
+          <a:xfrm>
+            <a:off x="6716962" y="3291083"/>
+            <a:ext cx="1573427" cy="0"/>
+          </a:xfrm>
+          <a:prstGeom prst="straightConnector1">
+            <a:avLst/>
+          </a:prstGeom>
+          <a:ln w="47625">
+            <a:solidFill>
+              <a:schemeClr val="tx1"/>
+            </a:solidFill>
+            <a:tailEnd type="triangle"/>
+          </a:ln>
+        </p:spPr>
+        <p:style>
+          <a:lnRef idx="1">
+            <a:schemeClr val="dk1"/>
+          </a:lnRef>
+          <a:fillRef idx="0">
+            <a:schemeClr val="dk1"/>
+          </a:fillRef>
+          <a:effectRef idx="0">
+            <a:schemeClr val="dk1"/>
+          </a:effectRef>
+          <a:fontRef idx="minor">
+            <a:schemeClr val="tx1"/>
+          </a:fontRef>
+        </p:style>
+      </p:cxnSp>
+      <p:cxnSp>
+        <p:nvCxnSpPr>
+          <p:cNvPr id="32" name="Прямая со стрелкой 31"/>
+          <p:cNvCxnSpPr/>
+          <p:nvPr/>
+        </p:nvCxnSpPr>
+        <p:spPr>
+          <a:xfrm flipV="1">
+            <a:off x="6716962" y="2749576"/>
+            <a:ext cx="1573427" cy="237835"/>
+          </a:xfrm>
+          <a:prstGeom prst="straightConnector1">
+            <a:avLst/>
+          </a:prstGeom>
+          <a:ln w="47625">
+            <a:solidFill>
+              <a:schemeClr val="tx1"/>
+            </a:solidFill>
+            <a:tailEnd type="triangle"/>
+          </a:ln>
+        </p:spPr>
+        <p:style>
+          <a:lnRef idx="1">
+            <a:schemeClr val="dk1"/>
+          </a:lnRef>
+          <a:fillRef idx="0">
+            <a:schemeClr val="dk1"/>
+          </a:fillRef>
+          <a:effectRef idx="0">
+            <a:schemeClr val="dk1"/>
+          </a:effectRef>
+          <a:fontRef idx="minor">
+            <a:schemeClr val="tx1"/>
+          </a:fontRef>
+        </p:style>
+      </p:cxnSp>
+      <p:cxnSp>
+        <p:nvCxnSpPr>
+          <p:cNvPr id="33" name="Прямая со стрелкой 32"/>
+          <p:cNvCxnSpPr/>
+          <p:nvPr/>
+        </p:nvCxnSpPr>
+        <p:spPr>
+          <a:xfrm>
+            <a:off x="6716962" y="3621074"/>
+            <a:ext cx="1573427" cy="235407"/>
+          </a:xfrm>
+          <a:prstGeom prst="straightConnector1">
+            <a:avLst/>
+          </a:prstGeom>
+          <a:ln w="47625">
+            <a:solidFill>
+              <a:schemeClr val="tx1"/>
+            </a:solidFill>
+            <a:tailEnd type="triangle"/>
+          </a:ln>
+        </p:spPr>
+        <p:style>
+          <a:lnRef idx="1">
+            <a:schemeClr val="dk1"/>
+          </a:lnRef>
+          <a:fillRef idx="0">
+            <a:schemeClr val="dk1"/>
+          </a:fillRef>
+          <a:effectRef idx="0">
+            <a:schemeClr val="dk1"/>
+          </a:effectRef>
+          <a:fontRef idx="minor">
+            <a:schemeClr val="tx1"/>
+          </a:fontRef>
+        </p:style>
+      </p:cxnSp>
+      <p:sp>
+        <p:nvSpPr>
+          <p:cNvPr id="34" name="Овал 33"/>
+          <p:cNvSpPr/>
+          <p:nvPr/>
+        </p:nvSpPr>
+        <p:spPr>
+          <a:xfrm>
+            <a:off x="8487622" y="2288218"/>
+            <a:ext cx="779647" cy="582111"/>
+          </a:xfrm>
+          <a:prstGeom prst="ellipse">
+            <a:avLst/>
+          </a:prstGeom>
+        </p:spPr>
+        <p:style>
+          <a:lnRef idx="2">
+            <a:schemeClr val="accent1">
+              <a:shade val="50000"/>
+            </a:schemeClr>
+          </a:lnRef>
+          <a:fillRef idx="1">
+            <a:schemeClr val="accent1"/>
+          </a:fillRef>
+          <a:effectRef idx="0">
+            <a:schemeClr val="accent1"/>
+          </a:effectRef>
+          <a:fontRef idx="minor">
+            <a:schemeClr val="lt1"/>
+          </a:fontRef>
+        </p:style>
+        <p:txBody>
+          <a:bodyPr rtlCol="0" anchor="ctr"/>
+          <a:lstStyle/>
+          <a:p>
+            <a:pPr algn="ctr"/>
+            <a:r>
+              <a:rPr lang="en-US" dirty="0" smtClean="0"/>
+              <a:t>Q</a:t>
+            </a:r>
+            <a:r>
+              <a:rPr lang="en-US" sz="1400" dirty="0" smtClean="0"/>
+              <a:t>1</a:t>
+            </a:r>
+            <a:endParaRPr lang="ru-RU" dirty="0"/>
+          </a:p>
+        </p:txBody>
+      </p:sp>
+      <p:sp>
+        <p:nvSpPr>
+          <p:cNvPr id="35" name="Овал 34"/>
+          <p:cNvSpPr/>
+          <p:nvPr/>
+        </p:nvSpPr>
+        <p:spPr>
+          <a:xfrm>
+            <a:off x="8487621" y="2934020"/>
+            <a:ext cx="779647" cy="582111"/>
+          </a:xfrm>
+          <a:prstGeom prst="ellipse">
+            <a:avLst/>
+          </a:prstGeom>
+        </p:spPr>
+        <p:style>
+          <a:lnRef idx="2">
+            <a:schemeClr val="accent1">
+              <a:shade val="50000"/>
+            </a:schemeClr>
+          </a:lnRef>
+          <a:fillRef idx="1">
+            <a:schemeClr val="accent1"/>
+          </a:fillRef>
+          <a:effectRef idx="0">
+            <a:schemeClr val="accent1"/>
+          </a:effectRef>
+          <a:fontRef idx="minor">
+            <a:schemeClr val="lt1"/>
+          </a:fontRef>
+        </p:style>
+        <p:txBody>
+          <a:bodyPr rtlCol="0" anchor="ctr"/>
+          <a:lstStyle/>
+          <a:p>
+            <a:pPr algn="ctr"/>
+            <a:r>
+              <a:rPr lang="en-US" dirty="0" smtClean="0"/>
+              <a:t>Q</a:t>
+            </a:r>
+            <a:r>
+              <a:rPr lang="en-US" sz="1400" dirty="0"/>
+              <a:t>2</a:t>
+            </a:r>
+            <a:endParaRPr lang="ru-RU" dirty="0"/>
+          </a:p>
+        </p:txBody>
+      </p:sp>
+      <p:sp>
+        <p:nvSpPr>
+          <p:cNvPr id="36" name="Овал 35"/>
+          <p:cNvSpPr/>
+          <p:nvPr/>
+        </p:nvSpPr>
+        <p:spPr>
+          <a:xfrm>
+            <a:off x="8487621" y="3604027"/>
+            <a:ext cx="779647" cy="582111"/>
+          </a:xfrm>
+          <a:prstGeom prst="ellipse">
+            <a:avLst/>
+          </a:prstGeom>
+        </p:spPr>
+        <p:style>
+          <a:lnRef idx="2">
+            <a:schemeClr val="accent1">
+              <a:shade val="50000"/>
+            </a:schemeClr>
+          </a:lnRef>
+          <a:fillRef idx="1">
+            <a:schemeClr val="accent1"/>
+          </a:fillRef>
+          <a:effectRef idx="0">
+            <a:schemeClr val="accent1"/>
+          </a:effectRef>
+          <a:fontRef idx="minor">
+            <a:schemeClr val="lt1"/>
+          </a:fontRef>
+        </p:style>
+        <p:txBody>
+          <a:bodyPr rtlCol="0" anchor="ctr"/>
+          <a:lstStyle/>
+          <a:p>
+            <a:pPr algn="ctr"/>
+            <a:r>
+              <a:rPr lang="en-US" dirty="0" err="1" smtClean="0"/>
+              <a:t>Q</a:t>
+            </a:r>
+            <a:r>
+              <a:rPr lang="en-US" sz="1400" dirty="0" err="1" smtClean="0"/>
+              <a:t>k</a:t>
+            </a:r>
+            <a:endParaRPr lang="ru-RU" dirty="0"/>
+          </a:p>
+        </p:txBody>
+      </p:sp>
+      <p:sp>
+        <p:nvSpPr>
+          <p:cNvPr id="37" name="Объект 18"/>
+          <p:cNvSpPr txBox="1">
+            <a:spLocks/>
+          </p:cNvSpPr>
+          <p:nvPr/>
+        </p:nvSpPr>
+        <p:spPr>
+          <a:xfrm>
+            <a:off x="838200" y="4403549"/>
+            <a:ext cx="10515600" cy="2261945"/>
+          </a:xfrm>
+          <a:prstGeom prst="rect">
+            <a:avLst/>
+          </a:prstGeom>
+        </p:spPr>
+        <p:txBody>
+          <a:bodyPr vert="horz" lIns="91440" tIns="45720" rIns="91440" bIns="45720" rtlCol="0">
+            <a:normAutofit/>
+          </a:bodyPr>
+          <a:lstStyle>
+            <a:lvl1pPr marL="228600" indent="-228600" algn="l" defTabSz="914400" rtl="0" eaLnBrk="1" latinLnBrk="0" hangingPunct="1">
+              <a:lnSpc>
+                <a:spcPct val="90000"/>
+              </a:lnSpc>
+              <a:spcBef>
+                <a:spcPts val="1000"/>
+              </a:spcBef>
+              <a:buFont typeface="Arial" panose="020B0604020202020204" pitchFamily="34" charset="0"/>
+              <a:buChar char="•"/>
+              <a:defRPr sz="2800" kern="1200">
+                <a:solidFill>
+                  <a:schemeClr val="tx1"/>
+                </a:solidFill>
+                <a:latin typeface="+mn-lt"/>
+                <a:ea typeface="+mn-ea"/>
+                <a:cs typeface="+mn-cs"/>
+              </a:defRPr>
+            </a:lvl1pPr>
+            <a:lvl2pPr marL="685800" indent="-228600" algn="l" defTabSz="914400" rtl="0" eaLnBrk="1" latinLnBrk="0" hangingPunct="1">
+              <a:lnSpc>
+                <a:spcPct val="90000"/>
+              </a:lnSpc>
+              <a:spcBef>
+                <a:spcPts val="500"/>
+              </a:spcBef>
+              <a:buFont typeface="Arial" panose="020B0604020202020204" pitchFamily="34" charset="0"/>
+              <a:buChar char="•"/>
+              <a:defRPr sz="2400" kern="1200">
+                <a:solidFill>
+                  <a:schemeClr val="tx1"/>
+                </a:solidFill>
+                <a:latin typeface="+mn-lt"/>
+                <a:ea typeface="+mn-ea"/>
+                <a:cs typeface="+mn-cs"/>
+              </a:defRPr>
+            </a:lvl2pPr>
+            <a:lvl3pPr marL="1143000" indent="-228600" algn="l" defTabSz="914400" rtl="0" eaLnBrk="1" latinLnBrk="0" hangingPunct="1">
+              <a:lnSpc>
+                <a:spcPct val="90000"/>
+              </a:lnSpc>
+              <a:spcBef>
+                <a:spcPts val="500"/>
+              </a:spcBef>
+              <a:buFont typeface="Arial" panose="020B0604020202020204" pitchFamily="34" charset="0"/>
+              <a:buChar char="•"/>
+              <a:defRPr sz="2000" kern="1200">
+                <a:solidFill>
+                  <a:schemeClr val="tx1"/>
+                </a:solidFill>
+                <a:latin typeface="+mn-lt"/>
+                <a:ea typeface="+mn-ea"/>
+                <a:cs typeface="+mn-cs"/>
+              </a:defRPr>
+            </a:lvl3pPr>
+            <a:lvl4pPr marL="1600200" indent="-228600" algn="l" defTabSz="914400" rtl="0" eaLnBrk="1" latinLnBrk="0" hangingPunct="1">
+              <a:lnSpc>
+                <a:spcPct val="90000"/>
+              </a:lnSpc>
+              <a:spcBef>
+                <a:spcPts val="500"/>
+              </a:spcBef>
+              <a:buFont typeface="Arial" panose="020B0604020202020204" pitchFamily="34" charset="0"/>
+              <a:buChar char="•"/>
+              <a:defRPr sz="1800" kern="1200">
+                <a:solidFill>
+                  <a:schemeClr val="tx1"/>
+                </a:solidFill>
+                <a:latin typeface="+mn-lt"/>
+                <a:ea typeface="+mn-ea"/>
+                <a:cs typeface="+mn-cs"/>
+              </a:defRPr>
+            </a:lvl4pPr>
+            <a:lvl5pPr marL="2057400" indent="-228600" algn="l" defTabSz="914400" rtl="0" eaLnBrk="1" latinLnBrk="0" hangingPunct="1">
+              <a:lnSpc>
+                <a:spcPct val="90000"/>
+              </a:lnSpc>
+              <a:spcBef>
+                <a:spcPts val="500"/>
+              </a:spcBef>
+              <a:buFont typeface="Arial" panose="020B0604020202020204" pitchFamily="34" charset="0"/>
+              <a:buChar char="•"/>
+              <a:defRPr sz="1800" kern="1200">
+                <a:solidFill>
+                  <a:schemeClr val="tx1"/>
+                </a:solidFill>
+                <a:latin typeface="+mn-lt"/>
+                <a:ea typeface="+mn-ea"/>
+                <a:cs typeface="+mn-cs"/>
+              </a:defRPr>
+            </a:lvl5pPr>
+            <a:lvl6pPr marL="2514600" indent="-228600" algn="l" defTabSz="914400" rtl="0" eaLnBrk="1" latinLnBrk="0" hangingPunct="1">
+              <a:lnSpc>
+                <a:spcPct val="90000"/>
+              </a:lnSpc>
+              <a:spcBef>
+                <a:spcPts val="500"/>
+              </a:spcBef>
+              <a:buFont typeface="Arial" panose="020B0604020202020204" pitchFamily="34" charset="0"/>
+              <a:buChar char="•"/>
+              <a:defRPr sz="1800" kern="1200">
+                <a:solidFill>
+                  <a:schemeClr val="tx1"/>
+                </a:solidFill>
+                <a:latin typeface="+mn-lt"/>
+                <a:ea typeface="+mn-ea"/>
+                <a:cs typeface="+mn-cs"/>
+              </a:defRPr>
+            </a:lvl6pPr>
+            <a:lvl7pPr marL="2971800" indent="-228600" algn="l" defTabSz="914400" rtl="0" eaLnBrk="1" latinLnBrk="0" hangingPunct="1">
+              <a:lnSpc>
+                <a:spcPct val="90000"/>
+              </a:lnSpc>
+              <a:spcBef>
+                <a:spcPts val="500"/>
+              </a:spcBef>
+              <a:buFont typeface="Arial" panose="020B0604020202020204" pitchFamily="34" charset="0"/>
+              <a:buChar char="•"/>
+              <a:defRPr sz="1800" kern="1200">
+                <a:solidFill>
+                  <a:schemeClr val="tx1"/>
+                </a:solidFill>
+                <a:latin typeface="+mn-lt"/>
+                <a:ea typeface="+mn-ea"/>
+                <a:cs typeface="+mn-cs"/>
+              </a:defRPr>
+            </a:lvl7pPr>
+            <a:lvl8pPr marL="3429000" indent="-228600" algn="l" defTabSz="914400" rtl="0" eaLnBrk="1" latinLnBrk="0" hangingPunct="1">
+              <a:lnSpc>
+                <a:spcPct val="90000"/>
+              </a:lnSpc>
+              <a:spcBef>
+                <a:spcPts val="500"/>
+              </a:spcBef>
+              <a:buFont typeface="Arial" panose="020B0604020202020204" pitchFamily="34" charset="0"/>
+              <a:buChar char="•"/>
+              <a:defRPr sz="1800" kern="1200">
+                <a:solidFill>
+                  <a:schemeClr val="tx1"/>
+                </a:solidFill>
+                <a:latin typeface="+mn-lt"/>
+                <a:ea typeface="+mn-ea"/>
+                <a:cs typeface="+mn-cs"/>
+              </a:defRPr>
+            </a:lvl8pPr>
+            <a:lvl9pPr marL="3886200" indent="-228600" algn="l" defTabSz="914400" rtl="0" eaLnBrk="1" latinLnBrk="0" hangingPunct="1">
+              <a:lnSpc>
+                <a:spcPct val="90000"/>
+              </a:lnSpc>
+              <a:spcBef>
+                <a:spcPts val="500"/>
+              </a:spcBef>
+              <a:buFont typeface="Arial" panose="020B0604020202020204" pitchFamily="34" charset="0"/>
+              <a:buChar char="•"/>
+              <a:defRPr sz="1800" kern="1200">
+                <a:solidFill>
+                  <a:schemeClr val="tx1"/>
+                </a:solidFill>
+                <a:latin typeface="+mn-lt"/>
+                <a:ea typeface="+mn-ea"/>
+                <a:cs typeface="+mn-cs"/>
+              </a:defRPr>
+            </a:lvl9pPr>
+          </a:lstStyle>
+          <a:p>
+            <a:pPr marL="0" indent="0">
+              <a:buFont typeface="Arial" panose="020B0604020202020204" pitchFamily="34" charset="0"/>
+              <a:buNone/>
+            </a:pPr>
+            <a:r>
+              <a:rPr lang="ru-RU" sz="2000" b="1" dirty="0" smtClean="0"/>
+              <a:t>Класс</a:t>
+            </a:r>
+            <a:r>
+              <a:rPr lang="ru-RU" sz="2000" dirty="0" smtClean="0"/>
+              <a:t> – густонаселенная область признакового пространства, отделенная от других таких же областей разреженными участками с низкой плотностью точек.</a:t>
+            </a:r>
+          </a:p>
+          <a:p>
+            <a:pPr marL="0" indent="0">
+              <a:buFont typeface="Arial" panose="020B0604020202020204" pitchFamily="34" charset="0"/>
+              <a:buNone/>
+            </a:pPr>
+            <a:r>
+              <a:rPr lang="ru-RU" sz="2000" dirty="0" smtClean="0"/>
+              <a:t>К основным характеристикам класса относят:</a:t>
+            </a:r>
+          </a:p>
+          <a:p>
+            <a:r>
+              <a:rPr lang="ru-RU" sz="2000" dirty="0" smtClean="0"/>
+              <a:t>Плотность</a:t>
+            </a:r>
+          </a:p>
+          <a:p>
+            <a:r>
+              <a:rPr lang="ru-RU" sz="2000" dirty="0" smtClean="0"/>
+              <a:t>Дисперсию</a:t>
+            </a:r>
+          </a:p>
+          <a:p>
+            <a:r>
+              <a:rPr lang="ru-RU" sz="2000" dirty="0" smtClean="0"/>
+              <a:t>Структуру расположения в пространстве</a:t>
+            </a:r>
+            <a:endParaRPr lang="ru-RU" sz="2000" dirty="0"/>
           </a:p>
         </p:txBody>
       </p:sp>
@@ -12808,19 +13105,6 @@
               </a:rPr>
               <a:t>Этап обучения и применения</a:t>
             </a:r>
-            <a:endParaRPr lang="ru-RU" i="1" dirty="0">
-              <a:ln w="0"/>
-              <a:solidFill>
-                <a:schemeClr val="accent1"/>
-              </a:solidFill>
-              <a:effectLst>
-                <a:outerShdw blurRad="38100" dist="25400" dir="5400000" algn="ctr" rotWithShape="0">
-                  <a:srgbClr val="6E747A">
-                    <a:alpha val="43000"/>
-                  </a:srgbClr>
-                </a:outerShdw>
-              </a:effectLst>
-            </a:endParaRPr>
           </a:p>
         </p:txBody>
       </p:sp>
@@ -12890,7 +13174,7 @@
           <a:graphicData uri="http://schemas.openxmlformats.org/presentationml/2006/ole">
             <mc:AlternateContent xmlns:mc="http://schemas.openxmlformats.org/markup-compatibility/2006">
               <mc:Choice xmlns:v="urn:schemas-microsoft-com:vml" Requires="v">
-                <p:oleObj spid="_x0000_s5154" name="Уравнение" r:id="rId3" imgW="1892160" imgH="838080" progId="Equation.3">
+                <p:oleObj spid="_x0000_s5156" name="Уравнение" r:id="rId3" imgW="1892160" imgH="838080" progId="Equation.3">
                   <p:embed/>
                 </p:oleObj>
               </mc:Choice>
@@ -12954,7 +13238,7 @@
           <a:graphicData uri="http://schemas.openxmlformats.org/presentationml/2006/ole">
             <mc:AlternateContent xmlns:mc="http://schemas.openxmlformats.org/markup-compatibility/2006">
               <mc:Choice xmlns:v="urn:schemas-microsoft-com:vml" Requires="v">
-                <p:oleObj spid="_x0000_s5155" name="Уравнение" r:id="rId5" imgW="1562040" imgH="838080" progId="Equation.3">
+                <p:oleObj spid="_x0000_s5157" name="Уравнение" r:id="rId5" imgW="1562040" imgH="838080" progId="Equation.3">
                   <p:embed/>
                 </p:oleObj>
               </mc:Choice>
@@ -13542,7 +13826,7 @@
   <a:extraClrSchemeLst/>
   <a:extLst>
     <a:ext uri="{05A4C25C-085E-4340-85A3-A5531E510DB2}">
-      <thm15:themeFamily xmlns:thm15="http://schemas.microsoft.com/office/thememl/2012/main" name="Office Theme" id="{62F939B6-93AF-4DB8-9C6B-D6C7DFDC589F}" vid="{4A3C46E8-61CC-4603-A589-7422A47A8E4A}"/>
+      <thm15:themeFamily xmlns:thm15="http://schemas.microsoft.com/office/thememl/2012/main" xmlns="" name="Office Theme" id="{62F939B6-93AF-4DB8-9C6B-D6C7DFDC589F}" vid="{4A3C46E8-61CC-4603-A589-7422A47A8E4A}"/>
     </a:ext>
   </a:extLst>
 </a:theme>
@@ -13803,7 +14087,7 @@
   <a:extraClrSchemeLst/>
   <a:extLst>
     <a:ext uri="{05A4C25C-085E-4340-85A3-A5531E510DB2}">
-      <thm15:themeFamily xmlns:thm15="http://schemas.microsoft.com/office/thememl/2012/main" name="Office Theme" id="{62F939B6-93AF-4DB8-9C6B-D6C7DFDC589F}" vid="{4A3C46E8-61CC-4603-A589-7422A47A8E4A}"/>
+      <thm15:themeFamily xmlns:thm15="http://schemas.microsoft.com/office/thememl/2012/main" xmlns="" name="Office Theme" id="{62F939B6-93AF-4DB8-9C6B-D6C7DFDC589F}" vid="{4A3C46E8-61CC-4603-A589-7422A47A8E4A}"/>
     </a:ext>
   </a:extLst>
 </a:theme>

--- a/study/courses/iis/IIS_lec_1.pptx
+++ b/study/courses/iis/IIS_lec_1.pptx
@@ -5,25 +5,26 @@
     <p:sldMasterId id="2147483648" r:id="rId1"/>
   </p:sldMasterIdLst>
   <p:notesMasterIdLst>
-    <p:notesMasterId r:id="rId18"/>
+    <p:notesMasterId r:id="rId19"/>
   </p:notesMasterIdLst>
   <p:sldIdLst>
-    <p:sldId id="256" r:id="rId2"/>
-    <p:sldId id="257" r:id="rId3"/>
-    <p:sldId id="258" r:id="rId4"/>
-    <p:sldId id="259" r:id="rId5"/>
-    <p:sldId id="273" r:id="rId6"/>
-    <p:sldId id="260" r:id="rId7"/>
-    <p:sldId id="261" r:id="rId8"/>
-    <p:sldId id="262" r:id="rId9"/>
-    <p:sldId id="263" r:id="rId10"/>
-    <p:sldId id="271" r:id="rId11"/>
-    <p:sldId id="265" r:id="rId12"/>
-    <p:sldId id="266" r:id="rId13"/>
-    <p:sldId id="269" r:id="rId14"/>
-    <p:sldId id="267" r:id="rId15"/>
-    <p:sldId id="270" r:id="rId16"/>
-    <p:sldId id="272" r:id="rId17"/>
+    <p:sldId id="274" r:id="rId2"/>
+    <p:sldId id="256" r:id="rId3"/>
+    <p:sldId id="257" r:id="rId4"/>
+    <p:sldId id="258" r:id="rId5"/>
+    <p:sldId id="259" r:id="rId6"/>
+    <p:sldId id="273" r:id="rId7"/>
+    <p:sldId id="260" r:id="rId8"/>
+    <p:sldId id="261" r:id="rId9"/>
+    <p:sldId id="262" r:id="rId10"/>
+    <p:sldId id="263" r:id="rId11"/>
+    <p:sldId id="271" r:id="rId12"/>
+    <p:sldId id="265" r:id="rId13"/>
+    <p:sldId id="266" r:id="rId14"/>
+    <p:sldId id="269" r:id="rId15"/>
+    <p:sldId id="267" r:id="rId16"/>
+    <p:sldId id="270" r:id="rId17"/>
+    <p:sldId id="272" r:id="rId18"/>
   </p:sldIdLst>
   <p:sldSz cx="12192000" cy="6858000"/>
   <p:notesSz cx="6858000" cy="9144000"/>
@@ -124,7 +125,18 @@
   </p:defaultTextStyle>
   <p:extLst>
     <p:ext uri="{EFAFB233-063F-42B5-8137-9DF3F51BA10A}">
-      <p15:sldGuideLst xmlns:p15="http://schemas.microsoft.com/office/powerpoint/2012/main" xmlns=""/>
+      <p15:sldGuideLst xmlns:p15="http://schemas.microsoft.com/office/powerpoint/2012/main">
+        <p15:guide id="1" orient="horz" pos="2160">
+          <p15:clr>
+            <a:srgbClr val="A4A3A4"/>
+          </p15:clr>
+        </p15:guide>
+        <p15:guide id="2" pos="3840">
+          <p15:clr>
+            <a:srgbClr val="A4A3A4"/>
+          </p15:clr>
+        </p15:guide>
+      </p15:sldGuideLst>
     </p:ext>
   </p:extLst>
 </p:presentation>
@@ -234,11 +246,11 @@
         </c:dLbls>
         <c:marker val="1"/>
         <c:smooth val="0"/>
-        <c:axId val="79424896"/>
-        <c:axId val="127444480"/>
+        <c:axId val="247541408"/>
+        <c:axId val="247541800"/>
       </c:lineChart>
       <c:catAx>
-        <c:axId val="79424896"/>
+        <c:axId val="247541408"/>
         <c:scaling>
           <c:orientation val="minMax"/>
         </c:scaling>
@@ -280,7 +292,7 @@
             <a:endParaRPr lang="ru-RU"/>
           </a:p>
         </c:txPr>
-        <c:crossAx val="127444480"/>
+        <c:crossAx val="247541800"/>
         <c:crosses val="autoZero"/>
         <c:auto val="1"/>
         <c:lblAlgn val="ctr"/>
@@ -288,7 +300,7 @@
         <c:noMultiLvlLbl val="0"/>
       </c:catAx>
       <c:valAx>
-        <c:axId val="127444480"/>
+        <c:axId val="247541800"/>
         <c:scaling>
           <c:orientation val="minMax"/>
         </c:scaling>
@@ -339,7 +351,7 @@
             <a:endParaRPr lang="ru-RU"/>
           </a:p>
         </c:txPr>
-        <c:crossAx val="79424896"/>
+        <c:crossAx val="247541408"/>
         <c:crosses val="autoZero"/>
         <c:crossBetween val="between"/>
       </c:valAx>
@@ -404,7 +416,7 @@
       <a:endParaRPr lang="ru-RU"/>
     </a:p>
   </c:txPr>
-  <c:externalData r:id="rId1">
+  <c:externalData r:id="rId3">
     <c:autoUpdate val="0"/>
   </c:externalData>
 </c:chartSpace>
@@ -1035,7 +1047,7 @@
           <a:p>
             <a:fld id="{F94B3442-E582-4D46-BD21-C13732E08924}" type="datetimeFigureOut">
               <a:rPr lang="ru-RU" smtClean="0"/>
-              <a:t>07.09.2018</a:t>
+              <a:t>28.11.2018</a:t>
             </a:fld>
             <a:endParaRPr lang="ru-RU"/>
           </a:p>
@@ -1368,7 +1380,7 @@
           <a:p>
             <a:fld id="{AC05CB32-E175-4545-86B4-9863710AE938}" type="slidenum">
               <a:rPr lang="ru-RU" smtClean="0"/>
-              <a:t>1</a:t>
+              <a:t>2</a:t>
             </a:fld>
             <a:endParaRPr lang="ru-RU"/>
           </a:p>
@@ -1518,7 +1530,7 @@
           <a:p>
             <a:fld id="{FC41F417-80F0-41BF-BAB7-69B53669C5F3}" type="datetime1">
               <a:rPr lang="ru-RU" smtClean="0"/>
-              <a:t>07.09.2018</a:t>
+              <a:t>28.11.2018</a:t>
             </a:fld>
             <a:endParaRPr lang="ru-RU"/>
           </a:p>
@@ -1688,7 +1700,7 @@
           <a:p>
             <a:fld id="{961DBD98-7F37-42A1-AC8D-16C5A60A2437}" type="datetime1">
               <a:rPr lang="ru-RU" smtClean="0"/>
-              <a:t>07.09.2018</a:t>
+              <a:t>28.11.2018</a:t>
             </a:fld>
             <a:endParaRPr lang="ru-RU"/>
           </a:p>
@@ -1868,7 +1880,7 @@
           <a:p>
             <a:fld id="{99E0AD0A-BF05-43EC-BDF3-4977141F41FE}" type="datetime1">
               <a:rPr lang="ru-RU" smtClean="0"/>
-              <a:t>07.09.2018</a:t>
+              <a:t>28.11.2018</a:t>
             </a:fld>
             <a:endParaRPr lang="ru-RU"/>
           </a:p>
@@ -2038,7 +2050,7 @@
           <a:p>
             <a:fld id="{F4C26B10-EDB0-425A-8E07-E5BB2977BF67}" type="datetime1">
               <a:rPr lang="ru-RU" smtClean="0"/>
-              <a:t>07.09.2018</a:t>
+              <a:t>28.11.2018</a:t>
             </a:fld>
             <a:endParaRPr lang="ru-RU"/>
           </a:p>
@@ -2284,7 +2296,7 @@
           <a:p>
             <a:fld id="{8EF59541-5874-4C60-BF7E-666B7CD0546B}" type="datetime1">
               <a:rPr lang="ru-RU" smtClean="0"/>
-              <a:t>07.09.2018</a:t>
+              <a:t>28.11.2018</a:t>
             </a:fld>
             <a:endParaRPr lang="ru-RU"/>
           </a:p>
@@ -2516,7 +2528,7 @@
           <a:p>
             <a:fld id="{2050EC97-51F4-46DA-AE0C-3688FE4462C0}" type="datetime1">
               <a:rPr lang="ru-RU" smtClean="0"/>
-              <a:t>07.09.2018</a:t>
+              <a:t>28.11.2018</a:t>
             </a:fld>
             <a:endParaRPr lang="ru-RU"/>
           </a:p>
@@ -2883,7 +2895,7 @@
           <a:p>
             <a:fld id="{8BB772D7-49DA-4973-AE7D-7DFF77A014F1}" type="datetime1">
               <a:rPr lang="ru-RU" smtClean="0"/>
-              <a:t>07.09.2018</a:t>
+              <a:t>28.11.2018</a:t>
             </a:fld>
             <a:endParaRPr lang="ru-RU"/>
           </a:p>
@@ -3001,7 +3013,7 @@
           <a:p>
             <a:fld id="{73932FCF-81A1-48DC-A3AE-AE6A8367E411}" type="datetime1">
               <a:rPr lang="ru-RU" smtClean="0"/>
-              <a:t>07.09.2018</a:t>
+              <a:t>28.11.2018</a:t>
             </a:fld>
             <a:endParaRPr lang="ru-RU"/>
           </a:p>
@@ -3096,7 +3108,7 @@
           <a:p>
             <a:fld id="{D0D2D234-3B22-49AA-95BB-215CE7AD71D9}" type="datetime1">
               <a:rPr lang="ru-RU" smtClean="0"/>
-              <a:t>07.09.2018</a:t>
+              <a:t>28.11.2018</a:t>
             </a:fld>
             <a:endParaRPr lang="ru-RU"/>
           </a:p>
@@ -3373,7 +3385,7 @@
           <a:p>
             <a:fld id="{5C37D29B-9467-4433-A153-AD7D251DB942}" type="datetime1">
               <a:rPr lang="ru-RU" smtClean="0"/>
-              <a:t>07.09.2018</a:t>
+              <a:t>28.11.2018</a:t>
             </a:fld>
             <a:endParaRPr lang="ru-RU"/>
           </a:p>
@@ -3626,7 +3638,7 @@
           <a:p>
             <a:fld id="{46677A4B-A6C9-4D8B-8270-A0F1744536B8}" type="datetime1">
               <a:rPr lang="ru-RU" smtClean="0"/>
-              <a:t>07.09.2018</a:t>
+              <a:t>28.11.2018</a:t>
             </a:fld>
             <a:endParaRPr lang="ru-RU"/>
           </a:p>
@@ -3839,7 +3851,7 @@
           <a:p>
             <a:fld id="{1AEBB627-A2A5-43C0-910E-A251F832AF4E}" type="datetime1">
               <a:rPr lang="ru-RU" smtClean="0"/>
-              <a:t>07.09.2018</a:t>
+              <a:t>28.11.2018</a:t>
             </a:fld>
             <a:endParaRPr lang="ru-RU"/>
           </a:p>
@@ -4252,23 +4264,24 @@
             <a:spLocks noGrp="1"/>
           </p:cNvSpPr>
           <p:nvPr>
-            <p:ph type="ctrTitle"/>
+            <p:ph type="title"/>
           </p:nvPr>
         </p:nvSpPr>
         <p:spPr>
           <a:xfrm>
-            <a:off x="609600" y="166774"/>
-            <a:ext cx="10744200" cy="541680"/>
+            <a:off x="609600" y="750892"/>
+            <a:ext cx="10972800" cy="1583187"/>
           </a:xfrm>
         </p:spPr>
         <p:txBody>
           <a:bodyPr>
-            <a:noAutofit/>
+            <a:normAutofit/>
           </a:bodyPr>
           <a:lstStyle/>
           <a:p>
-            <a:r>
-              <a:rPr lang="ru-RU" sz="3200" i="1" dirty="0" smtClean="0">
+            <a:pPr algn="ctr"/>
+            <a:r>
+              <a:rPr lang="ru-RU" i="1" dirty="0" smtClean="0">
                 <a:ln w="0"/>
                 <a:solidFill>
                   <a:schemeClr val="accent1"/>
@@ -4281,7 +4294,2808 @@
                   </a:outerShdw>
                 </a:effectLst>
               </a:rPr>
-              <a:t>Интеллектуальные информационные системы</a:t>
+              <a:t>Интеллектуальные </a:t>
+            </a:r>
+            <a:r>
+              <a:rPr lang="ru-RU" i="1" dirty="0">
+                <a:ln w="0"/>
+                <a:solidFill>
+                  <a:schemeClr val="accent1"/>
+                </a:solidFill>
+                <a:effectLst>
+                  <a:outerShdw blurRad="38100" dist="25400" dir="5400000" algn="ctr" rotWithShape="0">
+                    <a:srgbClr val="6E747A">
+                      <a:alpha val="43000"/>
+                    </a:srgbClr>
+                  </a:outerShdw>
+                </a:effectLst>
+              </a:rPr>
+              <a:t>информационные </a:t>
+            </a:r>
+            <a:r>
+              <a:rPr lang="ru-RU" i="1" dirty="0" smtClean="0">
+                <a:ln w="0"/>
+                <a:solidFill>
+                  <a:schemeClr val="accent1"/>
+                </a:solidFill>
+                <a:effectLst>
+                  <a:outerShdw blurRad="38100" dist="25400" dir="5400000" algn="ctr" rotWithShape="0">
+                    <a:srgbClr val="6E747A">
+                      <a:alpha val="43000"/>
+                    </a:srgbClr>
+                  </a:outerShdw>
+                </a:effectLst>
+              </a:rPr>
+              <a:t>системы</a:t>
+            </a:r>
+            <a:endParaRPr lang="ru-RU" i="1" dirty="0">
+              <a:ln w="0"/>
+              <a:solidFill>
+                <a:schemeClr val="accent1"/>
+              </a:solidFill>
+              <a:effectLst>
+                <a:outerShdw blurRad="38100" dist="25400" dir="5400000" algn="ctr" rotWithShape="0">
+                  <a:srgbClr val="6E747A">
+                    <a:alpha val="43000"/>
+                  </a:srgbClr>
+                </a:outerShdw>
+              </a:effectLst>
+            </a:endParaRPr>
+          </a:p>
+        </p:txBody>
+      </p:sp>
+      <p:sp>
+        <p:nvSpPr>
+          <p:cNvPr id="3" name="Объект 2"/>
+          <p:cNvSpPr>
+            <a:spLocks noGrp="1"/>
+          </p:cNvSpPr>
+          <p:nvPr>
+            <p:ph idx="1"/>
+          </p:nvPr>
+        </p:nvSpPr>
+        <p:spPr>
+          <a:xfrm>
+            <a:off x="609600" y="4827373"/>
+            <a:ext cx="10972800" cy="1298800"/>
+          </a:xfrm>
+        </p:spPr>
+        <p:txBody>
+          <a:bodyPr/>
+          <a:lstStyle/>
+          <a:p>
+            <a:pPr marL="0" indent="0" algn="ctr">
+              <a:buNone/>
+            </a:pPr>
+            <a:r>
+              <a:rPr lang="ru-RU" dirty="0" smtClean="0"/>
+              <a:t>Кафедра </a:t>
+            </a:r>
+            <a:r>
+              <a:rPr lang="ru-RU" dirty="0" smtClean="0"/>
+              <a:t>управления и информатики НИУ «МЭИ»</a:t>
+            </a:r>
+          </a:p>
+          <a:p>
+            <a:pPr marL="0" indent="0" algn="ctr">
+              <a:buNone/>
+            </a:pPr>
+            <a:r>
+              <a:rPr lang="ru-RU" dirty="0" smtClean="0"/>
+              <a:t>Осень 201</a:t>
+            </a:r>
+            <a:r>
+              <a:rPr lang="en-US" dirty="0" smtClean="0"/>
+              <a:t>8</a:t>
+            </a:r>
+            <a:r>
+              <a:rPr lang="ru-RU" dirty="0" smtClean="0"/>
+              <a:t> г</a:t>
+            </a:r>
+            <a:r>
+              <a:rPr lang="ru-RU" dirty="0" smtClean="0"/>
+              <a:t>.</a:t>
+            </a:r>
+            <a:endParaRPr lang="ru-RU" dirty="0"/>
+          </a:p>
+        </p:txBody>
+      </p:sp>
+      <p:sp>
+        <p:nvSpPr>
+          <p:cNvPr id="4" name="Нижний колонтитул 3"/>
+          <p:cNvSpPr>
+            <a:spLocks noGrp="1"/>
+          </p:cNvSpPr>
+          <p:nvPr>
+            <p:ph type="ftr" sz="quarter" idx="11"/>
+          </p:nvPr>
+        </p:nvSpPr>
+        <p:spPr/>
+        <p:txBody>
+          <a:bodyPr/>
+          <a:lstStyle/>
+          <a:p>
+            <a:r>
+              <a:rPr lang="ru-RU" dirty="0" smtClean="0"/>
+              <a:t>НИУ "МЭИ", Каф. </a:t>
+            </a:r>
+            <a:r>
+              <a:rPr lang="ru-RU" dirty="0" err="1" smtClean="0"/>
+              <a:t>УиИ</a:t>
+            </a:r>
+            <a:r>
+              <a:rPr lang="ru-RU" dirty="0" smtClean="0"/>
+              <a:t>, 2018</a:t>
+            </a:r>
+            <a:endParaRPr lang="ru-RU" dirty="0"/>
+          </a:p>
+        </p:txBody>
+      </p:sp>
+      <p:sp>
+        <p:nvSpPr>
+          <p:cNvPr id="5" name="Номер слайда 4"/>
+          <p:cNvSpPr>
+            <a:spLocks noGrp="1"/>
+          </p:cNvSpPr>
+          <p:nvPr>
+            <p:ph type="sldNum" sz="quarter" idx="12"/>
+          </p:nvPr>
+        </p:nvSpPr>
+        <p:spPr/>
+        <p:txBody>
+          <a:bodyPr/>
+          <a:lstStyle/>
+          <a:p>
+            <a:fld id="{42B5FB3D-FCB6-4F02-96CD-8C0D52B29842}" type="slidenum">
+              <a:rPr lang="ru-RU" smtClean="0"/>
+              <a:t>1</a:t>
+            </a:fld>
+            <a:endParaRPr lang="ru-RU"/>
+          </a:p>
+        </p:txBody>
+      </p:sp>
+    </p:spTree>
+    <p:extLst>
+      <p:ext uri="{BB962C8B-B14F-4D97-AF65-F5344CB8AC3E}">
+        <p14:creationId xmlns:p14="http://schemas.microsoft.com/office/powerpoint/2010/main" val="2439563045"/>
+      </p:ext>
+    </p:extLst>
+  </p:cSld>
+  <p:clrMapOvr>
+    <a:masterClrMapping/>
+  </p:clrMapOvr>
+  <p:timing>
+    <p:tnLst>
+      <p:par>
+        <p:cTn id="1" dur="indefinite" restart="never" nodeType="tmRoot"/>
+      </p:par>
+    </p:tnLst>
+  </p:timing>
+</p:sld>
+</file>
+
+<file path=ppt/slides/slide10.xml><?xml version="1.0" encoding="utf-8"?>
+<p:sld xmlns:a="http://schemas.openxmlformats.org/drawingml/2006/main" xmlns:r="http://schemas.openxmlformats.org/officeDocument/2006/relationships" xmlns:p="http://schemas.openxmlformats.org/presentationml/2006/main">
+  <p:cSld>
+    <p:spTree>
+      <p:nvGrpSpPr>
+        <p:cNvPr id="1" name=""/>
+        <p:cNvGrpSpPr/>
+        <p:nvPr/>
+      </p:nvGrpSpPr>
+      <p:grpSpPr>
+        <a:xfrm>
+          <a:off x="0" y="0"/>
+          <a:ext cx="0" cy="0"/>
+          <a:chOff x="0" y="0"/>
+          <a:chExt cx="0" cy="0"/>
+        </a:xfrm>
+      </p:grpSpPr>
+      <p:sp>
+        <p:nvSpPr>
+          <p:cNvPr id="2" name="Заголовок 1"/>
+          <p:cNvSpPr>
+            <a:spLocks noGrp="1"/>
+          </p:cNvSpPr>
+          <p:nvPr>
+            <p:ph type="title"/>
+          </p:nvPr>
+        </p:nvSpPr>
+        <p:spPr>
+          <a:xfrm>
+            <a:off x="675503" y="375048"/>
+            <a:ext cx="10453816" cy="786488"/>
+          </a:xfrm>
+          <a:noFill/>
+          <a:ln>
+            <a:noFill/>
+          </a:ln>
+          <a:extLst>
+            <a:ext uri="{909E8E84-426E-40DD-AFC4-6F175D3DCCD1}">
+              <a14:hiddenFill xmlns:a14="http://schemas.microsoft.com/office/drawing/2010/main">
+                <a:solidFill>
+                  <a:srgbClr val="FFFFFF"/>
+                </a:solidFill>
+              </a14:hiddenFill>
+            </a:ext>
+            <a:ext uri="{91240B29-F687-4F45-9708-019B960494DF}">
+              <a14:hiddenLine xmlns:a14="http://schemas.microsoft.com/office/drawing/2010/main" w="9525">
+                <a:solidFill>
+                  <a:srgbClr val="000000"/>
+                </a:solidFill>
+                <a:miter lim="800000"/>
+                <a:headEnd/>
+                <a:tailEnd/>
+              </a14:hiddenLine>
+            </a:ext>
+          </a:extLst>
+        </p:spPr>
+        <p:txBody>
+          <a:bodyPr vert="horz" wrap="square" lIns="91440" tIns="45720" rIns="91440" bIns="45720" numCol="1" rtlCol="0" anchor="ctr" anchorCtr="0" compatLnSpc="1">
+            <a:prstTxWarp prst="textNoShape">
+              <a:avLst/>
+            </a:prstTxWarp>
+            <a:noAutofit/>
+          </a:bodyPr>
+          <a:lstStyle/>
+          <a:p>
+            <a:pPr algn="ctr"/>
+            <a:r>
+              <a:rPr lang="ru-RU" i="1" dirty="0">
+                <a:ln w="0"/>
+                <a:solidFill>
+                  <a:schemeClr val="accent1"/>
+                </a:solidFill>
+                <a:effectLst>
+                  <a:outerShdw blurRad="38100" dist="25400" dir="5400000" algn="ctr" rotWithShape="0">
+                    <a:srgbClr val="6E747A">
+                      <a:alpha val="43000"/>
+                    </a:srgbClr>
+                  </a:outerShdw>
+                </a:effectLst>
+              </a:rPr>
+              <a:t>Этап обучения и применения</a:t>
+            </a:r>
+          </a:p>
+        </p:txBody>
+      </p:sp>
+      <p:sp>
+        <p:nvSpPr>
+          <p:cNvPr id="3" name="Объект 2"/>
+          <p:cNvSpPr>
+            <a:spLocks noGrp="1"/>
+          </p:cNvSpPr>
+          <p:nvPr>
+            <p:ph idx="1"/>
+          </p:nvPr>
+        </p:nvSpPr>
+        <p:spPr>
+          <a:xfrm>
+            <a:off x="838200" y="1825625"/>
+            <a:ext cx="10515600" cy="577850"/>
+          </a:xfrm>
+        </p:spPr>
+        <p:txBody>
+          <a:bodyPr>
+            <a:normAutofit/>
+          </a:bodyPr>
+          <a:lstStyle/>
+          <a:p>
+            <a:r>
+              <a:rPr lang="ru-RU" dirty="0" smtClean="0"/>
+              <a:t>Обучение. Строим алгоритм </a:t>
+            </a:r>
+            <a:r>
+              <a:rPr lang="en-US" i="1" dirty="0" smtClean="0"/>
+              <a:t>a</a:t>
+            </a:r>
+            <a:r>
+              <a:rPr lang="en-US" dirty="0" smtClean="0"/>
+              <a:t> </a:t>
+            </a:r>
+            <a:r>
+              <a:rPr lang="ru-RU" dirty="0" smtClean="0"/>
+              <a:t>по обучающей выборке: </a:t>
+            </a:r>
+          </a:p>
+          <a:p>
+            <a:endParaRPr lang="ru-RU" dirty="0"/>
+          </a:p>
+        </p:txBody>
+      </p:sp>
+      <p:graphicFrame>
+        <p:nvGraphicFramePr>
+          <p:cNvPr id="4" name="Объект 3"/>
+          <p:cNvGraphicFramePr>
+            <a:graphicFrameLocks noChangeAspect="1"/>
+          </p:cNvGraphicFramePr>
+          <p:nvPr>
+            <p:extLst>
+              <p:ext uri="{D42A27DB-BD31-4B8C-83A1-F6EECF244321}">
+                <p14:modId xmlns:p14="http://schemas.microsoft.com/office/powerpoint/2010/main" val="4182129851"/>
+              </p:ext>
+            </p:extLst>
+          </p:nvPr>
+        </p:nvGraphicFramePr>
+        <p:xfrm>
+          <a:off x="3867150" y="2301082"/>
+          <a:ext cx="3621087" cy="1598613"/>
+        </p:xfrm>
+        <a:graphic>
+          <a:graphicData uri="http://schemas.openxmlformats.org/presentationml/2006/ole">
+            <mc:AlternateContent xmlns:mc="http://schemas.openxmlformats.org/markup-compatibility/2006">
+              <mc:Choice xmlns:v="urn:schemas-microsoft-com:vml" Requires="v">
+                <p:oleObj spid="_x0000_s5158" name="Уравнение" r:id="rId3" imgW="1892160" imgH="838080" progId="Equation.3">
+                  <p:embed/>
+                </p:oleObj>
+              </mc:Choice>
+              <mc:Fallback>
+                <p:oleObj name="Уравнение" r:id="rId3" imgW="1892160" imgH="838080" progId="Equation.3">
+                  <p:embed/>
+                  <p:pic>
+                    <p:nvPicPr>
+                      <p:cNvPr id="0" name=""/>
+                      <p:cNvPicPr>
+                        <a:picLocks noChangeAspect="1" noChangeArrowheads="1"/>
+                      </p:cNvPicPr>
+                      <p:nvPr/>
+                    </p:nvPicPr>
+                    <p:blipFill>
+                      <a:blip r:embed="rId4"/>
+                      <a:srcRect/>
+                      <a:stretch>
+                        <a:fillRect/>
+                      </a:stretch>
+                    </p:blipFill>
+                    <p:spPr bwMode="auto">
+                      <a:xfrm>
+                        <a:off x="3867150" y="2301082"/>
+                        <a:ext cx="3621087" cy="1598613"/>
+                      </a:xfrm>
+                      <a:prstGeom prst="rect">
+                        <a:avLst/>
+                      </a:prstGeom>
+                      <a:noFill/>
+                      <a:ln>
+                        <a:noFill/>
+                      </a:ln>
+                    </p:spPr>
+                  </p:pic>
+                </p:oleObj>
+              </mc:Fallback>
+            </mc:AlternateContent>
+          </a:graphicData>
+        </a:graphic>
+      </p:graphicFrame>
+      <p:graphicFrame>
+        <p:nvGraphicFramePr>
+          <p:cNvPr id="5" name="Объект 4"/>
+          <p:cNvGraphicFramePr>
+            <a:graphicFrameLocks noChangeAspect="1"/>
+          </p:cNvGraphicFramePr>
+          <p:nvPr>
+            <p:extLst>
+              <p:ext uri="{D42A27DB-BD31-4B8C-83A1-F6EECF244321}">
+                <p14:modId xmlns:p14="http://schemas.microsoft.com/office/powerpoint/2010/main" val="3482894223"/>
+              </p:ext>
+            </p:extLst>
+          </p:nvPr>
+        </p:nvGraphicFramePr>
+        <p:xfrm>
+          <a:off x="3915569" y="4750594"/>
+          <a:ext cx="2989262" cy="1598612"/>
+        </p:xfrm>
+        <a:graphic>
+          <a:graphicData uri="http://schemas.openxmlformats.org/presentationml/2006/ole">
+            <mc:AlternateContent xmlns:mc="http://schemas.openxmlformats.org/markup-compatibility/2006">
+              <mc:Choice xmlns:v="urn:schemas-microsoft-com:vml" Requires="v">
+                <p:oleObj spid="_x0000_s5159" name="Уравнение" r:id="rId5" imgW="1562040" imgH="838080" progId="Equation.3">
+                  <p:embed/>
+                </p:oleObj>
+              </mc:Choice>
+              <mc:Fallback>
+                <p:oleObj name="Уравнение" r:id="rId5" imgW="1562040" imgH="838080" progId="Equation.3">
+                  <p:embed/>
+                  <p:pic>
+                    <p:nvPicPr>
+                      <p:cNvPr id="0" name=""/>
+                      <p:cNvPicPr>
+                        <a:picLocks noChangeAspect="1" noChangeArrowheads="1"/>
+                      </p:cNvPicPr>
+                      <p:nvPr/>
+                    </p:nvPicPr>
+                    <p:blipFill>
+                      <a:blip r:embed="rId6"/>
+                      <a:srcRect/>
+                      <a:stretch>
+                        <a:fillRect/>
+                      </a:stretch>
+                    </p:blipFill>
+                    <p:spPr bwMode="auto">
+                      <a:xfrm>
+                        <a:off x="3915569" y="4750594"/>
+                        <a:ext cx="2989262" cy="1598612"/>
+                      </a:xfrm>
+                      <a:prstGeom prst="rect">
+                        <a:avLst/>
+                      </a:prstGeom>
+                      <a:noFill/>
+                      <a:ln>
+                        <a:noFill/>
+                      </a:ln>
+                    </p:spPr>
+                  </p:pic>
+                </p:oleObj>
+              </mc:Fallback>
+            </mc:AlternateContent>
+          </a:graphicData>
+        </a:graphic>
+      </p:graphicFrame>
+      <p:sp>
+        <p:nvSpPr>
+          <p:cNvPr id="6" name="Объект 2"/>
+          <p:cNvSpPr txBox="1">
+            <a:spLocks/>
+          </p:cNvSpPr>
+          <p:nvPr/>
+        </p:nvSpPr>
+        <p:spPr>
+          <a:xfrm>
+            <a:off x="808038" y="4122737"/>
+            <a:ext cx="10515600" cy="577850"/>
+          </a:xfrm>
+          <a:prstGeom prst="rect">
+            <a:avLst/>
+          </a:prstGeom>
+        </p:spPr>
+        <p:txBody>
+          <a:bodyPr vert="horz" lIns="91440" tIns="45720" rIns="91440" bIns="45720" rtlCol="0">
+            <a:normAutofit/>
+          </a:bodyPr>
+          <a:lstStyle>
+            <a:lvl1pPr marL="228600" indent="-228600" algn="l" defTabSz="914400" rtl="0" eaLnBrk="1" latinLnBrk="0" hangingPunct="1">
+              <a:lnSpc>
+                <a:spcPct val="90000"/>
+              </a:lnSpc>
+              <a:spcBef>
+                <a:spcPts val="1000"/>
+              </a:spcBef>
+              <a:buFont typeface="Arial" panose="020B0604020202020204" pitchFamily="34" charset="0"/>
+              <a:buChar char="•"/>
+              <a:defRPr sz="2800" kern="1200">
+                <a:solidFill>
+                  <a:schemeClr val="tx1"/>
+                </a:solidFill>
+                <a:latin typeface="+mn-lt"/>
+                <a:ea typeface="+mn-ea"/>
+                <a:cs typeface="+mn-cs"/>
+              </a:defRPr>
+            </a:lvl1pPr>
+            <a:lvl2pPr marL="685800" indent="-228600" algn="l" defTabSz="914400" rtl="0" eaLnBrk="1" latinLnBrk="0" hangingPunct="1">
+              <a:lnSpc>
+                <a:spcPct val="90000"/>
+              </a:lnSpc>
+              <a:spcBef>
+                <a:spcPts val="500"/>
+              </a:spcBef>
+              <a:buFont typeface="Arial" panose="020B0604020202020204" pitchFamily="34" charset="0"/>
+              <a:buChar char="•"/>
+              <a:defRPr sz="2400" kern="1200">
+                <a:solidFill>
+                  <a:schemeClr val="tx1"/>
+                </a:solidFill>
+                <a:latin typeface="+mn-lt"/>
+                <a:ea typeface="+mn-ea"/>
+                <a:cs typeface="+mn-cs"/>
+              </a:defRPr>
+            </a:lvl2pPr>
+            <a:lvl3pPr marL="1143000" indent="-228600" algn="l" defTabSz="914400" rtl="0" eaLnBrk="1" latinLnBrk="0" hangingPunct="1">
+              <a:lnSpc>
+                <a:spcPct val="90000"/>
+              </a:lnSpc>
+              <a:spcBef>
+                <a:spcPts val="500"/>
+              </a:spcBef>
+              <a:buFont typeface="Arial" panose="020B0604020202020204" pitchFamily="34" charset="0"/>
+              <a:buChar char="•"/>
+              <a:defRPr sz="2000" kern="1200">
+                <a:solidFill>
+                  <a:schemeClr val="tx1"/>
+                </a:solidFill>
+                <a:latin typeface="+mn-lt"/>
+                <a:ea typeface="+mn-ea"/>
+                <a:cs typeface="+mn-cs"/>
+              </a:defRPr>
+            </a:lvl3pPr>
+            <a:lvl4pPr marL="1600200" indent="-228600" algn="l" defTabSz="914400" rtl="0" eaLnBrk="1" latinLnBrk="0" hangingPunct="1">
+              <a:lnSpc>
+                <a:spcPct val="90000"/>
+              </a:lnSpc>
+              <a:spcBef>
+                <a:spcPts val="500"/>
+              </a:spcBef>
+              <a:buFont typeface="Arial" panose="020B0604020202020204" pitchFamily="34" charset="0"/>
+              <a:buChar char="•"/>
+              <a:defRPr sz="1800" kern="1200">
+                <a:solidFill>
+                  <a:schemeClr val="tx1"/>
+                </a:solidFill>
+                <a:latin typeface="+mn-lt"/>
+                <a:ea typeface="+mn-ea"/>
+                <a:cs typeface="+mn-cs"/>
+              </a:defRPr>
+            </a:lvl4pPr>
+            <a:lvl5pPr marL="2057400" indent="-228600" algn="l" defTabSz="914400" rtl="0" eaLnBrk="1" latinLnBrk="0" hangingPunct="1">
+              <a:lnSpc>
+                <a:spcPct val="90000"/>
+              </a:lnSpc>
+              <a:spcBef>
+                <a:spcPts val="500"/>
+              </a:spcBef>
+              <a:buFont typeface="Arial" panose="020B0604020202020204" pitchFamily="34" charset="0"/>
+              <a:buChar char="•"/>
+              <a:defRPr sz="1800" kern="1200">
+                <a:solidFill>
+                  <a:schemeClr val="tx1"/>
+                </a:solidFill>
+                <a:latin typeface="+mn-lt"/>
+                <a:ea typeface="+mn-ea"/>
+                <a:cs typeface="+mn-cs"/>
+              </a:defRPr>
+            </a:lvl5pPr>
+            <a:lvl6pPr marL="2514600" indent="-228600" algn="l" defTabSz="914400" rtl="0" eaLnBrk="1" latinLnBrk="0" hangingPunct="1">
+              <a:lnSpc>
+                <a:spcPct val="90000"/>
+              </a:lnSpc>
+              <a:spcBef>
+                <a:spcPts val="500"/>
+              </a:spcBef>
+              <a:buFont typeface="Arial" panose="020B0604020202020204" pitchFamily="34" charset="0"/>
+              <a:buChar char="•"/>
+              <a:defRPr sz="1800" kern="1200">
+                <a:solidFill>
+                  <a:schemeClr val="tx1"/>
+                </a:solidFill>
+                <a:latin typeface="+mn-lt"/>
+                <a:ea typeface="+mn-ea"/>
+                <a:cs typeface="+mn-cs"/>
+              </a:defRPr>
+            </a:lvl6pPr>
+            <a:lvl7pPr marL="2971800" indent="-228600" algn="l" defTabSz="914400" rtl="0" eaLnBrk="1" latinLnBrk="0" hangingPunct="1">
+              <a:lnSpc>
+                <a:spcPct val="90000"/>
+              </a:lnSpc>
+              <a:spcBef>
+                <a:spcPts val="500"/>
+              </a:spcBef>
+              <a:buFont typeface="Arial" panose="020B0604020202020204" pitchFamily="34" charset="0"/>
+              <a:buChar char="•"/>
+              <a:defRPr sz="1800" kern="1200">
+                <a:solidFill>
+                  <a:schemeClr val="tx1"/>
+                </a:solidFill>
+                <a:latin typeface="+mn-lt"/>
+                <a:ea typeface="+mn-ea"/>
+                <a:cs typeface="+mn-cs"/>
+              </a:defRPr>
+            </a:lvl7pPr>
+            <a:lvl8pPr marL="3429000" indent="-228600" algn="l" defTabSz="914400" rtl="0" eaLnBrk="1" latinLnBrk="0" hangingPunct="1">
+              <a:lnSpc>
+                <a:spcPct val="90000"/>
+              </a:lnSpc>
+              <a:spcBef>
+                <a:spcPts val="500"/>
+              </a:spcBef>
+              <a:buFont typeface="Arial" panose="020B0604020202020204" pitchFamily="34" charset="0"/>
+              <a:buChar char="•"/>
+              <a:defRPr sz="1800" kern="1200">
+                <a:solidFill>
+                  <a:schemeClr val="tx1"/>
+                </a:solidFill>
+                <a:latin typeface="+mn-lt"/>
+                <a:ea typeface="+mn-ea"/>
+                <a:cs typeface="+mn-cs"/>
+              </a:defRPr>
+            </a:lvl8pPr>
+            <a:lvl9pPr marL="3886200" indent="-228600" algn="l" defTabSz="914400" rtl="0" eaLnBrk="1" latinLnBrk="0" hangingPunct="1">
+              <a:lnSpc>
+                <a:spcPct val="90000"/>
+              </a:lnSpc>
+              <a:spcBef>
+                <a:spcPts val="500"/>
+              </a:spcBef>
+              <a:buFont typeface="Arial" panose="020B0604020202020204" pitchFamily="34" charset="0"/>
+              <a:buChar char="•"/>
+              <a:defRPr sz="1800" kern="1200">
+                <a:solidFill>
+                  <a:schemeClr val="tx1"/>
+                </a:solidFill>
+                <a:latin typeface="+mn-lt"/>
+                <a:ea typeface="+mn-ea"/>
+                <a:cs typeface="+mn-cs"/>
+              </a:defRPr>
+            </a:lvl9pPr>
+          </a:lstStyle>
+          <a:p>
+            <a:r>
+              <a:rPr lang="ru-RU" dirty="0" smtClean="0"/>
+              <a:t>Применение. Алгоритм </a:t>
+            </a:r>
+            <a:r>
+              <a:rPr lang="ru-RU" i="1" dirty="0" smtClean="0"/>
+              <a:t>а</a:t>
+            </a:r>
+            <a:r>
+              <a:rPr lang="ru-RU" dirty="0" smtClean="0"/>
+              <a:t> для новых объектов выдает ответы: </a:t>
+            </a:r>
+          </a:p>
+          <a:p>
+            <a:endParaRPr lang="ru-RU" dirty="0"/>
+          </a:p>
+        </p:txBody>
+      </p:sp>
+      <p:sp>
+        <p:nvSpPr>
+          <p:cNvPr id="7" name="Прямоугольник 6"/>
+          <p:cNvSpPr/>
+          <p:nvPr/>
+        </p:nvSpPr>
+        <p:spPr>
+          <a:xfrm>
+            <a:off x="3867150" y="2388395"/>
+            <a:ext cx="3086100" cy="1528762"/>
+          </a:xfrm>
+          <a:prstGeom prst="rect">
+            <a:avLst/>
+          </a:prstGeom>
+          <a:noFill/>
+          <a:ln>
+            <a:solidFill>
+              <a:srgbClr val="FF0000"/>
+            </a:solidFill>
+          </a:ln>
+        </p:spPr>
+        <p:style>
+          <a:lnRef idx="2">
+            <a:schemeClr val="dk1"/>
+          </a:lnRef>
+          <a:fillRef idx="1">
+            <a:schemeClr val="lt1"/>
+          </a:fillRef>
+          <a:effectRef idx="0">
+            <a:schemeClr val="dk1"/>
+          </a:effectRef>
+          <a:fontRef idx="minor">
+            <a:schemeClr val="dk1"/>
+          </a:fontRef>
+        </p:style>
+        <p:txBody>
+          <a:bodyPr rtlCol="0" anchor="ctr"/>
+          <a:lstStyle/>
+          <a:p>
+            <a:pPr algn="ctr"/>
+            <a:endParaRPr lang="ru-RU"/>
+          </a:p>
+        </p:txBody>
+      </p:sp>
+      <p:sp>
+        <p:nvSpPr>
+          <p:cNvPr id="8" name="Номер слайда 7"/>
+          <p:cNvSpPr>
+            <a:spLocks noGrp="1"/>
+          </p:cNvSpPr>
+          <p:nvPr>
+            <p:ph type="sldNum" sz="quarter" idx="12"/>
+          </p:nvPr>
+        </p:nvSpPr>
+        <p:spPr/>
+        <p:txBody>
+          <a:bodyPr/>
+          <a:lstStyle/>
+          <a:p>
+            <a:fld id="{082C92E7-9338-4A04-8787-CAE1B2642B41}" type="slidenum">
+              <a:rPr lang="ru-RU" smtClean="0"/>
+              <a:t>10</a:t>
+            </a:fld>
+            <a:endParaRPr lang="ru-RU"/>
+          </a:p>
+        </p:txBody>
+      </p:sp>
+      <p:sp>
+        <p:nvSpPr>
+          <p:cNvPr id="9" name="Нижний колонтитул 3"/>
+          <p:cNvSpPr>
+            <a:spLocks noGrp="1"/>
+          </p:cNvSpPr>
+          <p:nvPr>
+            <p:ph type="ftr" sz="quarter" idx="11"/>
+          </p:nvPr>
+        </p:nvSpPr>
+        <p:spPr>
+          <a:xfrm>
+            <a:off x="4038600" y="6356350"/>
+            <a:ext cx="4114800" cy="365125"/>
+          </a:xfrm>
+        </p:spPr>
+        <p:txBody>
+          <a:bodyPr/>
+          <a:lstStyle/>
+          <a:p>
+            <a:r>
+              <a:rPr lang="ru-RU" dirty="0" smtClean="0"/>
+              <a:t>НИУ "МЭИ", Каф. </a:t>
+            </a:r>
+            <a:r>
+              <a:rPr lang="ru-RU" dirty="0" err="1" smtClean="0"/>
+              <a:t>УиИ</a:t>
+            </a:r>
+            <a:r>
+              <a:rPr lang="ru-RU" dirty="0" smtClean="0"/>
+              <a:t>, 2018</a:t>
+            </a:r>
+            <a:endParaRPr lang="ru-RU" dirty="0"/>
+          </a:p>
+        </p:txBody>
+      </p:sp>
+    </p:spTree>
+    <p:extLst>
+      <p:ext uri="{BB962C8B-B14F-4D97-AF65-F5344CB8AC3E}">
+        <p14:creationId xmlns:p14="http://schemas.microsoft.com/office/powerpoint/2010/main" val="1134640498"/>
+      </p:ext>
+    </p:extLst>
+  </p:cSld>
+  <p:clrMapOvr>
+    <a:masterClrMapping/>
+  </p:clrMapOvr>
+  <p:timing>
+    <p:tnLst>
+      <p:par>
+        <p:cTn id="1" dur="indefinite" restart="never" nodeType="tmRoot"/>
+      </p:par>
+    </p:tnLst>
+  </p:timing>
+</p:sld>
+</file>
+
+<file path=ppt/slides/slide11.xml><?xml version="1.0" encoding="utf-8"?>
+<p:sld xmlns:a="http://schemas.openxmlformats.org/drawingml/2006/main" xmlns:r="http://schemas.openxmlformats.org/officeDocument/2006/relationships" xmlns:p="http://schemas.openxmlformats.org/presentationml/2006/main">
+  <p:cSld>
+    <p:spTree>
+      <p:nvGrpSpPr>
+        <p:cNvPr id="1" name=""/>
+        <p:cNvGrpSpPr/>
+        <p:nvPr/>
+      </p:nvGrpSpPr>
+      <p:grpSpPr>
+        <a:xfrm>
+          <a:off x="0" y="0"/>
+          <a:ext cx="0" cy="0"/>
+          <a:chOff x="0" y="0"/>
+          <a:chExt cx="0" cy="0"/>
+        </a:xfrm>
+      </p:grpSpPr>
+      <p:sp>
+        <p:nvSpPr>
+          <p:cNvPr id="2" name="Заголовок 1"/>
+          <p:cNvSpPr>
+            <a:spLocks noGrp="1"/>
+          </p:cNvSpPr>
+          <p:nvPr>
+            <p:ph type="title"/>
+          </p:nvPr>
+        </p:nvSpPr>
+        <p:spPr>
+          <a:xfrm>
+            <a:off x="838200" y="192383"/>
+            <a:ext cx="10515600" cy="588431"/>
+          </a:xfrm>
+        </p:spPr>
+        <p:txBody>
+          <a:bodyPr>
+            <a:normAutofit/>
+          </a:bodyPr>
+          <a:lstStyle/>
+          <a:p>
+            <a:pPr algn="ctr"/>
+            <a:r>
+              <a:rPr lang="ru-RU" sz="3600" i="1" dirty="0">
+                <a:ln w="0"/>
+                <a:solidFill>
+                  <a:schemeClr val="accent1"/>
+                </a:solidFill>
+                <a:effectLst>
+                  <a:outerShdw blurRad="38100" dist="25400" dir="5400000" algn="ctr" rotWithShape="0">
+                    <a:srgbClr val="6E747A">
+                      <a:alpha val="43000"/>
+                    </a:srgbClr>
+                  </a:outerShdw>
+                </a:effectLst>
+              </a:rPr>
+              <a:t>Типы задач. </a:t>
+            </a:r>
+            <a:r>
+              <a:rPr lang="ru-RU" sz="3600" i="1" dirty="0" smtClean="0">
+                <a:ln w="0"/>
+                <a:solidFill>
+                  <a:schemeClr val="accent1"/>
+                </a:solidFill>
+                <a:effectLst>
+                  <a:outerShdw blurRad="38100" dist="25400" dir="5400000" algn="ctr" rotWithShape="0">
+                    <a:srgbClr val="6E747A">
+                      <a:alpha val="43000"/>
+                    </a:srgbClr>
+                  </a:outerShdw>
+                </a:effectLst>
+              </a:rPr>
+              <a:t>Регрессия и ранжирование</a:t>
+            </a:r>
+            <a:endParaRPr lang="ru-RU" sz="4100" i="1" dirty="0">
+              <a:ln w="0"/>
+              <a:solidFill>
+                <a:schemeClr val="accent1"/>
+              </a:solidFill>
+              <a:effectLst>
+                <a:outerShdw blurRad="38100" dist="25400" dir="5400000" algn="ctr" rotWithShape="0">
+                  <a:srgbClr val="6E747A">
+                    <a:alpha val="43000"/>
+                  </a:srgbClr>
+                </a:outerShdw>
+              </a:effectLst>
+            </a:endParaRPr>
+          </a:p>
+        </p:txBody>
+      </p:sp>
+      <p:sp>
+        <p:nvSpPr>
+          <p:cNvPr id="3" name="Номер слайда 2"/>
+          <p:cNvSpPr>
+            <a:spLocks noGrp="1"/>
+          </p:cNvSpPr>
+          <p:nvPr>
+            <p:ph type="sldNum" sz="quarter" idx="12"/>
+          </p:nvPr>
+        </p:nvSpPr>
+        <p:spPr/>
+        <p:txBody>
+          <a:bodyPr/>
+          <a:lstStyle/>
+          <a:p>
+            <a:fld id="{082C92E7-9338-4A04-8787-CAE1B2642B41}" type="slidenum">
+              <a:rPr lang="ru-RU" smtClean="0"/>
+              <a:t>11</a:t>
+            </a:fld>
+            <a:endParaRPr lang="ru-RU"/>
+          </a:p>
+        </p:txBody>
+      </p:sp>
+      <p:sp>
+        <p:nvSpPr>
+          <p:cNvPr id="15" name="Объект 2"/>
+          <p:cNvSpPr txBox="1">
+            <a:spLocks/>
+          </p:cNvSpPr>
+          <p:nvPr/>
+        </p:nvSpPr>
+        <p:spPr>
+          <a:xfrm>
+            <a:off x="761415" y="1281363"/>
+            <a:ext cx="10515600" cy="4691063"/>
+          </a:xfrm>
+          <a:prstGeom prst="rect">
+            <a:avLst/>
+          </a:prstGeom>
+        </p:spPr>
+        <p:txBody>
+          <a:bodyPr vert="horz" lIns="91440" tIns="45720" rIns="91440" bIns="45720" rtlCol="0">
+            <a:normAutofit/>
+          </a:bodyPr>
+          <a:lstStyle>
+            <a:lvl1pPr marL="228600" indent="-228600" algn="l" defTabSz="914400" rtl="0" eaLnBrk="1" latinLnBrk="0" hangingPunct="1">
+              <a:lnSpc>
+                <a:spcPct val="90000"/>
+              </a:lnSpc>
+              <a:spcBef>
+                <a:spcPts val="1000"/>
+              </a:spcBef>
+              <a:buFont typeface="Arial" panose="020B0604020202020204" pitchFamily="34" charset="0"/>
+              <a:buChar char="•"/>
+              <a:defRPr sz="2800" kern="1200">
+                <a:solidFill>
+                  <a:schemeClr val="tx1"/>
+                </a:solidFill>
+                <a:latin typeface="+mn-lt"/>
+                <a:ea typeface="+mn-ea"/>
+                <a:cs typeface="+mn-cs"/>
+              </a:defRPr>
+            </a:lvl1pPr>
+            <a:lvl2pPr marL="685800" indent="-228600" algn="l" defTabSz="914400" rtl="0" eaLnBrk="1" latinLnBrk="0" hangingPunct="1">
+              <a:lnSpc>
+                <a:spcPct val="90000"/>
+              </a:lnSpc>
+              <a:spcBef>
+                <a:spcPts val="500"/>
+              </a:spcBef>
+              <a:buFont typeface="Arial" panose="020B0604020202020204" pitchFamily="34" charset="0"/>
+              <a:buChar char="•"/>
+              <a:defRPr sz="2400" kern="1200">
+                <a:solidFill>
+                  <a:schemeClr val="tx1"/>
+                </a:solidFill>
+                <a:latin typeface="+mn-lt"/>
+                <a:ea typeface="+mn-ea"/>
+                <a:cs typeface="+mn-cs"/>
+              </a:defRPr>
+            </a:lvl2pPr>
+            <a:lvl3pPr marL="1143000" indent="-228600" algn="l" defTabSz="914400" rtl="0" eaLnBrk="1" latinLnBrk="0" hangingPunct="1">
+              <a:lnSpc>
+                <a:spcPct val="90000"/>
+              </a:lnSpc>
+              <a:spcBef>
+                <a:spcPts val="500"/>
+              </a:spcBef>
+              <a:buFont typeface="Arial" panose="020B0604020202020204" pitchFamily="34" charset="0"/>
+              <a:buChar char="•"/>
+              <a:defRPr sz="2000" kern="1200">
+                <a:solidFill>
+                  <a:schemeClr val="tx1"/>
+                </a:solidFill>
+                <a:latin typeface="+mn-lt"/>
+                <a:ea typeface="+mn-ea"/>
+                <a:cs typeface="+mn-cs"/>
+              </a:defRPr>
+            </a:lvl3pPr>
+            <a:lvl4pPr marL="1600200" indent="-228600" algn="l" defTabSz="914400" rtl="0" eaLnBrk="1" latinLnBrk="0" hangingPunct="1">
+              <a:lnSpc>
+                <a:spcPct val="90000"/>
+              </a:lnSpc>
+              <a:spcBef>
+                <a:spcPts val="500"/>
+              </a:spcBef>
+              <a:buFont typeface="Arial" panose="020B0604020202020204" pitchFamily="34" charset="0"/>
+              <a:buChar char="•"/>
+              <a:defRPr sz="1800" kern="1200">
+                <a:solidFill>
+                  <a:schemeClr val="tx1"/>
+                </a:solidFill>
+                <a:latin typeface="+mn-lt"/>
+                <a:ea typeface="+mn-ea"/>
+                <a:cs typeface="+mn-cs"/>
+              </a:defRPr>
+            </a:lvl4pPr>
+            <a:lvl5pPr marL="2057400" indent="-228600" algn="l" defTabSz="914400" rtl="0" eaLnBrk="1" latinLnBrk="0" hangingPunct="1">
+              <a:lnSpc>
+                <a:spcPct val="90000"/>
+              </a:lnSpc>
+              <a:spcBef>
+                <a:spcPts val="500"/>
+              </a:spcBef>
+              <a:buFont typeface="Arial" panose="020B0604020202020204" pitchFamily="34" charset="0"/>
+              <a:buChar char="•"/>
+              <a:defRPr sz="1800" kern="1200">
+                <a:solidFill>
+                  <a:schemeClr val="tx1"/>
+                </a:solidFill>
+                <a:latin typeface="+mn-lt"/>
+                <a:ea typeface="+mn-ea"/>
+                <a:cs typeface="+mn-cs"/>
+              </a:defRPr>
+            </a:lvl5pPr>
+            <a:lvl6pPr marL="2514600" indent="-228600" algn="l" defTabSz="914400" rtl="0" eaLnBrk="1" latinLnBrk="0" hangingPunct="1">
+              <a:lnSpc>
+                <a:spcPct val="90000"/>
+              </a:lnSpc>
+              <a:spcBef>
+                <a:spcPts val="500"/>
+              </a:spcBef>
+              <a:buFont typeface="Arial" panose="020B0604020202020204" pitchFamily="34" charset="0"/>
+              <a:buChar char="•"/>
+              <a:defRPr sz="1800" kern="1200">
+                <a:solidFill>
+                  <a:schemeClr val="tx1"/>
+                </a:solidFill>
+                <a:latin typeface="+mn-lt"/>
+                <a:ea typeface="+mn-ea"/>
+                <a:cs typeface="+mn-cs"/>
+              </a:defRPr>
+            </a:lvl6pPr>
+            <a:lvl7pPr marL="2971800" indent="-228600" algn="l" defTabSz="914400" rtl="0" eaLnBrk="1" latinLnBrk="0" hangingPunct="1">
+              <a:lnSpc>
+                <a:spcPct val="90000"/>
+              </a:lnSpc>
+              <a:spcBef>
+                <a:spcPts val="500"/>
+              </a:spcBef>
+              <a:buFont typeface="Arial" panose="020B0604020202020204" pitchFamily="34" charset="0"/>
+              <a:buChar char="•"/>
+              <a:defRPr sz="1800" kern="1200">
+                <a:solidFill>
+                  <a:schemeClr val="tx1"/>
+                </a:solidFill>
+                <a:latin typeface="+mn-lt"/>
+                <a:ea typeface="+mn-ea"/>
+                <a:cs typeface="+mn-cs"/>
+              </a:defRPr>
+            </a:lvl7pPr>
+            <a:lvl8pPr marL="3429000" indent="-228600" algn="l" defTabSz="914400" rtl="0" eaLnBrk="1" latinLnBrk="0" hangingPunct="1">
+              <a:lnSpc>
+                <a:spcPct val="90000"/>
+              </a:lnSpc>
+              <a:spcBef>
+                <a:spcPts val="500"/>
+              </a:spcBef>
+              <a:buFont typeface="Arial" panose="020B0604020202020204" pitchFamily="34" charset="0"/>
+              <a:buChar char="•"/>
+              <a:defRPr sz="1800" kern="1200">
+                <a:solidFill>
+                  <a:schemeClr val="tx1"/>
+                </a:solidFill>
+                <a:latin typeface="+mn-lt"/>
+                <a:ea typeface="+mn-ea"/>
+                <a:cs typeface="+mn-cs"/>
+              </a:defRPr>
+            </a:lvl8pPr>
+            <a:lvl9pPr marL="3886200" indent="-228600" algn="l" defTabSz="914400" rtl="0" eaLnBrk="1" latinLnBrk="0" hangingPunct="1">
+              <a:lnSpc>
+                <a:spcPct val="90000"/>
+              </a:lnSpc>
+              <a:spcBef>
+                <a:spcPts val="500"/>
+              </a:spcBef>
+              <a:buFont typeface="Arial" panose="020B0604020202020204" pitchFamily="34" charset="0"/>
+              <a:buChar char="•"/>
+              <a:defRPr sz="1800" kern="1200">
+                <a:solidFill>
+                  <a:schemeClr val="tx1"/>
+                </a:solidFill>
+                <a:latin typeface="+mn-lt"/>
+                <a:ea typeface="+mn-ea"/>
+                <a:cs typeface="+mn-cs"/>
+              </a:defRPr>
+            </a:lvl9pPr>
+          </a:lstStyle>
+          <a:p>
+            <a:endParaRPr lang="en-US" baseline="30000" dirty="0" smtClean="0"/>
+          </a:p>
+          <a:p>
+            <a:pPr marL="0" indent="0">
+              <a:buFont typeface="Arial" panose="020B0604020202020204" pitchFamily="34" charset="0"/>
+              <a:buNone/>
+            </a:pPr>
+            <a:r>
+              <a:rPr lang="en-US" b="1" dirty="0" smtClean="0"/>
+              <a:t>2. </a:t>
+            </a:r>
+            <a:r>
+              <a:rPr lang="ru-RU" b="1" dirty="0" smtClean="0"/>
+              <a:t>Задачи восстановления регрессии </a:t>
+            </a:r>
+            <a:r>
+              <a:rPr lang="ru-RU" dirty="0" smtClean="0"/>
+              <a:t>(</a:t>
+            </a:r>
+            <a:r>
+              <a:rPr lang="en-US" dirty="0" smtClean="0"/>
+              <a:t>Regression</a:t>
+            </a:r>
+            <a:r>
+              <a:rPr lang="ru-RU" dirty="0" smtClean="0"/>
+              <a:t>)</a:t>
+            </a:r>
+            <a:endParaRPr lang="en-US" dirty="0" smtClean="0"/>
+          </a:p>
+          <a:p>
+            <a:r>
+              <a:rPr lang="en-US" dirty="0" smtClean="0"/>
+              <a:t>Y = </a:t>
+            </a:r>
+            <a:r>
+              <a:rPr lang="en-US" b="1" dirty="0" smtClean="0"/>
+              <a:t>R</a:t>
+            </a:r>
+          </a:p>
+          <a:p>
+            <a:endParaRPr lang="en-US" dirty="0" smtClean="0"/>
+          </a:p>
+          <a:p>
+            <a:pPr marL="0" indent="0">
+              <a:buFont typeface="Arial" panose="020B0604020202020204" pitchFamily="34" charset="0"/>
+              <a:buNone/>
+            </a:pPr>
+            <a:r>
+              <a:rPr lang="en-US" b="1" dirty="0" smtClean="0"/>
+              <a:t>3. </a:t>
+            </a:r>
+            <a:r>
+              <a:rPr lang="ru-RU" b="1" dirty="0" smtClean="0"/>
+              <a:t>Задачи ранжирования </a:t>
+            </a:r>
+            <a:r>
+              <a:rPr lang="ru-RU" dirty="0" smtClean="0"/>
+              <a:t>(</a:t>
+            </a:r>
+            <a:r>
+              <a:rPr lang="en-US" dirty="0" smtClean="0"/>
+              <a:t>ranking</a:t>
+            </a:r>
+            <a:r>
+              <a:rPr lang="ru-RU" dirty="0" smtClean="0"/>
+              <a:t>)</a:t>
+            </a:r>
+            <a:r>
+              <a:rPr lang="en-US" dirty="0" smtClean="0"/>
+              <a:t>:</a:t>
+            </a:r>
+          </a:p>
+          <a:p>
+            <a:r>
+              <a:rPr lang="en-US" dirty="0" smtClean="0"/>
+              <a:t>Y-</a:t>
+            </a:r>
+            <a:r>
+              <a:rPr lang="ru-RU" dirty="0" smtClean="0"/>
+              <a:t> конечное упорядоченное множество</a:t>
+            </a:r>
+            <a:endParaRPr lang="ru-RU" dirty="0"/>
+          </a:p>
+        </p:txBody>
+      </p:sp>
+      <p:sp>
+        <p:nvSpPr>
+          <p:cNvPr id="5" name="Нижний колонтитул 3"/>
+          <p:cNvSpPr>
+            <a:spLocks noGrp="1"/>
+          </p:cNvSpPr>
+          <p:nvPr>
+            <p:ph type="ftr" sz="quarter" idx="11"/>
+          </p:nvPr>
+        </p:nvSpPr>
+        <p:spPr>
+          <a:xfrm>
+            <a:off x="4038600" y="6356350"/>
+            <a:ext cx="4114800" cy="365125"/>
+          </a:xfrm>
+        </p:spPr>
+        <p:txBody>
+          <a:bodyPr/>
+          <a:lstStyle/>
+          <a:p>
+            <a:r>
+              <a:rPr lang="ru-RU" dirty="0" smtClean="0"/>
+              <a:t>НИУ "МЭИ", Каф. </a:t>
+            </a:r>
+            <a:r>
+              <a:rPr lang="ru-RU" dirty="0" err="1" smtClean="0"/>
+              <a:t>УиИ</a:t>
+            </a:r>
+            <a:r>
+              <a:rPr lang="ru-RU" dirty="0" smtClean="0"/>
+              <a:t>, 2018</a:t>
+            </a:r>
+            <a:endParaRPr lang="ru-RU" dirty="0"/>
+          </a:p>
+        </p:txBody>
+      </p:sp>
+    </p:spTree>
+    <p:extLst>
+      <p:ext uri="{BB962C8B-B14F-4D97-AF65-F5344CB8AC3E}">
+        <p14:creationId xmlns:p14="http://schemas.microsoft.com/office/powerpoint/2010/main" val="1931980588"/>
+      </p:ext>
+    </p:extLst>
+  </p:cSld>
+  <p:clrMapOvr>
+    <a:masterClrMapping/>
+  </p:clrMapOvr>
+  <p:timing>
+    <p:tnLst>
+      <p:par>
+        <p:cTn id="1" dur="indefinite" restart="never" nodeType="tmRoot"/>
+      </p:par>
+    </p:tnLst>
+  </p:timing>
+</p:sld>
+</file>
+
+<file path=ppt/slides/slide12.xml><?xml version="1.0" encoding="utf-8"?>
+<p:sld xmlns:a="http://schemas.openxmlformats.org/drawingml/2006/main" xmlns:r="http://schemas.openxmlformats.org/officeDocument/2006/relationships" xmlns:p="http://schemas.openxmlformats.org/presentationml/2006/main">
+  <p:cSld>
+    <p:spTree>
+      <p:nvGrpSpPr>
+        <p:cNvPr id="1" name=""/>
+        <p:cNvGrpSpPr/>
+        <p:nvPr/>
+      </p:nvGrpSpPr>
+      <p:grpSpPr>
+        <a:xfrm>
+          <a:off x="0" y="0"/>
+          <a:ext cx="0" cy="0"/>
+          <a:chOff x="0" y="0"/>
+          <a:chExt cx="0" cy="0"/>
+        </a:xfrm>
+      </p:grpSpPr>
+      <p:sp>
+        <p:nvSpPr>
+          <p:cNvPr id="2" name="Заголовок 1"/>
+          <p:cNvSpPr>
+            <a:spLocks noGrp="1"/>
+          </p:cNvSpPr>
+          <p:nvPr>
+            <p:ph type="title"/>
+          </p:nvPr>
+        </p:nvSpPr>
+        <p:spPr>
+          <a:xfrm>
+            <a:off x="838200" y="365125"/>
+            <a:ext cx="10515600" cy="701675"/>
+          </a:xfrm>
+          <a:noFill/>
+          <a:ln>
+            <a:noFill/>
+          </a:ln>
+          <a:extLst>
+            <a:ext uri="{909E8E84-426E-40DD-AFC4-6F175D3DCCD1}">
+              <a14:hiddenFill xmlns:a14="http://schemas.microsoft.com/office/drawing/2010/main">
+                <a:solidFill>
+                  <a:srgbClr val="FFFFFF"/>
+                </a:solidFill>
+              </a14:hiddenFill>
+            </a:ext>
+            <a:ext uri="{91240B29-F687-4F45-9708-019B960494DF}">
+              <a14:hiddenLine xmlns:a14="http://schemas.microsoft.com/office/drawing/2010/main" w="9525">
+                <a:solidFill>
+                  <a:srgbClr val="000000"/>
+                </a:solidFill>
+                <a:miter lim="800000"/>
+                <a:headEnd/>
+                <a:tailEnd/>
+              </a14:hiddenLine>
+            </a:ext>
+          </a:extLst>
+        </p:spPr>
+        <p:txBody>
+          <a:bodyPr vert="horz" wrap="square" lIns="91440" tIns="45720" rIns="91440" bIns="45720" numCol="1" rtlCol="0" anchor="ctr" anchorCtr="0" compatLnSpc="1">
+            <a:prstTxWarp prst="textNoShape">
+              <a:avLst/>
+            </a:prstTxWarp>
+            <a:noAutofit/>
+          </a:bodyPr>
+          <a:lstStyle/>
+          <a:p>
+            <a:pPr algn="ctr"/>
+            <a:r>
+              <a:rPr lang="ru-RU" i="1" dirty="0">
+                <a:ln w="0"/>
+                <a:solidFill>
+                  <a:schemeClr val="accent1"/>
+                </a:solidFill>
+                <a:effectLst>
+                  <a:outerShdw blurRad="38100" dist="25400" dir="5400000" algn="ctr" rotWithShape="0">
+                    <a:srgbClr val="6E747A">
+                      <a:alpha val="43000"/>
+                    </a:srgbClr>
+                  </a:outerShdw>
+                </a:effectLst>
+              </a:rPr>
+              <a:t>Кредитный </a:t>
+            </a:r>
+            <a:r>
+              <a:rPr lang="ru-RU" i="1" dirty="0" err="1">
+                <a:ln w="0"/>
+                <a:solidFill>
+                  <a:schemeClr val="accent1"/>
+                </a:solidFill>
+                <a:effectLst>
+                  <a:outerShdw blurRad="38100" dist="25400" dir="5400000" algn="ctr" rotWithShape="0">
+                    <a:srgbClr val="6E747A">
+                      <a:alpha val="43000"/>
+                    </a:srgbClr>
+                  </a:outerShdw>
+                </a:effectLst>
+              </a:rPr>
+              <a:t>скоринг</a:t>
+            </a:r>
+            <a:endParaRPr lang="ru-RU" i="1" dirty="0">
+              <a:ln w="0"/>
+              <a:solidFill>
+                <a:schemeClr val="accent1"/>
+              </a:solidFill>
+              <a:effectLst>
+                <a:outerShdw blurRad="38100" dist="25400" dir="5400000" algn="ctr" rotWithShape="0">
+                  <a:srgbClr val="6E747A">
+                    <a:alpha val="43000"/>
+                  </a:srgbClr>
+                </a:outerShdw>
+              </a:effectLst>
+            </a:endParaRPr>
+          </a:p>
+        </p:txBody>
+      </p:sp>
+      <p:sp>
+        <p:nvSpPr>
+          <p:cNvPr id="3" name="Объект 2"/>
+          <p:cNvSpPr>
+            <a:spLocks noGrp="1"/>
+          </p:cNvSpPr>
+          <p:nvPr>
+            <p:ph idx="1"/>
+          </p:nvPr>
+        </p:nvSpPr>
+        <p:spPr>
+          <a:xfrm>
+            <a:off x="928816" y="1299777"/>
+            <a:ext cx="10515600" cy="4910138"/>
+          </a:xfrm>
+        </p:spPr>
+        <p:txBody>
+          <a:bodyPr/>
+          <a:lstStyle/>
+          <a:p>
+            <a:r>
+              <a:rPr lang="ru-RU" b="1" dirty="0" smtClean="0"/>
+              <a:t>Объект</a:t>
+            </a:r>
+            <a:r>
+              <a:rPr lang="ru-RU" dirty="0" smtClean="0"/>
+              <a:t> – заявка на получение кредита</a:t>
+            </a:r>
+          </a:p>
+          <a:p>
+            <a:r>
+              <a:rPr lang="ru-RU" b="1" dirty="0" smtClean="0"/>
+              <a:t>Классы</a:t>
+            </a:r>
+            <a:r>
+              <a:rPr lang="ru-RU" dirty="0" smtClean="0"/>
+              <a:t>: </a:t>
+            </a:r>
+            <a:r>
+              <a:rPr lang="en-US" dirty="0" smtClean="0"/>
+              <a:t>good, bad</a:t>
+            </a:r>
+            <a:endParaRPr lang="ru-RU" dirty="0" smtClean="0"/>
+          </a:p>
+          <a:p>
+            <a:r>
+              <a:rPr lang="ru-RU" b="1" dirty="0" smtClean="0"/>
+              <a:t>Примеры признаков</a:t>
+            </a:r>
+            <a:r>
+              <a:rPr lang="ru-RU" dirty="0" smtClean="0"/>
+              <a:t>: </a:t>
+            </a:r>
+          </a:p>
+          <a:p>
+            <a:pPr lvl="1"/>
+            <a:r>
+              <a:rPr lang="ru-RU" dirty="0" smtClean="0"/>
+              <a:t>Бинарные: пол, наличие телефона,…</a:t>
+            </a:r>
+          </a:p>
+          <a:p>
+            <a:pPr lvl="1"/>
+            <a:r>
+              <a:rPr lang="ru-RU" dirty="0" smtClean="0"/>
+              <a:t>Номинальные: место работы, профессия, место жительства,…</a:t>
+            </a:r>
+          </a:p>
+          <a:p>
+            <a:pPr lvl="1"/>
+            <a:r>
+              <a:rPr lang="ru-RU" dirty="0" smtClean="0"/>
+              <a:t>Порядковые:  должность, образование,…</a:t>
+            </a:r>
+          </a:p>
+          <a:p>
+            <a:pPr lvl="1"/>
+            <a:r>
+              <a:rPr lang="ru-RU" dirty="0" smtClean="0"/>
+              <a:t>Количественные: возраст, зарплата, стаж работы, сумма кредита,…</a:t>
+            </a:r>
+          </a:p>
+          <a:p>
+            <a:pPr marL="0" lvl="1"/>
+            <a:r>
+              <a:rPr lang="ru-RU" sz="2800" b="1" dirty="0"/>
+              <a:t>Особенности задачи</a:t>
+            </a:r>
+            <a:r>
+              <a:rPr lang="ru-RU" dirty="0" smtClean="0"/>
+              <a:t>: </a:t>
+            </a:r>
+            <a:endParaRPr lang="en-US" sz="2400" dirty="0" smtClean="0"/>
+          </a:p>
+          <a:p>
+            <a:pPr marL="684000" lvl="2"/>
+            <a:r>
+              <a:rPr lang="ru-RU" sz="2400" dirty="0" smtClean="0"/>
+              <a:t>Вероятны пропуски данных</a:t>
+            </a:r>
+          </a:p>
+          <a:p>
+            <a:pPr marL="684000" lvl="2"/>
+            <a:r>
+              <a:rPr lang="ru-RU" sz="2400" dirty="0" smtClean="0"/>
+              <a:t>Возможна недостоверность данных</a:t>
+            </a:r>
+            <a:endParaRPr lang="en-US" sz="2400" dirty="0" smtClean="0"/>
+          </a:p>
+          <a:p>
+            <a:pPr marL="684000" lvl="2"/>
+            <a:r>
+              <a:rPr lang="ru-RU" sz="2400" dirty="0" smtClean="0"/>
+              <a:t>Нужно </a:t>
+            </a:r>
+            <a:r>
+              <a:rPr lang="ru-RU" sz="2400" dirty="0"/>
+              <a:t>оценить вероятность </a:t>
+            </a:r>
+            <a:r>
+              <a:rPr lang="ru-RU" sz="2400" dirty="0" smtClean="0"/>
+              <a:t>дефолта </a:t>
+            </a:r>
+            <a:r>
+              <a:rPr lang="en-US" sz="2400" i="1" dirty="0" smtClean="0"/>
+              <a:t>P(bad)</a:t>
+            </a:r>
+          </a:p>
+          <a:p>
+            <a:pPr marL="684000" lvl="2"/>
+            <a:endParaRPr lang="ru-RU" sz="2400" dirty="0"/>
+          </a:p>
+          <a:p>
+            <a:pPr lvl="1"/>
+            <a:endParaRPr lang="ru-RU" dirty="0"/>
+          </a:p>
+        </p:txBody>
+      </p:sp>
+      <p:sp>
+        <p:nvSpPr>
+          <p:cNvPr id="4" name="Номер слайда 3"/>
+          <p:cNvSpPr>
+            <a:spLocks noGrp="1"/>
+          </p:cNvSpPr>
+          <p:nvPr>
+            <p:ph type="sldNum" sz="quarter" idx="12"/>
+          </p:nvPr>
+        </p:nvSpPr>
+        <p:spPr/>
+        <p:txBody>
+          <a:bodyPr/>
+          <a:lstStyle/>
+          <a:p>
+            <a:fld id="{082C92E7-9338-4A04-8787-CAE1B2642B41}" type="slidenum">
+              <a:rPr lang="ru-RU" smtClean="0"/>
+              <a:t>12</a:t>
+            </a:fld>
+            <a:endParaRPr lang="ru-RU"/>
+          </a:p>
+        </p:txBody>
+      </p:sp>
+      <p:sp>
+        <p:nvSpPr>
+          <p:cNvPr id="5" name="Нижний колонтитул 3"/>
+          <p:cNvSpPr>
+            <a:spLocks noGrp="1"/>
+          </p:cNvSpPr>
+          <p:nvPr>
+            <p:ph type="ftr" sz="quarter" idx="11"/>
+          </p:nvPr>
+        </p:nvSpPr>
+        <p:spPr>
+          <a:xfrm>
+            <a:off x="4038600" y="6356350"/>
+            <a:ext cx="4114800" cy="365125"/>
+          </a:xfrm>
+        </p:spPr>
+        <p:txBody>
+          <a:bodyPr/>
+          <a:lstStyle/>
+          <a:p>
+            <a:r>
+              <a:rPr lang="ru-RU" dirty="0" smtClean="0"/>
+              <a:t>НИУ "МЭИ", Каф. </a:t>
+            </a:r>
+            <a:r>
+              <a:rPr lang="ru-RU" dirty="0" err="1" smtClean="0"/>
+              <a:t>УиИ</a:t>
+            </a:r>
+            <a:r>
+              <a:rPr lang="ru-RU" dirty="0" smtClean="0"/>
+              <a:t>, 2018</a:t>
+            </a:r>
+            <a:endParaRPr lang="ru-RU" dirty="0"/>
+          </a:p>
+        </p:txBody>
+      </p:sp>
+    </p:spTree>
+    <p:extLst>
+      <p:ext uri="{BB962C8B-B14F-4D97-AF65-F5344CB8AC3E}">
+        <p14:creationId xmlns:p14="http://schemas.microsoft.com/office/powerpoint/2010/main" val="66166899"/>
+      </p:ext>
+    </p:extLst>
+  </p:cSld>
+  <p:clrMapOvr>
+    <a:masterClrMapping/>
+  </p:clrMapOvr>
+  <p:timing>
+    <p:tnLst>
+      <p:par>
+        <p:cTn id="1" dur="indefinite" restart="never" nodeType="tmRoot"/>
+      </p:par>
+    </p:tnLst>
+  </p:timing>
+</p:sld>
+</file>
+
+<file path=ppt/slides/slide13.xml><?xml version="1.0" encoding="utf-8"?>
+<p:sld xmlns:a="http://schemas.openxmlformats.org/drawingml/2006/main" xmlns:r="http://schemas.openxmlformats.org/officeDocument/2006/relationships" xmlns:p="http://schemas.openxmlformats.org/presentationml/2006/main">
+  <p:cSld>
+    <p:spTree>
+      <p:nvGrpSpPr>
+        <p:cNvPr id="1" name=""/>
+        <p:cNvGrpSpPr/>
+        <p:nvPr/>
+      </p:nvGrpSpPr>
+      <p:grpSpPr>
+        <a:xfrm>
+          <a:off x="0" y="0"/>
+          <a:ext cx="0" cy="0"/>
+          <a:chOff x="0" y="0"/>
+          <a:chExt cx="0" cy="0"/>
+        </a:xfrm>
+      </p:grpSpPr>
+      <p:sp>
+        <p:nvSpPr>
+          <p:cNvPr id="2" name="Заголовок 1"/>
+          <p:cNvSpPr>
+            <a:spLocks noGrp="1"/>
+          </p:cNvSpPr>
+          <p:nvPr>
+            <p:ph type="title"/>
+          </p:nvPr>
+        </p:nvSpPr>
+        <p:spPr>
+          <a:xfrm>
+            <a:off x="838200" y="365125"/>
+            <a:ext cx="10515600" cy="701675"/>
+          </a:xfrm>
+          <a:noFill/>
+          <a:ln>
+            <a:noFill/>
+          </a:ln>
+          <a:extLst>
+            <a:ext uri="{909E8E84-426E-40DD-AFC4-6F175D3DCCD1}">
+              <a14:hiddenFill xmlns:a14="http://schemas.microsoft.com/office/drawing/2010/main">
+                <a:solidFill>
+                  <a:srgbClr val="FFFFFF"/>
+                </a:solidFill>
+              </a14:hiddenFill>
+            </a:ext>
+            <a:ext uri="{91240B29-F687-4F45-9708-019B960494DF}">
+              <a14:hiddenLine xmlns:a14="http://schemas.microsoft.com/office/drawing/2010/main" w="9525">
+                <a:solidFill>
+                  <a:srgbClr val="000000"/>
+                </a:solidFill>
+                <a:miter lim="800000"/>
+                <a:headEnd/>
+                <a:tailEnd/>
+              </a14:hiddenLine>
+            </a:ext>
+          </a:extLst>
+        </p:spPr>
+        <p:txBody>
+          <a:bodyPr vert="horz" wrap="square" lIns="91440" tIns="45720" rIns="91440" bIns="45720" numCol="1" rtlCol="0" anchor="ctr" anchorCtr="0" compatLnSpc="1">
+            <a:prstTxWarp prst="textNoShape">
+              <a:avLst/>
+            </a:prstTxWarp>
+            <a:noAutofit/>
+          </a:bodyPr>
+          <a:lstStyle/>
+          <a:p>
+            <a:pPr algn="ctr"/>
+            <a:r>
+              <a:rPr lang="ru-RU" i="1" dirty="0">
+                <a:ln w="0"/>
+                <a:solidFill>
+                  <a:schemeClr val="accent1"/>
+                </a:solidFill>
+                <a:effectLst>
+                  <a:outerShdw blurRad="38100" dist="25400" dir="5400000" algn="ctr" rotWithShape="0">
+                    <a:srgbClr val="6E747A">
+                      <a:alpha val="43000"/>
+                    </a:srgbClr>
+                  </a:outerShdw>
+                </a:effectLst>
+              </a:rPr>
+              <a:t>Предсказание оттока клиентов</a:t>
+            </a:r>
+          </a:p>
+        </p:txBody>
+      </p:sp>
+      <p:sp>
+        <p:nvSpPr>
+          <p:cNvPr id="3" name="Объект 2"/>
+          <p:cNvSpPr>
+            <a:spLocks noGrp="1"/>
+          </p:cNvSpPr>
+          <p:nvPr>
+            <p:ph idx="1"/>
+          </p:nvPr>
+        </p:nvSpPr>
+        <p:spPr>
+          <a:xfrm>
+            <a:off x="928816" y="1299777"/>
+            <a:ext cx="10515600" cy="4910138"/>
+          </a:xfrm>
+        </p:spPr>
+        <p:txBody>
+          <a:bodyPr/>
+          <a:lstStyle/>
+          <a:p>
+            <a:r>
+              <a:rPr lang="ru-RU" b="1" dirty="0" smtClean="0"/>
+              <a:t>Объект</a:t>
+            </a:r>
+            <a:r>
+              <a:rPr lang="ru-RU" dirty="0" smtClean="0"/>
+              <a:t> – абонент в определенный момент времени</a:t>
+            </a:r>
+          </a:p>
+          <a:p>
+            <a:r>
+              <a:rPr lang="ru-RU" b="1" dirty="0" smtClean="0"/>
+              <a:t>Классы</a:t>
+            </a:r>
+            <a:r>
+              <a:rPr lang="ru-RU" dirty="0" smtClean="0"/>
+              <a:t>: уйдет или не уйдет в следующем месяце</a:t>
+            </a:r>
+          </a:p>
+          <a:p>
+            <a:r>
+              <a:rPr lang="ru-RU" b="1" dirty="0" smtClean="0"/>
+              <a:t>Примеры признаков</a:t>
+            </a:r>
+            <a:r>
+              <a:rPr lang="ru-RU" dirty="0" smtClean="0"/>
+              <a:t>: </a:t>
+            </a:r>
+          </a:p>
+          <a:p>
+            <a:pPr lvl="1"/>
+            <a:r>
+              <a:rPr lang="ru-RU" dirty="0" smtClean="0"/>
+              <a:t>Бинарные: включенные услуги, корпоративный клиент…</a:t>
+            </a:r>
+          </a:p>
+          <a:p>
+            <a:pPr lvl="1"/>
+            <a:r>
+              <a:rPr lang="ru-RU" dirty="0" smtClean="0"/>
+              <a:t>Номинальные: тарифный план, регион проживания,…</a:t>
+            </a:r>
+          </a:p>
+          <a:p>
+            <a:pPr lvl="1"/>
+            <a:r>
+              <a:rPr lang="ru-RU" dirty="0" smtClean="0"/>
+              <a:t>Количественные: длительность разговоров (входящих, исходящих, СМС, трафик), сумма оплаты, частота оплаты,…</a:t>
+            </a:r>
+          </a:p>
+          <a:p>
+            <a:pPr marL="0" lvl="1"/>
+            <a:r>
+              <a:rPr lang="ru-RU" sz="2800" b="1" dirty="0"/>
+              <a:t>Особенности задачи</a:t>
+            </a:r>
+            <a:r>
+              <a:rPr lang="ru-RU" dirty="0" smtClean="0"/>
+              <a:t>: </a:t>
+            </a:r>
+            <a:endParaRPr lang="en-US" sz="2400" dirty="0" smtClean="0"/>
+          </a:p>
+          <a:p>
+            <a:pPr marL="684000" lvl="2"/>
+            <a:r>
+              <a:rPr lang="ru-RU" sz="2400" dirty="0" smtClean="0"/>
+              <a:t>Сверхбольшие выборки</a:t>
+            </a:r>
+          </a:p>
+          <a:p>
+            <a:pPr marL="684000" lvl="2"/>
+            <a:r>
+              <a:rPr lang="ru-RU" sz="2400" dirty="0" smtClean="0"/>
+              <a:t>Непонятно, какие признаки вычислять по «сырым данным»</a:t>
+            </a:r>
+            <a:endParaRPr lang="en-US" sz="2400" dirty="0" smtClean="0"/>
+          </a:p>
+          <a:p>
+            <a:pPr marL="684000" lvl="2"/>
+            <a:r>
+              <a:rPr lang="ru-RU" sz="2400" dirty="0" smtClean="0"/>
+              <a:t>Нужно </a:t>
+            </a:r>
+            <a:r>
+              <a:rPr lang="ru-RU" sz="2400" dirty="0"/>
+              <a:t>оценить вероятность </a:t>
+            </a:r>
+            <a:r>
+              <a:rPr lang="ru-RU" sz="2400" dirty="0" smtClean="0"/>
+              <a:t>ухода </a:t>
+            </a:r>
+            <a:endParaRPr lang="en-US" sz="2400" i="1" dirty="0" smtClean="0"/>
+          </a:p>
+          <a:p>
+            <a:pPr marL="684000" lvl="2"/>
+            <a:endParaRPr lang="ru-RU" sz="2400" dirty="0"/>
+          </a:p>
+          <a:p>
+            <a:pPr lvl="1"/>
+            <a:endParaRPr lang="ru-RU" dirty="0"/>
+          </a:p>
+        </p:txBody>
+      </p:sp>
+      <p:sp>
+        <p:nvSpPr>
+          <p:cNvPr id="4" name="Номер слайда 3"/>
+          <p:cNvSpPr>
+            <a:spLocks noGrp="1"/>
+          </p:cNvSpPr>
+          <p:nvPr>
+            <p:ph type="sldNum" sz="quarter" idx="12"/>
+          </p:nvPr>
+        </p:nvSpPr>
+        <p:spPr/>
+        <p:txBody>
+          <a:bodyPr/>
+          <a:lstStyle/>
+          <a:p>
+            <a:fld id="{082C92E7-9338-4A04-8787-CAE1B2642B41}" type="slidenum">
+              <a:rPr lang="ru-RU" smtClean="0"/>
+              <a:t>13</a:t>
+            </a:fld>
+            <a:endParaRPr lang="ru-RU"/>
+          </a:p>
+        </p:txBody>
+      </p:sp>
+      <p:sp>
+        <p:nvSpPr>
+          <p:cNvPr id="5" name="Нижний колонтитул 3"/>
+          <p:cNvSpPr>
+            <a:spLocks noGrp="1"/>
+          </p:cNvSpPr>
+          <p:nvPr>
+            <p:ph type="ftr" sz="quarter" idx="11"/>
+          </p:nvPr>
+        </p:nvSpPr>
+        <p:spPr>
+          <a:xfrm>
+            <a:off x="4038600" y="6356350"/>
+            <a:ext cx="4114800" cy="365125"/>
+          </a:xfrm>
+        </p:spPr>
+        <p:txBody>
+          <a:bodyPr/>
+          <a:lstStyle/>
+          <a:p>
+            <a:r>
+              <a:rPr lang="ru-RU" dirty="0" smtClean="0"/>
+              <a:t>НИУ "МЭИ", Каф. </a:t>
+            </a:r>
+            <a:r>
+              <a:rPr lang="ru-RU" dirty="0" err="1" smtClean="0"/>
+              <a:t>УиИ</a:t>
+            </a:r>
+            <a:r>
+              <a:rPr lang="ru-RU" dirty="0" smtClean="0"/>
+              <a:t>, 2018</a:t>
+            </a:r>
+            <a:endParaRPr lang="ru-RU" dirty="0"/>
+          </a:p>
+        </p:txBody>
+      </p:sp>
+    </p:spTree>
+    <p:extLst>
+      <p:ext uri="{BB962C8B-B14F-4D97-AF65-F5344CB8AC3E}">
+        <p14:creationId xmlns:p14="http://schemas.microsoft.com/office/powerpoint/2010/main" val="2118291369"/>
+      </p:ext>
+    </p:extLst>
+  </p:cSld>
+  <p:clrMapOvr>
+    <a:masterClrMapping/>
+  </p:clrMapOvr>
+  <p:timing>
+    <p:tnLst>
+      <p:par>
+        <p:cTn id="1" dur="indefinite" restart="never" nodeType="tmRoot"/>
+      </p:par>
+    </p:tnLst>
+  </p:timing>
+</p:sld>
+</file>
+
+<file path=ppt/slides/slide14.xml><?xml version="1.0" encoding="utf-8"?>
+<p:sld xmlns:a="http://schemas.openxmlformats.org/drawingml/2006/main" xmlns:r="http://schemas.openxmlformats.org/officeDocument/2006/relationships" xmlns:p="http://schemas.openxmlformats.org/presentationml/2006/main">
+  <p:cSld>
+    <p:spTree>
+      <p:nvGrpSpPr>
+        <p:cNvPr id="1" name=""/>
+        <p:cNvGrpSpPr/>
+        <p:nvPr/>
+      </p:nvGrpSpPr>
+      <p:grpSpPr>
+        <a:xfrm>
+          <a:off x="0" y="0"/>
+          <a:ext cx="0" cy="0"/>
+          <a:chOff x="0" y="0"/>
+          <a:chExt cx="0" cy="0"/>
+        </a:xfrm>
+      </p:grpSpPr>
+      <p:sp>
+        <p:nvSpPr>
+          <p:cNvPr id="2" name="Заголовок 1"/>
+          <p:cNvSpPr>
+            <a:spLocks noGrp="1"/>
+          </p:cNvSpPr>
+          <p:nvPr>
+            <p:ph type="title"/>
+          </p:nvPr>
+        </p:nvSpPr>
+        <p:spPr>
+          <a:xfrm>
+            <a:off x="838200" y="365125"/>
+            <a:ext cx="10515600" cy="701675"/>
+          </a:xfrm>
+          <a:noFill/>
+          <a:ln>
+            <a:noFill/>
+          </a:ln>
+          <a:extLst>
+            <a:ext uri="{909E8E84-426E-40DD-AFC4-6F175D3DCCD1}">
+              <a14:hiddenFill xmlns:a14="http://schemas.microsoft.com/office/drawing/2010/main">
+                <a:solidFill>
+                  <a:srgbClr val="FFFFFF"/>
+                </a:solidFill>
+              </a14:hiddenFill>
+            </a:ext>
+            <a:ext uri="{91240B29-F687-4F45-9708-019B960494DF}">
+              <a14:hiddenLine xmlns:a14="http://schemas.microsoft.com/office/drawing/2010/main" w="9525">
+                <a:solidFill>
+                  <a:srgbClr val="000000"/>
+                </a:solidFill>
+                <a:miter lim="800000"/>
+                <a:headEnd/>
+                <a:tailEnd/>
+              </a14:hiddenLine>
+            </a:ext>
+          </a:extLst>
+        </p:spPr>
+        <p:txBody>
+          <a:bodyPr vert="horz" wrap="square" lIns="91440" tIns="45720" rIns="91440" bIns="45720" numCol="1" rtlCol="0" anchor="ctr" anchorCtr="0" compatLnSpc="1">
+            <a:prstTxWarp prst="textNoShape">
+              <a:avLst/>
+            </a:prstTxWarp>
+            <a:noAutofit/>
+          </a:bodyPr>
+          <a:lstStyle/>
+          <a:p>
+            <a:pPr algn="ctr"/>
+            <a:r>
+              <a:rPr lang="ru-RU" i="1" dirty="0">
+                <a:ln w="0"/>
+                <a:solidFill>
+                  <a:schemeClr val="accent1"/>
+                </a:solidFill>
+                <a:effectLst>
+                  <a:outerShdw blurRad="38100" dist="25400" dir="5400000" algn="ctr" rotWithShape="0">
+                    <a:srgbClr val="6E747A">
+                      <a:alpha val="43000"/>
+                    </a:srgbClr>
+                  </a:outerShdw>
+                </a:effectLst>
+              </a:rPr>
+              <a:t>Задача ранжирования поисковой выдачи</a:t>
+            </a:r>
+          </a:p>
+        </p:txBody>
+      </p:sp>
+      <p:sp>
+        <p:nvSpPr>
+          <p:cNvPr id="3" name="Объект 2"/>
+          <p:cNvSpPr>
+            <a:spLocks noGrp="1"/>
+          </p:cNvSpPr>
+          <p:nvPr>
+            <p:ph idx="1"/>
+          </p:nvPr>
+        </p:nvSpPr>
+        <p:spPr>
+          <a:xfrm>
+            <a:off x="928816" y="1299777"/>
+            <a:ext cx="10515600" cy="4910138"/>
+          </a:xfrm>
+        </p:spPr>
+        <p:txBody>
+          <a:bodyPr/>
+          <a:lstStyle/>
+          <a:p>
+            <a:r>
+              <a:rPr lang="ru-RU" b="1" dirty="0" smtClean="0"/>
+              <a:t>Объект</a:t>
+            </a:r>
+            <a:r>
+              <a:rPr lang="ru-RU" dirty="0" smtClean="0"/>
+              <a:t> – пара </a:t>
+            </a:r>
+            <a:r>
+              <a:rPr lang="en-US" dirty="0" smtClean="0"/>
+              <a:t>&lt;</a:t>
+            </a:r>
+            <a:r>
+              <a:rPr lang="ru-RU" dirty="0" smtClean="0"/>
+              <a:t>запрос, документ</a:t>
+            </a:r>
+            <a:r>
+              <a:rPr lang="en-US" dirty="0" smtClean="0"/>
+              <a:t>&gt;</a:t>
+            </a:r>
+            <a:endParaRPr lang="ru-RU" dirty="0" smtClean="0"/>
+          </a:p>
+          <a:p>
+            <a:r>
+              <a:rPr lang="ru-RU" b="1" dirty="0" smtClean="0"/>
+              <a:t>Классы</a:t>
+            </a:r>
+            <a:r>
+              <a:rPr lang="ru-RU" dirty="0" smtClean="0"/>
+              <a:t>: </a:t>
+            </a:r>
+            <a:r>
+              <a:rPr lang="ru-RU" dirty="0" err="1" smtClean="0"/>
+              <a:t>релевантен</a:t>
+            </a:r>
+            <a:r>
+              <a:rPr lang="ru-RU" dirty="0" smtClean="0"/>
+              <a:t> или не </a:t>
+            </a:r>
+            <a:r>
+              <a:rPr lang="ru-RU" dirty="0" err="1" smtClean="0"/>
+              <a:t>релевантен</a:t>
+            </a:r>
+            <a:endParaRPr lang="ru-RU" dirty="0" smtClean="0"/>
+          </a:p>
+          <a:p>
+            <a:r>
+              <a:rPr lang="ru-RU" b="1" dirty="0" smtClean="0"/>
+              <a:t>Примеры признаков</a:t>
+            </a:r>
+            <a:r>
+              <a:rPr lang="ru-RU" dirty="0" smtClean="0"/>
+              <a:t>: </a:t>
+            </a:r>
+          </a:p>
+          <a:p>
+            <a:pPr lvl="1"/>
+            <a:r>
+              <a:rPr lang="ru-RU" dirty="0" smtClean="0"/>
+              <a:t>Количественные: частота слов запроса в документе, число ссылок на документ, число кликов на документ,…</a:t>
+            </a:r>
+          </a:p>
+          <a:p>
+            <a:pPr marL="0" lvl="1"/>
+            <a:r>
+              <a:rPr lang="ru-RU" sz="2800" b="1" dirty="0"/>
+              <a:t>Особенности задачи</a:t>
+            </a:r>
+            <a:r>
+              <a:rPr lang="ru-RU" dirty="0" smtClean="0"/>
+              <a:t>: </a:t>
+            </a:r>
+            <a:endParaRPr lang="en-US" sz="2400" dirty="0" smtClean="0"/>
+          </a:p>
+          <a:p>
+            <a:pPr marL="684000" lvl="2"/>
+            <a:r>
+              <a:rPr lang="ru-RU" sz="2400" dirty="0" smtClean="0"/>
+              <a:t>Оптимизируется не число ошибок, а качество ранжирования</a:t>
+            </a:r>
+          </a:p>
+          <a:p>
+            <a:pPr marL="684000" lvl="2"/>
+            <a:r>
+              <a:rPr lang="ru-RU" sz="2400" dirty="0" smtClean="0"/>
+              <a:t>Сверхбольшие выборки </a:t>
+            </a:r>
+          </a:p>
+          <a:p>
+            <a:pPr marL="684000" lvl="2"/>
+            <a:endParaRPr lang="en-US" sz="2400" i="1" dirty="0" smtClean="0"/>
+          </a:p>
+          <a:p>
+            <a:pPr marL="684000" lvl="2"/>
+            <a:endParaRPr lang="ru-RU" sz="2400" dirty="0"/>
+          </a:p>
+          <a:p>
+            <a:pPr lvl="1"/>
+            <a:endParaRPr lang="ru-RU" dirty="0"/>
+          </a:p>
+        </p:txBody>
+      </p:sp>
+      <p:sp>
+        <p:nvSpPr>
+          <p:cNvPr id="4" name="Номер слайда 3"/>
+          <p:cNvSpPr>
+            <a:spLocks noGrp="1"/>
+          </p:cNvSpPr>
+          <p:nvPr>
+            <p:ph type="sldNum" sz="quarter" idx="12"/>
+          </p:nvPr>
+        </p:nvSpPr>
+        <p:spPr/>
+        <p:txBody>
+          <a:bodyPr/>
+          <a:lstStyle/>
+          <a:p>
+            <a:fld id="{082C92E7-9338-4A04-8787-CAE1B2642B41}" type="slidenum">
+              <a:rPr lang="ru-RU" smtClean="0"/>
+              <a:t>14</a:t>
+            </a:fld>
+            <a:endParaRPr lang="ru-RU"/>
+          </a:p>
+        </p:txBody>
+      </p:sp>
+      <p:sp>
+        <p:nvSpPr>
+          <p:cNvPr id="5" name="Нижний колонтитул 3"/>
+          <p:cNvSpPr>
+            <a:spLocks noGrp="1"/>
+          </p:cNvSpPr>
+          <p:nvPr>
+            <p:ph type="ftr" sz="quarter" idx="11"/>
+          </p:nvPr>
+        </p:nvSpPr>
+        <p:spPr>
+          <a:xfrm>
+            <a:off x="4038600" y="6356350"/>
+            <a:ext cx="4114800" cy="365125"/>
+          </a:xfrm>
+        </p:spPr>
+        <p:txBody>
+          <a:bodyPr/>
+          <a:lstStyle/>
+          <a:p>
+            <a:r>
+              <a:rPr lang="ru-RU" dirty="0" smtClean="0"/>
+              <a:t>НИУ "МЭИ", Каф. </a:t>
+            </a:r>
+            <a:r>
+              <a:rPr lang="ru-RU" dirty="0" err="1" smtClean="0"/>
+              <a:t>УиИ</a:t>
+            </a:r>
+            <a:r>
+              <a:rPr lang="ru-RU" dirty="0" smtClean="0"/>
+              <a:t>, 2018</a:t>
+            </a:r>
+            <a:endParaRPr lang="ru-RU" dirty="0"/>
+          </a:p>
+        </p:txBody>
+      </p:sp>
+    </p:spTree>
+    <p:extLst>
+      <p:ext uri="{BB962C8B-B14F-4D97-AF65-F5344CB8AC3E}">
+        <p14:creationId xmlns:p14="http://schemas.microsoft.com/office/powerpoint/2010/main" val="3631175613"/>
+      </p:ext>
+    </p:extLst>
+  </p:cSld>
+  <p:clrMapOvr>
+    <a:masterClrMapping/>
+  </p:clrMapOvr>
+  <p:timing>
+    <p:tnLst>
+      <p:par>
+        <p:cTn id="1" dur="indefinite" restart="never" nodeType="tmRoot"/>
+      </p:par>
+    </p:tnLst>
+  </p:timing>
+</p:sld>
+</file>
+
+<file path=ppt/slides/slide15.xml><?xml version="1.0" encoding="utf-8"?>
+<p:sld xmlns:a="http://schemas.openxmlformats.org/drawingml/2006/main" xmlns:r="http://schemas.openxmlformats.org/officeDocument/2006/relationships" xmlns:p="http://schemas.openxmlformats.org/presentationml/2006/main">
+  <p:cSld>
+    <p:spTree>
+      <p:nvGrpSpPr>
+        <p:cNvPr id="1" name=""/>
+        <p:cNvGrpSpPr/>
+        <p:nvPr/>
+      </p:nvGrpSpPr>
+      <p:grpSpPr>
+        <a:xfrm>
+          <a:off x="0" y="0"/>
+          <a:ext cx="0" cy="0"/>
+          <a:chOff x="0" y="0"/>
+          <a:chExt cx="0" cy="0"/>
+        </a:xfrm>
+      </p:grpSpPr>
+      <p:sp>
+        <p:nvSpPr>
+          <p:cNvPr id="2" name="Заголовок 1"/>
+          <p:cNvSpPr>
+            <a:spLocks noGrp="1"/>
+          </p:cNvSpPr>
+          <p:nvPr>
+            <p:ph type="title"/>
+          </p:nvPr>
+        </p:nvSpPr>
+        <p:spPr>
+          <a:xfrm>
+            <a:off x="838200" y="365125"/>
+            <a:ext cx="10515600" cy="701675"/>
+          </a:xfrm>
+          <a:noFill/>
+          <a:ln>
+            <a:noFill/>
+          </a:ln>
+          <a:extLst>
+            <a:ext uri="{909E8E84-426E-40DD-AFC4-6F175D3DCCD1}">
+              <a14:hiddenFill xmlns:a14="http://schemas.microsoft.com/office/drawing/2010/main">
+                <a:solidFill>
+                  <a:srgbClr val="FFFFFF"/>
+                </a:solidFill>
+              </a14:hiddenFill>
+            </a:ext>
+            <a:ext uri="{91240B29-F687-4F45-9708-019B960494DF}">
+              <a14:hiddenLine xmlns:a14="http://schemas.microsoft.com/office/drawing/2010/main" w="9525">
+                <a:solidFill>
+                  <a:srgbClr val="000000"/>
+                </a:solidFill>
+                <a:miter lim="800000"/>
+                <a:headEnd/>
+                <a:tailEnd/>
+              </a14:hiddenLine>
+            </a:ext>
+          </a:extLst>
+        </p:spPr>
+        <p:txBody>
+          <a:bodyPr vert="horz" wrap="square" lIns="91440" tIns="45720" rIns="91440" bIns="45720" numCol="1" rtlCol="0" anchor="ctr" anchorCtr="0" compatLnSpc="1">
+            <a:prstTxWarp prst="textNoShape">
+              <a:avLst/>
+            </a:prstTxWarp>
+            <a:noAutofit/>
+          </a:bodyPr>
+          <a:lstStyle/>
+          <a:p>
+            <a:pPr algn="ctr"/>
+            <a:r>
+              <a:rPr lang="ru-RU" i="1" dirty="0">
+                <a:ln w="0"/>
+                <a:solidFill>
+                  <a:schemeClr val="accent1"/>
+                </a:solidFill>
+                <a:effectLst>
+                  <a:outerShdw blurRad="38100" dist="25400" dir="5400000" algn="ctr" rotWithShape="0">
+                    <a:srgbClr val="6E747A">
+                      <a:alpha val="43000"/>
+                    </a:srgbClr>
+                  </a:outerShdw>
+                </a:effectLst>
+              </a:rPr>
+              <a:t>Категоризация текстовых документов</a:t>
+            </a:r>
+          </a:p>
+        </p:txBody>
+      </p:sp>
+      <p:sp>
+        <p:nvSpPr>
+          <p:cNvPr id="3" name="Объект 2"/>
+          <p:cNvSpPr>
+            <a:spLocks noGrp="1"/>
+          </p:cNvSpPr>
+          <p:nvPr>
+            <p:ph idx="1"/>
+          </p:nvPr>
+        </p:nvSpPr>
+        <p:spPr>
+          <a:xfrm>
+            <a:off x="928816" y="1299777"/>
+            <a:ext cx="10515600" cy="4910138"/>
+          </a:xfrm>
+        </p:spPr>
+        <p:txBody>
+          <a:bodyPr/>
+          <a:lstStyle/>
+          <a:p>
+            <a:r>
+              <a:rPr lang="ru-RU" b="1" dirty="0" smtClean="0"/>
+              <a:t>Объект</a:t>
+            </a:r>
+            <a:r>
+              <a:rPr lang="ru-RU" dirty="0" smtClean="0"/>
+              <a:t> – текстовый документ</a:t>
+            </a:r>
+          </a:p>
+          <a:p>
+            <a:r>
+              <a:rPr lang="ru-RU" b="1" dirty="0" smtClean="0"/>
+              <a:t>Классы</a:t>
+            </a:r>
+            <a:r>
+              <a:rPr lang="ru-RU" dirty="0" smtClean="0"/>
+              <a:t>: Рубрики тематического каталога</a:t>
+            </a:r>
+          </a:p>
+          <a:p>
+            <a:r>
+              <a:rPr lang="ru-RU" b="1" dirty="0" smtClean="0"/>
+              <a:t>Примеры признаков</a:t>
+            </a:r>
+            <a:r>
+              <a:rPr lang="ru-RU" dirty="0" smtClean="0"/>
+              <a:t>: </a:t>
+            </a:r>
+          </a:p>
+          <a:p>
+            <a:pPr lvl="1"/>
+            <a:r>
+              <a:rPr lang="ru-RU" dirty="0" smtClean="0"/>
+              <a:t>Номинальные: автор, год, издание,…</a:t>
+            </a:r>
+          </a:p>
+          <a:p>
+            <a:pPr lvl="1"/>
+            <a:r>
+              <a:rPr lang="ru-RU" dirty="0" smtClean="0"/>
+              <a:t>Количественные: Частота появления терминов в документе, в названии, в </a:t>
+            </a:r>
+            <a:r>
+              <a:rPr lang="ru-RU" dirty="0" err="1" smtClean="0"/>
+              <a:t>в</a:t>
+            </a:r>
+            <a:r>
+              <a:rPr lang="ru-RU" dirty="0" smtClean="0"/>
+              <a:t> ключевых словах,…</a:t>
+            </a:r>
+          </a:p>
+          <a:p>
+            <a:pPr marL="0" lvl="1"/>
+            <a:r>
+              <a:rPr lang="ru-RU" sz="2800" b="1" dirty="0"/>
+              <a:t>Особенности задачи</a:t>
+            </a:r>
+            <a:r>
+              <a:rPr lang="ru-RU" dirty="0" smtClean="0"/>
+              <a:t>: </a:t>
+            </a:r>
+            <a:endParaRPr lang="en-US" sz="2400" dirty="0" smtClean="0"/>
+          </a:p>
+          <a:p>
+            <a:pPr marL="684000" lvl="2"/>
+            <a:r>
+              <a:rPr lang="ru-RU" sz="2400" dirty="0" smtClean="0"/>
+              <a:t>Очень большое количество признаков (слов, словоформ)</a:t>
+            </a:r>
+          </a:p>
+          <a:p>
+            <a:pPr marL="684000" lvl="2"/>
+            <a:r>
+              <a:rPr lang="ru-RU" sz="2400" dirty="0" smtClean="0"/>
+              <a:t>Документ написан на естественном языке (ЕЯ)</a:t>
+            </a:r>
+            <a:endParaRPr lang="en-US" sz="2400" dirty="0" smtClean="0"/>
+          </a:p>
+          <a:p>
+            <a:pPr marL="684000" lvl="2"/>
+            <a:r>
+              <a:rPr lang="ru-RU" sz="2400" dirty="0" smtClean="0"/>
+              <a:t>Документ может относиться к нескольким рубрикам</a:t>
+            </a:r>
+            <a:endParaRPr lang="en-US" sz="2400" i="1" dirty="0" smtClean="0"/>
+          </a:p>
+          <a:p>
+            <a:pPr marL="684000" lvl="2"/>
+            <a:endParaRPr lang="ru-RU" sz="2400" dirty="0"/>
+          </a:p>
+          <a:p>
+            <a:pPr lvl="1"/>
+            <a:endParaRPr lang="ru-RU" dirty="0"/>
+          </a:p>
+        </p:txBody>
+      </p:sp>
+      <p:sp>
+        <p:nvSpPr>
+          <p:cNvPr id="4" name="Номер слайда 3"/>
+          <p:cNvSpPr>
+            <a:spLocks noGrp="1"/>
+          </p:cNvSpPr>
+          <p:nvPr>
+            <p:ph type="sldNum" sz="quarter" idx="12"/>
+          </p:nvPr>
+        </p:nvSpPr>
+        <p:spPr/>
+        <p:txBody>
+          <a:bodyPr/>
+          <a:lstStyle/>
+          <a:p>
+            <a:fld id="{082C92E7-9338-4A04-8787-CAE1B2642B41}" type="slidenum">
+              <a:rPr lang="ru-RU" smtClean="0"/>
+              <a:t>15</a:t>
+            </a:fld>
+            <a:endParaRPr lang="ru-RU"/>
+          </a:p>
+        </p:txBody>
+      </p:sp>
+      <p:sp>
+        <p:nvSpPr>
+          <p:cNvPr id="5" name="Нижний колонтитул 3"/>
+          <p:cNvSpPr>
+            <a:spLocks noGrp="1"/>
+          </p:cNvSpPr>
+          <p:nvPr>
+            <p:ph type="ftr" sz="quarter" idx="11"/>
+          </p:nvPr>
+        </p:nvSpPr>
+        <p:spPr>
+          <a:xfrm>
+            <a:off x="4038600" y="6356350"/>
+            <a:ext cx="4114800" cy="365125"/>
+          </a:xfrm>
+        </p:spPr>
+        <p:txBody>
+          <a:bodyPr/>
+          <a:lstStyle/>
+          <a:p>
+            <a:r>
+              <a:rPr lang="ru-RU" dirty="0" smtClean="0"/>
+              <a:t>НИУ "МЭИ", Каф. </a:t>
+            </a:r>
+            <a:r>
+              <a:rPr lang="ru-RU" dirty="0" err="1" smtClean="0"/>
+              <a:t>УиИ</a:t>
+            </a:r>
+            <a:r>
+              <a:rPr lang="ru-RU" dirty="0" smtClean="0"/>
+              <a:t>, 2018</a:t>
+            </a:r>
+            <a:endParaRPr lang="ru-RU" dirty="0"/>
+          </a:p>
+        </p:txBody>
+      </p:sp>
+    </p:spTree>
+    <p:extLst>
+      <p:ext uri="{BB962C8B-B14F-4D97-AF65-F5344CB8AC3E}">
+        <p14:creationId xmlns:p14="http://schemas.microsoft.com/office/powerpoint/2010/main" val="1952396712"/>
+      </p:ext>
+    </p:extLst>
+  </p:cSld>
+  <p:clrMapOvr>
+    <a:masterClrMapping/>
+  </p:clrMapOvr>
+  <p:timing>
+    <p:tnLst>
+      <p:par>
+        <p:cTn id="1" dur="indefinite" restart="never" nodeType="tmRoot"/>
+      </p:par>
+    </p:tnLst>
+  </p:timing>
+</p:sld>
+</file>
+
+<file path=ppt/slides/slide16.xml><?xml version="1.0" encoding="utf-8"?>
+<p:sld xmlns:a="http://schemas.openxmlformats.org/drawingml/2006/main" xmlns:r="http://schemas.openxmlformats.org/officeDocument/2006/relationships" xmlns:p="http://schemas.openxmlformats.org/presentationml/2006/main">
+  <p:cSld>
+    <p:spTree>
+      <p:nvGrpSpPr>
+        <p:cNvPr id="1" name=""/>
+        <p:cNvGrpSpPr/>
+        <p:nvPr/>
+      </p:nvGrpSpPr>
+      <p:grpSpPr>
+        <a:xfrm>
+          <a:off x="0" y="0"/>
+          <a:ext cx="0" cy="0"/>
+          <a:chOff x="0" y="0"/>
+          <a:chExt cx="0" cy="0"/>
+        </a:xfrm>
+      </p:grpSpPr>
+      <p:sp>
+        <p:nvSpPr>
+          <p:cNvPr id="2" name="Заголовок 1"/>
+          <p:cNvSpPr>
+            <a:spLocks noGrp="1"/>
+          </p:cNvSpPr>
+          <p:nvPr>
+            <p:ph type="title"/>
+          </p:nvPr>
+        </p:nvSpPr>
+        <p:spPr>
+          <a:xfrm>
+            <a:off x="838200" y="365126"/>
+            <a:ext cx="10515600" cy="623416"/>
+          </a:xfrm>
+          <a:noFill/>
+          <a:ln>
+            <a:noFill/>
+          </a:ln>
+          <a:extLst>
+            <a:ext uri="{909E8E84-426E-40DD-AFC4-6F175D3DCCD1}">
+              <a14:hiddenFill xmlns:a14="http://schemas.microsoft.com/office/drawing/2010/main">
+                <a:solidFill>
+                  <a:srgbClr val="FFFFFF"/>
+                </a:solidFill>
+              </a14:hiddenFill>
+            </a:ext>
+            <a:ext uri="{91240B29-F687-4F45-9708-019B960494DF}">
+              <a14:hiddenLine xmlns:a14="http://schemas.microsoft.com/office/drawing/2010/main" w="9525">
+                <a:solidFill>
+                  <a:srgbClr val="000000"/>
+                </a:solidFill>
+                <a:miter lim="800000"/>
+                <a:headEnd/>
+                <a:tailEnd/>
+              </a14:hiddenLine>
+            </a:ext>
+          </a:extLst>
+        </p:spPr>
+        <p:txBody>
+          <a:bodyPr vert="horz" wrap="square" lIns="91440" tIns="45720" rIns="91440" bIns="45720" numCol="1" rtlCol="0" anchor="ctr" anchorCtr="0" compatLnSpc="1">
+            <a:prstTxWarp prst="textNoShape">
+              <a:avLst/>
+            </a:prstTxWarp>
+            <a:noAutofit/>
+          </a:bodyPr>
+          <a:lstStyle/>
+          <a:p>
+            <a:pPr algn="ctr"/>
+            <a:r>
+              <a:rPr lang="en-US" sz="3600" i="1" dirty="0">
+                <a:ln w="0"/>
+                <a:solidFill>
+                  <a:schemeClr val="accent1"/>
+                </a:solidFill>
+                <a:effectLst>
+                  <a:outerShdw blurRad="38100" dist="25400" dir="5400000" algn="ctr" rotWithShape="0">
+                    <a:srgbClr val="6E747A">
+                      <a:alpha val="43000"/>
+                    </a:srgbClr>
+                  </a:outerShdw>
+                </a:effectLst>
+              </a:rPr>
+              <a:t>Text Mining</a:t>
+            </a:r>
+            <a:r>
+              <a:rPr lang="ru-RU" sz="3600" i="1" dirty="0">
+                <a:ln w="0"/>
+                <a:solidFill>
+                  <a:schemeClr val="accent1"/>
+                </a:solidFill>
+                <a:effectLst>
+                  <a:outerShdw blurRad="38100" dist="25400" dir="5400000" algn="ctr" rotWithShape="0">
+                    <a:srgbClr val="6E747A">
+                      <a:alpha val="43000"/>
+                    </a:srgbClr>
+                  </a:outerShdw>
+                </a:effectLst>
+              </a:rPr>
+              <a:t> – интеллектуальный анализ текстов</a:t>
+            </a:r>
+          </a:p>
+        </p:txBody>
+      </p:sp>
+      <p:sp>
+        <p:nvSpPr>
+          <p:cNvPr id="3" name="Объект 2"/>
+          <p:cNvSpPr>
+            <a:spLocks noGrp="1"/>
+          </p:cNvSpPr>
+          <p:nvPr>
+            <p:ph idx="1"/>
+          </p:nvPr>
+        </p:nvSpPr>
+        <p:spPr>
+          <a:xfrm>
+            <a:off x="838200" y="1145059"/>
+            <a:ext cx="10515600" cy="5031904"/>
+          </a:xfrm>
+        </p:spPr>
+        <p:txBody>
+          <a:bodyPr>
+            <a:normAutofit/>
+          </a:bodyPr>
+          <a:lstStyle/>
+          <a:p>
+            <a:r>
+              <a:rPr lang="ru-RU" b="1" dirty="0" smtClean="0"/>
+              <a:t>Категоризация текстов</a:t>
+            </a:r>
+            <a:r>
+              <a:rPr lang="ru-RU" dirty="0" smtClean="0"/>
+              <a:t> (</a:t>
+            </a:r>
+            <a:r>
+              <a:rPr lang="en-US" i="1" dirty="0" smtClean="0"/>
+              <a:t>classification</a:t>
+            </a:r>
+            <a:r>
+              <a:rPr lang="ru-RU" dirty="0" smtClean="0"/>
+              <a:t>) – </a:t>
+            </a:r>
+          </a:p>
+          <a:p>
+            <a:pPr lvl="1"/>
+            <a:r>
+              <a:rPr lang="ru-RU" dirty="0"/>
+              <a:t>отнесении документов из коллекции к одной или нескольким группам (классам, кластерам) схожих между собой текстов</a:t>
+            </a:r>
+            <a:endParaRPr lang="en-US" dirty="0" smtClean="0"/>
+          </a:p>
+          <a:p>
+            <a:r>
+              <a:rPr lang="ru-RU" b="1" dirty="0" smtClean="0"/>
+              <a:t>Извлечение информации</a:t>
+            </a:r>
+            <a:r>
+              <a:rPr lang="en-US" dirty="0" smtClean="0"/>
+              <a:t> (</a:t>
+            </a:r>
+            <a:r>
+              <a:rPr lang="en-US" i="1" dirty="0" smtClean="0"/>
+              <a:t>information extraction</a:t>
+            </a:r>
+            <a:r>
+              <a:rPr lang="en-US" dirty="0" smtClean="0"/>
+              <a:t>) –</a:t>
+            </a:r>
+          </a:p>
+          <a:p>
+            <a:pPr lvl="1"/>
+            <a:r>
+              <a:rPr lang="ru-RU" dirty="0" smtClean="0"/>
+              <a:t>это </a:t>
+            </a:r>
+            <a:r>
+              <a:rPr lang="ru-RU" dirty="0"/>
+              <a:t>задача автоматического извлечения (построения) структурированных </a:t>
+            </a:r>
+            <a:r>
+              <a:rPr lang="ru-RU" dirty="0" smtClean="0"/>
+              <a:t>данных</a:t>
+            </a:r>
+            <a:r>
+              <a:rPr lang="en-US" dirty="0" smtClean="0"/>
+              <a:t> </a:t>
+            </a:r>
+            <a:r>
+              <a:rPr lang="ru-RU" dirty="0" smtClean="0"/>
+              <a:t> из</a:t>
+            </a:r>
+            <a:r>
+              <a:rPr lang="ru-RU" dirty="0"/>
+              <a:t> </a:t>
+            </a:r>
+            <a:r>
+              <a:rPr lang="ru-RU" dirty="0" smtClean="0"/>
+              <a:t>неструктурированных или</a:t>
+            </a:r>
+            <a:r>
+              <a:rPr lang="ru-RU" dirty="0"/>
+              <a:t> </a:t>
+            </a:r>
+            <a:r>
+              <a:rPr lang="ru-RU" dirty="0" smtClean="0"/>
+              <a:t>слабоструктурированных</a:t>
+            </a:r>
+            <a:r>
+              <a:rPr lang="ru-RU" dirty="0"/>
+              <a:t> </a:t>
+            </a:r>
+            <a:r>
+              <a:rPr lang="ru-RU" dirty="0" smtClean="0"/>
+              <a:t>машиночитаемых документов (распознавание имен людей, названий организаций, поиск ключевых слов для текста, </a:t>
+            </a:r>
+            <a:r>
+              <a:rPr lang="ru-RU" dirty="0" err="1" smtClean="0"/>
+              <a:t>автореферирование</a:t>
+            </a:r>
+            <a:r>
+              <a:rPr lang="ru-RU" dirty="0" smtClean="0"/>
+              <a:t>)</a:t>
+            </a:r>
+            <a:endParaRPr lang="en-US" dirty="0" smtClean="0"/>
+          </a:p>
+          <a:p>
+            <a:r>
+              <a:rPr lang="ru-RU" b="1" dirty="0" smtClean="0"/>
+              <a:t>Информационный поиск </a:t>
+            </a:r>
+            <a:r>
+              <a:rPr lang="ru-RU" dirty="0" smtClean="0"/>
+              <a:t>(</a:t>
+            </a:r>
+            <a:r>
+              <a:rPr lang="en-US" i="1" dirty="0"/>
+              <a:t>information retrieval</a:t>
+            </a:r>
+            <a:r>
+              <a:rPr lang="ru-RU" dirty="0" smtClean="0"/>
+              <a:t>) –</a:t>
+            </a:r>
+          </a:p>
+          <a:p>
+            <a:pPr lvl="1"/>
+            <a:r>
+              <a:rPr lang="ru-RU" dirty="0" smtClean="0"/>
+              <a:t>процесс</a:t>
+            </a:r>
+            <a:r>
+              <a:rPr lang="ru-RU" dirty="0"/>
+              <a:t> поиска </a:t>
+            </a:r>
+            <a:r>
+              <a:rPr lang="ru-RU" i="1" dirty="0"/>
+              <a:t>неструктурированной</a:t>
+            </a:r>
+            <a:r>
+              <a:rPr lang="ru-RU" dirty="0"/>
+              <a:t> документальной информации, удовлетворяющей информационные </a:t>
+            </a:r>
+            <a:r>
+              <a:rPr lang="ru-RU" dirty="0" smtClean="0"/>
+              <a:t>потребности (</a:t>
+            </a:r>
+            <a:r>
+              <a:rPr lang="ru-RU" dirty="0"/>
+              <a:t>процесс выявления в некотором множестве документов </a:t>
+            </a:r>
+            <a:r>
+              <a:rPr lang="ru-RU" dirty="0" smtClean="0"/>
+              <a:t>всех </a:t>
+            </a:r>
+            <a:r>
+              <a:rPr lang="ru-RU" dirty="0"/>
+              <a:t>тех, которые посвящены указанной </a:t>
+            </a:r>
+            <a:r>
+              <a:rPr lang="ru-RU" dirty="0" smtClean="0"/>
+              <a:t>теме)</a:t>
+            </a:r>
+            <a:endParaRPr lang="ru-RU" dirty="0"/>
+          </a:p>
+        </p:txBody>
+      </p:sp>
+      <p:sp>
+        <p:nvSpPr>
+          <p:cNvPr id="4" name="Номер слайда 3"/>
+          <p:cNvSpPr>
+            <a:spLocks noGrp="1"/>
+          </p:cNvSpPr>
+          <p:nvPr>
+            <p:ph type="sldNum" sz="quarter" idx="12"/>
+          </p:nvPr>
+        </p:nvSpPr>
+        <p:spPr/>
+        <p:txBody>
+          <a:bodyPr/>
+          <a:lstStyle/>
+          <a:p>
+            <a:fld id="{082C92E7-9338-4A04-8787-CAE1B2642B41}" type="slidenum">
+              <a:rPr lang="ru-RU" smtClean="0"/>
+              <a:t>16</a:t>
+            </a:fld>
+            <a:endParaRPr lang="ru-RU"/>
+          </a:p>
+        </p:txBody>
+      </p:sp>
+      <p:sp>
+        <p:nvSpPr>
+          <p:cNvPr id="5" name="Нижний колонтитул 3"/>
+          <p:cNvSpPr>
+            <a:spLocks noGrp="1"/>
+          </p:cNvSpPr>
+          <p:nvPr>
+            <p:ph type="ftr" sz="quarter" idx="11"/>
+          </p:nvPr>
+        </p:nvSpPr>
+        <p:spPr>
+          <a:xfrm>
+            <a:off x="4038600" y="6356350"/>
+            <a:ext cx="4114800" cy="365125"/>
+          </a:xfrm>
+        </p:spPr>
+        <p:txBody>
+          <a:bodyPr/>
+          <a:lstStyle/>
+          <a:p>
+            <a:r>
+              <a:rPr lang="ru-RU" dirty="0" smtClean="0"/>
+              <a:t>НИУ "МЭИ", Каф. </a:t>
+            </a:r>
+            <a:r>
+              <a:rPr lang="ru-RU" dirty="0" err="1" smtClean="0"/>
+              <a:t>УиИ</a:t>
+            </a:r>
+            <a:r>
+              <a:rPr lang="ru-RU" dirty="0" smtClean="0"/>
+              <a:t>, 2018</a:t>
+            </a:r>
+            <a:endParaRPr lang="ru-RU" dirty="0"/>
+          </a:p>
+        </p:txBody>
+      </p:sp>
+    </p:spTree>
+    <p:extLst>
+      <p:ext uri="{BB962C8B-B14F-4D97-AF65-F5344CB8AC3E}">
+        <p14:creationId xmlns:p14="http://schemas.microsoft.com/office/powerpoint/2010/main" val="3620217803"/>
+      </p:ext>
+    </p:extLst>
+  </p:cSld>
+  <p:clrMapOvr>
+    <a:masterClrMapping/>
+  </p:clrMapOvr>
+  <p:timing>
+    <p:tnLst>
+      <p:par>
+        <p:cTn id="1" dur="indefinite" restart="never" nodeType="tmRoot"/>
+      </p:par>
+    </p:tnLst>
+  </p:timing>
+</p:sld>
+</file>
+
+<file path=ppt/slides/slide17.xml><?xml version="1.0" encoding="utf-8"?>
+<p:sld xmlns:a="http://schemas.openxmlformats.org/drawingml/2006/main" xmlns:r="http://schemas.openxmlformats.org/officeDocument/2006/relationships" xmlns:p="http://schemas.openxmlformats.org/presentationml/2006/main">
+  <p:cSld>
+    <p:spTree>
+      <p:nvGrpSpPr>
+        <p:cNvPr id="1" name=""/>
+        <p:cNvGrpSpPr/>
+        <p:nvPr/>
+      </p:nvGrpSpPr>
+      <p:grpSpPr>
+        <a:xfrm>
+          <a:off x="0" y="0"/>
+          <a:ext cx="0" cy="0"/>
+          <a:chOff x="0" y="0"/>
+          <a:chExt cx="0" cy="0"/>
+        </a:xfrm>
+      </p:grpSpPr>
+      <p:sp>
+        <p:nvSpPr>
+          <p:cNvPr id="2" name="Заголовок 1"/>
+          <p:cNvSpPr>
+            <a:spLocks noGrp="1"/>
+          </p:cNvSpPr>
+          <p:nvPr>
+            <p:ph type="title"/>
+          </p:nvPr>
+        </p:nvSpPr>
+        <p:spPr>
+          <a:xfrm>
+            <a:off x="838200" y="154004"/>
+            <a:ext cx="10515600" cy="952901"/>
+          </a:xfrm>
+        </p:spPr>
+        <p:txBody>
+          <a:bodyPr>
+            <a:noAutofit/>
+          </a:bodyPr>
+          <a:lstStyle/>
+          <a:p>
+            <a:pPr algn="ctr"/>
+            <a:r>
+              <a:rPr lang="ru-RU" sz="3200" i="1" dirty="0" smtClean="0">
+                <a:ln w="0"/>
+                <a:solidFill>
+                  <a:schemeClr val="accent1"/>
+                </a:solidFill>
+                <a:effectLst>
+                  <a:outerShdw blurRad="38100" dist="25400" dir="5400000" algn="ctr" rotWithShape="0">
+                    <a:srgbClr val="6E747A">
+                      <a:alpha val="43000"/>
+                    </a:srgbClr>
+                  </a:outerShdw>
+                </a:effectLst>
+              </a:rPr>
+              <a:t>Проблемы, возникающие при работе с документами, написанными на ЕЯ</a:t>
             </a:r>
             <a:endParaRPr lang="ru-RU" sz="3200" i="1" dirty="0">
               <a:ln w="0"/>
@@ -4301,13 +7115,487 @@
       </p:sp>
       <p:sp>
         <p:nvSpPr>
+          <p:cNvPr id="4" name="Объект 2"/>
+          <p:cNvSpPr txBox="1">
+            <a:spLocks/>
+          </p:cNvSpPr>
+          <p:nvPr/>
+        </p:nvSpPr>
+        <p:spPr>
+          <a:xfrm>
+            <a:off x="838200" y="1183907"/>
+            <a:ext cx="10515600" cy="4993056"/>
+          </a:xfrm>
+          <a:prstGeom prst="rect">
+            <a:avLst/>
+          </a:prstGeom>
+        </p:spPr>
+        <p:txBody>
+          <a:bodyPr vert="horz" lIns="91440" tIns="45720" rIns="91440" bIns="45720" rtlCol="0">
+            <a:normAutofit fontScale="92500" lnSpcReduction="10000"/>
+          </a:bodyPr>
+          <a:lstStyle>
+            <a:lvl1pPr marL="228600" indent="-228600" algn="l" defTabSz="914400" rtl="0" eaLnBrk="1" latinLnBrk="0" hangingPunct="1">
+              <a:lnSpc>
+                <a:spcPct val="90000"/>
+              </a:lnSpc>
+              <a:spcBef>
+                <a:spcPts val="1000"/>
+              </a:spcBef>
+              <a:buFont typeface="Arial" panose="020B0604020202020204" pitchFamily="34" charset="0"/>
+              <a:buChar char="•"/>
+              <a:defRPr sz="2800" kern="1200">
+                <a:solidFill>
+                  <a:schemeClr val="tx1"/>
+                </a:solidFill>
+                <a:latin typeface="+mn-lt"/>
+                <a:ea typeface="+mn-ea"/>
+                <a:cs typeface="+mn-cs"/>
+              </a:defRPr>
+            </a:lvl1pPr>
+            <a:lvl2pPr marL="685800" indent="-228600" algn="l" defTabSz="914400" rtl="0" eaLnBrk="1" latinLnBrk="0" hangingPunct="1">
+              <a:lnSpc>
+                <a:spcPct val="90000"/>
+              </a:lnSpc>
+              <a:spcBef>
+                <a:spcPts val="500"/>
+              </a:spcBef>
+              <a:buFont typeface="Arial" panose="020B0604020202020204" pitchFamily="34" charset="0"/>
+              <a:buChar char="•"/>
+              <a:defRPr sz="2400" kern="1200">
+                <a:solidFill>
+                  <a:schemeClr val="tx1"/>
+                </a:solidFill>
+                <a:latin typeface="+mn-lt"/>
+                <a:ea typeface="+mn-ea"/>
+                <a:cs typeface="+mn-cs"/>
+              </a:defRPr>
+            </a:lvl2pPr>
+            <a:lvl3pPr marL="1143000" indent="-228600" algn="l" defTabSz="914400" rtl="0" eaLnBrk="1" latinLnBrk="0" hangingPunct="1">
+              <a:lnSpc>
+                <a:spcPct val="90000"/>
+              </a:lnSpc>
+              <a:spcBef>
+                <a:spcPts val="500"/>
+              </a:spcBef>
+              <a:buFont typeface="Arial" panose="020B0604020202020204" pitchFamily="34" charset="0"/>
+              <a:buChar char="•"/>
+              <a:defRPr sz="2000" kern="1200">
+                <a:solidFill>
+                  <a:schemeClr val="tx1"/>
+                </a:solidFill>
+                <a:latin typeface="+mn-lt"/>
+                <a:ea typeface="+mn-ea"/>
+                <a:cs typeface="+mn-cs"/>
+              </a:defRPr>
+            </a:lvl3pPr>
+            <a:lvl4pPr marL="1600200" indent="-228600" algn="l" defTabSz="914400" rtl="0" eaLnBrk="1" latinLnBrk="0" hangingPunct="1">
+              <a:lnSpc>
+                <a:spcPct val="90000"/>
+              </a:lnSpc>
+              <a:spcBef>
+                <a:spcPts val="500"/>
+              </a:spcBef>
+              <a:buFont typeface="Arial" panose="020B0604020202020204" pitchFamily="34" charset="0"/>
+              <a:buChar char="•"/>
+              <a:defRPr sz="1800" kern="1200">
+                <a:solidFill>
+                  <a:schemeClr val="tx1"/>
+                </a:solidFill>
+                <a:latin typeface="+mn-lt"/>
+                <a:ea typeface="+mn-ea"/>
+                <a:cs typeface="+mn-cs"/>
+              </a:defRPr>
+            </a:lvl4pPr>
+            <a:lvl5pPr marL="2057400" indent="-228600" algn="l" defTabSz="914400" rtl="0" eaLnBrk="1" latinLnBrk="0" hangingPunct="1">
+              <a:lnSpc>
+                <a:spcPct val="90000"/>
+              </a:lnSpc>
+              <a:spcBef>
+                <a:spcPts val="500"/>
+              </a:spcBef>
+              <a:buFont typeface="Arial" panose="020B0604020202020204" pitchFamily="34" charset="0"/>
+              <a:buChar char="•"/>
+              <a:defRPr sz="1800" kern="1200">
+                <a:solidFill>
+                  <a:schemeClr val="tx1"/>
+                </a:solidFill>
+                <a:latin typeface="+mn-lt"/>
+                <a:ea typeface="+mn-ea"/>
+                <a:cs typeface="+mn-cs"/>
+              </a:defRPr>
+            </a:lvl5pPr>
+            <a:lvl6pPr marL="2514600" indent="-228600" algn="l" defTabSz="914400" rtl="0" eaLnBrk="1" latinLnBrk="0" hangingPunct="1">
+              <a:lnSpc>
+                <a:spcPct val="90000"/>
+              </a:lnSpc>
+              <a:spcBef>
+                <a:spcPts val="500"/>
+              </a:spcBef>
+              <a:buFont typeface="Arial" panose="020B0604020202020204" pitchFamily="34" charset="0"/>
+              <a:buChar char="•"/>
+              <a:defRPr sz="1800" kern="1200">
+                <a:solidFill>
+                  <a:schemeClr val="tx1"/>
+                </a:solidFill>
+                <a:latin typeface="+mn-lt"/>
+                <a:ea typeface="+mn-ea"/>
+                <a:cs typeface="+mn-cs"/>
+              </a:defRPr>
+            </a:lvl6pPr>
+            <a:lvl7pPr marL="2971800" indent="-228600" algn="l" defTabSz="914400" rtl="0" eaLnBrk="1" latinLnBrk="0" hangingPunct="1">
+              <a:lnSpc>
+                <a:spcPct val="90000"/>
+              </a:lnSpc>
+              <a:spcBef>
+                <a:spcPts val="500"/>
+              </a:spcBef>
+              <a:buFont typeface="Arial" panose="020B0604020202020204" pitchFamily="34" charset="0"/>
+              <a:buChar char="•"/>
+              <a:defRPr sz="1800" kern="1200">
+                <a:solidFill>
+                  <a:schemeClr val="tx1"/>
+                </a:solidFill>
+                <a:latin typeface="+mn-lt"/>
+                <a:ea typeface="+mn-ea"/>
+                <a:cs typeface="+mn-cs"/>
+              </a:defRPr>
+            </a:lvl7pPr>
+            <a:lvl8pPr marL="3429000" indent="-228600" algn="l" defTabSz="914400" rtl="0" eaLnBrk="1" latinLnBrk="0" hangingPunct="1">
+              <a:lnSpc>
+                <a:spcPct val="90000"/>
+              </a:lnSpc>
+              <a:spcBef>
+                <a:spcPts val="500"/>
+              </a:spcBef>
+              <a:buFont typeface="Arial" panose="020B0604020202020204" pitchFamily="34" charset="0"/>
+              <a:buChar char="•"/>
+              <a:defRPr sz="1800" kern="1200">
+                <a:solidFill>
+                  <a:schemeClr val="tx1"/>
+                </a:solidFill>
+                <a:latin typeface="+mn-lt"/>
+                <a:ea typeface="+mn-ea"/>
+                <a:cs typeface="+mn-cs"/>
+              </a:defRPr>
+            </a:lvl8pPr>
+            <a:lvl9pPr marL="3886200" indent="-228600" algn="l" defTabSz="914400" rtl="0" eaLnBrk="1" latinLnBrk="0" hangingPunct="1">
+              <a:lnSpc>
+                <a:spcPct val="90000"/>
+              </a:lnSpc>
+              <a:spcBef>
+                <a:spcPts val="500"/>
+              </a:spcBef>
+              <a:buFont typeface="Arial" panose="020B0604020202020204" pitchFamily="34" charset="0"/>
+              <a:buChar char="•"/>
+              <a:defRPr sz="1800" kern="1200">
+                <a:solidFill>
+                  <a:schemeClr val="tx1"/>
+                </a:solidFill>
+                <a:latin typeface="+mn-lt"/>
+                <a:ea typeface="+mn-ea"/>
+                <a:cs typeface="+mn-cs"/>
+              </a:defRPr>
+            </a:lvl9pPr>
+          </a:lstStyle>
+          <a:p>
+            <a:pPr lvl="1"/>
+            <a:endParaRPr lang="ru-RU" sz="2000" i="1" dirty="0" smtClean="0"/>
+          </a:p>
+          <a:p>
+            <a:pPr marL="457200" lvl="1" indent="-457200">
+              <a:lnSpc>
+                <a:spcPct val="100000"/>
+              </a:lnSpc>
+              <a:spcBef>
+                <a:spcPts val="1000"/>
+              </a:spcBef>
+            </a:pPr>
+            <a:r>
+              <a:rPr lang="ru-RU" b="1" i="1" dirty="0"/>
+              <a:t>Семантическая неоднозначность:</a:t>
+            </a:r>
+          </a:p>
+          <a:p>
+            <a:pPr marL="914400" lvl="2" indent="-457200"/>
+            <a:r>
+              <a:rPr lang="ru-RU" i="1" dirty="0" smtClean="0"/>
+              <a:t>Синонимия: экран-дисплей</a:t>
+            </a:r>
+          </a:p>
+          <a:p>
+            <a:pPr marL="914400" lvl="2" indent="-457200"/>
+            <a:r>
+              <a:rPr lang="ru-RU" i="1" dirty="0" smtClean="0"/>
+              <a:t>Полисемия: команда (судна; футбольная)</a:t>
+            </a:r>
+          </a:p>
+          <a:p>
+            <a:pPr marL="914400" lvl="2" indent="-457200"/>
+            <a:r>
+              <a:rPr lang="ru-RU" i="1" dirty="0" smtClean="0"/>
+              <a:t>Омонимия: Ключ (родник) – Ключ (от замка)</a:t>
+            </a:r>
+          </a:p>
+          <a:p>
+            <a:pPr marL="914400" lvl="2" indent="-457200"/>
+            <a:r>
+              <a:rPr lang="ru-RU" i="1" dirty="0" smtClean="0"/>
+              <a:t>Эллипсность: пропуски слов или слова-заменители</a:t>
+            </a:r>
+          </a:p>
+          <a:p>
+            <a:pPr marL="457200" lvl="1" indent="-457200">
+              <a:lnSpc>
+                <a:spcPct val="120000"/>
+              </a:lnSpc>
+              <a:spcBef>
+                <a:spcPts val="1000"/>
+              </a:spcBef>
+            </a:pPr>
+            <a:r>
+              <a:rPr lang="ru-RU" b="1" i="1" dirty="0"/>
+              <a:t>Многообразие средств передачи смысла:</a:t>
+            </a:r>
+          </a:p>
+          <a:p>
+            <a:pPr marL="914400" lvl="2" indent="-457200"/>
+            <a:r>
+              <a:rPr lang="ru-RU" sz="2100" i="1" dirty="0"/>
+              <a:t>Лексика ЕЯ</a:t>
+            </a:r>
+          </a:p>
+          <a:p>
+            <a:pPr marL="914400" lvl="2" indent="-457200"/>
+            <a:r>
+              <a:rPr lang="ru-RU" sz="2100" i="1" dirty="0"/>
+              <a:t>Контекст</a:t>
+            </a:r>
+          </a:p>
+          <a:p>
+            <a:pPr marL="914400" lvl="2" indent="-457200"/>
+            <a:r>
+              <a:rPr lang="ru-RU" sz="2100" i="1" dirty="0"/>
+              <a:t>Ссылки на слова</a:t>
+            </a:r>
+          </a:p>
+          <a:p>
+            <a:pPr marL="457200" lvl="1" indent="-457200">
+              <a:lnSpc>
+                <a:spcPct val="110000"/>
+              </a:lnSpc>
+              <a:spcBef>
+                <a:spcPts val="1000"/>
+              </a:spcBef>
+            </a:pPr>
+            <a:r>
+              <a:rPr lang="ru-RU" b="1" i="1" dirty="0" smtClean="0"/>
+              <a:t>Высокая </a:t>
+            </a:r>
+            <a:r>
+              <a:rPr lang="ru-RU" b="1" i="1" dirty="0"/>
+              <a:t>размерность </a:t>
+            </a:r>
+            <a:r>
+              <a:rPr lang="ru-RU" b="1" i="1" dirty="0" smtClean="0"/>
+              <a:t>задачи</a:t>
+            </a:r>
+            <a:endParaRPr lang="ru-RU" b="1" i="1" dirty="0"/>
+          </a:p>
+          <a:p>
+            <a:pPr marL="457200" lvl="1" indent="-457200">
+              <a:lnSpc>
+                <a:spcPct val="110000"/>
+              </a:lnSpc>
+              <a:spcBef>
+                <a:spcPts val="1000"/>
+              </a:spcBef>
+            </a:pPr>
+            <a:r>
+              <a:rPr lang="ru-RU" b="1" i="1" dirty="0"/>
+              <a:t>Субъективность оценки качества классификации</a:t>
+            </a:r>
+          </a:p>
+          <a:p>
+            <a:pPr marL="457200" lvl="1" indent="-457200">
+              <a:lnSpc>
+                <a:spcPct val="110000"/>
+              </a:lnSpc>
+              <a:spcBef>
+                <a:spcPts val="1000"/>
+              </a:spcBef>
+            </a:pPr>
+            <a:r>
+              <a:rPr lang="ru-RU" b="1" i="1" dirty="0"/>
+              <a:t>Различная длина </a:t>
+            </a:r>
+            <a:r>
+              <a:rPr lang="ru-RU" b="1" i="1" dirty="0" smtClean="0"/>
+              <a:t>документов</a:t>
+            </a:r>
+            <a:endParaRPr lang="ru-RU" b="1" i="1" dirty="0"/>
+          </a:p>
+        </p:txBody>
+      </p:sp>
+      <p:sp>
+        <p:nvSpPr>
+          <p:cNvPr id="3" name="Номер слайда 2"/>
+          <p:cNvSpPr>
+            <a:spLocks noGrp="1"/>
+          </p:cNvSpPr>
+          <p:nvPr>
+            <p:ph type="sldNum" sz="quarter" idx="12"/>
+          </p:nvPr>
+        </p:nvSpPr>
+        <p:spPr/>
+        <p:txBody>
+          <a:bodyPr/>
+          <a:lstStyle/>
+          <a:p>
+            <a:fld id="{082C92E7-9338-4A04-8787-CAE1B2642B41}" type="slidenum">
+              <a:rPr lang="ru-RU" smtClean="0"/>
+              <a:t>17</a:t>
+            </a:fld>
+            <a:endParaRPr lang="ru-RU"/>
+          </a:p>
+        </p:txBody>
+      </p:sp>
+      <p:sp>
+        <p:nvSpPr>
+          <p:cNvPr id="5" name="Нижний колонтитул 3"/>
+          <p:cNvSpPr>
+            <a:spLocks noGrp="1"/>
+          </p:cNvSpPr>
+          <p:nvPr>
+            <p:ph type="ftr" sz="quarter" idx="11"/>
+          </p:nvPr>
+        </p:nvSpPr>
+        <p:spPr>
+          <a:xfrm>
+            <a:off x="4038600" y="6356350"/>
+            <a:ext cx="4114800" cy="365125"/>
+          </a:xfrm>
+        </p:spPr>
+        <p:txBody>
+          <a:bodyPr/>
+          <a:lstStyle/>
+          <a:p>
+            <a:r>
+              <a:rPr lang="ru-RU" dirty="0" smtClean="0"/>
+              <a:t>НИУ "МЭИ", Каф. </a:t>
+            </a:r>
+            <a:r>
+              <a:rPr lang="ru-RU" dirty="0" err="1" smtClean="0"/>
+              <a:t>УиИ</a:t>
+            </a:r>
+            <a:r>
+              <a:rPr lang="ru-RU" dirty="0" smtClean="0"/>
+              <a:t>, 2018</a:t>
+            </a:r>
+            <a:endParaRPr lang="ru-RU" dirty="0"/>
+          </a:p>
+        </p:txBody>
+      </p:sp>
+    </p:spTree>
+    <p:extLst>
+      <p:ext uri="{BB962C8B-B14F-4D97-AF65-F5344CB8AC3E}">
+        <p14:creationId xmlns:p14="http://schemas.microsoft.com/office/powerpoint/2010/main" val="1790264218"/>
+      </p:ext>
+    </p:extLst>
+  </p:cSld>
+  <p:clrMapOvr>
+    <a:masterClrMapping/>
+  </p:clrMapOvr>
+  <p:timing>
+    <p:tnLst>
+      <p:par>
+        <p:cTn id="1" dur="indefinite" restart="never" nodeType="tmRoot"/>
+      </p:par>
+    </p:tnLst>
+  </p:timing>
+</p:sld>
+</file>
+
+<file path=ppt/slides/slide2.xml><?xml version="1.0" encoding="utf-8"?>
+<p:sld xmlns:a="http://schemas.openxmlformats.org/drawingml/2006/main" xmlns:r="http://schemas.openxmlformats.org/officeDocument/2006/relationships" xmlns:p="http://schemas.openxmlformats.org/presentationml/2006/main">
+  <p:cSld>
+    <p:spTree>
+      <p:nvGrpSpPr>
+        <p:cNvPr id="1" name=""/>
+        <p:cNvGrpSpPr/>
+        <p:nvPr/>
+      </p:nvGrpSpPr>
+      <p:grpSpPr>
+        <a:xfrm>
+          <a:off x="0" y="0"/>
+          <a:ext cx="0" cy="0"/>
+          <a:chOff x="0" y="0"/>
+          <a:chExt cx="0" cy="0"/>
+        </a:xfrm>
+      </p:grpSpPr>
+      <p:sp>
+        <p:nvSpPr>
+          <p:cNvPr id="2" name="Заголовок 1"/>
+          <p:cNvSpPr>
+            <a:spLocks noGrp="1"/>
+          </p:cNvSpPr>
+          <p:nvPr>
+            <p:ph type="ctrTitle"/>
+          </p:nvPr>
+        </p:nvSpPr>
+        <p:spPr>
+          <a:xfrm>
+            <a:off x="609600" y="166774"/>
+            <a:ext cx="10744200" cy="541680"/>
+          </a:xfrm>
+        </p:spPr>
+        <p:txBody>
+          <a:bodyPr>
+            <a:noAutofit/>
+          </a:bodyPr>
+          <a:lstStyle/>
+          <a:p>
+            <a:r>
+              <a:rPr lang="ru-RU" sz="3200" i="1" dirty="0" smtClean="0">
+                <a:ln w="0"/>
+                <a:solidFill>
+                  <a:schemeClr val="accent1"/>
+                </a:solidFill>
+                <a:effectLst>
+                  <a:outerShdw blurRad="38100" dist="25400" dir="5400000" algn="ctr" rotWithShape="0">
+                    <a:srgbClr val="6E747A">
+                      <a:alpha val="43000"/>
+                    </a:srgbClr>
+                  </a:outerShdw>
+                </a:effectLst>
+              </a:rPr>
+              <a:t>Интеллектуальные информационные системы</a:t>
+            </a:r>
+            <a:endParaRPr lang="ru-RU" sz="3200" i="1" dirty="0">
+              <a:ln w="0"/>
+              <a:solidFill>
+                <a:schemeClr val="accent1"/>
+              </a:solidFill>
+              <a:effectLst>
+                <a:outerShdw blurRad="38100" dist="25400" dir="5400000" algn="ctr" rotWithShape="0">
+                  <a:srgbClr val="6E747A">
+                    <a:alpha val="43000"/>
+                  </a:srgbClr>
+                </a:outerShdw>
+              </a:effectLst>
+            </a:endParaRPr>
+          </a:p>
+        </p:txBody>
+      </p:sp>
+      <p:sp>
+        <p:nvSpPr>
           <p:cNvPr id="4" name="Прямоугольник 3"/>
           <p:cNvSpPr/>
           <p:nvPr/>
         </p:nvSpPr>
         <p:spPr>
           <a:xfrm>
-            <a:off x="4300495" y="4015246"/>
+            <a:off x="4308732" y="3619826"/>
             <a:ext cx="1272745" cy="584775"/>
           </a:xfrm>
           <a:prstGeom prst="rect">
@@ -4336,7 +7624,7 @@
         </p:nvSpPr>
         <p:spPr>
           <a:xfrm>
-            <a:off x="5565101" y="4015246"/>
+            <a:off x="5573338" y="3619826"/>
             <a:ext cx="1536499" cy="584775"/>
           </a:xfrm>
           <a:prstGeom prst="rect">
@@ -4365,7 +7653,7 @@
         </p:nvSpPr>
         <p:spPr>
           <a:xfrm>
-            <a:off x="6066235" y="4015246"/>
+            <a:off x="6074472" y="3619826"/>
             <a:ext cx="1784768" cy="1569660"/>
           </a:xfrm>
           <a:prstGeom prst="rect">
@@ -4399,7 +7687,7 @@
         </p:nvSpPr>
         <p:spPr>
           <a:xfrm>
-            <a:off x="5168217" y="4015245"/>
+            <a:off x="5163999" y="3618298"/>
             <a:ext cx="556340" cy="584775"/>
           </a:xfrm>
           <a:prstGeom prst="rect">
@@ -4427,8 +7715,8 @@
         </p:nvSpPr>
         <p:spPr>
           <a:xfrm>
-            <a:off x="5970124" y="4464210"/>
-            <a:ext cx="2577120" cy="3293209"/>
+            <a:off x="5978361" y="4068790"/>
+            <a:ext cx="2577120" cy="2308324"/>
           </a:xfrm>
           <a:prstGeom prst="rect">
             <a:avLst/>
@@ -4469,14 +7757,12 @@
           <a:p>
             <a:r>
               <a:rPr lang="en-US" sz="2400" dirty="0" smtClean="0"/>
-              <a:t>Knowledge Discovery in Data (KDD)</a:t>
-            </a:r>
-            <a:endParaRPr lang="ru-RU" sz="2400" dirty="0" smtClean="0"/>
-          </a:p>
-          <a:p>
-            <a:endParaRPr lang="ru-RU" sz="3200" dirty="0" smtClean="0"/>
-          </a:p>
-          <a:p>
+              <a:t>Knowledge Discovery in Data (KDD</a:t>
+            </a:r>
+            <a:r>
+              <a:rPr lang="en-US" sz="2400" dirty="0" smtClean="0"/>
+              <a:t>)</a:t>
+            </a:r>
             <a:endParaRPr lang="ru-RU" sz="3200" dirty="0"/>
           </a:p>
         </p:txBody>
@@ -4489,7 +7775,7 @@
         </p:nvSpPr>
         <p:spPr>
           <a:xfrm>
-            <a:off x="441819" y="1023022"/>
+            <a:off x="441819" y="854746"/>
             <a:ext cx="11308361" cy="2677656"/>
           </a:xfrm>
           <a:prstGeom prst="rect">
@@ -4594,9 +7880,45 @@
           <a:p>
             <a:fld id="{082C92E7-9338-4A04-8787-CAE1B2642B41}" type="slidenum">
               <a:rPr lang="ru-RU" smtClean="0"/>
-              <a:t>1</a:t>
+              <a:t>2</a:t>
             </a:fld>
             <a:endParaRPr lang="ru-RU"/>
+          </a:p>
+        </p:txBody>
+      </p:sp>
+      <p:sp>
+        <p:nvSpPr>
+          <p:cNvPr id="10" name="Нижний колонтитул 3"/>
+          <p:cNvSpPr>
+            <a:spLocks noGrp="1"/>
+          </p:cNvSpPr>
+          <p:nvPr>
+            <p:ph type="ftr" sz="quarter" idx="11"/>
+          </p:nvPr>
+        </p:nvSpPr>
+        <p:spPr>
+          <a:xfrm>
+            <a:off x="4038600" y="6356350"/>
+            <a:ext cx="4114800" cy="365125"/>
+          </a:xfrm>
+        </p:spPr>
+        <p:txBody>
+          <a:bodyPr/>
+          <a:lstStyle/>
+          <a:p>
+            <a:r>
+              <a:rPr lang="ru-RU" dirty="0" smtClean="0"/>
+              <a:t>НИУ "МЭИ", Каф. </a:t>
+            </a:r>
+            <a:r>
+              <a:rPr lang="ru-RU" dirty="0" err="1" smtClean="0"/>
+              <a:t>УиИ</a:t>
+            </a:r>
+            <a:r>
+              <a:rPr lang="ru-RU" dirty="0" smtClean="0"/>
+              <a:t>, 2018</a:t>
+            </a:r>
+            <a:endParaRPr lang="ru-RU" dirty="0"/>
           </a:p>
         </p:txBody>
       </p:sp>
@@ -4875,7 +8197,7 @@
 </p:sld>
 </file>
 
-<file path=ppt/slides/slide10.xml><?xml version="1.0" encoding="utf-8"?>
+<file path=ppt/slides/slide3.xml><?xml version="1.0" encoding="utf-8"?>
 <p:sld xmlns:a="http://schemas.openxmlformats.org/drawingml/2006/main" xmlns:r="http://schemas.openxmlformats.org/officeDocument/2006/relationships" xmlns:p="http://schemas.openxmlformats.org/presentationml/2006/main">
   <p:cSld>
     <p:spTree>
@@ -4904,19 +8226,19 @@
         </p:nvSpPr>
         <p:spPr>
           <a:xfrm>
-            <a:off x="838200" y="192383"/>
-            <a:ext cx="10515600" cy="588431"/>
+            <a:off x="812800" y="200025"/>
+            <a:ext cx="10515600" cy="638175"/>
           </a:xfrm>
         </p:spPr>
         <p:txBody>
           <a:bodyPr>
-            <a:normAutofit/>
+            <a:normAutofit fontScale="90000"/>
           </a:bodyPr>
           <a:lstStyle/>
           <a:p>
             <a:pPr algn="ctr"/>
             <a:r>
-              <a:rPr lang="ru-RU" sz="3600" i="1" dirty="0">
+              <a:rPr lang="ru-RU" i="1" dirty="0" smtClean="0">
                 <a:ln w="0"/>
                 <a:solidFill>
                   <a:schemeClr val="accent1"/>
@@ -4929,10 +8251,10 @@
                   </a:outerShdw>
                 </a:effectLst>
               </a:rPr>
-              <a:t>Типы задач. </a:t>
-            </a:r>
-            <a:r>
-              <a:rPr lang="ru-RU" sz="3600" i="1" dirty="0" smtClean="0">
+              <a:t>Что такое </a:t>
+            </a:r>
+            <a:r>
+              <a:rPr lang="en-US" i="1" dirty="0" smtClean="0">
                 <a:ln w="0"/>
                 <a:solidFill>
                   <a:schemeClr val="accent1"/>
@@ -4945,435 +8267,7 @@
                   </a:outerShdw>
                 </a:effectLst>
               </a:rPr>
-              <a:t>Регрессия и ранжирование</a:t>
-            </a:r>
-            <a:endParaRPr lang="ru-RU" sz="4100" i="1" dirty="0">
-              <a:ln w="0"/>
-              <a:solidFill>
-                <a:schemeClr val="accent1"/>
-              </a:solidFill>
-              <a:effectLst>
-                <a:outerShdw blurRad="38100" dist="25400" dir="5400000" algn="ctr" rotWithShape="0">
-                  <a:srgbClr val="6E747A">
-                    <a:alpha val="43000"/>
-                  </a:srgbClr>
-                </a:outerShdw>
-              </a:effectLst>
-            </a:endParaRPr>
-          </a:p>
-        </p:txBody>
-      </p:sp>
-      <p:sp>
-        <p:nvSpPr>
-          <p:cNvPr id="3" name="Номер слайда 2"/>
-          <p:cNvSpPr>
-            <a:spLocks noGrp="1"/>
-          </p:cNvSpPr>
-          <p:nvPr>
-            <p:ph type="sldNum" sz="quarter" idx="12"/>
-          </p:nvPr>
-        </p:nvSpPr>
-        <p:spPr/>
-        <p:txBody>
-          <a:bodyPr/>
-          <a:lstStyle/>
-          <a:p>
-            <a:fld id="{082C92E7-9338-4A04-8787-CAE1B2642B41}" type="slidenum">
-              <a:rPr lang="ru-RU" smtClean="0"/>
-              <a:t>10</a:t>
-            </a:fld>
-            <a:endParaRPr lang="ru-RU"/>
-          </a:p>
-        </p:txBody>
-      </p:sp>
-      <p:sp>
-        <p:nvSpPr>
-          <p:cNvPr id="15" name="Объект 2"/>
-          <p:cNvSpPr txBox="1">
-            <a:spLocks/>
-          </p:cNvSpPr>
-          <p:nvPr/>
-        </p:nvSpPr>
-        <p:spPr>
-          <a:xfrm>
-            <a:off x="761415" y="1281363"/>
-            <a:ext cx="10515600" cy="4691063"/>
-          </a:xfrm>
-          <a:prstGeom prst="rect">
-            <a:avLst/>
-          </a:prstGeom>
-        </p:spPr>
-        <p:txBody>
-          <a:bodyPr vert="horz" lIns="91440" tIns="45720" rIns="91440" bIns="45720" rtlCol="0">
-            <a:normAutofit/>
-          </a:bodyPr>
-          <a:lstStyle>
-            <a:lvl1pPr marL="228600" indent="-228600" algn="l" defTabSz="914400" rtl="0" eaLnBrk="1" latinLnBrk="0" hangingPunct="1">
-              <a:lnSpc>
-                <a:spcPct val="90000"/>
-              </a:lnSpc>
-              <a:spcBef>
-                <a:spcPts val="1000"/>
-              </a:spcBef>
-              <a:buFont typeface="Arial" panose="020B0604020202020204" pitchFamily="34" charset="0"/>
-              <a:buChar char="•"/>
-              <a:defRPr sz="2800" kern="1200">
-                <a:solidFill>
-                  <a:schemeClr val="tx1"/>
-                </a:solidFill>
-                <a:latin typeface="+mn-lt"/>
-                <a:ea typeface="+mn-ea"/>
-                <a:cs typeface="+mn-cs"/>
-              </a:defRPr>
-            </a:lvl1pPr>
-            <a:lvl2pPr marL="685800" indent="-228600" algn="l" defTabSz="914400" rtl="0" eaLnBrk="1" latinLnBrk="0" hangingPunct="1">
-              <a:lnSpc>
-                <a:spcPct val="90000"/>
-              </a:lnSpc>
-              <a:spcBef>
-                <a:spcPts val="500"/>
-              </a:spcBef>
-              <a:buFont typeface="Arial" panose="020B0604020202020204" pitchFamily="34" charset="0"/>
-              <a:buChar char="•"/>
-              <a:defRPr sz="2400" kern="1200">
-                <a:solidFill>
-                  <a:schemeClr val="tx1"/>
-                </a:solidFill>
-                <a:latin typeface="+mn-lt"/>
-                <a:ea typeface="+mn-ea"/>
-                <a:cs typeface="+mn-cs"/>
-              </a:defRPr>
-            </a:lvl2pPr>
-            <a:lvl3pPr marL="1143000" indent="-228600" algn="l" defTabSz="914400" rtl="0" eaLnBrk="1" latinLnBrk="0" hangingPunct="1">
-              <a:lnSpc>
-                <a:spcPct val="90000"/>
-              </a:lnSpc>
-              <a:spcBef>
-                <a:spcPts val="500"/>
-              </a:spcBef>
-              <a:buFont typeface="Arial" panose="020B0604020202020204" pitchFamily="34" charset="0"/>
-              <a:buChar char="•"/>
-              <a:defRPr sz="2000" kern="1200">
-                <a:solidFill>
-                  <a:schemeClr val="tx1"/>
-                </a:solidFill>
-                <a:latin typeface="+mn-lt"/>
-                <a:ea typeface="+mn-ea"/>
-                <a:cs typeface="+mn-cs"/>
-              </a:defRPr>
-            </a:lvl3pPr>
-            <a:lvl4pPr marL="1600200" indent="-228600" algn="l" defTabSz="914400" rtl="0" eaLnBrk="1" latinLnBrk="0" hangingPunct="1">
-              <a:lnSpc>
-                <a:spcPct val="90000"/>
-              </a:lnSpc>
-              <a:spcBef>
-                <a:spcPts val="500"/>
-              </a:spcBef>
-              <a:buFont typeface="Arial" panose="020B0604020202020204" pitchFamily="34" charset="0"/>
-              <a:buChar char="•"/>
-              <a:defRPr sz="1800" kern="1200">
-                <a:solidFill>
-                  <a:schemeClr val="tx1"/>
-                </a:solidFill>
-                <a:latin typeface="+mn-lt"/>
-                <a:ea typeface="+mn-ea"/>
-                <a:cs typeface="+mn-cs"/>
-              </a:defRPr>
-            </a:lvl4pPr>
-            <a:lvl5pPr marL="2057400" indent="-228600" algn="l" defTabSz="914400" rtl="0" eaLnBrk="1" latinLnBrk="0" hangingPunct="1">
-              <a:lnSpc>
-                <a:spcPct val="90000"/>
-              </a:lnSpc>
-              <a:spcBef>
-                <a:spcPts val="500"/>
-              </a:spcBef>
-              <a:buFont typeface="Arial" panose="020B0604020202020204" pitchFamily="34" charset="0"/>
-              <a:buChar char="•"/>
-              <a:defRPr sz="1800" kern="1200">
-                <a:solidFill>
-                  <a:schemeClr val="tx1"/>
-                </a:solidFill>
-                <a:latin typeface="+mn-lt"/>
-                <a:ea typeface="+mn-ea"/>
-                <a:cs typeface="+mn-cs"/>
-              </a:defRPr>
-            </a:lvl5pPr>
-            <a:lvl6pPr marL="2514600" indent="-228600" algn="l" defTabSz="914400" rtl="0" eaLnBrk="1" latinLnBrk="0" hangingPunct="1">
-              <a:lnSpc>
-                <a:spcPct val="90000"/>
-              </a:lnSpc>
-              <a:spcBef>
-                <a:spcPts val="500"/>
-              </a:spcBef>
-              <a:buFont typeface="Arial" panose="020B0604020202020204" pitchFamily="34" charset="0"/>
-              <a:buChar char="•"/>
-              <a:defRPr sz="1800" kern="1200">
-                <a:solidFill>
-                  <a:schemeClr val="tx1"/>
-                </a:solidFill>
-                <a:latin typeface="+mn-lt"/>
-                <a:ea typeface="+mn-ea"/>
-                <a:cs typeface="+mn-cs"/>
-              </a:defRPr>
-            </a:lvl6pPr>
-            <a:lvl7pPr marL="2971800" indent="-228600" algn="l" defTabSz="914400" rtl="0" eaLnBrk="1" latinLnBrk="0" hangingPunct="1">
-              <a:lnSpc>
-                <a:spcPct val="90000"/>
-              </a:lnSpc>
-              <a:spcBef>
-                <a:spcPts val="500"/>
-              </a:spcBef>
-              <a:buFont typeface="Arial" panose="020B0604020202020204" pitchFamily="34" charset="0"/>
-              <a:buChar char="•"/>
-              <a:defRPr sz="1800" kern="1200">
-                <a:solidFill>
-                  <a:schemeClr val="tx1"/>
-                </a:solidFill>
-                <a:latin typeface="+mn-lt"/>
-                <a:ea typeface="+mn-ea"/>
-                <a:cs typeface="+mn-cs"/>
-              </a:defRPr>
-            </a:lvl7pPr>
-            <a:lvl8pPr marL="3429000" indent="-228600" algn="l" defTabSz="914400" rtl="0" eaLnBrk="1" latinLnBrk="0" hangingPunct="1">
-              <a:lnSpc>
-                <a:spcPct val="90000"/>
-              </a:lnSpc>
-              <a:spcBef>
-                <a:spcPts val="500"/>
-              </a:spcBef>
-              <a:buFont typeface="Arial" panose="020B0604020202020204" pitchFamily="34" charset="0"/>
-              <a:buChar char="•"/>
-              <a:defRPr sz="1800" kern="1200">
-                <a:solidFill>
-                  <a:schemeClr val="tx1"/>
-                </a:solidFill>
-                <a:latin typeface="+mn-lt"/>
-                <a:ea typeface="+mn-ea"/>
-                <a:cs typeface="+mn-cs"/>
-              </a:defRPr>
-            </a:lvl8pPr>
-            <a:lvl9pPr marL="3886200" indent="-228600" algn="l" defTabSz="914400" rtl="0" eaLnBrk="1" latinLnBrk="0" hangingPunct="1">
-              <a:lnSpc>
-                <a:spcPct val="90000"/>
-              </a:lnSpc>
-              <a:spcBef>
-                <a:spcPts val="500"/>
-              </a:spcBef>
-              <a:buFont typeface="Arial" panose="020B0604020202020204" pitchFamily="34" charset="0"/>
-              <a:buChar char="•"/>
-              <a:defRPr sz="1800" kern="1200">
-                <a:solidFill>
-                  <a:schemeClr val="tx1"/>
-                </a:solidFill>
-                <a:latin typeface="+mn-lt"/>
-                <a:ea typeface="+mn-ea"/>
-                <a:cs typeface="+mn-cs"/>
-              </a:defRPr>
-            </a:lvl9pPr>
-          </a:lstStyle>
-          <a:p>
-            <a:endParaRPr lang="en-US" baseline="30000" dirty="0" smtClean="0"/>
-          </a:p>
-          <a:p>
-            <a:pPr marL="0" indent="0">
-              <a:buFont typeface="Arial" panose="020B0604020202020204" pitchFamily="34" charset="0"/>
-              <a:buNone/>
-            </a:pPr>
-            <a:r>
-              <a:rPr lang="en-US" b="1" dirty="0" smtClean="0"/>
-              <a:t>2. </a:t>
-            </a:r>
-            <a:r>
-              <a:rPr lang="ru-RU" b="1" dirty="0" smtClean="0"/>
-              <a:t>Задачи восстановления регрессии </a:t>
-            </a:r>
-            <a:r>
-              <a:rPr lang="ru-RU" dirty="0" smtClean="0"/>
-              <a:t>(</a:t>
-            </a:r>
-            <a:r>
-              <a:rPr lang="en-US" dirty="0" smtClean="0"/>
-              <a:t>Regression</a:t>
-            </a:r>
-            <a:r>
-              <a:rPr lang="ru-RU" dirty="0" smtClean="0"/>
-              <a:t>)</a:t>
-            </a:r>
-            <a:endParaRPr lang="en-US" dirty="0" smtClean="0"/>
-          </a:p>
-          <a:p>
-            <a:r>
-              <a:rPr lang="en-US" dirty="0" smtClean="0"/>
-              <a:t>Y = </a:t>
-            </a:r>
-            <a:r>
-              <a:rPr lang="en-US" b="1" dirty="0" smtClean="0"/>
-              <a:t>R</a:t>
-            </a:r>
-          </a:p>
-          <a:p>
-            <a:endParaRPr lang="en-US" dirty="0" smtClean="0"/>
-          </a:p>
-          <a:p>
-            <a:pPr marL="0" indent="0">
-              <a:buFont typeface="Arial" panose="020B0604020202020204" pitchFamily="34" charset="0"/>
-              <a:buNone/>
-            </a:pPr>
-            <a:r>
-              <a:rPr lang="en-US" b="1" dirty="0" smtClean="0"/>
-              <a:t>3. </a:t>
-            </a:r>
-            <a:r>
-              <a:rPr lang="ru-RU" b="1" dirty="0" smtClean="0"/>
-              <a:t>Задачи ранжирования </a:t>
-            </a:r>
-            <a:r>
-              <a:rPr lang="ru-RU" dirty="0" smtClean="0"/>
-              <a:t>(</a:t>
-            </a:r>
-            <a:r>
-              <a:rPr lang="en-US" dirty="0" smtClean="0"/>
-              <a:t>ranking</a:t>
-            </a:r>
-            <a:r>
-              <a:rPr lang="ru-RU" dirty="0" smtClean="0"/>
-              <a:t>)</a:t>
-            </a:r>
-            <a:r>
-              <a:rPr lang="en-US" dirty="0" smtClean="0"/>
-              <a:t>:</a:t>
-            </a:r>
-          </a:p>
-          <a:p>
-            <a:r>
-              <a:rPr lang="en-US" dirty="0" smtClean="0"/>
-              <a:t>Y-</a:t>
-            </a:r>
-            <a:r>
-              <a:rPr lang="ru-RU" dirty="0" smtClean="0"/>
-              <a:t> конечное упорядоченное множество</a:t>
-            </a:r>
-            <a:endParaRPr lang="ru-RU" dirty="0"/>
-          </a:p>
-        </p:txBody>
-      </p:sp>
-    </p:spTree>
-    <p:extLst>
-      <p:ext uri="{BB962C8B-B14F-4D97-AF65-F5344CB8AC3E}">
-        <p14:creationId xmlns:p14="http://schemas.microsoft.com/office/powerpoint/2010/main" val="1931980588"/>
-      </p:ext>
-    </p:extLst>
-  </p:cSld>
-  <p:clrMapOvr>
-    <a:masterClrMapping/>
-  </p:clrMapOvr>
-  <p:timing>
-    <p:tnLst>
-      <p:par>
-        <p:cTn id="1" dur="indefinite" restart="never" nodeType="tmRoot"/>
-      </p:par>
-    </p:tnLst>
-  </p:timing>
-</p:sld>
-</file>
-
-<file path=ppt/slides/slide11.xml><?xml version="1.0" encoding="utf-8"?>
-<p:sld xmlns:a="http://schemas.openxmlformats.org/drawingml/2006/main" xmlns:r="http://schemas.openxmlformats.org/officeDocument/2006/relationships" xmlns:p="http://schemas.openxmlformats.org/presentationml/2006/main">
-  <p:cSld>
-    <p:spTree>
-      <p:nvGrpSpPr>
-        <p:cNvPr id="1" name=""/>
-        <p:cNvGrpSpPr/>
-        <p:nvPr/>
-      </p:nvGrpSpPr>
-      <p:grpSpPr>
-        <a:xfrm>
-          <a:off x="0" y="0"/>
-          <a:ext cx="0" cy="0"/>
-          <a:chOff x="0" y="0"/>
-          <a:chExt cx="0" cy="0"/>
-        </a:xfrm>
-      </p:grpSpPr>
-      <p:sp>
-        <p:nvSpPr>
-          <p:cNvPr id="2" name="Заголовок 1"/>
-          <p:cNvSpPr>
-            <a:spLocks noGrp="1"/>
-          </p:cNvSpPr>
-          <p:nvPr>
-            <p:ph type="title"/>
-          </p:nvPr>
-        </p:nvSpPr>
-        <p:spPr>
-          <a:xfrm>
-            <a:off x="838200" y="365125"/>
-            <a:ext cx="10515600" cy="701675"/>
-          </a:xfrm>
-          <a:noFill/>
-          <a:ln>
-            <a:noFill/>
-          </a:ln>
-          <a:extLst>
-            <a:ext uri="{909E8E84-426E-40DD-AFC4-6F175D3DCCD1}">
-              <a14:hiddenFill xmlns:a14="http://schemas.microsoft.com/office/drawing/2010/main">
-                <a:solidFill>
-                  <a:srgbClr val="FFFFFF"/>
-                </a:solidFill>
-              </a14:hiddenFill>
-            </a:ext>
-            <a:ext uri="{91240B29-F687-4F45-9708-019B960494DF}">
-              <a14:hiddenLine xmlns:a14="http://schemas.microsoft.com/office/drawing/2010/main" w="9525">
-                <a:solidFill>
-                  <a:srgbClr val="000000"/>
-                </a:solidFill>
-                <a:miter lim="800000"/>
-                <a:headEnd/>
-                <a:tailEnd/>
-              </a14:hiddenLine>
-            </a:ext>
-          </a:extLst>
-        </p:spPr>
-        <p:txBody>
-          <a:bodyPr vert="horz" wrap="square" lIns="91440" tIns="45720" rIns="91440" bIns="45720" numCol="1" rtlCol="0" anchor="ctr" anchorCtr="0" compatLnSpc="1">
-            <a:prstTxWarp prst="textNoShape">
-              <a:avLst/>
-            </a:prstTxWarp>
-            <a:noAutofit/>
-          </a:bodyPr>
-          <a:lstStyle/>
-          <a:p>
-            <a:pPr algn="ctr"/>
-            <a:r>
-              <a:rPr lang="ru-RU" i="1" dirty="0">
-                <a:ln w="0"/>
-                <a:solidFill>
-                  <a:schemeClr val="accent1"/>
-                </a:solidFill>
-                <a:effectLst>
-                  <a:outerShdw blurRad="38100" dist="25400" dir="5400000" algn="ctr" rotWithShape="0">
-                    <a:srgbClr val="6E747A">
-                      <a:alpha val="43000"/>
-                    </a:srgbClr>
-                  </a:outerShdw>
-                </a:effectLst>
-              </a:rPr>
-              <a:t>Кредитный </a:t>
-            </a:r>
-            <a:r>
-              <a:rPr lang="ru-RU" i="1" dirty="0" err="1">
-                <a:ln w="0"/>
-                <a:solidFill>
-                  <a:schemeClr val="accent1"/>
-                </a:solidFill>
-                <a:effectLst>
-                  <a:outerShdw blurRad="38100" dist="25400" dir="5400000" algn="ctr" rotWithShape="0">
-                    <a:srgbClr val="6E747A">
-                      <a:alpha val="43000"/>
-                    </a:srgbClr>
-                  </a:outerShdw>
-                </a:effectLst>
-              </a:rPr>
-              <a:t>скоринг</a:t>
+              <a:t>Data Mining?</a:t>
             </a:r>
             <a:endParaRPr lang="ru-RU" i="1" dirty="0">
               <a:ln w="0"/>
@@ -5393,1784 +8287,6 @@
       </p:sp>
       <p:sp>
         <p:nvSpPr>
-          <p:cNvPr id="3" name="Объект 2"/>
-          <p:cNvSpPr>
-            <a:spLocks noGrp="1"/>
-          </p:cNvSpPr>
-          <p:nvPr>
-            <p:ph idx="1"/>
-          </p:nvPr>
-        </p:nvSpPr>
-        <p:spPr>
-          <a:xfrm>
-            <a:off x="928816" y="1299777"/>
-            <a:ext cx="10515600" cy="4910138"/>
-          </a:xfrm>
-        </p:spPr>
-        <p:txBody>
-          <a:bodyPr/>
-          <a:lstStyle/>
-          <a:p>
-            <a:r>
-              <a:rPr lang="ru-RU" b="1" dirty="0" smtClean="0"/>
-              <a:t>Объект</a:t>
-            </a:r>
-            <a:r>
-              <a:rPr lang="ru-RU" dirty="0" smtClean="0"/>
-              <a:t> – заявка на получение кредита</a:t>
-            </a:r>
-          </a:p>
-          <a:p>
-            <a:r>
-              <a:rPr lang="ru-RU" b="1" dirty="0" smtClean="0"/>
-              <a:t>Классы</a:t>
-            </a:r>
-            <a:r>
-              <a:rPr lang="ru-RU" dirty="0" smtClean="0"/>
-              <a:t>: </a:t>
-            </a:r>
-            <a:r>
-              <a:rPr lang="en-US" dirty="0" smtClean="0"/>
-              <a:t>good, bad</a:t>
-            </a:r>
-            <a:endParaRPr lang="ru-RU" dirty="0" smtClean="0"/>
-          </a:p>
-          <a:p>
-            <a:r>
-              <a:rPr lang="ru-RU" b="1" dirty="0" smtClean="0"/>
-              <a:t>Примеры признаков</a:t>
-            </a:r>
-            <a:r>
-              <a:rPr lang="ru-RU" dirty="0" smtClean="0"/>
-              <a:t>: </a:t>
-            </a:r>
-          </a:p>
-          <a:p>
-            <a:pPr lvl="1"/>
-            <a:r>
-              <a:rPr lang="ru-RU" dirty="0" smtClean="0"/>
-              <a:t>Бинарные: пол, наличие телефона,…</a:t>
-            </a:r>
-          </a:p>
-          <a:p>
-            <a:pPr lvl="1"/>
-            <a:r>
-              <a:rPr lang="ru-RU" dirty="0" smtClean="0"/>
-              <a:t>Номинальные: место работы, профессия, место жительства,…</a:t>
-            </a:r>
-          </a:p>
-          <a:p>
-            <a:pPr lvl="1"/>
-            <a:r>
-              <a:rPr lang="ru-RU" dirty="0" smtClean="0"/>
-              <a:t>Порядковые:  должность, образование,…</a:t>
-            </a:r>
-          </a:p>
-          <a:p>
-            <a:pPr lvl="1"/>
-            <a:r>
-              <a:rPr lang="ru-RU" dirty="0" smtClean="0"/>
-              <a:t>Количественные: возраст, зарплата, стаж работы, сумма кредита,…</a:t>
-            </a:r>
-          </a:p>
-          <a:p>
-            <a:pPr marL="0" lvl="1"/>
-            <a:r>
-              <a:rPr lang="ru-RU" sz="2800" b="1" dirty="0"/>
-              <a:t>Особенности задачи</a:t>
-            </a:r>
-            <a:r>
-              <a:rPr lang="ru-RU" dirty="0" smtClean="0"/>
-              <a:t>: </a:t>
-            </a:r>
-            <a:endParaRPr lang="en-US" sz="2400" dirty="0" smtClean="0"/>
-          </a:p>
-          <a:p>
-            <a:pPr marL="684000" lvl="2"/>
-            <a:r>
-              <a:rPr lang="ru-RU" sz="2400" dirty="0" smtClean="0"/>
-              <a:t>Вероятны пропуски данных</a:t>
-            </a:r>
-          </a:p>
-          <a:p>
-            <a:pPr marL="684000" lvl="2"/>
-            <a:r>
-              <a:rPr lang="ru-RU" sz="2400" dirty="0" smtClean="0"/>
-              <a:t>Возможна недостоверность данных</a:t>
-            </a:r>
-            <a:endParaRPr lang="en-US" sz="2400" dirty="0" smtClean="0"/>
-          </a:p>
-          <a:p>
-            <a:pPr marL="684000" lvl="2"/>
-            <a:r>
-              <a:rPr lang="ru-RU" sz="2400" dirty="0" smtClean="0"/>
-              <a:t>Нужно </a:t>
-            </a:r>
-            <a:r>
-              <a:rPr lang="ru-RU" sz="2400" dirty="0"/>
-              <a:t>оценить вероятность </a:t>
-            </a:r>
-            <a:r>
-              <a:rPr lang="ru-RU" sz="2400" dirty="0" smtClean="0"/>
-              <a:t>дефолта </a:t>
-            </a:r>
-            <a:r>
-              <a:rPr lang="en-US" sz="2400" i="1" dirty="0" smtClean="0"/>
-              <a:t>P(bad)</a:t>
-            </a:r>
-          </a:p>
-          <a:p>
-            <a:pPr marL="684000" lvl="2"/>
-            <a:endParaRPr lang="ru-RU" sz="2400" dirty="0"/>
-          </a:p>
-          <a:p>
-            <a:pPr lvl="1"/>
-            <a:endParaRPr lang="ru-RU" dirty="0"/>
-          </a:p>
-        </p:txBody>
-      </p:sp>
-      <p:sp>
-        <p:nvSpPr>
-          <p:cNvPr id="4" name="Номер слайда 3"/>
-          <p:cNvSpPr>
-            <a:spLocks noGrp="1"/>
-          </p:cNvSpPr>
-          <p:nvPr>
-            <p:ph type="sldNum" sz="quarter" idx="12"/>
-          </p:nvPr>
-        </p:nvSpPr>
-        <p:spPr/>
-        <p:txBody>
-          <a:bodyPr/>
-          <a:lstStyle/>
-          <a:p>
-            <a:fld id="{082C92E7-9338-4A04-8787-CAE1B2642B41}" type="slidenum">
-              <a:rPr lang="ru-RU" smtClean="0"/>
-              <a:t>11</a:t>
-            </a:fld>
-            <a:endParaRPr lang="ru-RU"/>
-          </a:p>
-        </p:txBody>
-      </p:sp>
-    </p:spTree>
-    <p:extLst>
-      <p:ext uri="{BB962C8B-B14F-4D97-AF65-F5344CB8AC3E}">
-        <p14:creationId xmlns:p14="http://schemas.microsoft.com/office/powerpoint/2010/main" val="66166899"/>
-      </p:ext>
-    </p:extLst>
-  </p:cSld>
-  <p:clrMapOvr>
-    <a:masterClrMapping/>
-  </p:clrMapOvr>
-  <p:timing>
-    <p:tnLst>
-      <p:par>
-        <p:cTn id="1" dur="indefinite" restart="never" nodeType="tmRoot"/>
-      </p:par>
-    </p:tnLst>
-  </p:timing>
-</p:sld>
-</file>
-
-<file path=ppt/slides/slide12.xml><?xml version="1.0" encoding="utf-8"?>
-<p:sld xmlns:a="http://schemas.openxmlformats.org/drawingml/2006/main" xmlns:r="http://schemas.openxmlformats.org/officeDocument/2006/relationships" xmlns:p="http://schemas.openxmlformats.org/presentationml/2006/main">
-  <p:cSld>
-    <p:spTree>
-      <p:nvGrpSpPr>
-        <p:cNvPr id="1" name=""/>
-        <p:cNvGrpSpPr/>
-        <p:nvPr/>
-      </p:nvGrpSpPr>
-      <p:grpSpPr>
-        <a:xfrm>
-          <a:off x="0" y="0"/>
-          <a:ext cx="0" cy="0"/>
-          <a:chOff x="0" y="0"/>
-          <a:chExt cx="0" cy="0"/>
-        </a:xfrm>
-      </p:grpSpPr>
-      <p:sp>
-        <p:nvSpPr>
-          <p:cNvPr id="2" name="Заголовок 1"/>
-          <p:cNvSpPr>
-            <a:spLocks noGrp="1"/>
-          </p:cNvSpPr>
-          <p:nvPr>
-            <p:ph type="title"/>
-          </p:nvPr>
-        </p:nvSpPr>
-        <p:spPr>
-          <a:xfrm>
-            <a:off x="838200" y="365125"/>
-            <a:ext cx="10515600" cy="701675"/>
-          </a:xfrm>
-          <a:noFill/>
-          <a:ln>
-            <a:noFill/>
-          </a:ln>
-          <a:extLst>
-            <a:ext uri="{909E8E84-426E-40DD-AFC4-6F175D3DCCD1}">
-              <a14:hiddenFill xmlns:a14="http://schemas.microsoft.com/office/drawing/2010/main">
-                <a:solidFill>
-                  <a:srgbClr val="FFFFFF"/>
-                </a:solidFill>
-              </a14:hiddenFill>
-            </a:ext>
-            <a:ext uri="{91240B29-F687-4F45-9708-019B960494DF}">
-              <a14:hiddenLine xmlns:a14="http://schemas.microsoft.com/office/drawing/2010/main" w="9525">
-                <a:solidFill>
-                  <a:srgbClr val="000000"/>
-                </a:solidFill>
-                <a:miter lim="800000"/>
-                <a:headEnd/>
-                <a:tailEnd/>
-              </a14:hiddenLine>
-            </a:ext>
-          </a:extLst>
-        </p:spPr>
-        <p:txBody>
-          <a:bodyPr vert="horz" wrap="square" lIns="91440" tIns="45720" rIns="91440" bIns="45720" numCol="1" rtlCol="0" anchor="ctr" anchorCtr="0" compatLnSpc="1">
-            <a:prstTxWarp prst="textNoShape">
-              <a:avLst/>
-            </a:prstTxWarp>
-            <a:noAutofit/>
-          </a:bodyPr>
-          <a:lstStyle/>
-          <a:p>
-            <a:pPr algn="ctr"/>
-            <a:r>
-              <a:rPr lang="ru-RU" i="1" dirty="0">
-                <a:ln w="0"/>
-                <a:solidFill>
-                  <a:schemeClr val="accent1"/>
-                </a:solidFill>
-                <a:effectLst>
-                  <a:outerShdw blurRad="38100" dist="25400" dir="5400000" algn="ctr" rotWithShape="0">
-                    <a:srgbClr val="6E747A">
-                      <a:alpha val="43000"/>
-                    </a:srgbClr>
-                  </a:outerShdw>
-                </a:effectLst>
-              </a:rPr>
-              <a:t>Предсказание оттока клиентов</a:t>
-            </a:r>
-          </a:p>
-        </p:txBody>
-      </p:sp>
-      <p:sp>
-        <p:nvSpPr>
-          <p:cNvPr id="3" name="Объект 2"/>
-          <p:cNvSpPr>
-            <a:spLocks noGrp="1"/>
-          </p:cNvSpPr>
-          <p:nvPr>
-            <p:ph idx="1"/>
-          </p:nvPr>
-        </p:nvSpPr>
-        <p:spPr>
-          <a:xfrm>
-            <a:off x="928816" y="1299777"/>
-            <a:ext cx="10515600" cy="4910138"/>
-          </a:xfrm>
-        </p:spPr>
-        <p:txBody>
-          <a:bodyPr/>
-          <a:lstStyle/>
-          <a:p>
-            <a:r>
-              <a:rPr lang="ru-RU" b="1" dirty="0" smtClean="0"/>
-              <a:t>Объект</a:t>
-            </a:r>
-            <a:r>
-              <a:rPr lang="ru-RU" dirty="0" smtClean="0"/>
-              <a:t> – абонент в определенный момент времени</a:t>
-            </a:r>
-          </a:p>
-          <a:p>
-            <a:r>
-              <a:rPr lang="ru-RU" b="1" dirty="0" smtClean="0"/>
-              <a:t>Классы</a:t>
-            </a:r>
-            <a:r>
-              <a:rPr lang="ru-RU" dirty="0" smtClean="0"/>
-              <a:t>: уйдет или не уйдет в следующем месяце</a:t>
-            </a:r>
-          </a:p>
-          <a:p>
-            <a:r>
-              <a:rPr lang="ru-RU" b="1" dirty="0" smtClean="0"/>
-              <a:t>Примеры признаков</a:t>
-            </a:r>
-            <a:r>
-              <a:rPr lang="ru-RU" dirty="0" smtClean="0"/>
-              <a:t>: </a:t>
-            </a:r>
-          </a:p>
-          <a:p>
-            <a:pPr lvl="1"/>
-            <a:r>
-              <a:rPr lang="ru-RU" dirty="0" smtClean="0"/>
-              <a:t>Бинарные: включенные услуги, корпоративный клиент…</a:t>
-            </a:r>
-          </a:p>
-          <a:p>
-            <a:pPr lvl="1"/>
-            <a:r>
-              <a:rPr lang="ru-RU" dirty="0" smtClean="0"/>
-              <a:t>Номинальные: тарифный план, регион проживания,…</a:t>
-            </a:r>
-          </a:p>
-          <a:p>
-            <a:pPr lvl="1"/>
-            <a:r>
-              <a:rPr lang="ru-RU" dirty="0" smtClean="0"/>
-              <a:t>Количественные: длительность разговоров (входящих, исходящих, СМС, трафик), сумма оплаты, частота оплаты,…</a:t>
-            </a:r>
-          </a:p>
-          <a:p>
-            <a:pPr marL="0" lvl="1"/>
-            <a:r>
-              <a:rPr lang="ru-RU" sz="2800" b="1" dirty="0"/>
-              <a:t>Особенности задачи</a:t>
-            </a:r>
-            <a:r>
-              <a:rPr lang="ru-RU" dirty="0" smtClean="0"/>
-              <a:t>: </a:t>
-            </a:r>
-            <a:endParaRPr lang="en-US" sz="2400" dirty="0" smtClean="0"/>
-          </a:p>
-          <a:p>
-            <a:pPr marL="684000" lvl="2"/>
-            <a:r>
-              <a:rPr lang="ru-RU" sz="2400" dirty="0" smtClean="0"/>
-              <a:t>Сверхбольшие выборки</a:t>
-            </a:r>
-          </a:p>
-          <a:p>
-            <a:pPr marL="684000" lvl="2"/>
-            <a:r>
-              <a:rPr lang="ru-RU" sz="2400" dirty="0" smtClean="0"/>
-              <a:t>Непонятно, какие признаки вычислять по «сырым данным»</a:t>
-            </a:r>
-            <a:endParaRPr lang="en-US" sz="2400" dirty="0" smtClean="0"/>
-          </a:p>
-          <a:p>
-            <a:pPr marL="684000" lvl="2"/>
-            <a:r>
-              <a:rPr lang="ru-RU" sz="2400" dirty="0" smtClean="0"/>
-              <a:t>Нужно </a:t>
-            </a:r>
-            <a:r>
-              <a:rPr lang="ru-RU" sz="2400" dirty="0"/>
-              <a:t>оценить вероятность </a:t>
-            </a:r>
-            <a:r>
-              <a:rPr lang="ru-RU" sz="2400" dirty="0" smtClean="0"/>
-              <a:t>ухода </a:t>
-            </a:r>
-            <a:endParaRPr lang="en-US" sz="2400" i="1" dirty="0" smtClean="0"/>
-          </a:p>
-          <a:p>
-            <a:pPr marL="684000" lvl="2"/>
-            <a:endParaRPr lang="ru-RU" sz="2400" dirty="0"/>
-          </a:p>
-          <a:p>
-            <a:pPr lvl="1"/>
-            <a:endParaRPr lang="ru-RU" dirty="0"/>
-          </a:p>
-        </p:txBody>
-      </p:sp>
-      <p:sp>
-        <p:nvSpPr>
-          <p:cNvPr id="4" name="Номер слайда 3"/>
-          <p:cNvSpPr>
-            <a:spLocks noGrp="1"/>
-          </p:cNvSpPr>
-          <p:nvPr>
-            <p:ph type="sldNum" sz="quarter" idx="12"/>
-          </p:nvPr>
-        </p:nvSpPr>
-        <p:spPr/>
-        <p:txBody>
-          <a:bodyPr/>
-          <a:lstStyle/>
-          <a:p>
-            <a:fld id="{082C92E7-9338-4A04-8787-CAE1B2642B41}" type="slidenum">
-              <a:rPr lang="ru-RU" smtClean="0"/>
-              <a:t>12</a:t>
-            </a:fld>
-            <a:endParaRPr lang="ru-RU"/>
-          </a:p>
-        </p:txBody>
-      </p:sp>
-    </p:spTree>
-    <p:extLst>
-      <p:ext uri="{BB962C8B-B14F-4D97-AF65-F5344CB8AC3E}">
-        <p14:creationId xmlns:p14="http://schemas.microsoft.com/office/powerpoint/2010/main" val="2118291369"/>
-      </p:ext>
-    </p:extLst>
-  </p:cSld>
-  <p:clrMapOvr>
-    <a:masterClrMapping/>
-  </p:clrMapOvr>
-  <p:timing>
-    <p:tnLst>
-      <p:par>
-        <p:cTn id="1" dur="indefinite" restart="never" nodeType="tmRoot"/>
-      </p:par>
-    </p:tnLst>
-  </p:timing>
-</p:sld>
-</file>
-
-<file path=ppt/slides/slide13.xml><?xml version="1.0" encoding="utf-8"?>
-<p:sld xmlns:a="http://schemas.openxmlformats.org/drawingml/2006/main" xmlns:r="http://schemas.openxmlformats.org/officeDocument/2006/relationships" xmlns:p="http://schemas.openxmlformats.org/presentationml/2006/main">
-  <p:cSld>
-    <p:spTree>
-      <p:nvGrpSpPr>
-        <p:cNvPr id="1" name=""/>
-        <p:cNvGrpSpPr/>
-        <p:nvPr/>
-      </p:nvGrpSpPr>
-      <p:grpSpPr>
-        <a:xfrm>
-          <a:off x="0" y="0"/>
-          <a:ext cx="0" cy="0"/>
-          <a:chOff x="0" y="0"/>
-          <a:chExt cx="0" cy="0"/>
-        </a:xfrm>
-      </p:grpSpPr>
-      <p:sp>
-        <p:nvSpPr>
-          <p:cNvPr id="2" name="Заголовок 1"/>
-          <p:cNvSpPr>
-            <a:spLocks noGrp="1"/>
-          </p:cNvSpPr>
-          <p:nvPr>
-            <p:ph type="title"/>
-          </p:nvPr>
-        </p:nvSpPr>
-        <p:spPr>
-          <a:xfrm>
-            <a:off x="838200" y="365125"/>
-            <a:ext cx="10515600" cy="701675"/>
-          </a:xfrm>
-          <a:noFill/>
-          <a:ln>
-            <a:noFill/>
-          </a:ln>
-          <a:extLst>
-            <a:ext uri="{909E8E84-426E-40DD-AFC4-6F175D3DCCD1}">
-              <a14:hiddenFill xmlns:a14="http://schemas.microsoft.com/office/drawing/2010/main">
-                <a:solidFill>
-                  <a:srgbClr val="FFFFFF"/>
-                </a:solidFill>
-              </a14:hiddenFill>
-            </a:ext>
-            <a:ext uri="{91240B29-F687-4F45-9708-019B960494DF}">
-              <a14:hiddenLine xmlns:a14="http://schemas.microsoft.com/office/drawing/2010/main" w="9525">
-                <a:solidFill>
-                  <a:srgbClr val="000000"/>
-                </a:solidFill>
-                <a:miter lim="800000"/>
-                <a:headEnd/>
-                <a:tailEnd/>
-              </a14:hiddenLine>
-            </a:ext>
-          </a:extLst>
-        </p:spPr>
-        <p:txBody>
-          <a:bodyPr vert="horz" wrap="square" lIns="91440" tIns="45720" rIns="91440" bIns="45720" numCol="1" rtlCol="0" anchor="ctr" anchorCtr="0" compatLnSpc="1">
-            <a:prstTxWarp prst="textNoShape">
-              <a:avLst/>
-            </a:prstTxWarp>
-            <a:noAutofit/>
-          </a:bodyPr>
-          <a:lstStyle/>
-          <a:p>
-            <a:pPr algn="ctr"/>
-            <a:r>
-              <a:rPr lang="ru-RU" i="1" dirty="0">
-                <a:ln w="0"/>
-                <a:solidFill>
-                  <a:schemeClr val="accent1"/>
-                </a:solidFill>
-                <a:effectLst>
-                  <a:outerShdw blurRad="38100" dist="25400" dir="5400000" algn="ctr" rotWithShape="0">
-                    <a:srgbClr val="6E747A">
-                      <a:alpha val="43000"/>
-                    </a:srgbClr>
-                  </a:outerShdw>
-                </a:effectLst>
-              </a:rPr>
-              <a:t>Задача ранжирования поисковой выдачи</a:t>
-            </a:r>
-          </a:p>
-        </p:txBody>
-      </p:sp>
-      <p:sp>
-        <p:nvSpPr>
-          <p:cNvPr id="3" name="Объект 2"/>
-          <p:cNvSpPr>
-            <a:spLocks noGrp="1"/>
-          </p:cNvSpPr>
-          <p:nvPr>
-            <p:ph idx="1"/>
-          </p:nvPr>
-        </p:nvSpPr>
-        <p:spPr>
-          <a:xfrm>
-            <a:off x="928816" y="1299777"/>
-            <a:ext cx="10515600" cy="4910138"/>
-          </a:xfrm>
-        </p:spPr>
-        <p:txBody>
-          <a:bodyPr/>
-          <a:lstStyle/>
-          <a:p>
-            <a:r>
-              <a:rPr lang="ru-RU" b="1" dirty="0" smtClean="0"/>
-              <a:t>Объект</a:t>
-            </a:r>
-            <a:r>
-              <a:rPr lang="ru-RU" dirty="0" smtClean="0"/>
-              <a:t> – пара </a:t>
-            </a:r>
-            <a:r>
-              <a:rPr lang="en-US" dirty="0" smtClean="0"/>
-              <a:t>&lt;</a:t>
-            </a:r>
-            <a:r>
-              <a:rPr lang="ru-RU" dirty="0" smtClean="0"/>
-              <a:t>запрос, документ</a:t>
-            </a:r>
-            <a:r>
-              <a:rPr lang="en-US" dirty="0" smtClean="0"/>
-              <a:t>&gt;</a:t>
-            </a:r>
-            <a:endParaRPr lang="ru-RU" dirty="0" smtClean="0"/>
-          </a:p>
-          <a:p>
-            <a:r>
-              <a:rPr lang="ru-RU" b="1" dirty="0" smtClean="0"/>
-              <a:t>Классы</a:t>
-            </a:r>
-            <a:r>
-              <a:rPr lang="ru-RU" dirty="0" smtClean="0"/>
-              <a:t>: </a:t>
-            </a:r>
-            <a:r>
-              <a:rPr lang="ru-RU" dirty="0" err="1" smtClean="0"/>
-              <a:t>релевантен</a:t>
-            </a:r>
-            <a:r>
-              <a:rPr lang="ru-RU" dirty="0" smtClean="0"/>
-              <a:t> или не </a:t>
-            </a:r>
-            <a:r>
-              <a:rPr lang="ru-RU" dirty="0" err="1" smtClean="0"/>
-              <a:t>релевантен</a:t>
-            </a:r>
-            <a:endParaRPr lang="ru-RU" dirty="0" smtClean="0"/>
-          </a:p>
-          <a:p>
-            <a:r>
-              <a:rPr lang="ru-RU" b="1" dirty="0" smtClean="0"/>
-              <a:t>Примеры признаков</a:t>
-            </a:r>
-            <a:r>
-              <a:rPr lang="ru-RU" dirty="0" smtClean="0"/>
-              <a:t>: </a:t>
-            </a:r>
-          </a:p>
-          <a:p>
-            <a:pPr lvl="1"/>
-            <a:r>
-              <a:rPr lang="ru-RU" dirty="0" smtClean="0"/>
-              <a:t>Количественные: частота слов запроса в документе, число ссылок на документ, число кликов на документ,…</a:t>
-            </a:r>
-          </a:p>
-          <a:p>
-            <a:pPr marL="0" lvl="1"/>
-            <a:r>
-              <a:rPr lang="ru-RU" sz="2800" b="1" dirty="0"/>
-              <a:t>Особенности задачи</a:t>
-            </a:r>
-            <a:r>
-              <a:rPr lang="ru-RU" dirty="0" smtClean="0"/>
-              <a:t>: </a:t>
-            </a:r>
-            <a:endParaRPr lang="en-US" sz="2400" dirty="0" smtClean="0"/>
-          </a:p>
-          <a:p>
-            <a:pPr marL="684000" lvl="2"/>
-            <a:r>
-              <a:rPr lang="ru-RU" sz="2400" dirty="0" smtClean="0"/>
-              <a:t>Оптимизируется не число ошибок, а качество ранжирования</a:t>
-            </a:r>
-          </a:p>
-          <a:p>
-            <a:pPr marL="684000" lvl="2"/>
-            <a:r>
-              <a:rPr lang="ru-RU" sz="2400" dirty="0" smtClean="0"/>
-              <a:t>Сверхбольшие выборки </a:t>
-            </a:r>
-          </a:p>
-          <a:p>
-            <a:pPr marL="684000" lvl="2"/>
-            <a:endParaRPr lang="en-US" sz="2400" i="1" dirty="0" smtClean="0"/>
-          </a:p>
-          <a:p>
-            <a:pPr marL="684000" lvl="2"/>
-            <a:endParaRPr lang="ru-RU" sz="2400" dirty="0"/>
-          </a:p>
-          <a:p>
-            <a:pPr lvl="1"/>
-            <a:endParaRPr lang="ru-RU" dirty="0"/>
-          </a:p>
-        </p:txBody>
-      </p:sp>
-      <p:sp>
-        <p:nvSpPr>
-          <p:cNvPr id="4" name="Номер слайда 3"/>
-          <p:cNvSpPr>
-            <a:spLocks noGrp="1"/>
-          </p:cNvSpPr>
-          <p:nvPr>
-            <p:ph type="sldNum" sz="quarter" idx="12"/>
-          </p:nvPr>
-        </p:nvSpPr>
-        <p:spPr/>
-        <p:txBody>
-          <a:bodyPr/>
-          <a:lstStyle/>
-          <a:p>
-            <a:fld id="{082C92E7-9338-4A04-8787-CAE1B2642B41}" type="slidenum">
-              <a:rPr lang="ru-RU" smtClean="0"/>
-              <a:t>13</a:t>
-            </a:fld>
-            <a:endParaRPr lang="ru-RU"/>
-          </a:p>
-        </p:txBody>
-      </p:sp>
-    </p:spTree>
-    <p:extLst>
-      <p:ext uri="{BB962C8B-B14F-4D97-AF65-F5344CB8AC3E}">
-        <p14:creationId xmlns:p14="http://schemas.microsoft.com/office/powerpoint/2010/main" val="3631175613"/>
-      </p:ext>
-    </p:extLst>
-  </p:cSld>
-  <p:clrMapOvr>
-    <a:masterClrMapping/>
-  </p:clrMapOvr>
-  <p:timing>
-    <p:tnLst>
-      <p:par>
-        <p:cTn id="1" dur="indefinite" restart="never" nodeType="tmRoot"/>
-      </p:par>
-    </p:tnLst>
-  </p:timing>
-</p:sld>
-</file>
-
-<file path=ppt/slides/slide14.xml><?xml version="1.0" encoding="utf-8"?>
-<p:sld xmlns:a="http://schemas.openxmlformats.org/drawingml/2006/main" xmlns:r="http://schemas.openxmlformats.org/officeDocument/2006/relationships" xmlns:p="http://schemas.openxmlformats.org/presentationml/2006/main">
-  <p:cSld>
-    <p:spTree>
-      <p:nvGrpSpPr>
-        <p:cNvPr id="1" name=""/>
-        <p:cNvGrpSpPr/>
-        <p:nvPr/>
-      </p:nvGrpSpPr>
-      <p:grpSpPr>
-        <a:xfrm>
-          <a:off x="0" y="0"/>
-          <a:ext cx="0" cy="0"/>
-          <a:chOff x="0" y="0"/>
-          <a:chExt cx="0" cy="0"/>
-        </a:xfrm>
-      </p:grpSpPr>
-      <p:sp>
-        <p:nvSpPr>
-          <p:cNvPr id="2" name="Заголовок 1"/>
-          <p:cNvSpPr>
-            <a:spLocks noGrp="1"/>
-          </p:cNvSpPr>
-          <p:nvPr>
-            <p:ph type="title"/>
-          </p:nvPr>
-        </p:nvSpPr>
-        <p:spPr>
-          <a:xfrm>
-            <a:off x="838200" y="365125"/>
-            <a:ext cx="10515600" cy="701675"/>
-          </a:xfrm>
-          <a:noFill/>
-          <a:ln>
-            <a:noFill/>
-          </a:ln>
-          <a:extLst>
-            <a:ext uri="{909E8E84-426E-40DD-AFC4-6F175D3DCCD1}">
-              <a14:hiddenFill xmlns:a14="http://schemas.microsoft.com/office/drawing/2010/main">
-                <a:solidFill>
-                  <a:srgbClr val="FFFFFF"/>
-                </a:solidFill>
-              </a14:hiddenFill>
-            </a:ext>
-            <a:ext uri="{91240B29-F687-4F45-9708-019B960494DF}">
-              <a14:hiddenLine xmlns:a14="http://schemas.microsoft.com/office/drawing/2010/main" w="9525">
-                <a:solidFill>
-                  <a:srgbClr val="000000"/>
-                </a:solidFill>
-                <a:miter lim="800000"/>
-                <a:headEnd/>
-                <a:tailEnd/>
-              </a14:hiddenLine>
-            </a:ext>
-          </a:extLst>
-        </p:spPr>
-        <p:txBody>
-          <a:bodyPr vert="horz" wrap="square" lIns="91440" tIns="45720" rIns="91440" bIns="45720" numCol="1" rtlCol="0" anchor="ctr" anchorCtr="0" compatLnSpc="1">
-            <a:prstTxWarp prst="textNoShape">
-              <a:avLst/>
-            </a:prstTxWarp>
-            <a:noAutofit/>
-          </a:bodyPr>
-          <a:lstStyle/>
-          <a:p>
-            <a:pPr algn="ctr"/>
-            <a:r>
-              <a:rPr lang="ru-RU" i="1" dirty="0">
-                <a:ln w="0"/>
-                <a:solidFill>
-                  <a:schemeClr val="accent1"/>
-                </a:solidFill>
-                <a:effectLst>
-                  <a:outerShdw blurRad="38100" dist="25400" dir="5400000" algn="ctr" rotWithShape="0">
-                    <a:srgbClr val="6E747A">
-                      <a:alpha val="43000"/>
-                    </a:srgbClr>
-                  </a:outerShdw>
-                </a:effectLst>
-              </a:rPr>
-              <a:t>Категоризация текстовых документов</a:t>
-            </a:r>
-          </a:p>
-        </p:txBody>
-      </p:sp>
-      <p:sp>
-        <p:nvSpPr>
-          <p:cNvPr id="3" name="Объект 2"/>
-          <p:cNvSpPr>
-            <a:spLocks noGrp="1"/>
-          </p:cNvSpPr>
-          <p:nvPr>
-            <p:ph idx="1"/>
-          </p:nvPr>
-        </p:nvSpPr>
-        <p:spPr>
-          <a:xfrm>
-            <a:off x="928816" y="1299777"/>
-            <a:ext cx="10515600" cy="4910138"/>
-          </a:xfrm>
-        </p:spPr>
-        <p:txBody>
-          <a:bodyPr/>
-          <a:lstStyle/>
-          <a:p>
-            <a:r>
-              <a:rPr lang="ru-RU" b="1" dirty="0" smtClean="0"/>
-              <a:t>Объект</a:t>
-            </a:r>
-            <a:r>
-              <a:rPr lang="ru-RU" dirty="0" smtClean="0"/>
-              <a:t> – текстовый документ</a:t>
-            </a:r>
-          </a:p>
-          <a:p>
-            <a:r>
-              <a:rPr lang="ru-RU" b="1" dirty="0" smtClean="0"/>
-              <a:t>Классы</a:t>
-            </a:r>
-            <a:r>
-              <a:rPr lang="ru-RU" dirty="0" smtClean="0"/>
-              <a:t>: Рубрики тематического каталога</a:t>
-            </a:r>
-          </a:p>
-          <a:p>
-            <a:r>
-              <a:rPr lang="ru-RU" b="1" dirty="0" smtClean="0"/>
-              <a:t>Примеры признаков</a:t>
-            </a:r>
-            <a:r>
-              <a:rPr lang="ru-RU" dirty="0" smtClean="0"/>
-              <a:t>: </a:t>
-            </a:r>
-          </a:p>
-          <a:p>
-            <a:pPr lvl="1"/>
-            <a:r>
-              <a:rPr lang="ru-RU" dirty="0" smtClean="0"/>
-              <a:t>Номинальные: автор, год, издание,…</a:t>
-            </a:r>
-          </a:p>
-          <a:p>
-            <a:pPr lvl="1"/>
-            <a:r>
-              <a:rPr lang="ru-RU" dirty="0" smtClean="0"/>
-              <a:t>Количественные: Частота появления терминов в документе, в названии, в </a:t>
-            </a:r>
-            <a:r>
-              <a:rPr lang="ru-RU" dirty="0" err="1" smtClean="0"/>
-              <a:t>в</a:t>
-            </a:r>
-            <a:r>
-              <a:rPr lang="ru-RU" dirty="0" smtClean="0"/>
-              <a:t> ключевых словах,…</a:t>
-            </a:r>
-          </a:p>
-          <a:p>
-            <a:pPr marL="0" lvl="1"/>
-            <a:r>
-              <a:rPr lang="ru-RU" sz="2800" b="1" dirty="0"/>
-              <a:t>Особенности задачи</a:t>
-            </a:r>
-            <a:r>
-              <a:rPr lang="ru-RU" dirty="0" smtClean="0"/>
-              <a:t>: </a:t>
-            </a:r>
-            <a:endParaRPr lang="en-US" sz="2400" dirty="0" smtClean="0"/>
-          </a:p>
-          <a:p>
-            <a:pPr marL="684000" lvl="2"/>
-            <a:r>
-              <a:rPr lang="ru-RU" sz="2400" dirty="0" smtClean="0"/>
-              <a:t>Очень большое количество признаков (слов, словоформ)</a:t>
-            </a:r>
-          </a:p>
-          <a:p>
-            <a:pPr marL="684000" lvl="2"/>
-            <a:r>
-              <a:rPr lang="ru-RU" sz="2400" dirty="0" smtClean="0"/>
-              <a:t>Документ написан на естественном языке (ЕЯ)</a:t>
-            </a:r>
-            <a:endParaRPr lang="en-US" sz="2400" dirty="0" smtClean="0"/>
-          </a:p>
-          <a:p>
-            <a:pPr marL="684000" lvl="2"/>
-            <a:r>
-              <a:rPr lang="ru-RU" sz="2400" dirty="0" smtClean="0"/>
-              <a:t>Документ может относиться к нескольким рубрикам</a:t>
-            </a:r>
-            <a:endParaRPr lang="en-US" sz="2400" i="1" dirty="0" smtClean="0"/>
-          </a:p>
-          <a:p>
-            <a:pPr marL="684000" lvl="2"/>
-            <a:endParaRPr lang="ru-RU" sz="2400" dirty="0"/>
-          </a:p>
-          <a:p>
-            <a:pPr lvl="1"/>
-            <a:endParaRPr lang="ru-RU" dirty="0"/>
-          </a:p>
-        </p:txBody>
-      </p:sp>
-      <p:sp>
-        <p:nvSpPr>
-          <p:cNvPr id="4" name="Номер слайда 3"/>
-          <p:cNvSpPr>
-            <a:spLocks noGrp="1"/>
-          </p:cNvSpPr>
-          <p:nvPr>
-            <p:ph type="sldNum" sz="quarter" idx="12"/>
-          </p:nvPr>
-        </p:nvSpPr>
-        <p:spPr/>
-        <p:txBody>
-          <a:bodyPr/>
-          <a:lstStyle/>
-          <a:p>
-            <a:fld id="{082C92E7-9338-4A04-8787-CAE1B2642B41}" type="slidenum">
-              <a:rPr lang="ru-RU" smtClean="0"/>
-              <a:t>14</a:t>
-            </a:fld>
-            <a:endParaRPr lang="ru-RU"/>
-          </a:p>
-        </p:txBody>
-      </p:sp>
-    </p:spTree>
-    <p:extLst>
-      <p:ext uri="{BB962C8B-B14F-4D97-AF65-F5344CB8AC3E}">
-        <p14:creationId xmlns:p14="http://schemas.microsoft.com/office/powerpoint/2010/main" val="1952396712"/>
-      </p:ext>
-    </p:extLst>
-  </p:cSld>
-  <p:clrMapOvr>
-    <a:masterClrMapping/>
-  </p:clrMapOvr>
-  <p:timing>
-    <p:tnLst>
-      <p:par>
-        <p:cTn id="1" dur="indefinite" restart="never" nodeType="tmRoot"/>
-      </p:par>
-    </p:tnLst>
-  </p:timing>
-</p:sld>
-</file>
-
-<file path=ppt/slides/slide15.xml><?xml version="1.0" encoding="utf-8"?>
-<p:sld xmlns:a="http://schemas.openxmlformats.org/drawingml/2006/main" xmlns:r="http://schemas.openxmlformats.org/officeDocument/2006/relationships" xmlns:p="http://schemas.openxmlformats.org/presentationml/2006/main">
-  <p:cSld>
-    <p:spTree>
-      <p:nvGrpSpPr>
-        <p:cNvPr id="1" name=""/>
-        <p:cNvGrpSpPr/>
-        <p:nvPr/>
-      </p:nvGrpSpPr>
-      <p:grpSpPr>
-        <a:xfrm>
-          <a:off x="0" y="0"/>
-          <a:ext cx="0" cy="0"/>
-          <a:chOff x="0" y="0"/>
-          <a:chExt cx="0" cy="0"/>
-        </a:xfrm>
-      </p:grpSpPr>
-      <p:sp>
-        <p:nvSpPr>
-          <p:cNvPr id="2" name="Заголовок 1"/>
-          <p:cNvSpPr>
-            <a:spLocks noGrp="1"/>
-          </p:cNvSpPr>
-          <p:nvPr>
-            <p:ph type="title"/>
-          </p:nvPr>
-        </p:nvSpPr>
-        <p:spPr>
-          <a:xfrm>
-            <a:off x="838200" y="365126"/>
-            <a:ext cx="10515600" cy="623416"/>
-          </a:xfrm>
-          <a:noFill/>
-          <a:ln>
-            <a:noFill/>
-          </a:ln>
-          <a:extLst>
-            <a:ext uri="{909E8E84-426E-40DD-AFC4-6F175D3DCCD1}">
-              <a14:hiddenFill xmlns:a14="http://schemas.microsoft.com/office/drawing/2010/main">
-                <a:solidFill>
-                  <a:srgbClr val="FFFFFF"/>
-                </a:solidFill>
-              </a14:hiddenFill>
-            </a:ext>
-            <a:ext uri="{91240B29-F687-4F45-9708-019B960494DF}">
-              <a14:hiddenLine xmlns:a14="http://schemas.microsoft.com/office/drawing/2010/main" w="9525">
-                <a:solidFill>
-                  <a:srgbClr val="000000"/>
-                </a:solidFill>
-                <a:miter lim="800000"/>
-                <a:headEnd/>
-                <a:tailEnd/>
-              </a14:hiddenLine>
-            </a:ext>
-          </a:extLst>
-        </p:spPr>
-        <p:txBody>
-          <a:bodyPr vert="horz" wrap="square" lIns="91440" tIns="45720" rIns="91440" bIns="45720" numCol="1" rtlCol="0" anchor="ctr" anchorCtr="0" compatLnSpc="1">
-            <a:prstTxWarp prst="textNoShape">
-              <a:avLst/>
-            </a:prstTxWarp>
-            <a:noAutofit/>
-          </a:bodyPr>
-          <a:lstStyle/>
-          <a:p>
-            <a:pPr algn="ctr"/>
-            <a:r>
-              <a:rPr lang="en-US" sz="3600" i="1" dirty="0">
-                <a:ln w="0"/>
-                <a:solidFill>
-                  <a:schemeClr val="accent1"/>
-                </a:solidFill>
-                <a:effectLst>
-                  <a:outerShdw blurRad="38100" dist="25400" dir="5400000" algn="ctr" rotWithShape="0">
-                    <a:srgbClr val="6E747A">
-                      <a:alpha val="43000"/>
-                    </a:srgbClr>
-                  </a:outerShdw>
-                </a:effectLst>
-              </a:rPr>
-              <a:t>Text Mining</a:t>
-            </a:r>
-            <a:r>
-              <a:rPr lang="ru-RU" sz="3600" i="1" dirty="0">
-                <a:ln w="0"/>
-                <a:solidFill>
-                  <a:schemeClr val="accent1"/>
-                </a:solidFill>
-                <a:effectLst>
-                  <a:outerShdw blurRad="38100" dist="25400" dir="5400000" algn="ctr" rotWithShape="0">
-                    <a:srgbClr val="6E747A">
-                      <a:alpha val="43000"/>
-                    </a:srgbClr>
-                  </a:outerShdw>
-                </a:effectLst>
-              </a:rPr>
-              <a:t> – интеллектуальный анализ текстов</a:t>
-            </a:r>
-          </a:p>
-        </p:txBody>
-      </p:sp>
-      <p:sp>
-        <p:nvSpPr>
-          <p:cNvPr id="3" name="Объект 2"/>
-          <p:cNvSpPr>
-            <a:spLocks noGrp="1"/>
-          </p:cNvSpPr>
-          <p:nvPr>
-            <p:ph idx="1"/>
-          </p:nvPr>
-        </p:nvSpPr>
-        <p:spPr>
-          <a:xfrm>
-            <a:off x="838200" y="1145059"/>
-            <a:ext cx="10515600" cy="5031904"/>
-          </a:xfrm>
-        </p:spPr>
-        <p:txBody>
-          <a:bodyPr>
-            <a:normAutofit/>
-          </a:bodyPr>
-          <a:lstStyle/>
-          <a:p>
-            <a:r>
-              <a:rPr lang="ru-RU" b="1" dirty="0" smtClean="0"/>
-              <a:t>Категоризация текстов</a:t>
-            </a:r>
-            <a:r>
-              <a:rPr lang="ru-RU" dirty="0" smtClean="0"/>
-              <a:t> (</a:t>
-            </a:r>
-            <a:r>
-              <a:rPr lang="en-US" i="1" dirty="0" smtClean="0"/>
-              <a:t>classification</a:t>
-            </a:r>
-            <a:r>
-              <a:rPr lang="ru-RU" dirty="0" smtClean="0"/>
-              <a:t>) – </a:t>
-            </a:r>
-          </a:p>
-          <a:p>
-            <a:pPr lvl="1"/>
-            <a:r>
-              <a:rPr lang="ru-RU" dirty="0"/>
-              <a:t>отнесении документов из коллекции к одной или нескольким группам (классам, кластерам) схожих между собой текстов</a:t>
-            </a:r>
-            <a:endParaRPr lang="en-US" dirty="0" smtClean="0"/>
-          </a:p>
-          <a:p>
-            <a:r>
-              <a:rPr lang="ru-RU" b="1" dirty="0" smtClean="0"/>
-              <a:t>Извлечение информации</a:t>
-            </a:r>
-            <a:r>
-              <a:rPr lang="en-US" dirty="0" smtClean="0"/>
-              <a:t> (</a:t>
-            </a:r>
-            <a:r>
-              <a:rPr lang="en-US" i="1" dirty="0" smtClean="0"/>
-              <a:t>information extraction</a:t>
-            </a:r>
-            <a:r>
-              <a:rPr lang="en-US" dirty="0" smtClean="0"/>
-              <a:t>) –</a:t>
-            </a:r>
-          </a:p>
-          <a:p>
-            <a:pPr lvl="1"/>
-            <a:r>
-              <a:rPr lang="ru-RU" dirty="0" smtClean="0"/>
-              <a:t>это </a:t>
-            </a:r>
-            <a:r>
-              <a:rPr lang="ru-RU" dirty="0"/>
-              <a:t>задача автоматического извлечения (построения) структурированных </a:t>
-            </a:r>
-            <a:r>
-              <a:rPr lang="ru-RU" dirty="0" smtClean="0"/>
-              <a:t>данных</a:t>
-            </a:r>
-            <a:r>
-              <a:rPr lang="en-US" dirty="0" smtClean="0"/>
-              <a:t> </a:t>
-            </a:r>
-            <a:r>
-              <a:rPr lang="ru-RU" dirty="0" smtClean="0"/>
-              <a:t> из</a:t>
-            </a:r>
-            <a:r>
-              <a:rPr lang="ru-RU" dirty="0"/>
-              <a:t> </a:t>
-            </a:r>
-            <a:r>
-              <a:rPr lang="ru-RU" dirty="0" smtClean="0"/>
-              <a:t>неструктурированных или</a:t>
-            </a:r>
-            <a:r>
-              <a:rPr lang="ru-RU" dirty="0"/>
-              <a:t> </a:t>
-            </a:r>
-            <a:r>
-              <a:rPr lang="ru-RU" dirty="0" smtClean="0"/>
-              <a:t>слабоструктурированных</a:t>
-            </a:r>
-            <a:r>
-              <a:rPr lang="ru-RU" dirty="0"/>
-              <a:t> </a:t>
-            </a:r>
-            <a:r>
-              <a:rPr lang="ru-RU" dirty="0" smtClean="0"/>
-              <a:t>машиночитаемых документов (распознавание имен людей, названий организаций, поиск ключевых слов для текста, </a:t>
-            </a:r>
-            <a:r>
-              <a:rPr lang="ru-RU" dirty="0" err="1" smtClean="0"/>
-              <a:t>автореферирование</a:t>
-            </a:r>
-            <a:r>
-              <a:rPr lang="ru-RU" dirty="0" smtClean="0"/>
-              <a:t>)</a:t>
-            </a:r>
-            <a:endParaRPr lang="en-US" dirty="0" smtClean="0"/>
-          </a:p>
-          <a:p>
-            <a:r>
-              <a:rPr lang="ru-RU" b="1" dirty="0" smtClean="0"/>
-              <a:t>Информационный поиск </a:t>
-            </a:r>
-            <a:r>
-              <a:rPr lang="ru-RU" dirty="0" smtClean="0"/>
-              <a:t>(</a:t>
-            </a:r>
-            <a:r>
-              <a:rPr lang="en-US" i="1" dirty="0"/>
-              <a:t>information retrieval</a:t>
-            </a:r>
-            <a:r>
-              <a:rPr lang="ru-RU" dirty="0" smtClean="0"/>
-              <a:t>) –</a:t>
-            </a:r>
-          </a:p>
-          <a:p>
-            <a:pPr lvl="1"/>
-            <a:r>
-              <a:rPr lang="ru-RU" dirty="0" smtClean="0"/>
-              <a:t>процесс</a:t>
-            </a:r>
-            <a:r>
-              <a:rPr lang="ru-RU" dirty="0"/>
-              <a:t> поиска </a:t>
-            </a:r>
-            <a:r>
-              <a:rPr lang="ru-RU" i="1" dirty="0"/>
-              <a:t>неструктурированной</a:t>
-            </a:r>
-            <a:r>
-              <a:rPr lang="ru-RU" dirty="0"/>
-              <a:t> документальной информации, удовлетворяющей информационные </a:t>
-            </a:r>
-            <a:r>
-              <a:rPr lang="ru-RU" dirty="0" smtClean="0"/>
-              <a:t>потребности (</a:t>
-            </a:r>
-            <a:r>
-              <a:rPr lang="ru-RU" dirty="0"/>
-              <a:t>процесс выявления в некотором множестве документов </a:t>
-            </a:r>
-            <a:r>
-              <a:rPr lang="ru-RU" dirty="0" smtClean="0"/>
-              <a:t>всех </a:t>
-            </a:r>
-            <a:r>
-              <a:rPr lang="ru-RU" dirty="0"/>
-              <a:t>тех, которые посвящены указанной </a:t>
-            </a:r>
-            <a:r>
-              <a:rPr lang="ru-RU" dirty="0" smtClean="0"/>
-              <a:t>теме)</a:t>
-            </a:r>
-            <a:endParaRPr lang="ru-RU" dirty="0"/>
-          </a:p>
-        </p:txBody>
-      </p:sp>
-      <p:sp>
-        <p:nvSpPr>
-          <p:cNvPr id="4" name="Номер слайда 3"/>
-          <p:cNvSpPr>
-            <a:spLocks noGrp="1"/>
-          </p:cNvSpPr>
-          <p:nvPr>
-            <p:ph type="sldNum" sz="quarter" idx="12"/>
-          </p:nvPr>
-        </p:nvSpPr>
-        <p:spPr/>
-        <p:txBody>
-          <a:bodyPr/>
-          <a:lstStyle/>
-          <a:p>
-            <a:fld id="{082C92E7-9338-4A04-8787-CAE1B2642B41}" type="slidenum">
-              <a:rPr lang="ru-RU" smtClean="0"/>
-              <a:t>15</a:t>
-            </a:fld>
-            <a:endParaRPr lang="ru-RU"/>
-          </a:p>
-        </p:txBody>
-      </p:sp>
-    </p:spTree>
-    <p:extLst>
-      <p:ext uri="{BB962C8B-B14F-4D97-AF65-F5344CB8AC3E}">
-        <p14:creationId xmlns:p14="http://schemas.microsoft.com/office/powerpoint/2010/main" val="3620217803"/>
-      </p:ext>
-    </p:extLst>
-  </p:cSld>
-  <p:clrMapOvr>
-    <a:masterClrMapping/>
-  </p:clrMapOvr>
-  <p:timing>
-    <p:tnLst>
-      <p:par>
-        <p:cTn id="1" dur="indefinite" restart="never" nodeType="tmRoot"/>
-      </p:par>
-    </p:tnLst>
-  </p:timing>
-</p:sld>
-</file>
-
-<file path=ppt/slides/slide16.xml><?xml version="1.0" encoding="utf-8"?>
-<p:sld xmlns:a="http://schemas.openxmlformats.org/drawingml/2006/main" xmlns:r="http://schemas.openxmlformats.org/officeDocument/2006/relationships" xmlns:p="http://schemas.openxmlformats.org/presentationml/2006/main">
-  <p:cSld>
-    <p:spTree>
-      <p:nvGrpSpPr>
-        <p:cNvPr id="1" name=""/>
-        <p:cNvGrpSpPr/>
-        <p:nvPr/>
-      </p:nvGrpSpPr>
-      <p:grpSpPr>
-        <a:xfrm>
-          <a:off x="0" y="0"/>
-          <a:ext cx="0" cy="0"/>
-          <a:chOff x="0" y="0"/>
-          <a:chExt cx="0" cy="0"/>
-        </a:xfrm>
-      </p:grpSpPr>
-      <p:sp>
-        <p:nvSpPr>
-          <p:cNvPr id="2" name="Заголовок 1"/>
-          <p:cNvSpPr>
-            <a:spLocks noGrp="1"/>
-          </p:cNvSpPr>
-          <p:nvPr>
-            <p:ph type="title"/>
-          </p:nvPr>
-        </p:nvSpPr>
-        <p:spPr>
-          <a:xfrm>
-            <a:off x="838200" y="154004"/>
-            <a:ext cx="10515600" cy="952901"/>
-          </a:xfrm>
-        </p:spPr>
-        <p:txBody>
-          <a:bodyPr>
-            <a:noAutofit/>
-          </a:bodyPr>
-          <a:lstStyle/>
-          <a:p>
-            <a:pPr algn="ctr"/>
-            <a:r>
-              <a:rPr lang="ru-RU" sz="3200" i="1" dirty="0" smtClean="0">
-                <a:ln w="0"/>
-                <a:solidFill>
-                  <a:schemeClr val="accent1"/>
-                </a:solidFill>
-                <a:effectLst>
-                  <a:outerShdw blurRad="38100" dist="25400" dir="5400000" algn="ctr" rotWithShape="0">
-                    <a:srgbClr val="6E747A">
-                      <a:alpha val="43000"/>
-                    </a:srgbClr>
-                  </a:outerShdw>
-                </a:effectLst>
-              </a:rPr>
-              <a:t>Проблемы, возникающие при работе с документами, написанными на ЕЯ</a:t>
-            </a:r>
-            <a:endParaRPr lang="ru-RU" sz="3200" i="1" dirty="0">
-              <a:ln w="0"/>
-              <a:solidFill>
-                <a:schemeClr val="accent1"/>
-              </a:solidFill>
-              <a:effectLst>
-                <a:outerShdw blurRad="38100" dist="25400" dir="5400000" algn="ctr" rotWithShape="0">
-                  <a:srgbClr val="6E747A">
-                    <a:alpha val="43000"/>
-                  </a:srgbClr>
-                </a:outerShdw>
-              </a:effectLst>
-            </a:endParaRPr>
-          </a:p>
-        </p:txBody>
-      </p:sp>
-      <p:sp>
-        <p:nvSpPr>
-          <p:cNvPr id="4" name="Объект 2"/>
-          <p:cNvSpPr txBox="1">
-            <a:spLocks/>
-          </p:cNvSpPr>
-          <p:nvPr/>
-        </p:nvSpPr>
-        <p:spPr>
-          <a:xfrm>
-            <a:off x="838200" y="1183907"/>
-            <a:ext cx="10515600" cy="4993056"/>
-          </a:xfrm>
-          <a:prstGeom prst="rect">
-            <a:avLst/>
-          </a:prstGeom>
-        </p:spPr>
-        <p:txBody>
-          <a:bodyPr vert="horz" lIns="91440" tIns="45720" rIns="91440" bIns="45720" rtlCol="0">
-            <a:normAutofit fontScale="92500" lnSpcReduction="10000"/>
-          </a:bodyPr>
-          <a:lstStyle>
-            <a:lvl1pPr marL="228600" indent="-228600" algn="l" defTabSz="914400" rtl="0" eaLnBrk="1" latinLnBrk="0" hangingPunct="1">
-              <a:lnSpc>
-                <a:spcPct val="90000"/>
-              </a:lnSpc>
-              <a:spcBef>
-                <a:spcPts val="1000"/>
-              </a:spcBef>
-              <a:buFont typeface="Arial" panose="020B0604020202020204" pitchFamily="34" charset="0"/>
-              <a:buChar char="•"/>
-              <a:defRPr sz="2800" kern="1200">
-                <a:solidFill>
-                  <a:schemeClr val="tx1"/>
-                </a:solidFill>
-                <a:latin typeface="+mn-lt"/>
-                <a:ea typeface="+mn-ea"/>
-                <a:cs typeface="+mn-cs"/>
-              </a:defRPr>
-            </a:lvl1pPr>
-            <a:lvl2pPr marL="685800" indent="-228600" algn="l" defTabSz="914400" rtl="0" eaLnBrk="1" latinLnBrk="0" hangingPunct="1">
-              <a:lnSpc>
-                <a:spcPct val="90000"/>
-              </a:lnSpc>
-              <a:spcBef>
-                <a:spcPts val="500"/>
-              </a:spcBef>
-              <a:buFont typeface="Arial" panose="020B0604020202020204" pitchFamily="34" charset="0"/>
-              <a:buChar char="•"/>
-              <a:defRPr sz="2400" kern="1200">
-                <a:solidFill>
-                  <a:schemeClr val="tx1"/>
-                </a:solidFill>
-                <a:latin typeface="+mn-lt"/>
-                <a:ea typeface="+mn-ea"/>
-                <a:cs typeface="+mn-cs"/>
-              </a:defRPr>
-            </a:lvl2pPr>
-            <a:lvl3pPr marL="1143000" indent="-228600" algn="l" defTabSz="914400" rtl="0" eaLnBrk="1" latinLnBrk="0" hangingPunct="1">
-              <a:lnSpc>
-                <a:spcPct val="90000"/>
-              </a:lnSpc>
-              <a:spcBef>
-                <a:spcPts val="500"/>
-              </a:spcBef>
-              <a:buFont typeface="Arial" panose="020B0604020202020204" pitchFamily="34" charset="0"/>
-              <a:buChar char="•"/>
-              <a:defRPr sz="2000" kern="1200">
-                <a:solidFill>
-                  <a:schemeClr val="tx1"/>
-                </a:solidFill>
-                <a:latin typeface="+mn-lt"/>
-                <a:ea typeface="+mn-ea"/>
-                <a:cs typeface="+mn-cs"/>
-              </a:defRPr>
-            </a:lvl3pPr>
-            <a:lvl4pPr marL="1600200" indent="-228600" algn="l" defTabSz="914400" rtl="0" eaLnBrk="1" latinLnBrk="0" hangingPunct="1">
-              <a:lnSpc>
-                <a:spcPct val="90000"/>
-              </a:lnSpc>
-              <a:spcBef>
-                <a:spcPts val="500"/>
-              </a:spcBef>
-              <a:buFont typeface="Arial" panose="020B0604020202020204" pitchFamily="34" charset="0"/>
-              <a:buChar char="•"/>
-              <a:defRPr sz="1800" kern="1200">
-                <a:solidFill>
-                  <a:schemeClr val="tx1"/>
-                </a:solidFill>
-                <a:latin typeface="+mn-lt"/>
-                <a:ea typeface="+mn-ea"/>
-                <a:cs typeface="+mn-cs"/>
-              </a:defRPr>
-            </a:lvl4pPr>
-            <a:lvl5pPr marL="2057400" indent="-228600" algn="l" defTabSz="914400" rtl="0" eaLnBrk="1" latinLnBrk="0" hangingPunct="1">
-              <a:lnSpc>
-                <a:spcPct val="90000"/>
-              </a:lnSpc>
-              <a:spcBef>
-                <a:spcPts val="500"/>
-              </a:spcBef>
-              <a:buFont typeface="Arial" panose="020B0604020202020204" pitchFamily="34" charset="0"/>
-              <a:buChar char="•"/>
-              <a:defRPr sz="1800" kern="1200">
-                <a:solidFill>
-                  <a:schemeClr val="tx1"/>
-                </a:solidFill>
-                <a:latin typeface="+mn-lt"/>
-                <a:ea typeface="+mn-ea"/>
-                <a:cs typeface="+mn-cs"/>
-              </a:defRPr>
-            </a:lvl5pPr>
-            <a:lvl6pPr marL="2514600" indent="-228600" algn="l" defTabSz="914400" rtl="0" eaLnBrk="1" latinLnBrk="0" hangingPunct="1">
-              <a:lnSpc>
-                <a:spcPct val="90000"/>
-              </a:lnSpc>
-              <a:spcBef>
-                <a:spcPts val="500"/>
-              </a:spcBef>
-              <a:buFont typeface="Arial" panose="020B0604020202020204" pitchFamily="34" charset="0"/>
-              <a:buChar char="•"/>
-              <a:defRPr sz="1800" kern="1200">
-                <a:solidFill>
-                  <a:schemeClr val="tx1"/>
-                </a:solidFill>
-                <a:latin typeface="+mn-lt"/>
-                <a:ea typeface="+mn-ea"/>
-                <a:cs typeface="+mn-cs"/>
-              </a:defRPr>
-            </a:lvl6pPr>
-            <a:lvl7pPr marL="2971800" indent="-228600" algn="l" defTabSz="914400" rtl="0" eaLnBrk="1" latinLnBrk="0" hangingPunct="1">
-              <a:lnSpc>
-                <a:spcPct val="90000"/>
-              </a:lnSpc>
-              <a:spcBef>
-                <a:spcPts val="500"/>
-              </a:spcBef>
-              <a:buFont typeface="Arial" panose="020B0604020202020204" pitchFamily="34" charset="0"/>
-              <a:buChar char="•"/>
-              <a:defRPr sz="1800" kern="1200">
-                <a:solidFill>
-                  <a:schemeClr val="tx1"/>
-                </a:solidFill>
-                <a:latin typeface="+mn-lt"/>
-                <a:ea typeface="+mn-ea"/>
-                <a:cs typeface="+mn-cs"/>
-              </a:defRPr>
-            </a:lvl7pPr>
-            <a:lvl8pPr marL="3429000" indent="-228600" algn="l" defTabSz="914400" rtl="0" eaLnBrk="1" latinLnBrk="0" hangingPunct="1">
-              <a:lnSpc>
-                <a:spcPct val="90000"/>
-              </a:lnSpc>
-              <a:spcBef>
-                <a:spcPts val="500"/>
-              </a:spcBef>
-              <a:buFont typeface="Arial" panose="020B0604020202020204" pitchFamily="34" charset="0"/>
-              <a:buChar char="•"/>
-              <a:defRPr sz="1800" kern="1200">
-                <a:solidFill>
-                  <a:schemeClr val="tx1"/>
-                </a:solidFill>
-                <a:latin typeface="+mn-lt"/>
-                <a:ea typeface="+mn-ea"/>
-                <a:cs typeface="+mn-cs"/>
-              </a:defRPr>
-            </a:lvl8pPr>
-            <a:lvl9pPr marL="3886200" indent="-228600" algn="l" defTabSz="914400" rtl="0" eaLnBrk="1" latinLnBrk="0" hangingPunct="1">
-              <a:lnSpc>
-                <a:spcPct val="90000"/>
-              </a:lnSpc>
-              <a:spcBef>
-                <a:spcPts val="500"/>
-              </a:spcBef>
-              <a:buFont typeface="Arial" panose="020B0604020202020204" pitchFamily="34" charset="0"/>
-              <a:buChar char="•"/>
-              <a:defRPr sz="1800" kern="1200">
-                <a:solidFill>
-                  <a:schemeClr val="tx1"/>
-                </a:solidFill>
-                <a:latin typeface="+mn-lt"/>
-                <a:ea typeface="+mn-ea"/>
-                <a:cs typeface="+mn-cs"/>
-              </a:defRPr>
-            </a:lvl9pPr>
-          </a:lstStyle>
-          <a:p>
-            <a:pPr lvl="1"/>
-            <a:endParaRPr lang="ru-RU" sz="2000" i="1" dirty="0" smtClean="0"/>
-          </a:p>
-          <a:p>
-            <a:pPr marL="457200" lvl="1" indent="-457200">
-              <a:lnSpc>
-                <a:spcPct val="100000"/>
-              </a:lnSpc>
-              <a:spcBef>
-                <a:spcPts val="1000"/>
-              </a:spcBef>
-            </a:pPr>
-            <a:r>
-              <a:rPr lang="ru-RU" b="1" i="1" dirty="0"/>
-              <a:t>Семантическая неоднозначность:</a:t>
-            </a:r>
-          </a:p>
-          <a:p>
-            <a:pPr marL="914400" lvl="2" indent="-457200"/>
-            <a:r>
-              <a:rPr lang="ru-RU" i="1" dirty="0" smtClean="0"/>
-              <a:t>Синонимия: экран-дисплей</a:t>
-            </a:r>
-          </a:p>
-          <a:p>
-            <a:pPr marL="914400" lvl="2" indent="-457200"/>
-            <a:r>
-              <a:rPr lang="ru-RU" i="1" dirty="0" smtClean="0"/>
-              <a:t>Полисемия: команда (судна; футбольная)</a:t>
-            </a:r>
-          </a:p>
-          <a:p>
-            <a:pPr marL="914400" lvl="2" indent="-457200"/>
-            <a:r>
-              <a:rPr lang="ru-RU" i="1" dirty="0" smtClean="0"/>
-              <a:t>Омонимия: Ключ (родник) – Ключ (от замка)</a:t>
-            </a:r>
-          </a:p>
-          <a:p>
-            <a:pPr marL="914400" lvl="2" indent="-457200"/>
-            <a:r>
-              <a:rPr lang="ru-RU" i="1" dirty="0" smtClean="0"/>
-              <a:t>Эллипсность: пропуски слов или слова-заменители</a:t>
-            </a:r>
-          </a:p>
-          <a:p>
-            <a:pPr marL="457200" lvl="1" indent="-457200">
-              <a:lnSpc>
-                <a:spcPct val="120000"/>
-              </a:lnSpc>
-              <a:spcBef>
-                <a:spcPts val="1000"/>
-              </a:spcBef>
-            </a:pPr>
-            <a:r>
-              <a:rPr lang="ru-RU" b="1" i="1" dirty="0"/>
-              <a:t>Многообразие средств передачи смысла:</a:t>
-            </a:r>
-          </a:p>
-          <a:p>
-            <a:pPr marL="914400" lvl="2" indent="-457200"/>
-            <a:r>
-              <a:rPr lang="ru-RU" sz="2100" i="1" dirty="0"/>
-              <a:t>Лексика ЕЯ</a:t>
-            </a:r>
-          </a:p>
-          <a:p>
-            <a:pPr marL="914400" lvl="2" indent="-457200"/>
-            <a:r>
-              <a:rPr lang="ru-RU" sz="2100" i="1" dirty="0"/>
-              <a:t>Контекст</a:t>
-            </a:r>
-          </a:p>
-          <a:p>
-            <a:pPr marL="914400" lvl="2" indent="-457200"/>
-            <a:r>
-              <a:rPr lang="ru-RU" sz="2100" i="1" dirty="0"/>
-              <a:t>Ссылки на слова</a:t>
-            </a:r>
-          </a:p>
-          <a:p>
-            <a:pPr marL="457200" lvl="1" indent="-457200">
-              <a:lnSpc>
-                <a:spcPct val="110000"/>
-              </a:lnSpc>
-              <a:spcBef>
-                <a:spcPts val="1000"/>
-              </a:spcBef>
-            </a:pPr>
-            <a:r>
-              <a:rPr lang="ru-RU" b="1" i="1" dirty="0" smtClean="0"/>
-              <a:t>Высокая </a:t>
-            </a:r>
-            <a:r>
-              <a:rPr lang="ru-RU" b="1" i="1" dirty="0"/>
-              <a:t>размерность </a:t>
-            </a:r>
-            <a:r>
-              <a:rPr lang="ru-RU" b="1" i="1" dirty="0" smtClean="0"/>
-              <a:t>задачи</a:t>
-            </a:r>
-            <a:endParaRPr lang="ru-RU" b="1" i="1" dirty="0"/>
-          </a:p>
-          <a:p>
-            <a:pPr marL="457200" lvl="1" indent="-457200">
-              <a:lnSpc>
-                <a:spcPct val="110000"/>
-              </a:lnSpc>
-              <a:spcBef>
-                <a:spcPts val="1000"/>
-              </a:spcBef>
-            </a:pPr>
-            <a:r>
-              <a:rPr lang="ru-RU" b="1" i="1" dirty="0"/>
-              <a:t>Субъективность оценки качества классификации</a:t>
-            </a:r>
-          </a:p>
-          <a:p>
-            <a:pPr marL="457200" lvl="1" indent="-457200">
-              <a:lnSpc>
-                <a:spcPct val="110000"/>
-              </a:lnSpc>
-              <a:spcBef>
-                <a:spcPts val="1000"/>
-              </a:spcBef>
-            </a:pPr>
-            <a:r>
-              <a:rPr lang="ru-RU" b="1" i="1" dirty="0"/>
-              <a:t>Различная длина </a:t>
-            </a:r>
-            <a:r>
-              <a:rPr lang="ru-RU" b="1" i="1" dirty="0" smtClean="0"/>
-              <a:t>документов</a:t>
-            </a:r>
-            <a:endParaRPr lang="ru-RU" b="1" i="1" dirty="0"/>
-          </a:p>
-        </p:txBody>
-      </p:sp>
-      <p:sp>
-        <p:nvSpPr>
-          <p:cNvPr id="3" name="Номер слайда 2"/>
-          <p:cNvSpPr>
-            <a:spLocks noGrp="1"/>
-          </p:cNvSpPr>
-          <p:nvPr>
-            <p:ph type="sldNum" sz="quarter" idx="12"/>
-          </p:nvPr>
-        </p:nvSpPr>
-        <p:spPr/>
-        <p:txBody>
-          <a:bodyPr/>
-          <a:lstStyle/>
-          <a:p>
-            <a:fld id="{082C92E7-9338-4A04-8787-CAE1B2642B41}" type="slidenum">
-              <a:rPr lang="ru-RU" smtClean="0"/>
-              <a:t>16</a:t>
-            </a:fld>
-            <a:endParaRPr lang="ru-RU"/>
-          </a:p>
-        </p:txBody>
-      </p:sp>
-    </p:spTree>
-    <p:extLst>
-      <p:ext uri="{BB962C8B-B14F-4D97-AF65-F5344CB8AC3E}">
-        <p14:creationId xmlns:p14="http://schemas.microsoft.com/office/powerpoint/2010/main" val="1790264218"/>
-      </p:ext>
-    </p:extLst>
-  </p:cSld>
-  <p:clrMapOvr>
-    <a:masterClrMapping/>
-  </p:clrMapOvr>
-  <p:timing>
-    <p:tnLst>
-      <p:par>
-        <p:cTn id="1" dur="indefinite" restart="never" nodeType="tmRoot"/>
-      </p:par>
-    </p:tnLst>
-  </p:timing>
-</p:sld>
-</file>
-
-<file path=ppt/slides/slide2.xml><?xml version="1.0" encoding="utf-8"?>
-<p:sld xmlns:a="http://schemas.openxmlformats.org/drawingml/2006/main" xmlns:r="http://schemas.openxmlformats.org/officeDocument/2006/relationships" xmlns:p="http://schemas.openxmlformats.org/presentationml/2006/main">
-  <p:cSld>
-    <p:spTree>
-      <p:nvGrpSpPr>
-        <p:cNvPr id="1" name=""/>
-        <p:cNvGrpSpPr/>
-        <p:nvPr/>
-      </p:nvGrpSpPr>
-      <p:grpSpPr>
-        <a:xfrm>
-          <a:off x="0" y="0"/>
-          <a:ext cx="0" cy="0"/>
-          <a:chOff x="0" y="0"/>
-          <a:chExt cx="0" cy="0"/>
-        </a:xfrm>
-      </p:grpSpPr>
-      <p:sp>
-        <p:nvSpPr>
-          <p:cNvPr id="2" name="Заголовок 1"/>
-          <p:cNvSpPr>
-            <a:spLocks noGrp="1"/>
-          </p:cNvSpPr>
-          <p:nvPr>
-            <p:ph type="title"/>
-          </p:nvPr>
-        </p:nvSpPr>
-        <p:spPr>
-          <a:xfrm>
-            <a:off x="812800" y="200025"/>
-            <a:ext cx="10515600" cy="638175"/>
-          </a:xfrm>
-        </p:spPr>
-        <p:txBody>
-          <a:bodyPr>
-            <a:normAutofit fontScale="90000"/>
-          </a:bodyPr>
-          <a:lstStyle/>
-          <a:p>
-            <a:pPr algn="ctr"/>
-            <a:r>
-              <a:rPr lang="ru-RU" i="1" dirty="0" smtClean="0">
-                <a:ln w="0"/>
-                <a:solidFill>
-                  <a:schemeClr val="accent1"/>
-                </a:solidFill>
-                <a:effectLst>
-                  <a:outerShdw blurRad="38100" dist="25400" dir="5400000" algn="ctr" rotWithShape="0">
-                    <a:srgbClr val="6E747A">
-                      <a:alpha val="43000"/>
-                    </a:srgbClr>
-                  </a:outerShdw>
-                </a:effectLst>
-              </a:rPr>
-              <a:t>Что такое </a:t>
-            </a:r>
-            <a:r>
-              <a:rPr lang="en-US" i="1" dirty="0" smtClean="0">
-                <a:ln w="0"/>
-                <a:solidFill>
-                  <a:schemeClr val="accent1"/>
-                </a:solidFill>
-                <a:effectLst>
-                  <a:outerShdw blurRad="38100" dist="25400" dir="5400000" algn="ctr" rotWithShape="0">
-                    <a:srgbClr val="6E747A">
-                      <a:alpha val="43000"/>
-                    </a:srgbClr>
-                  </a:outerShdw>
-                </a:effectLst>
-              </a:rPr>
-              <a:t>Data Mining?</a:t>
-            </a:r>
-            <a:endParaRPr lang="ru-RU" i="1" dirty="0">
-              <a:ln w="0"/>
-              <a:solidFill>
-                <a:schemeClr val="accent1"/>
-              </a:solidFill>
-              <a:effectLst>
-                <a:outerShdw blurRad="38100" dist="25400" dir="5400000" algn="ctr" rotWithShape="0">
-                  <a:srgbClr val="6E747A">
-                    <a:alpha val="43000"/>
-                  </a:srgbClr>
-                </a:outerShdw>
-              </a:effectLst>
-            </a:endParaRPr>
-          </a:p>
-        </p:txBody>
-      </p:sp>
-      <p:sp>
-        <p:nvSpPr>
           <p:cNvPr id="4" name="TextBox 3"/>
           <p:cNvSpPr txBox="1"/>
           <p:nvPr/>
@@ -7412,9 +8528,45 @@
           <a:p>
             <a:fld id="{082C92E7-9338-4A04-8787-CAE1B2642B41}" type="slidenum">
               <a:rPr lang="ru-RU" smtClean="0"/>
-              <a:t>2</a:t>
+              <a:t>3</a:t>
             </a:fld>
             <a:endParaRPr lang="ru-RU"/>
+          </a:p>
+        </p:txBody>
+      </p:sp>
+      <p:sp>
+        <p:nvSpPr>
+          <p:cNvPr id="7" name="Нижний колонтитул 3"/>
+          <p:cNvSpPr>
+            <a:spLocks noGrp="1"/>
+          </p:cNvSpPr>
+          <p:nvPr>
+            <p:ph type="ftr" sz="quarter" idx="11"/>
+          </p:nvPr>
+        </p:nvSpPr>
+        <p:spPr>
+          <a:xfrm>
+            <a:off x="4038600" y="6356350"/>
+            <a:ext cx="4114800" cy="365125"/>
+          </a:xfrm>
+        </p:spPr>
+        <p:txBody>
+          <a:bodyPr/>
+          <a:lstStyle/>
+          <a:p>
+            <a:r>
+              <a:rPr lang="ru-RU" dirty="0" smtClean="0"/>
+              <a:t>НИУ "МЭИ", Каф. </a:t>
+            </a:r>
+            <a:r>
+              <a:rPr lang="ru-RU" dirty="0" err="1" smtClean="0"/>
+              <a:t>УиИ</a:t>
+            </a:r>
+            <a:r>
+              <a:rPr lang="ru-RU" dirty="0" smtClean="0"/>
+              <a:t>, 2018</a:t>
+            </a:r>
+            <a:endParaRPr lang="ru-RU" dirty="0"/>
           </a:p>
         </p:txBody>
       </p:sp>
@@ -7438,7 +8590,7 @@
 </p:sld>
 </file>
 
-<file path=ppt/slides/slide3.xml><?xml version="1.0" encoding="utf-8"?>
+<file path=ppt/slides/slide4.xml><?xml version="1.0" encoding="utf-8"?>
 <p:sld xmlns:a="http://schemas.openxmlformats.org/drawingml/2006/main" xmlns:r="http://schemas.openxmlformats.org/officeDocument/2006/relationships" xmlns:p="http://schemas.openxmlformats.org/presentationml/2006/main">
   <p:cSld>
     <p:spTree>
@@ -7873,9 +9025,45 @@
           <a:p>
             <a:fld id="{082C92E7-9338-4A04-8787-CAE1B2642B41}" type="slidenum">
               <a:rPr lang="ru-RU" smtClean="0"/>
-              <a:t>3</a:t>
+              <a:t>4</a:t>
             </a:fld>
             <a:endParaRPr lang="ru-RU"/>
+          </a:p>
+        </p:txBody>
+      </p:sp>
+      <p:sp>
+        <p:nvSpPr>
+          <p:cNvPr id="12" name="Нижний колонтитул 3"/>
+          <p:cNvSpPr>
+            <a:spLocks noGrp="1"/>
+          </p:cNvSpPr>
+          <p:nvPr>
+            <p:ph type="ftr" sz="quarter" idx="11"/>
+          </p:nvPr>
+        </p:nvSpPr>
+        <p:spPr>
+          <a:xfrm>
+            <a:off x="4038600" y="6356350"/>
+            <a:ext cx="4114800" cy="365125"/>
+          </a:xfrm>
+        </p:spPr>
+        <p:txBody>
+          <a:bodyPr/>
+          <a:lstStyle/>
+          <a:p>
+            <a:r>
+              <a:rPr lang="ru-RU" dirty="0" smtClean="0"/>
+              <a:t>НИУ "МЭИ", Каф. </a:t>
+            </a:r>
+            <a:r>
+              <a:rPr lang="ru-RU" dirty="0" err="1" smtClean="0"/>
+              <a:t>УиИ</a:t>
+            </a:r>
+            <a:r>
+              <a:rPr lang="ru-RU" dirty="0" smtClean="0"/>
+              <a:t>, 2018</a:t>
+            </a:r>
+            <a:endParaRPr lang="ru-RU" dirty="0"/>
           </a:p>
         </p:txBody>
       </p:sp>
@@ -8235,7 +9423,7 @@
 </p:sld>
 </file>
 
-<file path=ppt/slides/slide4.xml><?xml version="1.0" encoding="utf-8"?>
+<file path=ppt/slides/slide5.xml><?xml version="1.0" encoding="utf-8"?>
 <p:sld xmlns:a="http://schemas.openxmlformats.org/drawingml/2006/main" xmlns:r="http://schemas.openxmlformats.org/officeDocument/2006/relationships" xmlns:p="http://schemas.openxmlformats.org/presentationml/2006/main">
   <p:cSld>
     <p:spTree>
@@ -9669,7 +10857,7 @@
           <a:graphicData uri="http://schemas.openxmlformats.org/presentationml/2006/ole">
             <mc:AlternateContent xmlns:mc="http://schemas.openxmlformats.org/markup-compatibility/2006">
               <mc:Choice xmlns:v="urn:schemas-microsoft-com:vml" Requires="v">
-                <p:oleObj spid="_x0000_s2116" name="Уравнение" r:id="rId3" imgW="660240" imgH="203040" progId="Equation.3">
+                <p:oleObj spid="_x0000_s2119" name="Уравнение" r:id="rId3" imgW="660240" imgH="203040" progId="Equation.3">
                   <p:embed/>
                 </p:oleObj>
               </mc:Choice>
@@ -10333,7 +11521,7 @@
           <a:graphicData uri="http://schemas.openxmlformats.org/presentationml/2006/ole">
             <mc:AlternateContent xmlns:mc="http://schemas.openxmlformats.org/markup-compatibility/2006">
               <mc:Choice xmlns:v="urn:schemas-microsoft-com:vml" Requires="v">
-                <p:oleObj spid="_x0000_s2117" name="Уравнение" r:id="rId5" imgW="660240" imgH="177480" progId="Equation.3">
+                <p:oleObj spid="_x0000_s2120" name="Уравнение" r:id="rId5" imgW="660240" imgH="177480" progId="Equation.3">
                   <p:embed/>
                 </p:oleObj>
               </mc:Choice>
@@ -10465,7 +11653,7 @@
           <a:graphicData uri="http://schemas.openxmlformats.org/presentationml/2006/ole">
             <mc:AlternateContent xmlns:mc="http://schemas.openxmlformats.org/markup-compatibility/2006">
               <mc:Choice xmlns:v="urn:schemas-microsoft-com:vml" Requires="v">
-                <p:oleObj spid="_x0000_s2118" name="Уравнение" r:id="rId7" imgW="1307880" imgH="533160" progId="Equation.3">
+                <p:oleObj spid="_x0000_s2121" name="Уравнение" r:id="rId7" imgW="1307880" imgH="533160" progId="Equation.3">
                   <p:embed/>
                 </p:oleObj>
               </mc:Choice>
@@ -10524,9 +11712,45 @@
           <a:p>
             <a:fld id="{082C92E7-9338-4A04-8787-CAE1B2642B41}" type="slidenum">
               <a:rPr lang="ru-RU" smtClean="0"/>
-              <a:t>4</a:t>
+              <a:t>5</a:t>
             </a:fld>
             <a:endParaRPr lang="ru-RU"/>
+          </a:p>
+        </p:txBody>
+      </p:sp>
+      <p:sp>
+        <p:nvSpPr>
+          <p:cNvPr id="17" name="Нижний колонтитул 3"/>
+          <p:cNvSpPr>
+            <a:spLocks noGrp="1"/>
+          </p:cNvSpPr>
+          <p:nvPr>
+            <p:ph type="ftr" sz="quarter" idx="11"/>
+          </p:nvPr>
+        </p:nvSpPr>
+        <p:spPr>
+          <a:xfrm>
+            <a:off x="4038600" y="6356350"/>
+            <a:ext cx="4114800" cy="365125"/>
+          </a:xfrm>
+        </p:spPr>
+        <p:txBody>
+          <a:bodyPr/>
+          <a:lstStyle/>
+          <a:p>
+            <a:r>
+              <a:rPr lang="ru-RU" dirty="0" smtClean="0"/>
+              <a:t>НИУ "МЭИ", Каф. </a:t>
+            </a:r>
+            <a:r>
+              <a:rPr lang="ru-RU" dirty="0" err="1" smtClean="0"/>
+              <a:t>УиИ</a:t>
+            </a:r>
+            <a:r>
+              <a:rPr lang="ru-RU" dirty="0" smtClean="0"/>
+              <a:t>, 2018</a:t>
+            </a:r>
+            <a:endParaRPr lang="ru-RU" dirty="0"/>
           </a:p>
         </p:txBody>
       </p:sp>
@@ -10550,7 +11774,7 @@
 </p:sld>
 </file>
 
-<file path=ppt/slides/slide5.xml><?xml version="1.0" encoding="utf-8"?>
+<file path=ppt/slides/slide6.xml><?xml version="1.0" encoding="utf-8"?>
 <p:sld xmlns:a="http://schemas.openxmlformats.org/drawingml/2006/main" xmlns:r="http://schemas.openxmlformats.org/officeDocument/2006/relationships" xmlns:p="http://schemas.openxmlformats.org/presentationml/2006/main">
   <p:cSld>
     <p:spTree>
@@ -10934,7 +12158,7 @@
           <a:p>
             <a:fld id="{082C92E7-9338-4A04-8787-CAE1B2642B41}" type="slidenum">
               <a:rPr lang="ru-RU" smtClean="0"/>
-              <a:t>5</a:t>
+              <a:t>6</a:t>
             </a:fld>
             <a:endParaRPr lang="ru-RU"/>
           </a:p>
@@ -11163,7 +12387,7 @@
 </p:sld>
 </file>
 
-<file path=ppt/slides/slide6.xml><?xml version="1.0" encoding="utf-8"?>
+<file path=ppt/slides/slide7.xml><?xml version="1.0" encoding="utf-8"?>
 <p:sld xmlns:a="http://schemas.openxmlformats.org/drawingml/2006/main" xmlns:r="http://schemas.openxmlformats.org/officeDocument/2006/relationships" xmlns:p="http://schemas.openxmlformats.org/presentationml/2006/main">
   <p:cSld>
     <p:spTree>
@@ -11202,7 +12426,7 @@
           <a:graphicData uri="http://schemas.openxmlformats.org/presentationml/2006/ole">
             <mc:AlternateContent xmlns:mc="http://schemas.openxmlformats.org/markup-compatibility/2006">
               <mc:Choice xmlns:v="urn:schemas-microsoft-com:vml" Requires="v">
-                <p:oleObj spid="_x0000_s3153" name="Уравнение" r:id="rId3" imgW="1358640" imgH="266400" progId="Equation.3">
+                <p:oleObj spid="_x0000_s3157" name="Уравнение" r:id="rId3" imgW="1358640" imgH="266400" progId="Equation.3">
                   <p:embed/>
                 </p:oleObj>
               </mc:Choice>
@@ -11266,7 +12490,7 @@
           <a:graphicData uri="http://schemas.openxmlformats.org/presentationml/2006/ole">
             <mc:AlternateContent xmlns:mc="http://schemas.openxmlformats.org/markup-compatibility/2006">
               <mc:Choice xmlns:v="urn:schemas-microsoft-com:vml" Requires="v">
-                <p:oleObj spid="_x0000_s3154" name="Уравнение" r:id="rId5" imgW="228600" imgH="253800" progId="Equation.3">
+                <p:oleObj spid="_x0000_s3158" name="Уравнение" r:id="rId5" imgW="228600" imgH="253800" progId="Equation.3">
                   <p:embed/>
                 </p:oleObj>
               </mc:Choice>
@@ -11734,7 +12958,7 @@
           <a:graphicData uri="http://schemas.openxmlformats.org/presentationml/2006/ole">
             <mc:AlternateContent xmlns:mc="http://schemas.openxmlformats.org/markup-compatibility/2006">
               <mc:Choice xmlns:v="urn:schemas-microsoft-com:vml" Requires="v">
-                <p:oleObj spid="_x0000_s3155" name="Уравнение" r:id="rId7" imgW="774360" imgH="1168200" progId="Equation.3">
+                <p:oleObj spid="_x0000_s3159" name="Уравнение" r:id="rId7" imgW="774360" imgH="1168200" progId="Equation.3">
                   <p:embed/>
                 </p:oleObj>
               </mc:Choice>
@@ -11804,7 +13028,7 @@
           <a:graphicData uri="http://schemas.openxmlformats.org/presentationml/2006/ole">
             <mc:AlternateContent xmlns:mc="http://schemas.openxmlformats.org/markup-compatibility/2006">
               <mc:Choice xmlns:v="urn:schemas-microsoft-com:vml" Requires="v">
-                <p:oleObj spid="_x0000_s3156" name="Уравнение" r:id="rId9" imgW="1346040" imgH="838080" progId="Equation.3">
+                <p:oleObj spid="_x0000_s3160" name="Уравнение" r:id="rId9" imgW="1346040" imgH="838080" progId="Equation.3">
                   <p:embed/>
                 </p:oleObj>
               </mc:Choice>
@@ -11918,9 +13142,45 @@
           <a:p>
             <a:fld id="{082C92E7-9338-4A04-8787-CAE1B2642B41}" type="slidenum">
               <a:rPr lang="ru-RU" smtClean="0"/>
-              <a:t>6</a:t>
+              <a:t>7</a:t>
             </a:fld>
             <a:endParaRPr lang="ru-RU"/>
+          </a:p>
+        </p:txBody>
+      </p:sp>
+      <p:sp>
+        <p:nvSpPr>
+          <p:cNvPr id="17" name="Нижний колонтитул 3"/>
+          <p:cNvSpPr>
+            <a:spLocks noGrp="1"/>
+          </p:cNvSpPr>
+          <p:nvPr>
+            <p:ph type="ftr" sz="quarter" idx="11"/>
+          </p:nvPr>
+        </p:nvSpPr>
+        <p:spPr>
+          <a:xfrm>
+            <a:off x="4038600" y="6356350"/>
+            <a:ext cx="4114800" cy="365125"/>
+          </a:xfrm>
+        </p:spPr>
+        <p:txBody>
+          <a:bodyPr/>
+          <a:lstStyle/>
+          <a:p>
+            <a:r>
+              <a:rPr lang="ru-RU" dirty="0" smtClean="0"/>
+              <a:t>НИУ "МЭИ", Каф. </a:t>
+            </a:r>
+            <a:r>
+              <a:rPr lang="ru-RU" dirty="0" err="1" smtClean="0"/>
+              <a:t>УиИ</a:t>
+            </a:r>
+            <a:r>
+              <a:rPr lang="ru-RU" dirty="0" smtClean="0"/>
+              <a:t>, 2018</a:t>
+            </a:r>
+            <a:endParaRPr lang="ru-RU" dirty="0"/>
           </a:p>
         </p:txBody>
       </p:sp>
@@ -11944,7 +13204,7 @@
 </p:sld>
 </file>
 
-<file path=ppt/slides/slide7.xml><?xml version="1.0" encoding="utf-8"?>
+<file path=ppt/slides/slide8.xml><?xml version="1.0" encoding="utf-8"?>
 <p:sld xmlns:a="http://schemas.openxmlformats.org/drawingml/2006/main" xmlns:r="http://schemas.openxmlformats.org/officeDocument/2006/relationships" xmlns:p="http://schemas.openxmlformats.org/presentationml/2006/main">
   <p:cSld>
     <p:spTree>
@@ -12169,7 +13429,7 @@
           <a:p>
             <a:fld id="{082C92E7-9338-4A04-8787-CAE1B2642B41}" type="slidenum">
               <a:rPr lang="ru-RU" smtClean="0"/>
-              <a:t>7</a:t>
+              <a:t>8</a:t>
             </a:fld>
             <a:endParaRPr lang="ru-RU"/>
           </a:p>
@@ -12601,7 +13861,7 @@
         </p:nvSpPr>
         <p:spPr>
           <a:xfrm>
-            <a:off x="838200" y="4403549"/>
+            <a:off x="838200" y="4211487"/>
             <a:ext cx="10515600" cy="2261945"/>
           </a:xfrm>
           <a:prstGeom prst="rect">
@@ -12818,6 +14078,42 @@
               <a:t>Структуру расположения в пространстве</a:t>
             </a:r>
             <a:endParaRPr lang="ru-RU" sz="2000" dirty="0"/>
+          </a:p>
+        </p:txBody>
+      </p:sp>
+      <p:sp>
+        <p:nvSpPr>
+          <p:cNvPr id="16" name="Нижний колонтитул 3"/>
+          <p:cNvSpPr>
+            <a:spLocks noGrp="1"/>
+          </p:cNvSpPr>
+          <p:nvPr>
+            <p:ph type="ftr" sz="quarter" idx="11"/>
+          </p:nvPr>
+        </p:nvSpPr>
+        <p:spPr>
+          <a:xfrm>
+            <a:off x="4038600" y="6356350"/>
+            <a:ext cx="4114800" cy="365125"/>
+          </a:xfrm>
+        </p:spPr>
+        <p:txBody>
+          <a:bodyPr/>
+          <a:lstStyle/>
+          <a:p>
+            <a:r>
+              <a:rPr lang="ru-RU" dirty="0" smtClean="0"/>
+              <a:t>НИУ "МЭИ", Каф. </a:t>
+            </a:r>
+            <a:r>
+              <a:rPr lang="ru-RU" dirty="0" err="1" smtClean="0"/>
+              <a:t>УиИ</a:t>
+            </a:r>
+            <a:r>
+              <a:rPr lang="ru-RU" dirty="0" smtClean="0"/>
+              <a:t>, 2018</a:t>
+            </a:r>
+            <a:endParaRPr lang="ru-RU" dirty="0"/>
           </a:p>
         </p:txBody>
       </p:sp>
@@ -12841,7 +14137,7 @@
 </p:sld>
 </file>
 
-<file path=ppt/slides/slide8.xml><?xml version="1.0" encoding="utf-8"?>
+<file path=ppt/slides/slide9.xml><?xml version="1.0" encoding="utf-8"?>
 <p:sld xmlns:a="http://schemas.openxmlformats.org/drawingml/2006/main" xmlns:r="http://schemas.openxmlformats.org/officeDocument/2006/relationships" xmlns:p="http://schemas.openxmlformats.org/presentationml/2006/main">
   <p:cSld>
     <p:spTree>
@@ -12881,8 +14177,8 @@
         </p:blipFill>
         <p:spPr bwMode="auto">
           <a:xfrm>
-            <a:off x="4877367" y="357980"/>
-            <a:ext cx="6500019" cy="6500020"/>
+            <a:off x="5734617" y="243680"/>
+            <a:ext cx="6324033" cy="6324034"/>
           </a:xfrm>
           <a:prstGeom prst="rect">
             <a:avLst/>
@@ -12997,9 +14293,45 @@
           <a:p>
             <a:fld id="{082C92E7-9338-4A04-8787-CAE1B2642B41}" type="slidenum">
               <a:rPr lang="ru-RU" smtClean="0"/>
-              <a:t>8</a:t>
+              <a:t>9</a:t>
             </a:fld>
             <a:endParaRPr lang="ru-RU"/>
+          </a:p>
+        </p:txBody>
+      </p:sp>
+      <p:sp>
+        <p:nvSpPr>
+          <p:cNvPr id="5" name="Нижний колонтитул 3"/>
+          <p:cNvSpPr>
+            <a:spLocks noGrp="1"/>
+          </p:cNvSpPr>
+          <p:nvPr>
+            <p:ph type="ftr" sz="quarter" idx="11"/>
+          </p:nvPr>
+        </p:nvSpPr>
+        <p:spPr>
+          <a:xfrm>
+            <a:off x="4038600" y="6356350"/>
+            <a:ext cx="4114800" cy="365125"/>
+          </a:xfrm>
+        </p:spPr>
+        <p:txBody>
+          <a:bodyPr/>
+          <a:lstStyle/>
+          <a:p>
+            <a:r>
+              <a:rPr lang="ru-RU" dirty="0" smtClean="0"/>
+              <a:t>НИУ "МЭИ", Каф. </a:t>
+            </a:r>
+            <a:r>
+              <a:rPr lang="ru-RU" dirty="0" err="1" smtClean="0"/>
+              <a:t>УиИ</a:t>
+            </a:r>
+            <a:r>
+              <a:rPr lang="ru-RU" dirty="0" smtClean="0"/>
+              <a:t>, 2018</a:t>
+            </a:r>
+            <a:endParaRPr lang="ru-RU" dirty="0"/>
           </a:p>
         </p:txBody>
       </p:sp>
@@ -13007,554 +14339,6 @@
     <p:extLst>
       <p:ext uri="{BB962C8B-B14F-4D97-AF65-F5344CB8AC3E}">
         <p14:creationId xmlns:p14="http://schemas.microsoft.com/office/powerpoint/2010/main" val="3305751941"/>
-      </p:ext>
-    </p:extLst>
-  </p:cSld>
-  <p:clrMapOvr>
-    <a:masterClrMapping/>
-  </p:clrMapOvr>
-  <p:timing>
-    <p:tnLst>
-      <p:par>
-        <p:cTn id="1" dur="indefinite" restart="never" nodeType="tmRoot"/>
-      </p:par>
-    </p:tnLst>
-  </p:timing>
-</p:sld>
-</file>
-
-<file path=ppt/slides/slide9.xml><?xml version="1.0" encoding="utf-8"?>
-<p:sld xmlns:a="http://schemas.openxmlformats.org/drawingml/2006/main" xmlns:r="http://schemas.openxmlformats.org/officeDocument/2006/relationships" xmlns:p="http://schemas.openxmlformats.org/presentationml/2006/main">
-  <p:cSld>
-    <p:spTree>
-      <p:nvGrpSpPr>
-        <p:cNvPr id="1" name=""/>
-        <p:cNvGrpSpPr/>
-        <p:nvPr/>
-      </p:nvGrpSpPr>
-      <p:grpSpPr>
-        <a:xfrm>
-          <a:off x="0" y="0"/>
-          <a:ext cx="0" cy="0"/>
-          <a:chOff x="0" y="0"/>
-          <a:chExt cx="0" cy="0"/>
-        </a:xfrm>
-      </p:grpSpPr>
-      <p:sp>
-        <p:nvSpPr>
-          <p:cNvPr id="2" name="Заголовок 1"/>
-          <p:cNvSpPr>
-            <a:spLocks noGrp="1"/>
-          </p:cNvSpPr>
-          <p:nvPr>
-            <p:ph type="title"/>
-          </p:nvPr>
-        </p:nvSpPr>
-        <p:spPr>
-          <a:xfrm>
-            <a:off x="675503" y="375048"/>
-            <a:ext cx="10453816" cy="786488"/>
-          </a:xfrm>
-          <a:noFill/>
-          <a:ln>
-            <a:noFill/>
-          </a:ln>
-          <a:extLst>
-            <a:ext uri="{909E8E84-426E-40DD-AFC4-6F175D3DCCD1}">
-              <a14:hiddenFill xmlns:a14="http://schemas.microsoft.com/office/drawing/2010/main">
-                <a:solidFill>
-                  <a:srgbClr val="FFFFFF"/>
-                </a:solidFill>
-              </a14:hiddenFill>
-            </a:ext>
-            <a:ext uri="{91240B29-F687-4F45-9708-019B960494DF}">
-              <a14:hiddenLine xmlns:a14="http://schemas.microsoft.com/office/drawing/2010/main" w="9525">
-                <a:solidFill>
-                  <a:srgbClr val="000000"/>
-                </a:solidFill>
-                <a:miter lim="800000"/>
-                <a:headEnd/>
-                <a:tailEnd/>
-              </a14:hiddenLine>
-            </a:ext>
-          </a:extLst>
-        </p:spPr>
-        <p:txBody>
-          <a:bodyPr vert="horz" wrap="square" lIns="91440" tIns="45720" rIns="91440" bIns="45720" numCol="1" rtlCol="0" anchor="ctr" anchorCtr="0" compatLnSpc="1">
-            <a:prstTxWarp prst="textNoShape">
-              <a:avLst/>
-            </a:prstTxWarp>
-            <a:noAutofit/>
-          </a:bodyPr>
-          <a:lstStyle/>
-          <a:p>
-            <a:pPr algn="ctr"/>
-            <a:r>
-              <a:rPr lang="ru-RU" i="1" dirty="0">
-                <a:ln w="0"/>
-                <a:solidFill>
-                  <a:schemeClr val="accent1"/>
-                </a:solidFill>
-                <a:effectLst>
-                  <a:outerShdw blurRad="38100" dist="25400" dir="5400000" algn="ctr" rotWithShape="0">
-                    <a:srgbClr val="6E747A">
-                      <a:alpha val="43000"/>
-                    </a:srgbClr>
-                  </a:outerShdw>
-                </a:effectLst>
-              </a:rPr>
-              <a:t>Этап обучения и применения</a:t>
-            </a:r>
-          </a:p>
-        </p:txBody>
-      </p:sp>
-      <p:sp>
-        <p:nvSpPr>
-          <p:cNvPr id="3" name="Объект 2"/>
-          <p:cNvSpPr>
-            <a:spLocks noGrp="1"/>
-          </p:cNvSpPr>
-          <p:nvPr>
-            <p:ph idx="1"/>
-          </p:nvPr>
-        </p:nvSpPr>
-        <p:spPr>
-          <a:xfrm>
-            <a:off x="838200" y="1825625"/>
-            <a:ext cx="10515600" cy="577850"/>
-          </a:xfrm>
-        </p:spPr>
-        <p:txBody>
-          <a:bodyPr>
-            <a:normAutofit/>
-          </a:bodyPr>
-          <a:lstStyle/>
-          <a:p>
-            <a:r>
-              <a:rPr lang="ru-RU" dirty="0" smtClean="0"/>
-              <a:t>Обучение. Строим алгоритм </a:t>
-            </a:r>
-            <a:r>
-              <a:rPr lang="en-US" i="1" dirty="0" smtClean="0"/>
-              <a:t>a</a:t>
-            </a:r>
-            <a:r>
-              <a:rPr lang="en-US" dirty="0" smtClean="0"/>
-              <a:t> </a:t>
-            </a:r>
-            <a:r>
-              <a:rPr lang="ru-RU" dirty="0" smtClean="0"/>
-              <a:t>по обучающей выборке: </a:t>
-            </a:r>
-          </a:p>
-          <a:p>
-            <a:endParaRPr lang="ru-RU" dirty="0"/>
-          </a:p>
-        </p:txBody>
-      </p:sp>
-      <p:graphicFrame>
-        <p:nvGraphicFramePr>
-          <p:cNvPr id="4" name="Объект 3"/>
-          <p:cNvGraphicFramePr>
-            <a:graphicFrameLocks noChangeAspect="1"/>
-          </p:cNvGraphicFramePr>
-          <p:nvPr>
-            <p:extLst>
-              <p:ext uri="{D42A27DB-BD31-4B8C-83A1-F6EECF244321}">
-                <p14:modId xmlns:p14="http://schemas.microsoft.com/office/powerpoint/2010/main" val="4182129851"/>
-              </p:ext>
-            </p:extLst>
-          </p:nvPr>
-        </p:nvGraphicFramePr>
-        <p:xfrm>
-          <a:off x="3867150" y="2301082"/>
-          <a:ext cx="3621087" cy="1598613"/>
-        </p:xfrm>
-        <a:graphic>
-          <a:graphicData uri="http://schemas.openxmlformats.org/presentationml/2006/ole">
-            <mc:AlternateContent xmlns:mc="http://schemas.openxmlformats.org/markup-compatibility/2006">
-              <mc:Choice xmlns:v="urn:schemas-microsoft-com:vml" Requires="v">
-                <p:oleObj spid="_x0000_s5156" name="Уравнение" r:id="rId3" imgW="1892160" imgH="838080" progId="Equation.3">
-                  <p:embed/>
-                </p:oleObj>
-              </mc:Choice>
-              <mc:Fallback>
-                <p:oleObj name="Уравнение" r:id="rId3" imgW="1892160" imgH="838080" progId="Equation.3">
-                  <p:embed/>
-                  <p:pic>
-                    <p:nvPicPr>
-                      <p:cNvPr id="0" name=""/>
-                      <p:cNvPicPr>
-                        <a:picLocks noChangeAspect="1" noChangeArrowheads="1"/>
-                      </p:cNvPicPr>
-                      <p:nvPr/>
-                    </p:nvPicPr>
-                    <p:blipFill>
-                      <a:blip r:embed="rId4"/>
-                      <a:srcRect/>
-                      <a:stretch>
-                        <a:fillRect/>
-                      </a:stretch>
-                    </p:blipFill>
-                    <p:spPr bwMode="auto">
-                      <a:xfrm>
-                        <a:off x="3867150" y="2301082"/>
-                        <a:ext cx="3621087" cy="1598613"/>
-                      </a:xfrm>
-                      <a:prstGeom prst="rect">
-                        <a:avLst/>
-                      </a:prstGeom>
-                      <a:noFill/>
-                      <a:ln>
-                        <a:noFill/>
-                      </a:ln>
-                    </p:spPr>
-                  </p:pic>
-                </p:oleObj>
-              </mc:Fallback>
-            </mc:AlternateContent>
-          </a:graphicData>
-        </a:graphic>
-      </p:graphicFrame>
-      <p:graphicFrame>
-        <p:nvGraphicFramePr>
-          <p:cNvPr id="5" name="Объект 4"/>
-          <p:cNvGraphicFramePr>
-            <a:graphicFrameLocks noChangeAspect="1"/>
-          </p:cNvGraphicFramePr>
-          <p:nvPr>
-            <p:extLst>
-              <p:ext uri="{D42A27DB-BD31-4B8C-83A1-F6EECF244321}">
-                <p14:modId xmlns:p14="http://schemas.microsoft.com/office/powerpoint/2010/main" val="3482894223"/>
-              </p:ext>
-            </p:extLst>
-          </p:nvPr>
-        </p:nvGraphicFramePr>
-        <p:xfrm>
-          <a:off x="3915569" y="4750594"/>
-          <a:ext cx="2989262" cy="1598612"/>
-        </p:xfrm>
-        <a:graphic>
-          <a:graphicData uri="http://schemas.openxmlformats.org/presentationml/2006/ole">
-            <mc:AlternateContent xmlns:mc="http://schemas.openxmlformats.org/markup-compatibility/2006">
-              <mc:Choice xmlns:v="urn:schemas-microsoft-com:vml" Requires="v">
-                <p:oleObj spid="_x0000_s5157" name="Уравнение" r:id="rId5" imgW="1562040" imgH="838080" progId="Equation.3">
-                  <p:embed/>
-                </p:oleObj>
-              </mc:Choice>
-              <mc:Fallback>
-                <p:oleObj name="Уравнение" r:id="rId5" imgW="1562040" imgH="838080" progId="Equation.3">
-                  <p:embed/>
-                  <p:pic>
-                    <p:nvPicPr>
-                      <p:cNvPr id="0" name=""/>
-                      <p:cNvPicPr>
-                        <a:picLocks noChangeAspect="1" noChangeArrowheads="1"/>
-                      </p:cNvPicPr>
-                      <p:nvPr/>
-                    </p:nvPicPr>
-                    <p:blipFill>
-                      <a:blip r:embed="rId6"/>
-                      <a:srcRect/>
-                      <a:stretch>
-                        <a:fillRect/>
-                      </a:stretch>
-                    </p:blipFill>
-                    <p:spPr bwMode="auto">
-                      <a:xfrm>
-                        <a:off x="3915569" y="4750594"/>
-                        <a:ext cx="2989262" cy="1598612"/>
-                      </a:xfrm>
-                      <a:prstGeom prst="rect">
-                        <a:avLst/>
-                      </a:prstGeom>
-                      <a:noFill/>
-                      <a:ln>
-                        <a:noFill/>
-                      </a:ln>
-                    </p:spPr>
-                  </p:pic>
-                </p:oleObj>
-              </mc:Fallback>
-            </mc:AlternateContent>
-          </a:graphicData>
-        </a:graphic>
-      </p:graphicFrame>
-      <p:sp>
-        <p:nvSpPr>
-          <p:cNvPr id="6" name="Объект 2"/>
-          <p:cNvSpPr txBox="1">
-            <a:spLocks/>
-          </p:cNvSpPr>
-          <p:nvPr/>
-        </p:nvSpPr>
-        <p:spPr>
-          <a:xfrm>
-            <a:off x="808038" y="4122737"/>
-            <a:ext cx="10515600" cy="577850"/>
-          </a:xfrm>
-          <a:prstGeom prst="rect">
-            <a:avLst/>
-          </a:prstGeom>
-        </p:spPr>
-        <p:txBody>
-          <a:bodyPr vert="horz" lIns="91440" tIns="45720" rIns="91440" bIns="45720" rtlCol="0">
-            <a:normAutofit/>
-          </a:bodyPr>
-          <a:lstStyle>
-            <a:lvl1pPr marL="228600" indent="-228600" algn="l" defTabSz="914400" rtl="0" eaLnBrk="1" latinLnBrk="0" hangingPunct="1">
-              <a:lnSpc>
-                <a:spcPct val="90000"/>
-              </a:lnSpc>
-              <a:spcBef>
-                <a:spcPts val="1000"/>
-              </a:spcBef>
-              <a:buFont typeface="Arial" panose="020B0604020202020204" pitchFamily="34" charset="0"/>
-              <a:buChar char="•"/>
-              <a:defRPr sz="2800" kern="1200">
-                <a:solidFill>
-                  <a:schemeClr val="tx1"/>
-                </a:solidFill>
-                <a:latin typeface="+mn-lt"/>
-                <a:ea typeface="+mn-ea"/>
-                <a:cs typeface="+mn-cs"/>
-              </a:defRPr>
-            </a:lvl1pPr>
-            <a:lvl2pPr marL="685800" indent="-228600" algn="l" defTabSz="914400" rtl="0" eaLnBrk="1" latinLnBrk="0" hangingPunct="1">
-              <a:lnSpc>
-                <a:spcPct val="90000"/>
-              </a:lnSpc>
-              <a:spcBef>
-                <a:spcPts val="500"/>
-              </a:spcBef>
-              <a:buFont typeface="Arial" panose="020B0604020202020204" pitchFamily="34" charset="0"/>
-              <a:buChar char="•"/>
-              <a:defRPr sz="2400" kern="1200">
-                <a:solidFill>
-                  <a:schemeClr val="tx1"/>
-                </a:solidFill>
-                <a:latin typeface="+mn-lt"/>
-                <a:ea typeface="+mn-ea"/>
-                <a:cs typeface="+mn-cs"/>
-              </a:defRPr>
-            </a:lvl2pPr>
-            <a:lvl3pPr marL="1143000" indent="-228600" algn="l" defTabSz="914400" rtl="0" eaLnBrk="1" latinLnBrk="0" hangingPunct="1">
-              <a:lnSpc>
-                <a:spcPct val="90000"/>
-              </a:lnSpc>
-              <a:spcBef>
-                <a:spcPts val="500"/>
-              </a:spcBef>
-              <a:buFont typeface="Arial" panose="020B0604020202020204" pitchFamily="34" charset="0"/>
-              <a:buChar char="•"/>
-              <a:defRPr sz="2000" kern="1200">
-                <a:solidFill>
-                  <a:schemeClr val="tx1"/>
-                </a:solidFill>
-                <a:latin typeface="+mn-lt"/>
-                <a:ea typeface="+mn-ea"/>
-                <a:cs typeface="+mn-cs"/>
-              </a:defRPr>
-            </a:lvl3pPr>
-            <a:lvl4pPr marL="1600200" indent="-228600" algn="l" defTabSz="914400" rtl="0" eaLnBrk="1" latinLnBrk="0" hangingPunct="1">
-              <a:lnSpc>
-                <a:spcPct val="90000"/>
-              </a:lnSpc>
-              <a:spcBef>
-                <a:spcPts val="500"/>
-              </a:spcBef>
-              <a:buFont typeface="Arial" panose="020B0604020202020204" pitchFamily="34" charset="0"/>
-              <a:buChar char="•"/>
-              <a:defRPr sz="1800" kern="1200">
-                <a:solidFill>
-                  <a:schemeClr val="tx1"/>
-                </a:solidFill>
-                <a:latin typeface="+mn-lt"/>
-                <a:ea typeface="+mn-ea"/>
-                <a:cs typeface="+mn-cs"/>
-              </a:defRPr>
-            </a:lvl4pPr>
-            <a:lvl5pPr marL="2057400" indent="-228600" algn="l" defTabSz="914400" rtl="0" eaLnBrk="1" latinLnBrk="0" hangingPunct="1">
-              <a:lnSpc>
-                <a:spcPct val="90000"/>
-              </a:lnSpc>
-              <a:spcBef>
-                <a:spcPts val="500"/>
-              </a:spcBef>
-              <a:buFont typeface="Arial" panose="020B0604020202020204" pitchFamily="34" charset="0"/>
-              <a:buChar char="•"/>
-              <a:defRPr sz="1800" kern="1200">
-                <a:solidFill>
-                  <a:schemeClr val="tx1"/>
-                </a:solidFill>
-                <a:latin typeface="+mn-lt"/>
-                <a:ea typeface="+mn-ea"/>
-                <a:cs typeface="+mn-cs"/>
-              </a:defRPr>
-            </a:lvl5pPr>
-            <a:lvl6pPr marL="2514600" indent="-228600" algn="l" defTabSz="914400" rtl="0" eaLnBrk="1" latinLnBrk="0" hangingPunct="1">
-              <a:lnSpc>
-                <a:spcPct val="90000"/>
-              </a:lnSpc>
-              <a:spcBef>
-                <a:spcPts val="500"/>
-              </a:spcBef>
-              <a:buFont typeface="Arial" panose="020B0604020202020204" pitchFamily="34" charset="0"/>
-              <a:buChar char="•"/>
-              <a:defRPr sz="1800" kern="1200">
-                <a:solidFill>
-                  <a:schemeClr val="tx1"/>
-                </a:solidFill>
-                <a:latin typeface="+mn-lt"/>
-                <a:ea typeface="+mn-ea"/>
-                <a:cs typeface="+mn-cs"/>
-              </a:defRPr>
-            </a:lvl6pPr>
-            <a:lvl7pPr marL="2971800" indent="-228600" algn="l" defTabSz="914400" rtl="0" eaLnBrk="1" latinLnBrk="0" hangingPunct="1">
-              <a:lnSpc>
-                <a:spcPct val="90000"/>
-              </a:lnSpc>
-              <a:spcBef>
-                <a:spcPts val="500"/>
-              </a:spcBef>
-              <a:buFont typeface="Arial" panose="020B0604020202020204" pitchFamily="34" charset="0"/>
-              <a:buChar char="•"/>
-              <a:defRPr sz="1800" kern="1200">
-                <a:solidFill>
-                  <a:schemeClr val="tx1"/>
-                </a:solidFill>
-                <a:latin typeface="+mn-lt"/>
-                <a:ea typeface="+mn-ea"/>
-                <a:cs typeface="+mn-cs"/>
-              </a:defRPr>
-            </a:lvl7pPr>
-            <a:lvl8pPr marL="3429000" indent="-228600" algn="l" defTabSz="914400" rtl="0" eaLnBrk="1" latinLnBrk="0" hangingPunct="1">
-              <a:lnSpc>
-                <a:spcPct val="90000"/>
-              </a:lnSpc>
-              <a:spcBef>
-                <a:spcPts val="500"/>
-              </a:spcBef>
-              <a:buFont typeface="Arial" panose="020B0604020202020204" pitchFamily="34" charset="0"/>
-              <a:buChar char="•"/>
-              <a:defRPr sz="1800" kern="1200">
-                <a:solidFill>
-                  <a:schemeClr val="tx1"/>
-                </a:solidFill>
-                <a:latin typeface="+mn-lt"/>
-                <a:ea typeface="+mn-ea"/>
-                <a:cs typeface="+mn-cs"/>
-              </a:defRPr>
-            </a:lvl8pPr>
-            <a:lvl9pPr marL="3886200" indent="-228600" algn="l" defTabSz="914400" rtl="0" eaLnBrk="1" latinLnBrk="0" hangingPunct="1">
-              <a:lnSpc>
-                <a:spcPct val="90000"/>
-              </a:lnSpc>
-              <a:spcBef>
-                <a:spcPts val="500"/>
-              </a:spcBef>
-              <a:buFont typeface="Arial" panose="020B0604020202020204" pitchFamily="34" charset="0"/>
-              <a:buChar char="•"/>
-              <a:defRPr sz="1800" kern="1200">
-                <a:solidFill>
-                  <a:schemeClr val="tx1"/>
-                </a:solidFill>
-                <a:latin typeface="+mn-lt"/>
-                <a:ea typeface="+mn-ea"/>
-                <a:cs typeface="+mn-cs"/>
-              </a:defRPr>
-            </a:lvl9pPr>
-          </a:lstStyle>
-          <a:p>
-            <a:r>
-              <a:rPr lang="ru-RU" dirty="0" smtClean="0"/>
-              <a:t>Применение. Алгоритм </a:t>
-            </a:r>
-            <a:r>
-              <a:rPr lang="ru-RU" i="1" dirty="0" smtClean="0"/>
-              <a:t>а</a:t>
-            </a:r>
-            <a:r>
-              <a:rPr lang="ru-RU" dirty="0" smtClean="0"/>
-              <a:t> для новых объектов выдает ответы: </a:t>
-            </a:r>
-          </a:p>
-          <a:p>
-            <a:endParaRPr lang="ru-RU" dirty="0"/>
-          </a:p>
-        </p:txBody>
-      </p:sp>
-      <p:sp>
-        <p:nvSpPr>
-          <p:cNvPr id="7" name="Прямоугольник 6"/>
-          <p:cNvSpPr/>
-          <p:nvPr/>
-        </p:nvSpPr>
-        <p:spPr>
-          <a:xfrm>
-            <a:off x="3867150" y="2388395"/>
-            <a:ext cx="3086100" cy="1528762"/>
-          </a:xfrm>
-          <a:prstGeom prst="rect">
-            <a:avLst/>
-          </a:prstGeom>
-          <a:noFill/>
-          <a:ln>
-            <a:solidFill>
-              <a:srgbClr val="FF0000"/>
-            </a:solidFill>
-          </a:ln>
-        </p:spPr>
-        <p:style>
-          <a:lnRef idx="2">
-            <a:schemeClr val="dk1"/>
-          </a:lnRef>
-          <a:fillRef idx="1">
-            <a:schemeClr val="lt1"/>
-          </a:fillRef>
-          <a:effectRef idx="0">
-            <a:schemeClr val="dk1"/>
-          </a:effectRef>
-          <a:fontRef idx="minor">
-            <a:schemeClr val="dk1"/>
-          </a:fontRef>
-        </p:style>
-        <p:txBody>
-          <a:bodyPr rtlCol="0" anchor="ctr"/>
-          <a:lstStyle/>
-          <a:p>
-            <a:pPr algn="ctr"/>
-            <a:endParaRPr lang="ru-RU"/>
-          </a:p>
-        </p:txBody>
-      </p:sp>
-      <p:sp>
-        <p:nvSpPr>
-          <p:cNvPr id="8" name="Номер слайда 7"/>
-          <p:cNvSpPr>
-            <a:spLocks noGrp="1"/>
-          </p:cNvSpPr>
-          <p:nvPr>
-            <p:ph type="sldNum" sz="quarter" idx="12"/>
-          </p:nvPr>
-        </p:nvSpPr>
-        <p:spPr/>
-        <p:txBody>
-          <a:bodyPr/>
-          <a:lstStyle/>
-          <a:p>
-            <a:fld id="{082C92E7-9338-4A04-8787-CAE1B2642B41}" type="slidenum">
-              <a:rPr lang="ru-RU" smtClean="0"/>
-              <a:t>9</a:t>
-            </a:fld>
-            <a:endParaRPr lang="ru-RU"/>
-          </a:p>
-        </p:txBody>
-      </p:sp>
-    </p:spTree>
-    <p:extLst>
-      <p:ext uri="{BB962C8B-B14F-4D97-AF65-F5344CB8AC3E}">
-        <p14:creationId xmlns:p14="http://schemas.microsoft.com/office/powerpoint/2010/main" val="1134640498"/>
       </p:ext>
     </p:extLst>
   </p:cSld>
@@ -13826,7 +14610,7 @@
   <a:extraClrSchemeLst/>
   <a:extLst>
     <a:ext uri="{05A4C25C-085E-4340-85A3-A5531E510DB2}">
-      <thm15:themeFamily xmlns:thm15="http://schemas.microsoft.com/office/thememl/2012/main" xmlns="" name="Office Theme" id="{62F939B6-93AF-4DB8-9C6B-D6C7DFDC589F}" vid="{4A3C46E8-61CC-4603-A589-7422A47A8E4A}"/>
+      <thm15:themeFamily xmlns:thm15="http://schemas.microsoft.com/office/thememl/2012/main" name="Office Theme" id="{62F939B6-93AF-4DB8-9C6B-D6C7DFDC589F}" vid="{4A3C46E8-61CC-4603-A589-7422A47A8E4A}"/>
     </a:ext>
   </a:extLst>
 </a:theme>
@@ -14087,7 +14871,7 @@
   <a:extraClrSchemeLst/>
   <a:extLst>
     <a:ext uri="{05A4C25C-085E-4340-85A3-A5531E510DB2}">
-      <thm15:themeFamily xmlns:thm15="http://schemas.microsoft.com/office/thememl/2012/main" xmlns="" name="Office Theme" id="{62F939B6-93AF-4DB8-9C6B-D6C7DFDC589F}" vid="{4A3C46E8-61CC-4603-A589-7422A47A8E4A}"/>
+      <thm15:themeFamily xmlns:thm15="http://schemas.microsoft.com/office/thememl/2012/main" name="Office Theme" id="{62F939B6-93AF-4DB8-9C6B-D6C7DFDC589F}" vid="{4A3C46E8-61CC-4603-A589-7422A47A8E4A}"/>
     </a:ext>
   </a:extLst>
 </a:theme>
